--- a/Doc/추진 계획서.pptx
+++ b/Doc/추진 계획서.pptx
@@ -10,9 +10,12 @@
     <p:sldId id="257" r:id="rId4"/>
     <p:sldId id="258" r:id="rId5"/>
     <p:sldId id="259" r:id="rId6"/>
-    <p:sldId id="260" r:id="rId7"/>
-    <p:sldId id="261" r:id="rId8"/>
-    <p:sldId id="262" r:id="rId9"/>
+    <p:sldId id="266" r:id="rId7"/>
+    <p:sldId id="264" r:id="rId8"/>
+    <p:sldId id="265" r:id="rId9"/>
+    <p:sldId id="260" r:id="rId10"/>
+    <p:sldId id="261" r:id="rId11"/>
+    <p:sldId id="262" r:id="rId12"/>
   </p:sldIdLst>
   <p:sldSz cx="12192000" cy="6858000"/>
   <p:notesSz cx="6858000" cy="9144000"/>
@@ -111,6 +114,11 @@
       </a:defRPr>
     </a:lvl9pPr>
   </p:defaultTextStyle>
+  <p:extLst>
+    <p:ext uri="{EFAFB233-063F-42B5-8137-9DF3F51BA10A}">
+      <p15:sldGuideLst xmlns:p15="http://schemas.microsoft.com/office/powerpoint/2012/main"/>
+    </p:ext>
+  </p:extLst>
 </p:presentation>
 </file>
 
@@ -261,7 +269,7 @@
           <a:p>
             <a:fld id="{F46C1602-576C-483E-A823-139C991F272A}" type="datetimeFigureOut">
               <a:rPr lang="ko-KR" altLang="en-US" smtClean="0"/>
-              <a:t>2022-10-26</a:t>
+              <a:t>2022-10-30</a:t>
             </a:fld>
             <a:endParaRPr lang="ko-KR" altLang="en-US"/>
           </a:p>
@@ -459,7 +467,7 @@
           <a:p>
             <a:fld id="{F46C1602-576C-483E-A823-139C991F272A}" type="datetimeFigureOut">
               <a:rPr lang="ko-KR" altLang="en-US" smtClean="0"/>
-              <a:t>2022-10-26</a:t>
+              <a:t>2022-10-30</a:t>
             </a:fld>
             <a:endParaRPr lang="ko-KR" altLang="en-US"/>
           </a:p>
@@ -667,7 +675,7 @@
           <a:p>
             <a:fld id="{F46C1602-576C-483E-A823-139C991F272A}" type="datetimeFigureOut">
               <a:rPr lang="ko-KR" altLang="en-US" smtClean="0"/>
-              <a:t>2022-10-26</a:t>
+              <a:t>2022-10-30</a:t>
             </a:fld>
             <a:endParaRPr lang="ko-KR" altLang="en-US"/>
           </a:p>
@@ -865,7 +873,7 @@
           <a:p>
             <a:fld id="{F46C1602-576C-483E-A823-139C991F272A}" type="datetimeFigureOut">
               <a:rPr lang="ko-KR" altLang="en-US" smtClean="0"/>
-              <a:t>2022-10-26</a:t>
+              <a:t>2022-10-30</a:t>
             </a:fld>
             <a:endParaRPr lang="ko-KR" altLang="en-US"/>
           </a:p>
@@ -1140,7 +1148,7 @@
           <a:p>
             <a:fld id="{F46C1602-576C-483E-A823-139C991F272A}" type="datetimeFigureOut">
               <a:rPr lang="ko-KR" altLang="en-US" smtClean="0"/>
-              <a:t>2022-10-26</a:t>
+              <a:t>2022-10-30</a:t>
             </a:fld>
             <a:endParaRPr lang="ko-KR" altLang="en-US"/>
           </a:p>
@@ -1405,7 +1413,7 @@
           <a:p>
             <a:fld id="{F46C1602-576C-483E-A823-139C991F272A}" type="datetimeFigureOut">
               <a:rPr lang="ko-KR" altLang="en-US" smtClean="0"/>
-              <a:t>2022-10-26</a:t>
+              <a:t>2022-10-30</a:t>
             </a:fld>
             <a:endParaRPr lang="ko-KR" altLang="en-US"/>
           </a:p>
@@ -1817,7 +1825,7 @@
           <a:p>
             <a:fld id="{F46C1602-576C-483E-A823-139C991F272A}" type="datetimeFigureOut">
               <a:rPr lang="ko-KR" altLang="en-US" smtClean="0"/>
-              <a:t>2022-10-26</a:t>
+              <a:t>2022-10-30</a:t>
             </a:fld>
             <a:endParaRPr lang="ko-KR" altLang="en-US"/>
           </a:p>
@@ -1958,7 +1966,7 @@
           <a:p>
             <a:fld id="{F46C1602-576C-483E-A823-139C991F272A}" type="datetimeFigureOut">
               <a:rPr lang="ko-KR" altLang="en-US" smtClean="0"/>
-              <a:t>2022-10-26</a:t>
+              <a:t>2022-10-30</a:t>
             </a:fld>
             <a:endParaRPr lang="ko-KR" altLang="en-US"/>
           </a:p>
@@ -2071,7 +2079,7 @@
           <a:p>
             <a:fld id="{F46C1602-576C-483E-A823-139C991F272A}" type="datetimeFigureOut">
               <a:rPr lang="ko-KR" altLang="en-US" smtClean="0"/>
-              <a:t>2022-10-26</a:t>
+              <a:t>2022-10-30</a:t>
             </a:fld>
             <a:endParaRPr lang="ko-KR" altLang="en-US"/>
           </a:p>
@@ -2382,7 +2390,7 @@
           <a:p>
             <a:fld id="{F46C1602-576C-483E-A823-139C991F272A}" type="datetimeFigureOut">
               <a:rPr lang="ko-KR" altLang="en-US" smtClean="0"/>
-              <a:t>2022-10-26</a:t>
+              <a:t>2022-10-30</a:t>
             </a:fld>
             <a:endParaRPr lang="ko-KR" altLang="en-US"/>
           </a:p>
@@ -2670,7 +2678,7 @@
           <a:p>
             <a:fld id="{F46C1602-576C-483E-A823-139C991F272A}" type="datetimeFigureOut">
               <a:rPr lang="ko-KR" altLang="en-US" smtClean="0"/>
-              <a:t>2022-10-26</a:t>
+              <a:t>2022-10-30</a:t>
             </a:fld>
             <a:endParaRPr lang="ko-KR" altLang="en-US"/>
           </a:p>
@@ -2911,7 +2919,7 @@
           <a:p>
             <a:fld id="{F46C1602-576C-483E-A823-139C991F272A}" type="datetimeFigureOut">
               <a:rPr lang="ko-KR" altLang="en-US" smtClean="0"/>
-              <a:t>2022-10-26</a:t>
+              <a:t>2022-10-30</a:t>
             </a:fld>
             <a:endParaRPr lang="ko-KR" altLang="en-US"/>
           </a:p>
@@ -3394,6 +3402,172 @@
 </p:sld>
 </file>
 
+<file path=ppt/slides/slide10.xml><?xml version="1.0" encoding="utf-8"?>
+<p:sld xmlns:a="http://schemas.openxmlformats.org/drawingml/2006/main" xmlns:r="http://schemas.openxmlformats.org/officeDocument/2006/relationships" xmlns:p="http://schemas.openxmlformats.org/presentationml/2006/main">
+  <p:cSld>
+    <p:spTree>
+      <p:nvGrpSpPr>
+        <p:cNvPr id="1" name=""/>
+        <p:cNvGrpSpPr/>
+        <p:nvPr/>
+      </p:nvGrpSpPr>
+      <p:grpSpPr>
+        <a:xfrm>
+          <a:off x="0" y="0"/>
+          <a:ext cx="0" cy="0"/>
+          <a:chOff x="0" y="0"/>
+          <a:chExt cx="0" cy="0"/>
+        </a:xfrm>
+      </p:grpSpPr>
+      <p:sp>
+        <p:nvSpPr>
+          <p:cNvPr id="2" name="제목 1">
+            <a:extLst>
+              <a:ext uri="{FF2B5EF4-FFF2-40B4-BE49-F238E27FC236}">
+                <a16:creationId xmlns:a16="http://schemas.microsoft.com/office/drawing/2014/main" id="{E249A6F7-B6AC-B8BA-A1B6-955E011B8817}"/>
+              </a:ext>
+            </a:extLst>
+          </p:cNvPr>
+          <p:cNvSpPr>
+            <a:spLocks noGrp="1"/>
+          </p:cNvSpPr>
+          <p:nvPr>
+            <p:ph type="title"/>
+          </p:nvPr>
+        </p:nvSpPr>
+        <p:spPr/>
+        <p:txBody>
+          <a:bodyPr/>
+          <a:lstStyle/>
+          <a:p>
+            <a:r>
+              <a:rPr lang="ko-KR" altLang="en-US" dirty="0"/>
+              <a:t>개발환경</a:t>
+            </a:r>
+          </a:p>
+        </p:txBody>
+      </p:sp>
+      <p:sp>
+        <p:nvSpPr>
+          <p:cNvPr id="3" name="내용 개체 틀 2">
+            <a:extLst>
+              <a:ext uri="{FF2B5EF4-FFF2-40B4-BE49-F238E27FC236}">
+                <a16:creationId xmlns:a16="http://schemas.microsoft.com/office/drawing/2014/main" id="{BA8B92A0-C6DC-D405-93E8-F83FB72ED344}"/>
+              </a:ext>
+            </a:extLst>
+          </p:cNvPr>
+          <p:cNvSpPr>
+            <a:spLocks noGrp="1"/>
+          </p:cNvSpPr>
+          <p:nvPr>
+            <p:ph idx="1"/>
+          </p:nvPr>
+        </p:nvSpPr>
+        <p:spPr/>
+        <p:txBody>
+          <a:bodyPr/>
+          <a:lstStyle/>
+          <a:p>
+            <a:endParaRPr lang="ko-KR" altLang="en-US"/>
+          </a:p>
+        </p:txBody>
+      </p:sp>
+    </p:spTree>
+    <p:extLst>
+      <p:ext uri="{BB962C8B-B14F-4D97-AF65-F5344CB8AC3E}">
+        <p14:creationId xmlns:p14="http://schemas.microsoft.com/office/powerpoint/2010/main" val="3410067479"/>
+      </p:ext>
+    </p:extLst>
+  </p:cSld>
+  <p:clrMapOvr>
+    <a:masterClrMapping/>
+  </p:clrMapOvr>
+</p:sld>
+</file>
+
+<file path=ppt/slides/slide11.xml><?xml version="1.0" encoding="utf-8"?>
+<p:sld xmlns:a="http://schemas.openxmlformats.org/drawingml/2006/main" xmlns:r="http://schemas.openxmlformats.org/officeDocument/2006/relationships" xmlns:p="http://schemas.openxmlformats.org/presentationml/2006/main">
+  <p:cSld>
+    <p:spTree>
+      <p:nvGrpSpPr>
+        <p:cNvPr id="1" name=""/>
+        <p:cNvGrpSpPr/>
+        <p:nvPr/>
+      </p:nvGrpSpPr>
+      <p:grpSpPr>
+        <a:xfrm>
+          <a:off x="0" y="0"/>
+          <a:ext cx="0" cy="0"/>
+          <a:chOff x="0" y="0"/>
+          <a:chExt cx="0" cy="0"/>
+        </a:xfrm>
+      </p:grpSpPr>
+      <p:sp>
+        <p:nvSpPr>
+          <p:cNvPr id="2" name="제목 1">
+            <a:extLst>
+              <a:ext uri="{FF2B5EF4-FFF2-40B4-BE49-F238E27FC236}">
+                <a16:creationId xmlns:a16="http://schemas.microsoft.com/office/drawing/2014/main" id="{D8277C97-48DF-7F22-C21A-0883DEBFD964}"/>
+              </a:ext>
+            </a:extLst>
+          </p:cNvPr>
+          <p:cNvSpPr>
+            <a:spLocks noGrp="1"/>
+          </p:cNvSpPr>
+          <p:nvPr>
+            <p:ph type="title"/>
+          </p:nvPr>
+        </p:nvSpPr>
+        <p:spPr/>
+        <p:txBody>
+          <a:bodyPr/>
+          <a:lstStyle/>
+          <a:p>
+            <a:r>
+              <a:rPr lang="ko-KR" altLang="en-US" dirty="0"/>
+              <a:t>개발일정</a:t>
+            </a:r>
+          </a:p>
+        </p:txBody>
+      </p:sp>
+      <p:sp>
+        <p:nvSpPr>
+          <p:cNvPr id="3" name="내용 개체 틀 2">
+            <a:extLst>
+              <a:ext uri="{FF2B5EF4-FFF2-40B4-BE49-F238E27FC236}">
+                <a16:creationId xmlns:a16="http://schemas.microsoft.com/office/drawing/2014/main" id="{CC916D45-F3B9-7328-33A2-01BE1AF7BEE2}"/>
+              </a:ext>
+            </a:extLst>
+          </p:cNvPr>
+          <p:cNvSpPr>
+            <a:spLocks noGrp="1"/>
+          </p:cNvSpPr>
+          <p:nvPr>
+            <p:ph idx="1"/>
+          </p:nvPr>
+        </p:nvSpPr>
+        <p:spPr/>
+        <p:txBody>
+          <a:bodyPr/>
+          <a:lstStyle/>
+          <a:p>
+            <a:endParaRPr lang="ko-KR" altLang="en-US"/>
+          </a:p>
+        </p:txBody>
+      </p:sp>
+    </p:spTree>
+    <p:extLst>
+      <p:ext uri="{BB962C8B-B14F-4D97-AF65-F5344CB8AC3E}">
+        <p14:creationId xmlns:p14="http://schemas.microsoft.com/office/powerpoint/2010/main" val="2814066124"/>
+      </p:ext>
+    </p:extLst>
+  </p:cSld>
+  <p:clrMapOvr>
+    <a:masterClrMapping/>
+  </p:clrMapOvr>
+</p:sld>
+</file>
+
 <file path=ppt/slides/slide2.xml><?xml version="1.0" encoding="utf-8"?>
 <p:sld xmlns:a="http://schemas.openxmlformats.org/drawingml/2006/main" xmlns:r="http://schemas.openxmlformats.org/officeDocument/2006/relationships" xmlns:p="http://schemas.openxmlformats.org/presentationml/2006/main">
   <p:cSld>
@@ -4373,7 +4547,7 @@
           <p:cNvPr id="2" name="제목 1">
             <a:extLst>
               <a:ext uri="{FF2B5EF4-FFF2-40B4-BE49-F238E27FC236}">
-                <a16:creationId xmlns:a16="http://schemas.microsoft.com/office/drawing/2014/main" id="{EEAB15AA-6B54-352C-BEFB-7ED0F526EAEB}"/>
+                <a16:creationId xmlns:a16="http://schemas.microsoft.com/office/drawing/2014/main" id="{389BF5A8-4E49-7671-5DA1-A9E255D4BAB7}"/>
               </a:ext>
             </a:extLst>
           </p:cNvPr>
@@ -4391,7 +4565,7 @@
           <a:p>
             <a:r>
               <a:rPr lang="ko-KR" altLang="en-US" dirty="0"/>
-              <a:t>팀원 별 역할분담</a:t>
+              <a:t>공용</a:t>
             </a:r>
           </a:p>
         </p:txBody>
@@ -4401,7 +4575,7 @@
           <p:cNvPr id="3" name="내용 개체 틀 2">
             <a:extLst>
               <a:ext uri="{FF2B5EF4-FFF2-40B4-BE49-F238E27FC236}">
-                <a16:creationId xmlns:a16="http://schemas.microsoft.com/office/drawing/2014/main" id="{DDB2FAB0-2CDF-D34B-7D0C-FFB8B66465BD}"/>
+                <a16:creationId xmlns:a16="http://schemas.microsoft.com/office/drawing/2014/main" id="{01AA6550-E0D4-1DA5-54CC-12E088B0A3B2}"/>
               </a:ext>
             </a:extLst>
           </p:cNvPr>
@@ -4417,14 +4591,14 @@
           <a:bodyPr/>
           <a:lstStyle/>
           <a:p>
-            <a:endParaRPr lang="ko-KR" altLang="en-US"/>
+            <a:endParaRPr lang="ko-KR" altLang="en-US" dirty="0"/>
           </a:p>
         </p:txBody>
       </p:sp>
     </p:spTree>
     <p:extLst>
       <p:ext uri="{BB962C8B-B14F-4D97-AF65-F5344CB8AC3E}">
-        <p14:creationId xmlns:p14="http://schemas.microsoft.com/office/powerpoint/2010/main" val="4173059141"/>
+        <p14:creationId xmlns:p14="http://schemas.microsoft.com/office/powerpoint/2010/main" val="2279615657"/>
       </p:ext>
     </p:extLst>
   </p:cSld>
@@ -4456,7 +4630,7 @@
           <p:cNvPr id="2" name="제목 1">
             <a:extLst>
               <a:ext uri="{FF2B5EF4-FFF2-40B4-BE49-F238E27FC236}">
-                <a16:creationId xmlns:a16="http://schemas.microsoft.com/office/drawing/2014/main" id="{E249A6F7-B6AC-B8BA-A1B6-955E011B8817}"/>
+                <a16:creationId xmlns:a16="http://schemas.microsoft.com/office/drawing/2014/main" id="{C229B225-D86E-F7B3-63D6-0E343AC6B07F}"/>
               </a:ext>
             </a:extLst>
           </p:cNvPr>
@@ -4473,9 +4647,10 @@
           <a:lstStyle/>
           <a:p>
             <a:r>
-              <a:rPr lang="ko-KR" altLang="en-US" dirty="0"/>
-              <a:t>개발환경</a:t>
-            </a:r>
+              <a:rPr lang="en-US" altLang="ko-KR" dirty="0"/>
+              <a:t>Client </a:t>
+            </a:r>
+            <a:endParaRPr lang="ko-KR" altLang="en-US" dirty="0"/>
           </a:p>
         </p:txBody>
       </p:sp>
@@ -4484,7 +4659,7 @@
           <p:cNvPr id="3" name="내용 개체 틀 2">
             <a:extLst>
               <a:ext uri="{FF2B5EF4-FFF2-40B4-BE49-F238E27FC236}">
-                <a16:creationId xmlns:a16="http://schemas.microsoft.com/office/drawing/2014/main" id="{BA8B92A0-C6DC-D405-93E8-F83FB72ED344}"/>
+                <a16:creationId xmlns:a16="http://schemas.microsoft.com/office/drawing/2014/main" id="{E3A521CE-6387-9213-D34F-8E6300A605CF}"/>
               </a:ext>
             </a:extLst>
           </p:cNvPr>
@@ -4507,7 +4682,7 @@
     </p:spTree>
     <p:extLst>
       <p:ext uri="{BB962C8B-B14F-4D97-AF65-F5344CB8AC3E}">
-        <p14:creationId xmlns:p14="http://schemas.microsoft.com/office/powerpoint/2010/main" val="3410067479"/>
+        <p14:creationId xmlns:p14="http://schemas.microsoft.com/office/powerpoint/2010/main" val="1837013046"/>
       </p:ext>
     </p:extLst>
   </p:cSld>
@@ -4539,7 +4714,7 @@
           <p:cNvPr id="2" name="제목 1">
             <a:extLst>
               <a:ext uri="{FF2B5EF4-FFF2-40B4-BE49-F238E27FC236}">
-                <a16:creationId xmlns:a16="http://schemas.microsoft.com/office/drawing/2014/main" id="{D8277C97-48DF-7F22-C21A-0883DEBFD964}"/>
+                <a16:creationId xmlns:a16="http://schemas.microsoft.com/office/drawing/2014/main" id="{3804E97D-F261-E022-0769-AF48AF3839BC}"/>
               </a:ext>
             </a:extLst>
           </p:cNvPr>
@@ -4556,9 +4731,10 @@
           <a:lstStyle/>
           <a:p>
             <a:r>
-              <a:rPr lang="ko-KR" altLang="en-US" dirty="0"/>
-              <a:t>개발일정</a:t>
-            </a:r>
+              <a:rPr lang="en-US" altLang="ko-KR" dirty="0"/>
+              <a:t>Server</a:t>
+            </a:r>
+            <a:endParaRPr lang="ko-KR" altLang="en-US" dirty="0"/>
           </a:p>
         </p:txBody>
       </p:sp>
@@ -4567,7 +4743,7 @@
           <p:cNvPr id="3" name="내용 개체 틀 2">
             <a:extLst>
               <a:ext uri="{FF2B5EF4-FFF2-40B4-BE49-F238E27FC236}">
-                <a16:creationId xmlns:a16="http://schemas.microsoft.com/office/drawing/2014/main" id="{CC916D45-F3B9-7328-33A2-01BE1AF7BEE2}"/>
+                <a16:creationId xmlns:a16="http://schemas.microsoft.com/office/drawing/2014/main" id="{B82E9AEB-F814-7AED-98DC-0C8AFF1B9A2D}"/>
               </a:ext>
             </a:extLst>
           </p:cNvPr>
@@ -4590,7 +4766,90 @@
     </p:spTree>
     <p:extLst>
       <p:ext uri="{BB962C8B-B14F-4D97-AF65-F5344CB8AC3E}">
-        <p14:creationId xmlns:p14="http://schemas.microsoft.com/office/powerpoint/2010/main" val="2814066124"/>
+        <p14:creationId xmlns:p14="http://schemas.microsoft.com/office/powerpoint/2010/main" val="1472662100"/>
+      </p:ext>
+    </p:extLst>
+  </p:cSld>
+  <p:clrMapOvr>
+    <a:masterClrMapping/>
+  </p:clrMapOvr>
+</p:sld>
+</file>
+
+<file path=ppt/slides/slide9.xml><?xml version="1.0" encoding="utf-8"?>
+<p:sld xmlns:a="http://schemas.openxmlformats.org/drawingml/2006/main" xmlns:r="http://schemas.openxmlformats.org/officeDocument/2006/relationships" xmlns:p="http://schemas.openxmlformats.org/presentationml/2006/main">
+  <p:cSld>
+    <p:spTree>
+      <p:nvGrpSpPr>
+        <p:cNvPr id="1" name=""/>
+        <p:cNvGrpSpPr/>
+        <p:nvPr/>
+      </p:nvGrpSpPr>
+      <p:grpSpPr>
+        <a:xfrm>
+          <a:off x="0" y="0"/>
+          <a:ext cx="0" cy="0"/>
+          <a:chOff x="0" y="0"/>
+          <a:chExt cx="0" cy="0"/>
+        </a:xfrm>
+      </p:grpSpPr>
+      <p:sp>
+        <p:nvSpPr>
+          <p:cNvPr id="2" name="제목 1">
+            <a:extLst>
+              <a:ext uri="{FF2B5EF4-FFF2-40B4-BE49-F238E27FC236}">
+                <a16:creationId xmlns:a16="http://schemas.microsoft.com/office/drawing/2014/main" id="{EEAB15AA-6B54-352C-BEFB-7ED0F526EAEB}"/>
+              </a:ext>
+            </a:extLst>
+          </p:cNvPr>
+          <p:cNvSpPr>
+            <a:spLocks noGrp="1"/>
+          </p:cNvSpPr>
+          <p:nvPr>
+            <p:ph type="title"/>
+          </p:nvPr>
+        </p:nvSpPr>
+        <p:spPr/>
+        <p:txBody>
+          <a:bodyPr/>
+          <a:lstStyle/>
+          <a:p>
+            <a:r>
+              <a:rPr lang="ko-KR" altLang="en-US" dirty="0"/>
+              <a:t>팀원 별 역할분담</a:t>
+            </a:r>
+          </a:p>
+        </p:txBody>
+      </p:sp>
+      <p:sp>
+        <p:nvSpPr>
+          <p:cNvPr id="3" name="내용 개체 틀 2">
+            <a:extLst>
+              <a:ext uri="{FF2B5EF4-FFF2-40B4-BE49-F238E27FC236}">
+                <a16:creationId xmlns:a16="http://schemas.microsoft.com/office/drawing/2014/main" id="{DDB2FAB0-2CDF-D34B-7D0C-FFB8B66465BD}"/>
+              </a:ext>
+            </a:extLst>
+          </p:cNvPr>
+          <p:cNvSpPr>
+            <a:spLocks noGrp="1"/>
+          </p:cNvSpPr>
+          <p:nvPr>
+            <p:ph idx="1"/>
+          </p:nvPr>
+        </p:nvSpPr>
+        <p:spPr/>
+        <p:txBody>
+          <a:bodyPr/>
+          <a:lstStyle/>
+          <a:p>
+            <a:endParaRPr lang="ko-KR" altLang="en-US"/>
+          </a:p>
+        </p:txBody>
+      </p:sp>
+    </p:spTree>
+    <p:extLst>
+      <p:ext uri="{BB962C8B-B14F-4D97-AF65-F5344CB8AC3E}">
+        <p14:creationId xmlns:p14="http://schemas.microsoft.com/office/powerpoint/2010/main" val="4173059141"/>
       </p:ext>
     </p:extLst>
   </p:cSld>

--- a/Doc/추진 계획서.pptx
+++ b/Doc/추진 계획서.pptx
@@ -10,12 +10,13 @@
     <p:sldId id="257" r:id="rId4"/>
     <p:sldId id="258" r:id="rId5"/>
     <p:sldId id="259" r:id="rId6"/>
-    <p:sldId id="266" r:id="rId7"/>
-    <p:sldId id="264" r:id="rId8"/>
-    <p:sldId id="265" r:id="rId9"/>
-    <p:sldId id="260" r:id="rId10"/>
-    <p:sldId id="261" r:id="rId11"/>
-    <p:sldId id="262" r:id="rId12"/>
+    <p:sldId id="267" r:id="rId7"/>
+    <p:sldId id="266" r:id="rId8"/>
+    <p:sldId id="264" r:id="rId9"/>
+    <p:sldId id="265" r:id="rId10"/>
+    <p:sldId id="260" r:id="rId11"/>
+    <p:sldId id="261" r:id="rId12"/>
+    <p:sldId id="262" r:id="rId13"/>
   </p:sldIdLst>
   <p:sldSz cx="12192000" cy="6858000"/>
   <p:notesSz cx="6858000" cy="9144000"/>
@@ -269,7 +270,7 @@
           <a:p>
             <a:fld id="{F46C1602-576C-483E-A823-139C991F272A}" type="datetimeFigureOut">
               <a:rPr lang="ko-KR" altLang="en-US" smtClean="0"/>
-              <a:t>2022-10-30</a:t>
+              <a:t>2022-11-02</a:t>
             </a:fld>
             <a:endParaRPr lang="ko-KR" altLang="en-US"/>
           </a:p>
@@ -467,7 +468,7 @@
           <a:p>
             <a:fld id="{F46C1602-576C-483E-A823-139C991F272A}" type="datetimeFigureOut">
               <a:rPr lang="ko-KR" altLang="en-US" smtClean="0"/>
-              <a:t>2022-10-30</a:t>
+              <a:t>2022-11-02</a:t>
             </a:fld>
             <a:endParaRPr lang="ko-KR" altLang="en-US"/>
           </a:p>
@@ -675,7 +676,7 @@
           <a:p>
             <a:fld id="{F46C1602-576C-483E-A823-139C991F272A}" type="datetimeFigureOut">
               <a:rPr lang="ko-KR" altLang="en-US" smtClean="0"/>
-              <a:t>2022-10-30</a:t>
+              <a:t>2022-11-02</a:t>
             </a:fld>
             <a:endParaRPr lang="ko-KR" altLang="en-US"/>
           </a:p>
@@ -873,7 +874,7 @@
           <a:p>
             <a:fld id="{F46C1602-576C-483E-A823-139C991F272A}" type="datetimeFigureOut">
               <a:rPr lang="ko-KR" altLang="en-US" smtClean="0"/>
-              <a:t>2022-10-30</a:t>
+              <a:t>2022-11-02</a:t>
             </a:fld>
             <a:endParaRPr lang="ko-KR" altLang="en-US"/>
           </a:p>
@@ -1148,7 +1149,7 @@
           <a:p>
             <a:fld id="{F46C1602-576C-483E-A823-139C991F272A}" type="datetimeFigureOut">
               <a:rPr lang="ko-KR" altLang="en-US" smtClean="0"/>
-              <a:t>2022-10-30</a:t>
+              <a:t>2022-11-02</a:t>
             </a:fld>
             <a:endParaRPr lang="ko-KR" altLang="en-US"/>
           </a:p>
@@ -1413,7 +1414,7 @@
           <a:p>
             <a:fld id="{F46C1602-576C-483E-A823-139C991F272A}" type="datetimeFigureOut">
               <a:rPr lang="ko-KR" altLang="en-US" smtClean="0"/>
-              <a:t>2022-10-30</a:t>
+              <a:t>2022-11-02</a:t>
             </a:fld>
             <a:endParaRPr lang="ko-KR" altLang="en-US"/>
           </a:p>
@@ -1825,7 +1826,7 @@
           <a:p>
             <a:fld id="{F46C1602-576C-483E-A823-139C991F272A}" type="datetimeFigureOut">
               <a:rPr lang="ko-KR" altLang="en-US" smtClean="0"/>
-              <a:t>2022-10-30</a:t>
+              <a:t>2022-11-02</a:t>
             </a:fld>
             <a:endParaRPr lang="ko-KR" altLang="en-US"/>
           </a:p>
@@ -1966,7 +1967,7 @@
           <a:p>
             <a:fld id="{F46C1602-576C-483E-A823-139C991F272A}" type="datetimeFigureOut">
               <a:rPr lang="ko-KR" altLang="en-US" smtClean="0"/>
-              <a:t>2022-10-30</a:t>
+              <a:t>2022-11-02</a:t>
             </a:fld>
             <a:endParaRPr lang="ko-KR" altLang="en-US"/>
           </a:p>
@@ -2079,7 +2080,7 @@
           <a:p>
             <a:fld id="{F46C1602-576C-483E-A823-139C991F272A}" type="datetimeFigureOut">
               <a:rPr lang="ko-KR" altLang="en-US" smtClean="0"/>
-              <a:t>2022-10-30</a:t>
+              <a:t>2022-11-02</a:t>
             </a:fld>
             <a:endParaRPr lang="ko-KR" altLang="en-US"/>
           </a:p>
@@ -2390,7 +2391,7 @@
           <a:p>
             <a:fld id="{F46C1602-576C-483E-A823-139C991F272A}" type="datetimeFigureOut">
               <a:rPr lang="ko-KR" altLang="en-US" smtClean="0"/>
-              <a:t>2022-10-30</a:t>
+              <a:t>2022-11-02</a:t>
             </a:fld>
             <a:endParaRPr lang="ko-KR" altLang="en-US"/>
           </a:p>
@@ -2678,7 +2679,7 @@
           <a:p>
             <a:fld id="{F46C1602-576C-483E-A823-139C991F272A}" type="datetimeFigureOut">
               <a:rPr lang="ko-KR" altLang="en-US" smtClean="0"/>
-              <a:t>2022-10-30</a:t>
+              <a:t>2022-11-02</a:t>
             </a:fld>
             <a:endParaRPr lang="ko-KR" altLang="en-US"/>
           </a:p>
@@ -2919,7 +2920,7 @@
           <a:p>
             <a:fld id="{F46C1602-576C-483E-A823-139C991F272A}" type="datetimeFigureOut">
               <a:rPr lang="ko-KR" altLang="en-US" smtClean="0"/>
-              <a:t>2022-10-30</a:t>
+              <a:t>2022-11-02</a:t>
             </a:fld>
             <a:endParaRPr lang="ko-KR" altLang="en-US"/>
           </a:p>
@@ -3424,6 +3425,89 @@
           <p:cNvPr id="2" name="제목 1">
             <a:extLst>
               <a:ext uri="{FF2B5EF4-FFF2-40B4-BE49-F238E27FC236}">
+                <a16:creationId xmlns:a16="http://schemas.microsoft.com/office/drawing/2014/main" id="{EEAB15AA-6B54-352C-BEFB-7ED0F526EAEB}"/>
+              </a:ext>
+            </a:extLst>
+          </p:cNvPr>
+          <p:cNvSpPr>
+            <a:spLocks noGrp="1"/>
+          </p:cNvSpPr>
+          <p:nvPr>
+            <p:ph type="title"/>
+          </p:nvPr>
+        </p:nvSpPr>
+        <p:spPr/>
+        <p:txBody>
+          <a:bodyPr/>
+          <a:lstStyle/>
+          <a:p>
+            <a:r>
+              <a:rPr lang="ko-KR" altLang="en-US" dirty="0"/>
+              <a:t>팀원 별 역할분담</a:t>
+            </a:r>
+          </a:p>
+        </p:txBody>
+      </p:sp>
+      <p:sp>
+        <p:nvSpPr>
+          <p:cNvPr id="3" name="내용 개체 틀 2">
+            <a:extLst>
+              <a:ext uri="{FF2B5EF4-FFF2-40B4-BE49-F238E27FC236}">
+                <a16:creationId xmlns:a16="http://schemas.microsoft.com/office/drawing/2014/main" id="{DDB2FAB0-2CDF-D34B-7D0C-FFB8B66465BD}"/>
+              </a:ext>
+            </a:extLst>
+          </p:cNvPr>
+          <p:cNvSpPr>
+            <a:spLocks noGrp="1"/>
+          </p:cNvSpPr>
+          <p:nvPr>
+            <p:ph idx="1"/>
+          </p:nvPr>
+        </p:nvSpPr>
+        <p:spPr/>
+        <p:txBody>
+          <a:bodyPr/>
+          <a:lstStyle/>
+          <a:p>
+            <a:endParaRPr lang="ko-KR" altLang="en-US"/>
+          </a:p>
+        </p:txBody>
+      </p:sp>
+    </p:spTree>
+    <p:extLst>
+      <p:ext uri="{BB962C8B-B14F-4D97-AF65-F5344CB8AC3E}">
+        <p14:creationId xmlns:p14="http://schemas.microsoft.com/office/powerpoint/2010/main" val="4173059141"/>
+      </p:ext>
+    </p:extLst>
+  </p:cSld>
+  <p:clrMapOvr>
+    <a:masterClrMapping/>
+  </p:clrMapOvr>
+</p:sld>
+</file>
+
+<file path=ppt/slides/slide11.xml><?xml version="1.0" encoding="utf-8"?>
+<p:sld xmlns:a="http://schemas.openxmlformats.org/drawingml/2006/main" xmlns:r="http://schemas.openxmlformats.org/officeDocument/2006/relationships" xmlns:p="http://schemas.openxmlformats.org/presentationml/2006/main">
+  <p:cSld>
+    <p:spTree>
+      <p:nvGrpSpPr>
+        <p:cNvPr id="1" name=""/>
+        <p:cNvGrpSpPr/>
+        <p:nvPr/>
+      </p:nvGrpSpPr>
+      <p:grpSpPr>
+        <a:xfrm>
+          <a:off x="0" y="0"/>
+          <a:ext cx="0" cy="0"/>
+          <a:chOff x="0" y="0"/>
+          <a:chExt cx="0" cy="0"/>
+        </a:xfrm>
+      </p:grpSpPr>
+      <p:sp>
+        <p:nvSpPr>
+          <p:cNvPr id="2" name="제목 1">
+            <a:extLst>
+              <a:ext uri="{FF2B5EF4-FFF2-40B4-BE49-F238E27FC236}">
                 <a16:creationId xmlns:a16="http://schemas.microsoft.com/office/drawing/2014/main" id="{E249A6F7-B6AC-B8BA-A1B6-955E011B8817}"/>
               </a:ext>
             </a:extLst>
@@ -3485,7 +3569,7 @@
 </p:sld>
 </file>
 
-<file path=ppt/slides/slide11.xml><?xml version="1.0" encoding="utf-8"?>
+<file path=ppt/slides/slide12.xml><?xml version="1.0" encoding="utf-8"?>
 <p:sld xmlns:a="http://schemas.openxmlformats.org/drawingml/2006/main" xmlns:r="http://schemas.openxmlformats.org/officeDocument/2006/relationships" xmlns:p="http://schemas.openxmlformats.org/presentationml/2006/main">
   <p:cSld>
     <p:spTree>
@@ -4547,7 +4631,7 @@
           <p:cNvPr id="2" name="제목 1">
             <a:extLst>
               <a:ext uri="{FF2B5EF4-FFF2-40B4-BE49-F238E27FC236}">
-                <a16:creationId xmlns:a16="http://schemas.microsoft.com/office/drawing/2014/main" id="{389BF5A8-4E49-7671-5DA1-A9E255D4BAB7}"/>
+                <a16:creationId xmlns:a16="http://schemas.microsoft.com/office/drawing/2014/main" id="{A472513F-4BD2-76DA-4110-48164CEB0810}"/>
               </a:ext>
             </a:extLst>
           </p:cNvPr>
@@ -4565,8 +4649,13 @@
           <a:p>
             <a:r>
               <a:rPr lang="ko-KR" altLang="en-US" dirty="0"/>
-              <a:t>공용</a:t>
-            </a:r>
+              <a:t>통신 </a:t>
+            </a:r>
+            <a:r>
+              <a:rPr lang="en-US" altLang="ko-KR" dirty="0"/>
+              <a:t>1</a:t>
+            </a:r>
+            <a:endParaRPr lang="ko-KR" altLang="en-US" dirty="0"/>
           </a:p>
         </p:txBody>
       </p:sp>
@@ -4575,7 +4664,7 @@
           <p:cNvPr id="3" name="내용 개체 틀 2">
             <a:extLst>
               <a:ext uri="{FF2B5EF4-FFF2-40B4-BE49-F238E27FC236}">
-                <a16:creationId xmlns:a16="http://schemas.microsoft.com/office/drawing/2014/main" id="{01AA6550-E0D4-1DA5-54CC-12E088B0A3B2}"/>
+                <a16:creationId xmlns:a16="http://schemas.microsoft.com/office/drawing/2014/main" id="{E4C8DB3D-3E42-686A-7256-931C1327C415}"/>
               </a:ext>
             </a:extLst>
           </p:cNvPr>
@@ -4591,14 +4680,183 @@
           <a:bodyPr/>
           <a:lstStyle/>
           <a:p>
-            <a:endParaRPr lang="ko-KR" altLang="en-US" dirty="0"/>
+            <a:r>
+              <a:rPr lang="en-US" altLang="ko-KR" dirty="0"/>
+              <a:t>Server</a:t>
+            </a:r>
+            <a:r>
+              <a:rPr lang="ko-KR" altLang="en-US" dirty="0"/>
+              <a:t> </a:t>
+            </a:r>
+            <a:r>
+              <a:rPr lang="en-US" altLang="ko-KR" dirty="0"/>
+              <a:t>listen()</a:t>
+            </a:r>
+            <a:r>
+              <a:rPr lang="ko-KR" altLang="en-US" dirty="0"/>
+              <a:t>까지 정리</a:t>
+            </a:r>
+            <a:r>
+              <a:rPr lang="en-US" altLang="ko-KR" dirty="0"/>
+              <a:t>.</a:t>
+            </a:r>
+          </a:p>
+          <a:p>
+            <a:r>
+              <a:rPr lang="en-US" altLang="ko-KR" dirty="0"/>
+              <a:t>Client</a:t>
+            </a:r>
+            <a:r>
+              <a:rPr lang="ko-KR" altLang="en-US" dirty="0"/>
+              <a:t>에서 </a:t>
+            </a:r>
+            <a:r>
+              <a:rPr lang="en-US" altLang="ko-KR" dirty="0"/>
+              <a:t>Connect()</a:t>
+            </a:r>
+            <a:r>
+              <a:rPr lang="ko-KR" altLang="en-US" dirty="0"/>
+              <a:t>를 부르고 </a:t>
+            </a:r>
+            <a:r>
+              <a:rPr lang="en-US" altLang="ko-KR" dirty="0"/>
+              <a:t>Server</a:t>
+            </a:r>
+            <a:r>
+              <a:rPr lang="ko-KR" altLang="en-US" dirty="0"/>
+              <a:t>에서 </a:t>
+            </a:r>
+            <a:r>
+              <a:rPr lang="en-US" altLang="ko-KR" dirty="0"/>
+              <a:t>accept().</a:t>
+            </a:r>
+          </a:p>
+          <a:p>
+            <a:r>
+              <a:rPr lang="ko-KR" altLang="en-US" dirty="0"/>
+              <a:t>서버의 </a:t>
+            </a:r>
+            <a:r>
+              <a:rPr lang="en-US" altLang="ko-KR" dirty="0" err="1"/>
+              <a:t>PlayerManager</a:t>
+            </a:r>
+            <a:r>
+              <a:rPr lang="ko-KR" altLang="en-US" dirty="0"/>
+              <a:t>가 </a:t>
+            </a:r>
+            <a:r>
+              <a:rPr lang="en-US" altLang="ko-KR" dirty="0" err="1"/>
+              <a:t>CheckGame</a:t>
+            </a:r>
+            <a:r>
+              <a:rPr lang="en-US" altLang="ko-KR" dirty="0"/>
+              <a:t>()</a:t>
+            </a:r>
+            <a:r>
+              <a:rPr lang="ko-KR" altLang="en-US" dirty="0"/>
+              <a:t>으로 게임들을 확인해 빈 자리가 있는 게임의 </a:t>
+            </a:r>
+            <a:r>
+              <a:rPr lang="en-US" altLang="ko-KR" dirty="0"/>
+              <a:t>index</a:t>
+            </a:r>
+            <a:r>
+              <a:rPr lang="ko-KR" altLang="en-US" dirty="0"/>
+              <a:t>를 반환한다</a:t>
+            </a:r>
+            <a:r>
+              <a:rPr lang="en-US" altLang="ko-KR" dirty="0"/>
+              <a:t>.</a:t>
+            </a:r>
+          </a:p>
+          <a:p>
+            <a:r>
+              <a:rPr lang="ko-KR" altLang="en-US" dirty="0"/>
+              <a:t>없다면 새로운 게임을 만들어 그 게임의 </a:t>
+            </a:r>
+            <a:r>
+              <a:rPr lang="en-US" altLang="ko-KR" dirty="0"/>
+              <a:t>index</a:t>
+            </a:r>
+            <a:r>
+              <a:rPr lang="ko-KR" altLang="en-US" dirty="0"/>
+              <a:t>를 반환한다</a:t>
+            </a:r>
+            <a:r>
+              <a:rPr lang="en-US" altLang="ko-KR" dirty="0"/>
+              <a:t>.</a:t>
+            </a:r>
+          </a:p>
+          <a:p>
+            <a:r>
+              <a:rPr lang="en-US" altLang="ko-KR" dirty="0" err="1"/>
+              <a:t>MakePlayer</a:t>
+            </a:r>
+            <a:r>
+              <a:rPr lang="en-US" altLang="ko-KR" dirty="0"/>
+              <a:t>()</a:t>
+            </a:r>
+            <a:r>
+              <a:rPr lang="ko-KR" altLang="en-US" dirty="0"/>
+              <a:t>로 해당 </a:t>
+            </a:r>
+            <a:r>
+              <a:rPr lang="en-US" altLang="ko-KR" dirty="0"/>
+              <a:t>index</a:t>
+            </a:r>
+            <a:r>
+              <a:rPr lang="ko-KR" altLang="en-US" dirty="0"/>
+              <a:t>의 게임에 플레이어 오브젝트를 만들고 그 오브젝트의 </a:t>
+            </a:r>
+            <a:r>
+              <a:rPr lang="en-US" altLang="ko-KR" dirty="0"/>
+              <a:t>index</a:t>
+            </a:r>
+            <a:r>
+              <a:rPr lang="ko-KR" altLang="en-US" dirty="0"/>
+              <a:t>를 반환한다</a:t>
+            </a:r>
+            <a:r>
+              <a:rPr lang="en-US" altLang="ko-KR" dirty="0"/>
+              <a:t>.</a:t>
+            </a:r>
+          </a:p>
+          <a:p>
+            <a:r>
+              <a:rPr lang="en-US" altLang="ko-KR" dirty="0"/>
+              <a:t>Server</a:t>
+            </a:r>
+            <a:r>
+              <a:rPr lang="ko-KR" altLang="en-US" dirty="0"/>
+              <a:t>에서 </a:t>
+            </a:r>
+            <a:r>
+              <a:rPr lang="en-US" altLang="ko-KR" dirty="0"/>
+              <a:t>Client</a:t>
+            </a:r>
+            <a:r>
+              <a:rPr lang="ko-KR" altLang="en-US" dirty="0"/>
+              <a:t>로 해당 </a:t>
+            </a:r>
+            <a:r>
+              <a:rPr lang="en-US" altLang="ko-KR" dirty="0"/>
+              <a:t>index</a:t>
+            </a:r>
+            <a:r>
+              <a:rPr lang="ko-KR" altLang="en-US" dirty="0"/>
+              <a:t>를 보낸다</a:t>
+            </a:r>
+            <a:r>
+              <a:rPr lang="en-US" altLang="ko-KR" dirty="0"/>
+              <a:t>.</a:t>
+            </a:r>
           </a:p>
         </p:txBody>
       </p:sp>
     </p:spTree>
     <p:extLst>
       <p:ext uri="{BB962C8B-B14F-4D97-AF65-F5344CB8AC3E}">
-        <p14:creationId xmlns:p14="http://schemas.microsoft.com/office/powerpoint/2010/main" val="2279615657"/>
+        <p14:creationId xmlns:p14="http://schemas.microsoft.com/office/powerpoint/2010/main" val="1718134847"/>
       </p:ext>
     </p:extLst>
   </p:cSld>
@@ -4630,7 +4888,7 @@
           <p:cNvPr id="2" name="제목 1">
             <a:extLst>
               <a:ext uri="{FF2B5EF4-FFF2-40B4-BE49-F238E27FC236}">
-                <a16:creationId xmlns:a16="http://schemas.microsoft.com/office/drawing/2014/main" id="{C229B225-D86E-F7B3-63D6-0E343AC6B07F}"/>
+                <a16:creationId xmlns:a16="http://schemas.microsoft.com/office/drawing/2014/main" id="{389BF5A8-4E49-7671-5DA1-A9E255D4BAB7}"/>
               </a:ext>
             </a:extLst>
           </p:cNvPr>
@@ -4647,42 +4905,41 @@
           <a:lstStyle/>
           <a:p>
             <a:r>
-              <a:rPr lang="en-US" altLang="ko-KR" dirty="0"/>
-              <a:t>Client </a:t>
-            </a:r>
+              <a:rPr lang="ko-KR" altLang="en-US" dirty="0"/>
+              <a:t>공용</a:t>
+            </a:r>
+          </a:p>
+        </p:txBody>
+      </p:sp>
+      <p:sp>
+        <p:nvSpPr>
+          <p:cNvPr id="3" name="내용 개체 틀 2">
+            <a:extLst>
+              <a:ext uri="{FF2B5EF4-FFF2-40B4-BE49-F238E27FC236}">
+                <a16:creationId xmlns:a16="http://schemas.microsoft.com/office/drawing/2014/main" id="{01AA6550-E0D4-1DA5-54CC-12E088B0A3B2}"/>
+              </a:ext>
+            </a:extLst>
+          </p:cNvPr>
+          <p:cNvSpPr>
+            <a:spLocks noGrp="1"/>
+          </p:cNvSpPr>
+          <p:nvPr>
+            <p:ph idx="1"/>
+          </p:nvPr>
+        </p:nvSpPr>
+        <p:spPr/>
+        <p:txBody>
+          <a:bodyPr/>
+          <a:lstStyle/>
+          <a:p>
             <a:endParaRPr lang="ko-KR" altLang="en-US" dirty="0"/>
-          </a:p>
-        </p:txBody>
-      </p:sp>
-      <p:sp>
-        <p:nvSpPr>
-          <p:cNvPr id="3" name="내용 개체 틀 2">
-            <a:extLst>
-              <a:ext uri="{FF2B5EF4-FFF2-40B4-BE49-F238E27FC236}">
-                <a16:creationId xmlns:a16="http://schemas.microsoft.com/office/drawing/2014/main" id="{E3A521CE-6387-9213-D34F-8E6300A605CF}"/>
-              </a:ext>
-            </a:extLst>
-          </p:cNvPr>
-          <p:cNvSpPr>
-            <a:spLocks noGrp="1"/>
-          </p:cNvSpPr>
-          <p:nvPr>
-            <p:ph idx="1"/>
-          </p:nvPr>
-        </p:nvSpPr>
-        <p:spPr/>
-        <p:txBody>
-          <a:bodyPr/>
-          <a:lstStyle/>
-          <a:p>
-            <a:endParaRPr lang="ko-KR" altLang="en-US"/>
           </a:p>
         </p:txBody>
       </p:sp>
     </p:spTree>
     <p:extLst>
       <p:ext uri="{BB962C8B-B14F-4D97-AF65-F5344CB8AC3E}">
-        <p14:creationId xmlns:p14="http://schemas.microsoft.com/office/powerpoint/2010/main" val="1837013046"/>
+        <p14:creationId xmlns:p14="http://schemas.microsoft.com/office/powerpoint/2010/main" val="2279615657"/>
       </p:ext>
     </p:extLst>
   </p:cSld>
@@ -4714,7 +4971,7 @@
           <p:cNvPr id="2" name="제목 1">
             <a:extLst>
               <a:ext uri="{FF2B5EF4-FFF2-40B4-BE49-F238E27FC236}">
-                <a16:creationId xmlns:a16="http://schemas.microsoft.com/office/drawing/2014/main" id="{3804E97D-F261-E022-0769-AF48AF3839BC}"/>
+                <a16:creationId xmlns:a16="http://schemas.microsoft.com/office/drawing/2014/main" id="{C229B225-D86E-F7B3-63D6-0E343AC6B07F}"/>
               </a:ext>
             </a:extLst>
           </p:cNvPr>
@@ -4732,7 +4989,7 @@
           <a:p>
             <a:r>
               <a:rPr lang="en-US" altLang="ko-KR" dirty="0"/>
-              <a:t>Server</a:t>
+              <a:t>Client </a:t>
             </a:r>
             <a:endParaRPr lang="ko-KR" altLang="en-US" dirty="0"/>
           </a:p>
@@ -4743,7 +5000,7 @@
           <p:cNvPr id="3" name="내용 개체 틀 2">
             <a:extLst>
               <a:ext uri="{FF2B5EF4-FFF2-40B4-BE49-F238E27FC236}">
-                <a16:creationId xmlns:a16="http://schemas.microsoft.com/office/drawing/2014/main" id="{B82E9AEB-F814-7AED-98DC-0C8AFF1B9A2D}"/>
+                <a16:creationId xmlns:a16="http://schemas.microsoft.com/office/drawing/2014/main" id="{E3A521CE-6387-9213-D34F-8E6300A605CF}"/>
               </a:ext>
             </a:extLst>
           </p:cNvPr>
@@ -4766,7 +5023,7 @@
     </p:spTree>
     <p:extLst>
       <p:ext uri="{BB962C8B-B14F-4D97-AF65-F5344CB8AC3E}">
-        <p14:creationId xmlns:p14="http://schemas.microsoft.com/office/powerpoint/2010/main" val="1472662100"/>
+        <p14:creationId xmlns:p14="http://schemas.microsoft.com/office/powerpoint/2010/main" val="1837013046"/>
       </p:ext>
     </p:extLst>
   </p:cSld>
@@ -4798,7 +5055,7 @@
           <p:cNvPr id="2" name="제목 1">
             <a:extLst>
               <a:ext uri="{FF2B5EF4-FFF2-40B4-BE49-F238E27FC236}">
-                <a16:creationId xmlns:a16="http://schemas.microsoft.com/office/drawing/2014/main" id="{EEAB15AA-6B54-352C-BEFB-7ED0F526EAEB}"/>
+                <a16:creationId xmlns:a16="http://schemas.microsoft.com/office/drawing/2014/main" id="{3804E97D-F261-E022-0769-AF48AF3839BC}"/>
               </a:ext>
             </a:extLst>
           </p:cNvPr>
@@ -4815,9 +5072,10 @@
           <a:lstStyle/>
           <a:p>
             <a:r>
-              <a:rPr lang="ko-KR" altLang="en-US" dirty="0"/>
-              <a:t>팀원 별 역할분담</a:t>
-            </a:r>
+              <a:rPr lang="en-US" altLang="ko-KR" dirty="0"/>
+              <a:t>Server</a:t>
+            </a:r>
+            <a:endParaRPr lang="ko-KR" altLang="en-US" dirty="0"/>
           </a:p>
         </p:txBody>
       </p:sp>
@@ -4826,7 +5084,7 @@
           <p:cNvPr id="3" name="내용 개체 틀 2">
             <a:extLst>
               <a:ext uri="{FF2B5EF4-FFF2-40B4-BE49-F238E27FC236}">
-                <a16:creationId xmlns:a16="http://schemas.microsoft.com/office/drawing/2014/main" id="{DDB2FAB0-2CDF-D34B-7D0C-FFB8B66465BD}"/>
+                <a16:creationId xmlns:a16="http://schemas.microsoft.com/office/drawing/2014/main" id="{B82E9AEB-F814-7AED-98DC-0C8AFF1B9A2D}"/>
               </a:ext>
             </a:extLst>
           </p:cNvPr>
@@ -4849,7 +5107,7 @@
     </p:spTree>
     <p:extLst>
       <p:ext uri="{BB962C8B-B14F-4D97-AF65-F5344CB8AC3E}">
-        <p14:creationId xmlns:p14="http://schemas.microsoft.com/office/powerpoint/2010/main" val="4173059141"/>
+        <p14:creationId xmlns:p14="http://schemas.microsoft.com/office/powerpoint/2010/main" val="1472662100"/>
       </p:ext>
     </p:extLst>
   </p:cSld>

--- a/Doc/추진 계획서.pptx
+++ b/Doc/추진 계획서.pptx
@@ -4,19 +4,33 @@
   <p:sldMasterIdLst>
     <p:sldMasterId id="2147483648" r:id="rId1"/>
   </p:sldMasterIdLst>
+  <p:notesMasterIdLst>
+    <p:notesMasterId r:id="rId25"/>
+  </p:notesMasterIdLst>
   <p:sldIdLst>
     <p:sldId id="256" r:id="rId2"/>
     <p:sldId id="263" r:id="rId3"/>
     <p:sldId id="257" r:id="rId4"/>
     <p:sldId id="258" r:id="rId5"/>
-    <p:sldId id="259" r:id="rId6"/>
-    <p:sldId id="267" r:id="rId7"/>
-    <p:sldId id="266" r:id="rId8"/>
-    <p:sldId id="264" r:id="rId9"/>
-    <p:sldId id="265" r:id="rId10"/>
-    <p:sldId id="260" r:id="rId11"/>
-    <p:sldId id="261" r:id="rId12"/>
-    <p:sldId id="262" r:id="rId13"/>
+    <p:sldId id="271" r:id="rId6"/>
+    <p:sldId id="259" r:id="rId7"/>
+    <p:sldId id="272" r:id="rId8"/>
+    <p:sldId id="273" r:id="rId9"/>
+    <p:sldId id="267" r:id="rId10"/>
+    <p:sldId id="274" r:id="rId11"/>
+    <p:sldId id="275" r:id="rId12"/>
+    <p:sldId id="268" r:id="rId13"/>
+    <p:sldId id="276" r:id="rId14"/>
+    <p:sldId id="277" r:id="rId15"/>
+    <p:sldId id="269" r:id="rId16"/>
+    <p:sldId id="270" r:id="rId17"/>
+    <p:sldId id="278" r:id="rId18"/>
+    <p:sldId id="279" r:id="rId19"/>
+    <p:sldId id="280" r:id="rId20"/>
+    <p:sldId id="260" r:id="rId21"/>
+    <p:sldId id="281" r:id="rId22"/>
+    <p:sldId id="261" r:id="rId23"/>
+    <p:sldId id="262" r:id="rId24"/>
   </p:sldIdLst>
   <p:sldSz cx="12192000" cy="6858000"/>
   <p:notesSz cx="6858000" cy="9144000"/>
@@ -123,6 +137,465 @@
 </p:presentation>
 </file>
 
+<file path=ppt/commentAuthors.xml><?xml version="1.0" encoding="utf-8"?>
+<p:cmAuthorLst xmlns:a="http://schemas.openxmlformats.org/drawingml/2006/main" xmlns:r="http://schemas.openxmlformats.org/officeDocument/2006/relationships" xmlns:p="http://schemas.openxmlformats.org/presentationml/2006/main">
+  <p:cmAuthor id="1" name="류 연우" initials="류연" lastIdx="1" clrIdx="0">
+    <p:extLst>
+      <p:ext uri="{19B8F6BF-5375-455C-9EA6-DF929625EA0E}">
+        <p15:presenceInfo xmlns:p15="http://schemas.microsoft.com/office/powerpoint/2012/main" userId="2d5e9af2a3f227a0" providerId="Windows Live"/>
+      </p:ext>
+    </p:extLst>
+  </p:cmAuthor>
+</p:cmAuthorLst>
+</file>
+
+<file path=ppt/comments/comment1.xml><?xml version="1.0" encoding="utf-8"?>
+<p:cmLst xmlns:a="http://schemas.openxmlformats.org/drawingml/2006/main" xmlns:r="http://schemas.openxmlformats.org/officeDocument/2006/relationships" xmlns:p="http://schemas.openxmlformats.org/presentationml/2006/main">
+  <p:cm authorId="1" dt="2022-11-02T07:10:20.128" idx="1">
+    <p:pos x="10" y="10"/>
+    <p:text/>
+    <p:extLst>
+      <p:ext uri="{C676402C-5697-4E1C-873F-D02D1690AC5C}">
+        <p15:threadingInfo xmlns:p15="http://schemas.microsoft.com/office/powerpoint/2012/main" timeZoneBias="-540"/>
+      </p:ext>
+    </p:extLst>
+  </p:cm>
+</p:cmLst>
+</file>
+
+<file path=ppt/notesMasters/notesMaster1.xml><?xml version="1.0" encoding="utf-8"?>
+<p:notesMaster xmlns:a="http://schemas.openxmlformats.org/drawingml/2006/main" xmlns:r="http://schemas.openxmlformats.org/officeDocument/2006/relationships" xmlns:p="http://schemas.openxmlformats.org/presentationml/2006/main">
+  <p:cSld>
+    <p:bg>
+      <p:bgRef idx="1001">
+        <a:schemeClr val="bg1"/>
+      </p:bgRef>
+    </p:bg>
+    <p:spTree>
+      <p:nvGrpSpPr>
+        <p:cNvPr id="1" name=""/>
+        <p:cNvGrpSpPr/>
+        <p:nvPr/>
+      </p:nvGrpSpPr>
+      <p:grpSpPr>
+        <a:xfrm>
+          <a:off x="0" y="0"/>
+          <a:ext cx="0" cy="0"/>
+          <a:chOff x="0" y="0"/>
+          <a:chExt cx="0" cy="0"/>
+        </a:xfrm>
+      </p:grpSpPr>
+      <p:sp>
+        <p:nvSpPr>
+          <p:cNvPr id="2" name="머리글 개체 틀 1"/>
+          <p:cNvSpPr>
+            <a:spLocks noGrp="1"/>
+          </p:cNvSpPr>
+          <p:nvPr>
+            <p:ph type="hdr" sz="quarter"/>
+          </p:nvPr>
+        </p:nvSpPr>
+        <p:spPr>
+          <a:xfrm>
+            <a:off x="0" y="0"/>
+            <a:ext cx="2971800" cy="458788"/>
+          </a:xfrm>
+          <a:prstGeom prst="rect">
+            <a:avLst/>
+          </a:prstGeom>
+        </p:spPr>
+        <p:txBody>
+          <a:bodyPr vert="horz" lIns="91440" tIns="45720" rIns="91440" bIns="45720" rtlCol="0"/>
+          <a:lstStyle>
+            <a:lvl1pPr algn="l">
+              <a:defRPr sz="1200"/>
+            </a:lvl1pPr>
+          </a:lstStyle>
+          <a:p>
+            <a:endParaRPr lang="ko-KR" altLang="en-US"/>
+          </a:p>
+        </p:txBody>
+      </p:sp>
+      <p:sp>
+        <p:nvSpPr>
+          <p:cNvPr id="3" name="날짜 개체 틀 2"/>
+          <p:cNvSpPr>
+            <a:spLocks noGrp="1"/>
+          </p:cNvSpPr>
+          <p:nvPr>
+            <p:ph type="dt" idx="1"/>
+          </p:nvPr>
+        </p:nvSpPr>
+        <p:spPr>
+          <a:xfrm>
+            <a:off x="3884613" y="0"/>
+            <a:ext cx="2971800" cy="458788"/>
+          </a:xfrm>
+          <a:prstGeom prst="rect">
+            <a:avLst/>
+          </a:prstGeom>
+        </p:spPr>
+        <p:txBody>
+          <a:bodyPr vert="horz" lIns="91440" tIns="45720" rIns="91440" bIns="45720" rtlCol="0"/>
+          <a:lstStyle>
+            <a:lvl1pPr algn="r">
+              <a:defRPr sz="1200"/>
+            </a:lvl1pPr>
+          </a:lstStyle>
+          <a:p>
+            <a:fld id="{1007A766-8582-43A3-994C-82C81185F66C}" type="datetimeFigureOut">
+              <a:rPr lang="ko-KR" altLang="en-US" smtClean="0"/>
+              <a:t>2022-11-02</a:t>
+            </a:fld>
+            <a:endParaRPr lang="ko-KR" altLang="en-US"/>
+          </a:p>
+        </p:txBody>
+      </p:sp>
+      <p:sp>
+        <p:nvSpPr>
+          <p:cNvPr id="4" name="슬라이드 이미지 개체 틀 3"/>
+          <p:cNvSpPr>
+            <a:spLocks noGrp="1" noRot="1" noChangeAspect="1"/>
+          </p:cNvSpPr>
+          <p:nvPr>
+            <p:ph type="sldImg" idx="2"/>
+          </p:nvPr>
+        </p:nvSpPr>
+        <p:spPr>
+          <a:xfrm>
+            <a:off x="685800" y="1143000"/>
+            <a:ext cx="5486400" cy="3086100"/>
+          </a:xfrm>
+          <a:prstGeom prst="rect">
+            <a:avLst/>
+          </a:prstGeom>
+          <a:noFill/>
+          <a:ln w="12700">
+            <a:solidFill>
+              <a:prstClr val="black"/>
+            </a:solidFill>
+          </a:ln>
+        </p:spPr>
+        <p:txBody>
+          <a:bodyPr vert="horz" lIns="91440" tIns="45720" rIns="91440" bIns="45720" rtlCol="0" anchor="ctr"/>
+          <a:lstStyle/>
+          <a:p>
+            <a:endParaRPr lang="ko-KR" altLang="en-US"/>
+          </a:p>
+        </p:txBody>
+      </p:sp>
+      <p:sp>
+        <p:nvSpPr>
+          <p:cNvPr id="5" name="슬라이드 노트 개체 틀 4"/>
+          <p:cNvSpPr>
+            <a:spLocks noGrp="1"/>
+          </p:cNvSpPr>
+          <p:nvPr>
+            <p:ph type="body" sz="quarter" idx="3"/>
+          </p:nvPr>
+        </p:nvSpPr>
+        <p:spPr>
+          <a:xfrm>
+            <a:off x="685800" y="4400550"/>
+            <a:ext cx="5486400" cy="3600450"/>
+          </a:xfrm>
+          <a:prstGeom prst="rect">
+            <a:avLst/>
+          </a:prstGeom>
+        </p:spPr>
+        <p:txBody>
+          <a:bodyPr vert="horz" lIns="91440" tIns="45720" rIns="91440" bIns="45720" rtlCol="0"/>
+          <a:lstStyle/>
+          <a:p>
+            <a:pPr lvl="0"/>
+            <a:r>
+              <a:rPr lang="ko-KR" altLang="en-US"/>
+              <a:t>마스터 텍스트 스타일을 편집하려면 클릭</a:t>
+            </a:r>
+          </a:p>
+          <a:p>
+            <a:pPr lvl="1"/>
+            <a:r>
+              <a:rPr lang="ko-KR" altLang="en-US"/>
+              <a:t>두 번째 수준</a:t>
+            </a:r>
+          </a:p>
+          <a:p>
+            <a:pPr lvl="2"/>
+            <a:r>
+              <a:rPr lang="ko-KR" altLang="en-US"/>
+              <a:t>세 번째 수준</a:t>
+            </a:r>
+          </a:p>
+          <a:p>
+            <a:pPr lvl="3"/>
+            <a:r>
+              <a:rPr lang="ko-KR" altLang="en-US"/>
+              <a:t>네 번째 수준</a:t>
+            </a:r>
+          </a:p>
+          <a:p>
+            <a:pPr lvl="4"/>
+            <a:r>
+              <a:rPr lang="ko-KR" altLang="en-US"/>
+              <a:t>다섯 번째 수준</a:t>
+            </a:r>
+          </a:p>
+        </p:txBody>
+      </p:sp>
+      <p:sp>
+        <p:nvSpPr>
+          <p:cNvPr id="6" name="바닥글 개체 틀 5"/>
+          <p:cNvSpPr>
+            <a:spLocks noGrp="1"/>
+          </p:cNvSpPr>
+          <p:nvPr>
+            <p:ph type="ftr" sz="quarter" idx="4"/>
+          </p:nvPr>
+        </p:nvSpPr>
+        <p:spPr>
+          <a:xfrm>
+            <a:off x="0" y="8685213"/>
+            <a:ext cx="2971800" cy="458787"/>
+          </a:xfrm>
+          <a:prstGeom prst="rect">
+            <a:avLst/>
+          </a:prstGeom>
+        </p:spPr>
+        <p:txBody>
+          <a:bodyPr vert="horz" lIns="91440" tIns="45720" rIns="91440" bIns="45720" rtlCol="0" anchor="b"/>
+          <a:lstStyle>
+            <a:lvl1pPr algn="l">
+              <a:defRPr sz="1200"/>
+            </a:lvl1pPr>
+          </a:lstStyle>
+          <a:p>
+            <a:endParaRPr lang="ko-KR" altLang="en-US"/>
+          </a:p>
+        </p:txBody>
+      </p:sp>
+      <p:sp>
+        <p:nvSpPr>
+          <p:cNvPr id="7" name="슬라이드 번호 개체 틀 6"/>
+          <p:cNvSpPr>
+            <a:spLocks noGrp="1"/>
+          </p:cNvSpPr>
+          <p:nvPr>
+            <p:ph type="sldNum" sz="quarter" idx="5"/>
+          </p:nvPr>
+        </p:nvSpPr>
+        <p:spPr>
+          <a:xfrm>
+            <a:off x="3884613" y="8685213"/>
+            <a:ext cx="2971800" cy="458787"/>
+          </a:xfrm>
+          <a:prstGeom prst="rect">
+            <a:avLst/>
+          </a:prstGeom>
+        </p:spPr>
+        <p:txBody>
+          <a:bodyPr vert="horz" lIns="91440" tIns="45720" rIns="91440" bIns="45720" rtlCol="0" anchor="b"/>
+          <a:lstStyle>
+            <a:lvl1pPr algn="r">
+              <a:defRPr sz="1200"/>
+            </a:lvl1pPr>
+          </a:lstStyle>
+          <a:p>
+            <a:fld id="{E5757431-7156-4E8C-9CC3-C458B82ABCE0}" type="slidenum">
+              <a:rPr lang="ko-KR" altLang="en-US" smtClean="0"/>
+              <a:t>‹#›</a:t>
+            </a:fld>
+            <a:endParaRPr lang="ko-KR" altLang="en-US"/>
+          </a:p>
+        </p:txBody>
+      </p:sp>
+    </p:spTree>
+    <p:extLst>
+      <p:ext uri="{BB962C8B-B14F-4D97-AF65-F5344CB8AC3E}">
+        <p14:creationId xmlns:p14="http://schemas.microsoft.com/office/powerpoint/2010/main" val="3880415794"/>
+      </p:ext>
+    </p:extLst>
+  </p:cSld>
+  <p:clrMap bg1="lt1" tx1="dk1" bg2="lt2" tx2="dk2" accent1="accent1" accent2="accent2" accent3="accent3" accent4="accent4" accent5="accent5" accent6="accent6" hlink="hlink" folHlink="folHlink"/>
+  <p:notesStyle>
+    <a:lvl1pPr marL="0" algn="l" defTabSz="914400" rtl="0" eaLnBrk="1" latinLnBrk="1" hangingPunct="1">
+      <a:defRPr sz="1200" kern="1200">
+        <a:solidFill>
+          <a:schemeClr val="tx1"/>
+        </a:solidFill>
+        <a:latin typeface="+mn-lt"/>
+        <a:ea typeface="+mn-ea"/>
+        <a:cs typeface="+mn-cs"/>
+      </a:defRPr>
+    </a:lvl1pPr>
+    <a:lvl2pPr marL="457200" algn="l" defTabSz="914400" rtl="0" eaLnBrk="1" latinLnBrk="1" hangingPunct="1">
+      <a:defRPr sz="1200" kern="1200">
+        <a:solidFill>
+          <a:schemeClr val="tx1"/>
+        </a:solidFill>
+        <a:latin typeface="+mn-lt"/>
+        <a:ea typeface="+mn-ea"/>
+        <a:cs typeface="+mn-cs"/>
+      </a:defRPr>
+    </a:lvl2pPr>
+    <a:lvl3pPr marL="914400" algn="l" defTabSz="914400" rtl="0" eaLnBrk="1" latinLnBrk="1" hangingPunct="1">
+      <a:defRPr sz="1200" kern="1200">
+        <a:solidFill>
+          <a:schemeClr val="tx1"/>
+        </a:solidFill>
+        <a:latin typeface="+mn-lt"/>
+        <a:ea typeface="+mn-ea"/>
+        <a:cs typeface="+mn-cs"/>
+      </a:defRPr>
+    </a:lvl3pPr>
+    <a:lvl4pPr marL="1371600" algn="l" defTabSz="914400" rtl="0" eaLnBrk="1" latinLnBrk="1" hangingPunct="1">
+      <a:defRPr sz="1200" kern="1200">
+        <a:solidFill>
+          <a:schemeClr val="tx1"/>
+        </a:solidFill>
+        <a:latin typeface="+mn-lt"/>
+        <a:ea typeface="+mn-ea"/>
+        <a:cs typeface="+mn-cs"/>
+      </a:defRPr>
+    </a:lvl4pPr>
+    <a:lvl5pPr marL="1828800" algn="l" defTabSz="914400" rtl="0" eaLnBrk="1" latinLnBrk="1" hangingPunct="1">
+      <a:defRPr sz="1200" kern="1200">
+        <a:solidFill>
+          <a:schemeClr val="tx1"/>
+        </a:solidFill>
+        <a:latin typeface="+mn-lt"/>
+        <a:ea typeface="+mn-ea"/>
+        <a:cs typeface="+mn-cs"/>
+      </a:defRPr>
+    </a:lvl5pPr>
+    <a:lvl6pPr marL="2286000" algn="l" defTabSz="914400" rtl="0" eaLnBrk="1" latinLnBrk="1" hangingPunct="1">
+      <a:defRPr sz="1200" kern="1200">
+        <a:solidFill>
+          <a:schemeClr val="tx1"/>
+        </a:solidFill>
+        <a:latin typeface="+mn-lt"/>
+        <a:ea typeface="+mn-ea"/>
+        <a:cs typeface="+mn-cs"/>
+      </a:defRPr>
+    </a:lvl6pPr>
+    <a:lvl7pPr marL="2743200" algn="l" defTabSz="914400" rtl="0" eaLnBrk="1" latinLnBrk="1" hangingPunct="1">
+      <a:defRPr sz="1200" kern="1200">
+        <a:solidFill>
+          <a:schemeClr val="tx1"/>
+        </a:solidFill>
+        <a:latin typeface="+mn-lt"/>
+        <a:ea typeface="+mn-ea"/>
+        <a:cs typeface="+mn-cs"/>
+      </a:defRPr>
+    </a:lvl7pPr>
+    <a:lvl8pPr marL="3200400" algn="l" defTabSz="914400" rtl="0" eaLnBrk="1" latinLnBrk="1" hangingPunct="1">
+      <a:defRPr sz="1200" kern="1200">
+        <a:solidFill>
+          <a:schemeClr val="tx1"/>
+        </a:solidFill>
+        <a:latin typeface="+mn-lt"/>
+        <a:ea typeface="+mn-ea"/>
+        <a:cs typeface="+mn-cs"/>
+      </a:defRPr>
+    </a:lvl8pPr>
+    <a:lvl9pPr marL="3657600" algn="l" defTabSz="914400" rtl="0" eaLnBrk="1" latinLnBrk="1" hangingPunct="1">
+      <a:defRPr sz="1200" kern="1200">
+        <a:solidFill>
+          <a:schemeClr val="tx1"/>
+        </a:solidFill>
+        <a:latin typeface="+mn-lt"/>
+        <a:ea typeface="+mn-ea"/>
+        <a:cs typeface="+mn-cs"/>
+      </a:defRPr>
+    </a:lvl9pPr>
+  </p:notesStyle>
+</p:notesMaster>
+</file>
+
+<file path=ppt/notesSlides/notesSlide1.xml><?xml version="1.0" encoding="utf-8"?>
+<p:notes xmlns:a="http://schemas.openxmlformats.org/drawingml/2006/main" xmlns:r="http://schemas.openxmlformats.org/officeDocument/2006/relationships" xmlns:p="http://schemas.openxmlformats.org/presentationml/2006/main">
+  <p:cSld>
+    <p:spTree>
+      <p:nvGrpSpPr>
+        <p:cNvPr id="1" name=""/>
+        <p:cNvGrpSpPr/>
+        <p:nvPr/>
+      </p:nvGrpSpPr>
+      <p:grpSpPr>
+        <a:xfrm>
+          <a:off x="0" y="0"/>
+          <a:ext cx="0" cy="0"/>
+          <a:chOff x="0" y="0"/>
+          <a:chExt cx="0" cy="0"/>
+        </a:xfrm>
+      </p:grpSpPr>
+      <p:sp>
+        <p:nvSpPr>
+          <p:cNvPr id="2" name="슬라이드 이미지 개체 틀 1"/>
+          <p:cNvSpPr>
+            <a:spLocks noGrp="1" noRot="1" noChangeAspect="1"/>
+          </p:cNvSpPr>
+          <p:nvPr>
+            <p:ph type="sldImg"/>
+          </p:nvPr>
+        </p:nvSpPr>
+        <p:spPr/>
+      </p:sp>
+      <p:sp>
+        <p:nvSpPr>
+          <p:cNvPr id="3" name="슬라이드 노트 개체 틀 2"/>
+          <p:cNvSpPr>
+            <a:spLocks noGrp="1"/>
+          </p:cNvSpPr>
+          <p:nvPr>
+            <p:ph type="body" idx="1"/>
+          </p:nvPr>
+        </p:nvSpPr>
+        <p:spPr/>
+        <p:txBody>
+          <a:bodyPr/>
+          <a:lstStyle/>
+          <a:p>
+            <a:endParaRPr lang="ko-KR" altLang="en-US" dirty="0"/>
+          </a:p>
+        </p:txBody>
+      </p:sp>
+      <p:sp>
+        <p:nvSpPr>
+          <p:cNvPr id="4" name="슬라이드 번호 개체 틀 3"/>
+          <p:cNvSpPr>
+            <a:spLocks noGrp="1"/>
+          </p:cNvSpPr>
+          <p:nvPr>
+            <p:ph type="sldNum" sz="quarter" idx="5"/>
+          </p:nvPr>
+        </p:nvSpPr>
+        <p:spPr/>
+        <p:txBody>
+          <a:bodyPr/>
+          <a:lstStyle/>
+          <a:p>
+            <a:fld id="{E5757431-7156-4E8C-9CC3-C458B82ABCE0}" type="slidenum">
+              <a:rPr lang="ko-KR" altLang="en-US" smtClean="0"/>
+              <a:t>7</a:t>
+            </a:fld>
+            <a:endParaRPr lang="ko-KR" altLang="en-US"/>
+          </a:p>
+        </p:txBody>
+      </p:sp>
+    </p:spTree>
+    <p:extLst>
+      <p:ext uri="{BB962C8B-B14F-4D97-AF65-F5344CB8AC3E}">
+        <p14:creationId xmlns:p14="http://schemas.microsoft.com/office/powerpoint/2010/main" val="1343113372"/>
+      </p:ext>
+    </p:extLst>
+  </p:cSld>
+  <p:clrMapOvr>
+    <a:masterClrMapping/>
+  </p:clrMapOvr>
+</p:notes>
+</file>
+
 <file path=ppt/slideLayouts/slideLayout1.xml><?xml version="1.0" encoding="utf-8"?>
 <p:sldLayout xmlns:a="http://schemas.openxmlformats.org/drawingml/2006/main" xmlns:r="http://schemas.openxmlformats.org/officeDocument/2006/relationships" xmlns:p="http://schemas.openxmlformats.org/presentationml/2006/main" type="title" preserve="1">
   <p:cSld name="제목 슬라이드">
@@ -268,7 +741,7 @@
           <a:bodyPr/>
           <a:lstStyle/>
           <a:p>
-            <a:fld id="{F46C1602-576C-483E-A823-139C991F272A}" type="datetimeFigureOut">
+            <a:fld id="{E872EBBE-478C-46D3-9F29-7FB9E8F56BE2}" type="datetime1">
               <a:rPr lang="ko-KR" altLang="en-US" smtClean="0"/>
               <a:t>2022-11-02</a:t>
             </a:fld>
@@ -297,7 +770,10 @@
           <a:bodyPr/>
           <a:lstStyle/>
           <a:p>
-            <a:endParaRPr lang="ko-KR" altLang="en-US"/>
+            <a:r>
+              <a:rPr lang="ko-KR" altLang="en-US"/>
+              <a:t>목차</a:t>
+            </a:r>
           </a:p>
         </p:txBody>
       </p:sp>
@@ -466,7 +942,7 @@
           <a:bodyPr/>
           <a:lstStyle/>
           <a:p>
-            <a:fld id="{F46C1602-576C-483E-A823-139C991F272A}" type="datetimeFigureOut">
+            <a:fld id="{8993E66E-E443-45AF-9C7F-F7C19E597ACD}" type="datetime1">
               <a:rPr lang="ko-KR" altLang="en-US" smtClean="0"/>
               <a:t>2022-11-02</a:t>
             </a:fld>
@@ -495,7 +971,10 @@
           <a:bodyPr/>
           <a:lstStyle/>
           <a:p>
-            <a:endParaRPr lang="ko-KR" altLang="en-US"/>
+            <a:r>
+              <a:rPr lang="ko-KR" altLang="en-US"/>
+              <a:t>목차</a:t>
+            </a:r>
           </a:p>
         </p:txBody>
       </p:sp>
@@ -674,7 +1153,7 @@
           <a:bodyPr/>
           <a:lstStyle/>
           <a:p>
-            <a:fld id="{F46C1602-576C-483E-A823-139C991F272A}" type="datetimeFigureOut">
+            <a:fld id="{DBF1D287-BFA7-4505-AE34-22195BC18B76}" type="datetime1">
               <a:rPr lang="ko-KR" altLang="en-US" smtClean="0"/>
               <a:t>2022-11-02</a:t>
             </a:fld>
@@ -703,7 +1182,10 @@
           <a:bodyPr/>
           <a:lstStyle/>
           <a:p>
-            <a:endParaRPr lang="ko-KR" altLang="en-US"/>
+            <a:r>
+              <a:rPr lang="ko-KR" altLang="en-US"/>
+              <a:t>목차</a:t>
+            </a:r>
           </a:p>
         </p:txBody>
       </p:sp>
@@ -853,10 +1335,10 @@
       </p:sp>
       <p:sp>
         <p:nvSpPr>
-          <p:cNvPr id="4" name="날짜 개체 틀 3">
-            <a:extLst>
-              <a:ext uri="{FF2B5EF4-FFF2-40B4-BE49-F238E27FC236}">
-                <a16:creationId xmlns:a16="http://schemas.microsoft.com/office/drawing/2014/main" id="{2A24F9DA-7094-439E-6E1C-94B8EB0D692B}"/>
+          <p:cNvPr id="7" name="날짜 개체 틀 6">
+            <a:extLst>
+              <a:ext uri="{FF2B5EF4-FFF2-40B4-BE49-F238E27FC236}">
+                <a16:creationId xmlns:a16="http://schemas.microsoft.com/office/drawing/2014/main" id="{A44CD86E-455D-8F7B-ED5C-3A2E42F1DE58}"/>
               </a:ext>
             </a:extLst>
           </p:cNvPr>
@@ -872,7 +1354,7 @@
           <a:bodyPr/>
           <a:lstStyle/>
           <a:p>
-            <a:fld id="{F46C1602-576C-483E-A823-139C991F272A}" type="datetimeFigureOut">
+            <a:fld id="{B74C01E5-241A-466B-A225-ED3A2ED782FE}" type="datetime1">
               <a:rPr lang="ko-KR" altLang="en-US" smtClean="0"/>
               <a:t>2022-11-02</a:t>
             </a:fld>
@@ -882,10 +1364,10 @@
       </p:sp>
       <p:sp>
         <p:nvSpPr>
-          <p:cNvPr id="5" name="바닥글 개체 틀 4">
-            <a:extLst>
-              <a:ext uri="{FF2B5EF4-FFF2-40B4-BE49-F238E27FC236}">
-                <a16:creationId xmlns:a16="http://schemas.microsoft.com/office/drawing/2014/main" id="{12042B5D-2F40-D493-5CC5-5E0D50FAAE95}"/>
+          <p:cNvPr id="8" name="바닥글 개체 틀 7">
+            <a:extLst>
+              <a:ext uri="{FF2B5EF4-FFF2-40B4-BE49-F238E27FC236}">
+                <a16:creationId xmlns:a16="http://schemas.microsoft.com/office/drawing/2014/main" id="{7EA455BC-C3F5-3734-BA04-49A2948932D2}"/>
               </a:ext>
             </a:extLst>
           </p:cNvPr>
@@ -896,21 +1378,41 @@
             <p:ph type="ftr" sz="quarter" idx="11"/>
           </p:nvPr>
         </p:nvSpPr>
-        <p:spPr/>
+        <p:spPr>
+          <a:xfrm>
+            <a:off x="838200" y="1325563"/>
+            <a:ext cx="4114800" cy="365125"/>
+          </a:xfrm>
+        </p:spPr>
         <p:txBody>
           <a:bodyPr/>
-          <a:lstStyle/>
-          <a:p>
-            <a:endParaRPr lang="ko-KR" altLang="en-US"/>
-          </a:p>
-        </p:txBody>
-      </p:sp>
-      <p:sp>
-        <p:nvSpPr>
-          <p:cNvPr id="6" name="슬라이드 번호 개체 틀 5">
-            <a:extLst>
-              <a:ext uri="{FF2B5EF4-FFF2-40B4-BE49-F238E27FC236}">
-                <a16:creationId xmlns:a16="http://schemas.microsoft.com/office/drawing/2014/main" id="{BF5292E6-639F-A989-7554-E11A50991944}"/>
+          <a:lstStyle>
+            <a:lvl1pPr>
+              <a:defRPr sz="2000">
+                <a:solidFill>
+                  <a:schemeClr val="tx1">
+                    <a:lumMod val="85000"/>
+                    <a:lumOff val="15000"/>
+                  </a:schemeClr>
+                </a:solidFill>
+              </a:defRPr>
+            </a:lvl1pPr>
+          </a:lstStyle>
+          <a:p>
+            <a:pPr algn="l"/>
+            <a:r>
+              <a:rPr lang="ko-KR" altLang="en-US" dirty="0"/>
+              <a:t>목차</a:t>
+            </a:r>
+          </a:p>
+        </p:txBody>
+      </p:sp>
+      <p:sp>
+        <p:nvSpPr>
+          <p:cNvPr id="9" name="슬라이드 번호 개체 틀 8">
+            <a:extLst>
+              <a:ext uri="{FF2B5EF4-FFF2-40B4-BE49-F238E27FC236}">
+                <a16:creationId xmlns:a16="http://schemas.microsoft.com/office/drawing/2014/main" id="{D5071611-CA1E-01F6-158F-C12867F19D61}"/>
               </a:ext>
             </a:extLst>
           </p:cNvPr>
@@ -1147,7 +1649,7 @@
           <a:bodyPr/>
           <a:lstStyle/>
           <a:p>
-            <a:fld id="{F46C1602-576C-483E-A823-139C991F272A}" type="datetimeFigureOut">
+            <a:fld id="{43049F15-9232-4C0B-93A3-208A31936EDE}" type="datetime1">
               <a:rPr lang="ko-KR" altLang="en-US" smtClean="0"/>
               <a:t>2022-11-02</a:t>
             </a:fld>
@@ -1176,7 +1678,10 @@
           <a:bodyPr/>
           <a:lstStyle/>
           <a:p>
-            <a:endParaRPr lang="ko-KR" altLang="en-US"/>
+            <a:r>
+              <a:rPr lang="ko-KR" altLang="en-US"/>
+              <a:t>목차</a:t>
+            </a:r>
           </a:p>
         </p:txBody>
       </p:sp>
@@ -1412,7 +1917,7 @@
           <a:bodyPr/>
           <a:lstStyle/>
           <a:p>
-            <a:fld id="{F46C1602-576C-483E-A823-139C991F272A}" type="datetimeFigureOut">
+            <a:fld id="{D357E654-6CD2-4F00-86C7-078566853244}" type="datetime1">
               <a:rPr lang="ko-KR" altLang="en-US" smtClean="0"/>
               <a:t>2022-11-02</a:t>
             </a:fld>
@@ -1441,7 +1946,10 @@
           <a:bodyPr/>
           <a:lstStyle/>
           <a:p>
-            <a:endParaRPr lang="ko-KR" altLang="en-US"/>
+            <a:r>
+              <a:rPr lang="ko-KR" altLang="en-US"/>
+              <a:t>목차</a:t>
+            </a:r>
           </a:p>
         </p:txBody>
       </p:sp>
@@ -1824,7 +2332,7 @@
           <a:bodyPr/>
           <a:lstStyle/>
           <a:p>
-            <a:fld id="{F46C1602-576C-483E-A823-139C991F272A}" type="datetimeFigureOut">
+            <a:fld id="{90E5A21C-6521-48A6-BE05-41A1DF694870}" type="datetime1">
               <a:rPr lang="ko-KR" altLang="en-US" smtClean="0"/>
               <a:t>2022-11-02</a:t>
             </a:fld>
@@ -1853,7 +2361,10 @@
           <a:bodyPr/>
           <a:lstStyle/>
           <a:p>
-            <a:endParaRPr lang="ko-KR" altLang="en-US"/>
+            <a:r>
+              <a:rPr lang="ko-KR" altLang="en-US"/>
+              <a:t>목차</a:t>
+            </a:r>
           </a:p>
         </p:txBody>
       </p:sp>
@@ -1965,7 +2476,7 @@
           <a:bodyPr/>
           <a:lstStyle/>
           <a:p>
-            <a:fld id="{F46C1602-576C-483E-A823-139C991F272A}" type="datetimeFigureOut">
+            <a:fld id="{7286E310-A143-4B9F-A189-1C66D41A7E3F}" type="datetime1">
               <a:rPr lang="ko-KR" altLang="en-US" smtClean="0"/>
               <a:t>2022-11-02</a:t>
             </a:fld>
@@ -1994,7 +2505,10 @@
           <a:bodyPr/>
           <a:lstStyle/>
           <a:p>
-            <a:endParaRPr lang="ko-KR" altLang="en-US"/>
+            <a:r>
+              <a:rPr lang="ko-KR" altLang="en-US"/>
+              <a:t>목차</a:t>
+            </a:r>
           </a:p>
         </p:txBody>
       </p:sp>
@@ -2078,7 +2592,7 @@
           <a:bodyPr/>
           <a:lstStyle/>
           <a:p>
-            <a:fld id="{F46C1602-576C-483E-A823-139C991F272A}" type="datetimeFigureOut">
+            <a:fld id="{EC0BCE63-C026-4522-AA38-A70F6EF8CE86}" type="datetime1">
               <a:rPr lang="ko-KR" altLang="en-US" smtClean="0"/>
               <a:t>2022-11-02</a:t>
             </a:fld>
@@ -2107,7 +2621,10 @@
           <a:bodyPr/>
           <a:lstStyle/>
           <a:p>
-            <a:endParaRPr lang="ko-KR" altLang="en-US"/>
+            <a:r>
+              <a:rPr lang="ko-KR" altLang="en-US"/>
+              <a:t>목차</a:t>
+            </a:r>
           </a:p>
         </p:txBody>
       </p:sp>
@@ -2389,7 +2906,7 @@
           <a:bodyPr/>
           <a:lstStyle/>
           <a:p>
-            <a:fld id="{F46C1602-576C-483E-A823-139C991F272A}" type="datetimeFigureOut">
+            <a:fld id="{88743E0A-B98A-4569-BC13-A54938CA7DDA}" type="datetime1">
               <a:rPr lang="ko-KR" altLang="en-US" smtClean="0"/>
               <a:t>2022-11-02</a:t>
             </a:fld>
@@ -2418,7 +2935,10 @@
           <a:bodyPr/>
           <a:lstStyle/>
           <a:p>
-            <a:endParaRPr lang="ko-KR" altLang="en-US"/>
+            <a:r>
+              <a:rPr lang="ko-KR" altLang="en-US"/>
+              <a:t>목차</a:t>
+            </a:r>
           </a:p>
         </p:txBody>
       </p:sp>
@@ -2677,7 +3197,7 @@
           <a:bodyPr/>
           <a:lstStyle/>
           <a:p>
-            <a:fld id="{F46C1602-576C-483E-A823-139C991F272A}" type="datetimeFigureOut">
+            <a:fld id="{39692151-9B74-447C-9274-EBC3AC0F252A}" type="datetime1">
               <a:rPr lang="ko-KR" altLang="en-US" smtClean="0"/>
               <a:t>2022-11-02</a:t>
             </a:fld>
@@ -2706,7 +3226,10 @@
           <a:bodyPr/>
           <a:lstStyle/>
           <a:p>
-            <a:endParaRPr lang="ko-KR" altLang="en-US"/>
+            <a:r>
+              <a:rPr lang="ko-KR" altLang="en-US"/>
+              <a:t>목차</a:t>
+            </a:r>
           </a:p>
         </p:txBody>
       </p:sp>
@@ -2918,7 +3441,7 @@
             </a:lvl1pPr>
           </a:lstStyle>
           <a:p>
-            <a:fld id="{F46C1602-576C-483E-A823-139C991F272A}" type="datetimeFigureOut">
+            <a:fld id="{402B8244-D015-4EBF-8FDC-87F48AE522D3}" type="datetime1">
               <a:rPr lang="ko-KR" altLang="en-US" smtClean="0"/>
               <a:t>2022-11-02</a:t>
             </a:fld>
@@ -2965,7 +3488,10 @@
             </a:lvl1pPr>
           </a:lstStyle>
           <a:p>
-            <a:endParaRPr lang="ko-KR" altLang="en-US"/>
+            <a:r>
+              <a:rPr lang="ko-KR" altLang="en-US" dirty="0"/>
+              <a:t>목차</a:t>
+            </a:r>
           </a:p>
         </p:txBody>
       </p:sp>
@@ -3037,6 +3563,7 @@
     <p:sldLayoutId id="2147483658" r:id="rId10"/>
     <p:sldLayoutId id="2147483659" r:id="rId11"/>
   </p:sldLayoutIdLst>
+  <p:hf hdr="0" dt="0"/>
   <p:txStyles>
     <p:titleStyle>
       <a:lvl1pPr algn="l" defTabSz="914400" rtl="0" eaLnBrk="1" latinLnBrk="1" hangingPunct="1">
@@ -3383,10 +3910,106 @@
         </p:nvSpPr>
         <p:spPr/>
         <p:txBody>
+          <a:bodyPr>
+            <a:normAutofit/>
+          </a:bodyPr>
+          <a:lstStyle/>
+          <a:p>
+            <a:pPr algn="r"/>
+            <a:r>
+              <a:rPr lang="en-US" altLang="ko-KR" dirty="0"/>
+              <a:t>11</a:t>
+            </a:r>
+            <a:r>
+              <a:rPr lang="ko-KR" altLang="en-US" dirty="0"/>
+              <a:t>팀</a:t>
+            </a:r>
+            <a:endParaRPr lang="en-US" altLang="ko-KR" dirty="0"/>
+          </a:p>
+          <a:p>
+            <a:pPr algn="r"/>
+            <a:r>
+              <a:rPr lang="en-US" altLang="ko-KR" dirty="0"/>
+              <a:t>2018180015 </a:t>
+            </a:r>
+            <a:r>
+              <a:rPr lang="ko-KR" altLang="en-US" dirty="0"/>
+              <a:t>류연우</a:t>
+            </a:r>
+            <a:endParaRPr lang="en-US" altLang="ko-KR" dirty="0"/>
+          </a:p>
+          <a:p>
+            <a:pPr algn="r"/>
+            <a:r>
+              <a:rPr lang="en-US" altLang="ko-KR" dirty="0"/>
+              <a:t>2018180017 </a:t>
+            </a:r>
+            <a:r>
+              <a:rPr lang="ko-KR" altLang="en-US" dirty="0" err="1"/>
+              <a:t>박기정</a:t>
+            </a:r>
+            <a:endParaRPr lang="ko-KR" altLang="en-US" dirty="0"/>
+          </a:p>
+          <a:p>
+            <a:pPr algn="r"/>
+            <a:endParaRPr lang="en-US" altLang="ko-KR" dirty="0"/>
+          </a:p>
+        </p:txBody>
+      </p:sp>
+      <p:sp>
+        <p:nvSpPr>
+          <p:cNvPr id="4" name="슬라이드 번호 개체 틀 3">
+            <a:extLst>
+              <a:ext uri="{FF2B5EF4-FFF2-40B4-BE49-F238E27FC236}">
+                <a16:creationId xmlns:a16="http://schemas.microsoft.com/office/drawing/2014/main" id="{3975AD95-1C8F-6E4D-A874-E18BD496681D}"/>
+              </a:ext>
+            </a:extLst>
+          </p:cNvPr>
+          <p:cNvSpPr>
+            <a:spLocks noGrp="1"/>
+          </p:cNvSpPr>
+          <p:nvPr>
+            <p:ph type="sldNum" sz="quarter" idx="12"/>
+          </p:nvPr>
+        </p:nvSpPr>
+        <p:spPr/>
+        <p:txBody>
           <a:bodyPr/>
           <a:lstStyle/>
           <a:p>
+            <a:fld id="{2F7F2206-C3AA-4D7A-AC99-58940E523BC8}" type="slidenum">
+              <a:rPr lang="ko-KR" altLang="en-US" smtClean="0"/>
+              <a:t>1</a:t>
+            </a:fld>
             <a:endParaRPr lang="ko-KR" altLang="en-US"/>
+          </a:p>
+        </p:txBody>
+      </p:sp>
+      <p:sp>
+        <p:nvSpPr>
+          <p:cNvPr id="6" name="바닥글 개체 틀 5">
+            <a:extLst>
+              <a:ext uri="{FF2B5EF4-FFF2-40B4-BE49-F238E27FC236}">
+                <a16:creationId xmlns:a16="http://schemas.microsoft.com/office/drawing/2014/main" id="{6707C57F-583F-C7D2-E712-4E32758CC3E2}"/>
+              </a:ext>
+            </a:extLst>
+          </p:cNvPr>
+          <p:cNvSpPr>
+            <a:spLocks noGrp="1"/>
+          </p:cNvSpPr>
+          <p:nvPr>
+            <p:ph type="ftr" sz="quarter" idx="11"/>
+          </p:nvPr>
+        </p:nvSpPr>
+        <p:spPr/>
+        <p:txBody>
+          <a:bodyPr/>
+          <a:lstStyle/>
+          <a:p>
+            <a:r>
+              <a:rPr lang="ko-KR" altLang="en-US"/>
+              <a:t>목차</a:t>
+            </a:r>
           </a:p>
         </p:txBody>
       </p:sp>
@@ -3425,7 +4048,7 @@
           <p:cNvPr id="2" name="제목 1">
             <a:extLst>
               <a:ext uri="{FF2B5EF4-FFF2-40B4-BE49-F238E27FC236}">
-                <a16:creationId xmlns:a16="http://schemas.microsoft.com/office/drawing/2014/main" id="{EEAB15AA-6B54-352C-BEFB-7ED0F526EAEB}"/>
+                <a16:creationId xmlns:a16="http://schemas.microsoft.com/office/drawing/2014/main" id="{CD59657E-4DF5-0BBD-B638-F074795F2C35}"/>
               </a:ext>
             </a:extLst>
           </p:cNvPr>
@@ -3442,26 +4065,64 @@
           <a:lstStyle/>
           <a:p>
             <a:r>
+              <a:rPr lang="en-US" altLang="ko-KR" dirty="0"/>
+              <a:t>Low-level </a:t>
+            </a:r>
+            <a:r>
               <a:rPr lang="ko-KR" altLang="en-US" dirty="0"/>
-              <a:t>팀원 별 역할분담</a:t>
-            </a:r>
-          </a:p>
-        </p:txBody>
-      </p:sp>
-      <p:sp>
-        <p:nvSpPr>
-          <p:cNvPr id="3" name="내용 개체 틀 2">
-            <a:extLst>
-              <a:ext uri="{FF2B5EF4-FFF2-40B4-BE49-F238E27FC236}">
-                <a16:creationId xmlns:a16="http://schemas.microsoft.com/office/drawing/2014/main" id="{DDB2FAB0-2CDF-D34B-7D0C-FFB8B66465BD}"/>
-              </a:ext>
-            </a:extLst>
-          </p:cNvPr>
-          <p:cNvSpPr>
-            <a:spLocks noGrp="1"/>
-          </p:cNvSpPr>
-          <p:nvPr>
-            <p:ph idx="1"/>
+              <a:t>디자인</a:t>
+            </a:r>
+          </a:p>
+        </p:txBody>
+      </p:sp>
+      <p:sp>
+        <p:nvSpPr>
+          <p:cNvPr id="4" name="슬라이드 번호 개체 틀 3">
+            <a:extLst>
+              <a:ext uri="{FF2B5EF4-FFF2-40B4-BE49-F238E27FC236}">
+                <a16:creationId xmlns:a16="http://schemas.microsoft.com/office/drawing/2014/main" id="{B1272101-7EDC-E2B8-9A13-ACE458EEDC8E}"/>
+              </a:ext>
+            </a:extLst>
+          </p:cNvPr>
+          <p:cNvSpPr>
+            <a:spLocks noGrp="1"/>
+          </p:cNvSpPr>
+          <p:nvPr>
+            <p:ph type="sldNum" sz="quarter" idx="12"/>
+          </p:nvPr>
+        </p:nvSpPr>
+        <p:spPr>
+          <a:xfrm>
+            <a:off x="8610600" y="6356350"/>
+            <a:ext cx="2743200" cy="365125"/>
+          </a:xfrm>
+        </p:spPr>
+        <p:txBody>
+          <a:bodyPr/>
+          <a:lstStyle/>
+          <a:p>
+            <a:fld id="{2F7F2206-C3AA-4D7A-AC99-58940E523BC8}" type="slidenum">
+              <a:rPr lang="ko-KR" altLang="en-US" smtClean="0"/>
+              <a:t>10</a:t>
+            </a:fld>
+            <a:endParaRPr lang="ko-KR" altLang="en-US"/>
+          </a:p>
+        </p:txBody>
+      </p:sp>
+      <p:sp>
+        <p:nvSpPr>
+          <p:cNvPr id="16" name="바닥글 개체 틀 15">
+            <a:extLst>
+              <a:ext uri="{FF2B5EF4-FFF2-40B4-BE49-F238E27FC236}">
+                <a16:creationId xmlns:a16="http://schemas.microsoft.com/office/drawing/2014/main" id="{047D3503-8DAC-BE0A-CCA0-BE57E939B3FE}"/>
+              </a:ext>
+            </a:extLst>
+          </p:cNvPr>
+          <p:cNvSpPr>
+            <a:spLocks noGrp="1"/>
+          </p:cNvSpPr>
+          <p:nvPr>
+            <p:ph type="ftr" sz="quarter" idx="11"/>
           </p:nvPr>
         </p:nvSpPr>
         <p:spPr/>
@@ -3469,14 +4130,428 @@
           <a:bodyPr/>
           <a:lstStyle/>
           <a:p>
-            <a:endParaRPr lang="ko-KR" altLang="en-US"/>
-          </a:p>
-        </p:txBody>
-      </p:sp>
+            <a:pPr algn="l"/>
+            <a:r>
+              <a:rPr lang="en-US" altLang="ko-KR" dirty="0"/>
+              <a:t>Client Loop</a:t>
+            </a:r>
+            <a:endParaRPr lang="ko-KR" altLang="en-US" dirty="0"/>
+          </a:p>
+        </p:txBody>
+      </p:sp>
+      <p:pic>
+        <p:nvPicPr>
+          <p:cNvPr id="6" name="그림 5">
+            <a:extLst>
+              <a:ext uri="{FF2B5EF4-FFF2-40B4-BE49-F238E27FC236}">
+                <a16:creationId xmlns:a16="http://schemas.microsoft.com/office/drawing/2014/main" id="{D6C6E4D4-5E11-3050-76F5-BB600034895D}"/>
+              </a:ext>
+            </a:extLst>
+          </p:cNvPr>
+          <p:cNvPicPr>
+            <a:picLocks noChangeAspect="1"/>
+          </p:cNvPicPr>
+          <p:nvPr/>
+        </p:nvPicPr>
+        <p:blipFill>
+          <a:blip r:embed="rId2">
+            <a:extLst>
+              <a:ext uri="{28A0092B-C50C-407E-A947-70E740481C1C}">
+                <a14:useLocalDpi xmlns:a14="http://schemas.microsoft.com/office/drawing/2010/main" val="0"/>
+              </a:ext>
+            </a:extLst>
+          </a:blip>
+          <a:stretch>
+            <a:fillRect/>
+          </a:stretch>
+        </p:blipFill>
+        <p:spPr>
+          <a:xfrm>
+            <a:off x="919542" y="1950338"/>
+            <a:ext cx="3952116" cy="4146361"/>
+          </a:xfrm>
+          <a:prstGeom prst="rect">
+            <a:avLst/>
+          </a:prstGeom>
+        </p:spPr>
+      </p:pic>
+      <p:sp>
+        <p:nvSpPr>
+          <p:cNvPr id="3" name="TextBox 2">
+            <a:extLst>
+              <a:ext uri="{FF2B5EF4-FFF2-40B4-BE49-F238E27FC236}">
+                <a16:creationId xmlns:a16="http://schemas.microsoft.com/office/drawing/2014/main" id="{B980A826-5EDA-F7BF-2B7F-B70E46A55127}"/>
+              </a:ext>
+            </a:extLst>
+          </p:cNvPr>
+          <p:cNvSpPr txBox="1"/>
+          <p:nvPr/>
+        </p:nvSpPr>
+        <p:spPr>
+          <a:xfrm>
+            <a:off x="6096000" y="1950338"/>
+            <a:ext cx="4954478" cy="4154984"/>
+          </a:xfrm>
+          <a:prstGeom prst="rect">
+            <a:avLst/>
+          </a:prstGeom>
+          <a:noFill/>
+        </p:spPr>
+        <p:txBody>
+          <a:bodyPr wrap="square" rtlCol="0">
+            <a:spAutoFit/>
+          </a:bodyPr>
+          <a:lstStyle/>
+          <a:p>
+            <a:r>
+              <a:rPr lang="en-US" altLang="ko-KR" sz="1200" b="1" dirty="0"/>
+              <a:t>Decoder() </a:t>
+            </a:r>
+          </a:p>
+          <a:p>
+            <a:r>
+              <a:rPr lang="en-US" altLang="ko-KR" sz="1200" b="1" dirty="0"/>
+              <a:t>Return</a:t>
+            </a:r>
+            <a:r>
+              <a:rPr lang="ko-KR" altLang="en-US" sz="1200" b="1" dirty="0"/>
+              <a:t> </a:t>
+            </a:r>
+            <a:r>
+              <a:rPr lang="en-US" altLang="ko-KR" sz="1200" b="1" dirty="0"/>
+              <a:t>value </a:t>
+            </a:r>
+            <a:r>
+              <a:rPr lang="en-US" altLang="ko-KR" sz="1200" dirty="0"/>
+              <a:t>: void</a:t>
+            </a:r>
+          </a:p>
+          <a:p>
+            <a:r>
+              <a:rPr lang="en-US" altLang="ko-KR" sz="1200" b="1" dirty="0"/>
+              <a:t>Parameter</a:t>
+            </a:r>
+            <a:r>
+              <a:rPr lang="en-US" altLang="ko-KR" sz="1200" dirty="0"/>
+              <a:t> : void</a:t>
+            </a:r>
+          </a:p>
+          <a:p>
+            <a:r>
+              <a:rPr lang="en-US" altLang="ko-KR" sz="1200" b="1" dirty="0"/>
+              <a:t>Explain</a:t>
+            </a:r>
+            <a:r>
+              <a:rPr lang="ko-KR" altLang="en-US" sz="1200" dirty="0"/>
+              <a:t> </a:t>
+            </a:r>
+            <a:r>
+              <a:rPr lang="en-US" altLang="ko-KR" sz="1200" dirty="0"/>
+              <a:t>:</a:t>
+            </a:r>
+          </a:p>
+          <a:p>
+            <a:r>
+              <a:rPr lang="en-US" altLang="ko-KR" sz="1200" dirty="0" err="1"/>
+              <a:t>GameObjectManager.Decode</a:t>
+            </a:r>
+            <a:r>
+              <a:rPr lang="en-US" altLang="ko-KR" sz="1200" dirty="0"/>
+              <a:t>()</a:t>
+            </a:r>
+            <a:r>
+              <a:rPr lang="ko-KR" altLang="en-US" sz="1200" dirty="0"/>
+              <a:t>를 부른다</a:t>
+            </a:r>
+            <a:r>
+              <a:rPr lang="en-US" altLang="ko-KR" sz="1200" dirty="0"/>
+              <a:t>.</a:t>
+            </a:r>
+          </a:p>
+          <a:p>
+            <a:endParaRPr lang="en-US" altLang="ko-KR" sz="1200" dirty="0"/>
+          </a:p>
+          <a:p>
+            <a:endParaRPr lang="en-US" altLang="ko-KR" sz="1200" dirty="0"/>
+          </a:p>
+          <a:p>
+            <a:r>
+              <a:rPr lang="en-US" altLang="ko-KR" sz="1200" b="1" dirty="0" err="1"/>
+              <a:t>GameObjectManager.Decode</a:t>
+            </a:r>
+            <a:r>
+              <a:rPr lang="en-US" altLang="ko-KR" sz="1200" b="1" dirty="0"/>
+              <a:t>()</a:t>
+            </a:r>
+          </a:p>
+          <a:p>
+            <a:r>
+              <a:rPr lang="en-US" altLang="ko-KR" sz="1200" b="1" dirty="0"/>
+              <a:t>Return</a:t>
+            </a:r>
+            <a:r>
+              <a:rPr lang="ko-KR" altLang="en-US" sz="1200" b="1" dirty="0"/>
+              <a:t> </a:t>
+            </a:r>
+            <a:r>
+              <a:rPr lang="en-US" altLang="ko-KR" sz="1200" b="1" dirty="0"/>
+              <a:t>value </a:t>
+            </a:r>
+            <a:r>
+              <a:rPr lang="en-US" altLang="ko-KR" sz="1200" dirty="0"/>
+              <a:t>: void</a:t>
+            </a:r>
+          </a:p>
+          <a:p>
+            <a:r>
+              <a:rPr lang="en-US" altLang="ko-KR" sz="1200" b="1" dirty="0"/>
+              <a:t>Parameter</a:t>
+            </a:r>
+            <a:r>
+              <a:rPr lang="en-US" altLang="ko-KR" sz="1200" dirty="0"/>
+              <a:t> : void</a:t>
+            </a:r>
+          </a:p>
+          <a:p>
+            <a:r>
+              <a:rPr lang="en-US" altLang="ko-KR" sz="1200" b="1" dirty="0"/>
+              <a:t>Explain</a:t>
+            </a:r>
+            <a:r>
+              <a:rPr lang="ko-KR" altLang="en-US" sz="1200" dirty="0"/>
+              <a:t> </a:t>
+            </a:r>
+            <a:r>
+              <a:rPr lang="en-US" altLang="ko-KR" sz="1200" dirty="0"/>
+              <a:t>:</a:t>
+            </a:r>
+          </a:p>
+          <a:p>
+            <a:r>
+              <a:rPr lang="en-US" altLang="ko-KR" sz="1200" dirty="0" err="1"/>
+              <a:t>GameObjectManager.p_Render</a:t>
+            </a:r>
+            <a:r>
+              <a:rPr lang="ko-KR" altLang="en-US" sz="1200" dirty="0"/>
+              <a:t>배열의 값들을 </a:t>
+            </a:r>
+            <a:r>
+              <a:rPr lang="en-US" altLang="ko-KR" sz="1200" dirty="0" err="1"/>
+              <a:t>GameObjectManager</a:t>
+            </a:r>
+            <a:r>
+              <a:rPr lang="en-US" altLang="ko-KR" sz="1200" dirty="0"/>
+              <a:t>. </a:t>
+            </a:r>
+            <a:r>
+              <a:rPr lang="en-US" altLang="ko-KR" sz="1200" dirty="0" err="1"/>
+              <a:t>m_GameObjects.Decode</a:t>
+            </a:r>
+            <a:r>
+              <a:rPr lang="en-US" altLang="ko-KR" sz="1200" dirty="0"/>
+              <a:t>()</a:t>
+            </a:r>
+            <a:r>
+              <a:rPr lang="ko-KR" altLang="en-US" sz="1200" dirty="0"/>
+              <a:t>의 원소로 넘겨준다</a:t>
+            </a:r>
+            <a:r>
+              <a:rPr lang="en-US" altLang="ko-KR" sz="1200" dirty="0"/>
+              <a:t>.</a:t>
+            </a:r>
+          </a:p>
+          <a:p>
+            <a:endParaRPr lang="en-US" altLang="ko-KR" sz="1200" dirty="0"/>
+          </a:p>
+          <a:p>
+            <a:endParaRPr lang="en-US" altLang="ko-KR" sz="1200" dirty="0"/>
+          </a:p>
+          <a:p>
+            <a:endParaRPr lang="en-US" altLang="ko-KR" sz="1200" dirty="0"/>
+          </a:p>
+          <a:p>
+            <a:r>
+              <a:rPr lang="en-US" altLang="ko-KR" sz="1200" b="1" dirty="0" err="1"/>
+              <a:t>GameObject.Decode</a:t>
+            </a:r>
+            <a:r>
+              <a:rPr lang="en-US" altLang="ko-KR" sz="1200" b="1" dirty="0"/>
+              <a:t>()</a:t>
+            </a:r>
+          </a:p>
+          <a:p>
+            <a:r>
+              <a:rPr lang="en-US" altLang="ko-KR" sz="1200" b="1" dirty="0"/>
+              <a:t>Return</a:t>
+            </a:r>
+            <a:r>
+              <a:rPr lang="ko-KR" altLang="en-US" sz="1200" b="1" dirty="0"/>
+              <a:t> </a:t>
+            </a:r>
+            <a:r>
+              <a:rPr lang="en-US" altLang="ko-KR" sz="1200" b="1" dirty="0"/>
+              <a:t>value </a:t>
+            </a:r>
+            <a:r>
+              <a:rPr lang="en-US" altLang="ko-KR" sz="1200" dirty="0"/>
+              <a:t>: void</a:t>
+            </a:r>
+          </a:p>
+          <a:p>
+            <a:r>
+              <a:rPr lang="en-US" altLang="ko-KR" sz="1200" b="1" dirty="0"/>
+              <a:t>Parameter</a:t>
+            </a:r>
+            <a:r>
+              <a:rPr lang="en-US" altLang="ko-KR" sz="1200" dirty="0"/>
+              <a:t> : </a:t>
+            </a:r>
+            <a:r>
+              <a:rPr lang="en-US" altLang="ko-KR" sz="1200" dirty="0" err="1"/>
+              <a:t>ObjectData</a:t>
+            </a:r>
+            <a:r>
+              <a:rPr lang="en-US" altLang="ko-KR" sz="1200" dirty="0"/>
+              <a:t> </a:t>
+            </a:r>
+            <a:r>
+              <a:rPr lang="en-US" altLang="ko-KR" sz="1200" dirty="0" err="1"/>
+              <a:t>object_data</a:t>
+            </a:r>
+            <a:endParaRPr lang="en-US" altLang="ko-KR" sz="1200" dirty="0"/>
+          </a:p>
+          <a:p>
+            <a:r>
+              <a:rPr lang="en-US" altLang="ko-KR" sz="1200" b="1" dirty="0"/>
+              <a:t>Explain</a:t>
+            </a:r>
+            <a:r>
+              <a:rPr lang="ko-KR" altLang="en-US" sz="1200" dirty="0"/>
+              <a:t> </a:t>
+            </a:r>
+            <a:r>
+              <a:rPr lang="en-US" altLang="ko-KR" sz="1200" dirty="0"/>
+              <a:t>:</a:t>
+            </a:r>
+          </a:p>
+          <a:p>
+            <a:r>
+              <a:rPr lang="en-US" altLang="ko-KR" sz="1200" dirty="0" err="1"/>
+              <a:t>object_data</a:t>
+            </a:r>
+            <a:r>
+              <a:rPr lang="ko-KR" altLang="en-US" sz="1200" dirty="0"/>
+              <a:t>의 값으로 자신의 멤버변수들을 </a:t>
+            </a:r>
+            <a:r>
+              <a:rPr lang="en-US" altLang="ko-KR" sz="1200" dirty="0"/>
+              <a:t>Update </a:t>
+            </a:r>
+            <a:r>
+              <a:rPr lang="ko-KR" altLang="en-US" sz="1200" dirty="0"/>
+              <a:t>한다</a:t>
+            </a:r>
+            <a:r>
+              <a:rPr lang="en-US" altLang="ko-KR" sz="1200" dirty="0"/>
+              <a:t>.</a:t>
+            </a:r>
+          </a:p>
+          <a:p>
+            <a:endParaRPr lang="en-US" altLang="ko-KR" sz="1200" dirty="0"/>
+          </a:p>
+        </p:txBody>
+      </p:sp>
+      <p:grpSp>
+        <p:nvGrpSpPr>
+          <p:cNvPr id="7" name="그룹 6">
+            <a:extLst>
+              <a:ext uri="{FF2B5EF4-FFF2-40B4-BE49-F238E27FC236}">
+                <a16:creationId xmlns:a16="http://schemas.microsoft.com/office/drawing/2014/main" id="{B4EC9766-E2AD-41CE-6C93-6BBBE31F2A78}"/>
+              </a:ext>
+            </a:extLst>
+          </p:cNvPr>
+          <p:cNvGrpSpPr/>
+          <p:nvPr/>
+        </p:nvGrpSpPr>
+        <p:grpSpPr>
+          <a:xfrm>
+            <a:off x="10086975" y="773026"/>
+            <a:ext cx="963503" cy="1642964"/>
+            <a:chOff x="9859701" y="385479"/>
+            <a:chExt cx="1190777" cy="2030511"/>
+          </a:xfrm>
+        </p:grpSpPr>
+        <p:pic>
+          <p:nvPicPr>
+            <p:cNvPr id="9" name="그림 8">
+              <a:extLst>
+                <a:ext uri="{FF2B5EF4-FFF2-40B4-BE49-F238E27FC236}">
+                  <a16:creationId xmlns:a16="http://schemas.microsoft.com/office/drawing/2014/main" id="{677F5BD3-09C9-0A8B-F1B4-8D9F6D71463B}"/>
+                </a:ext>
+              </a:extLst>
+            </p:cNvPr>
+            <p:cNvPicPr>
+              <a:picLocks noChangeAspect="1"/>
+            </p:cNvPicPr>
+            <p:nvPr/>
+          </p:nvPicPr>
+          <p:blipFill>
+            <a:blip r:embed="rId3">
+              <a:extLst>
+                <a:ext uri="{28A0092B-C50C-407E-A947-70E740481C1C}">
+                  <a14:useLocalDpi xmlns:a14="http://schemas.microsoft.com/office/drawing/2010/main" val="0"/>
+                </a:ext>
+              </a:extLst>
+            </a:blip>
+            <a:stretch>
+              <a:fillRect/>
+            </a:stretch>
+          </p:blipFill>
+          <p:spPr>
+            <a:xfrm>
+              <a:off x="9859701" y="385479"/>
+              <a:ext cx="1173053" cy="1371571"/>
+            </a:xfrm>
+            <a:prstGeom prst="rect">
+              <a:avLst/>
+            </a:prstGeom>
+          </p:spPr>
+        </p:pic>
+        <p:pic>
+          <p:nvPicPr>
+            <p:cNvPr id="10" name="그림 9">
+              <a:extLst>
+                <a:ext uri="{FF2B5EF4-FFF2-40B4-BE49-F238E27FC236}">
+                  <a16:creationId xmlns:a16="http://schemas.microsoft.com/office/drawing/2014/main" id="{AB6847D1-6FB4-8952-A70D-CDDC09887364}"/>
+                </a:ext>
+              </a:extLst>
+            </p:cNvPr>
+            <p:cNvPicPr>
+              <a:picLocks noChangeAspect="1"/>
+            </p:cNvPicPr>
+            <p:nvPr/>
+          </p:nvPicPr>
+          <p:blipFill>
+            <a:blip r:embed="rId4"/>
+            <a:stretch>
+              <a:fillRect/>
+            </a:stretch>
+          </p:blipFill>
+          <p:spPr>
+            <a:xfrm>
+              <a:off x="9964476" y="1711042"/>
+              <a:ext cx="1086002" cy="704948"/>
+            </a:xfrm>
+            <a:prstGeom prst="rect">
+              <a:avLst/>
+            </a:prstGeom>
+          </p:spPr>
+        </p:pic>
+      </p:grpSp>
     </p:spTree>
     <p:extLst>
       <p:ext uri="{BB962C8B-B14F-4D97-AF65-F5344CB8AC3E}">
-        <p14:creationId xmlns:p14="http://schemas.microsoft.com/office/powerpoint/2010/main" val="4173059141"/>
+        <p14:creationId xmlns:p14="http://schemas.microsoft.com/office/powerpoint/2010/main" val="2914063902"/>
       </p:ext>
     </p:extLst>
   </p:cSld>
@@ -3508,7 +4583,7 @@
           <p:cNvPr id="2" name="제목 1">
             <a:extLst>
               <a:ext uri="{FF2B5EF4-FFF2-40B4-BE49-F238E27FC236}">
-                <a16:creationId xmlns:a16="http://schemas.microsoft.com/office/drawing/2014/main" id="{E249A6F7-B6AC-B8BA-A1B6-955E011B8817}"/>
+                <a16:creationId xmlns:a16="http://schemas.microsoft.com/office/drawing/2014/main" id="{CD59657E-4DF5-0BBD-B638-F074795F2C35}"/>
               </a:ext>
             </a:extLst>
           </p:cNvPr>
@@ -3525,26 +4600,64 @@
           <a:lstStyle/>
           <a:p>
             <a:r>
+              <a:rPr lang="en-US" altLang="ko-KR" dirty="0"/>
+              <a:t>Low-level </a:t>
+            </a:r>
+            <a:r>
               <a:rPr lang="ko-KR" altLang="en-US" dirty="0"/>
-              <a:t>개발환경</a:t>
-            </a:r>
-          </a:p>
-        </p:txBody>
-      </p:sp>
-      <p:sp>
-        <p:nvSpPr>
-          <p:cNvPr id="3" name="내용 개체 틀 2">
-            <a:extLst>
-              <a:ext uri="{FF2B5EF4-FFF2-40B4-BE49-F238E27FC236}">
-                <a16:creationId xmlns:a16="http://schemas.microsoft.com/office/drawing/2014/main" id="{BA8B92A0-C6DC-D405-93E8-F83FB72ED344}"/>
-              </a:ext>
-            </a:extLst>
-          </p:cNvPr>
-          <p:cNvSpPr>
-            <a:spLocks noGrp="1"/>
-          </p:cNvSpPr>
-          <p:nvPr>
-            <p:ph idx="1"/>
+              <a:t>디자인</a:t>
+            </a:r>
+          </a:p>
+        </p:txBody>
+      </p:sp>
+      <p:sp>
+        <p:nvSpPr>
+          <p:cNvPr id="4" name="슬라이드 번호 개체 틀 3">
+            <a:extLst>
+              <a:ext uri="{FF2B5EF4-FFF2-40B4-BE49-F238E27FC236}">
+                <a16:creationId xmlns:a16="http://schemas.microsoft.com/office/drawing/2014/main" id="{B1272101-7EDC-E2B8-9A13-ACE458EEDC8E}"/>
+              </a:ext>
+            </a:extLst>
+          </p:cNvPr>
+          <p:cNvSpPr>
+            <a:spLocks noGrp="1"/>
+          </p:cNvSpPr>
+          <p:nvPr>
+            <p:ph type="sldNum" sz="quarter" idx="12"/>
+          </p:nvPr>
+        </p:nvSpPr>
+        <p:spPr>
+          <a:xfrm>
+            <a:off x="8610600" y="6356350"/>
+            <a:ext cx="2743200" cy="365125"/>
+          </a:xfrm>
+        </p:spPr>
+        <p:txBody>
+          <a:bodyPr/>
+          <a:lstStyle/>
+          <a:p>
+            <a:fld id="{2F7F2206-C3AA-4D7A-AC99-58940E523BC8}" type="slidenum">
+              <a:rPr lang="ko-KR" altLang="en-US" smtClean="0"/>
+              <a:t>11</a:t>
+            </a:fld>
+            <a:endParaRPr lang="ko-KR" altLang="en-US"/>
+          </a:p>
+        </p:txBody>
+      </p:sp>
+      <p:sp>
+        <p:nvSpPr>
+          <p:cNvPr id="16" name="바닥글 개체 틀 15">
+            <a:extLst>
+              <a:ext uri="{FF2B5EF4-FFF2-40B4-BE49-F238E27FC236}">
+                <a16:creationId xmlns:a16="http://schemas.microsoft.com/office/drawing/2014/main" id="{047D3503-8DAC-BE0A-CCA0-BE57E939B3FE}"/>
+              </a:ext>
+            </a:extLst>
+          </p:cNvPr>
+          <p:cNvSpPr>
+            <a:spLocks noGrp="1"/>
+          </p:cNvSpPr>
+          <p:nvPr>
+            <p:ph type="ftr" sz="quarter" idx="11"/>
           </p:nvPr>
         </p:nvSpPr>
         <p:spPr/>
@@ -3552,14 +4665,417 @@
           <a:bodyPr/>
           <a:lstStyle/>
           <a:p>
-            <a:endParaRPr lang="ko-KR" altLang="en-US"/>
-          </a:p>
-        </p:txBody>
-      </p:sp>
+            <a:pPr algn="l"/>
+            <a:r>
+              <a:rPr lang="en-US" altLang="ko-KR" dirty="0"/>
+              <a:t>Client Loop</a:t>
+            </a:r>
+            <a:endParaRPr lang="ko-KR" altLang="en-US" dirty="0"/>
+          </a:p>
+        </p:txBody>
+      </p:sp>
+      <p:pic>
+        <p:nvPicPr>
+          <p:cNvPr id="6" name="그림 5">
+            <a:extLst>
+              <a:ext uri="{FF2B5EF4-FFF2-40B4-BE49-F238E27FC236}">
+                <a16:creationId xmlns:a16="http://schemas.microsoft.com/office/drawing/2014/main" id="{D6C6E4D4-5E11-3050-76F5-BB600034895D}"/>
+              </a:ext>
+            </a:extLst>
+          </p:cNvPr>
+          <p:cNvPicPr>
+            <a:picLocks noChangeAspect="1"/>
+          </p:cNvPicPr>
+          <p:nvPr/>
+        </p:nvPicPr>
+        <p:blipFill>
+          <a:blip r:embed="rId2">
+            <a:extLst>
+              <a:ext uri="{28A0092B-C50C-407E-A947-70E740481C1C}">
+                <a14:useLocalDpi xmlns:a14="http://schemas.microsoft.com/office/drawing/2010/main" val="0"/>
+              </a:ext>
+            </a:extLst>
+          </a:blip>
+          <a:stretch>
+            <a:fillRect/>
+          </a:stretch>
+        </p:blipFill>
+        <p:spPr>
+          <a:xfrm>
+            <a:off x="919542" y="1950338"/>
+            <a:ext cx="3952116" cy="4146361"/>
+          </a:xfrm>
+          <a:prstGeom prst="rect">
+            <a:avLst/>
+          </a:prstGeom>
+        </p:spPr>
+      </p:pic>
+      <p:sp>
+        <p:nvSpPr>
+          <p:cNvPr id="8" name="TextBox 7">
+            <a:extLst>
+              <a:ext uri="{FF2B5EF4-FFF2-40B4-BE49-F238E27FC236}">
+                <a16:creationId xmlns:a16="http://schemas.microsoft.com/office/drawing/2014/main" id="{FF450B19-1170-7C55-036D-07F63729A47A}"/>
+              </a:ext>
+            </a:extLst>
+          </p:cNvPr>
+          <p:cNvSpPr txBox="1"/>
+          <p:nvPr/>
+        </p:nvSpPr>
+        <p:spPr>
+          <a:xfrm>
+            <a:off x="6096000" y="1950338"/>
+            <a:ext cx="4954478" cy="4154984"/>
+          </a:xfrm>
+          <a:prstGeom prst="rect">
+            <a:avLst/>
+          </a:prstGeom>
+          <a:noFill/>
+        </p:spPr>
+        <p:txBody>
+          <a:bodyPr wrap="square" rtlCol="0">
+            <a:spAutoFit/>
+          </a:bodyPr>
+          <a:lstStyle/>
+          <a:p>
+            <a:r>
+              <a:rPr lang="en-US" altLang="ko-KR" sz="1200" b="1" dirty="0"/>
+              <a:t>Render() </a:t>
+            </a:r>
+          </a:p>
+          <a:p>
+            <a:r>
+              <a:rPr lang="en-US" altLang="ko-KR" sz="1200" b="1" dirty="0"/>
+              <a:t>Return</a:t>
+            </a:r>
+            <a:r>
+              <a:rPr lang="ko-KR" altLang="en-US" sz="1200" b="1" dirty="0"/>
+              <a:t> </a:t>
+            </a:r>
+            <a:r>
+              <a:rPr lang="en-US" altLang="ko-KR" sz="1200" b="1" dirty="0"/>
+              <a:t>value </a:t>
+            </a:r>
+            <a:r>
+              <a:rPr lang="en-US" altLang="ko-KR" sz="1200" dirty="0"/>
+              <a:t>: void</a:t>
+            </a:r>
+          </a:p>
+          <a:p>
+            <a:r>
+              <a:rPr lang="en-US" altLang="ko-KR" sz="1200" b="1" dirty="0"/>
+              <a:t>Parameter</a:t>
+            </a:r>
+            <a:r>
+              <a:rPr lang="en-US" altLang="ko-KR" sz="1200" dirty="0"/>
+              <a:t> : void</a:t>
+            </a:r>
+          </a:p>
+          <a:p>
+            <a:r>
+              <a:rPr lang="en-US" altLang="ko-KR" sz="1200" b="1" dirty="0"/>
+              <a:t>Explain</a:t>
+            </a:r>
+            <a:r>
+              <a:rPr lang="ko-KR" altLang="en-US" sz="1200" dirty="0"/>
+              <a:t> </a:t>
+            </a:r>
+            <a:r>
+              <a:rPr lang="en-US" altLang="ko-KR" sz="1200" dirty="0"/>
+              <a:t>:</a:t>
+            </a:r>
+          </a:p>
+          <a:p>
+            <a:r>
+              <a:rPr lang="en-US" altLang="ko-KR" sz="1200" dirty="0" err="1"/>
+              <a:t>RederThread</a:t>
+            </a:r>
+            <a:r>
+              <a:rPr lang="en-US" altLang="ko-KR" sz="1200" dirty="0"/>
+              <a:t>()</a:t>
+            </a:r>
+            <a:r>
+              <a:rPr lang="ko-KR" altLang="en-US" sz="1200" dirty="0"/>
+              <a:t>에서 불리는 함수</a:t>
+            </a:r>
+            <a:r>
+              <a:rPr lang="en-US" altLang="ko-KR" sz="1200" dirty="0"/>
+              <a:t>.</a:t>
+            </a:r>
+          </a:p>
+          <a:p>
+            <a:r>
+              <a:rPr lang="en-US" altLang="ko-KR" sz="1200" dirty="0" err="1"/>
+              <a:t>GameObjectManager.Render</a:t>
+            </a:r>
+            <a:r>
+              <a:rPr lang="en-US" altLang="ko-KR" sz="1200" dirty="0"/>
+              <a:t>()</a:t>
+            </a:r>
+            <a:r>
+              <a:rPr lang="ko-KR" altLang="en-US" sz="1200" dirty="0"/>
+              <a:t>를 부른다</a:t>
+            </a:r>
+            <a:r>
+              <a:rPr lang="en-US" altLang="ko-KR" sz="1200" dirty="0"/>
+              <a:t>.</a:t>
+            </a:r>
+          </a:p>
+          <a:p>
+            <a:endParaRPr lang="en-US" altLang="ko-KR" sz="1200" dirty="0"/>
+          </a:p>
+          <a:p>
+            <a:endParaRPr lang="en-US" altLang="ko-KR" sz="1200" dirty="0"/>
+          </a:p>
+          <a:p>
+            <a:r>
+              <a:rPr lang="en-US" altLang="ko-KR" sz="1200" b="1" dirty="0" err="1"/>
+              <a:t>GameObjectManager.Render</a:t>
+            </a:r>
+            <a:r>
+              <a:rPr lang="en-US" altLang="ko-KR" sz="1200" b="1" dirty="0"/>
+              <a:t>()</a:t>
+            </a:r>
+          </a:p>
+          <a:p>
+            <a:r>
+              <a:rPr lang="en-US" altLang="ko-KR" sz="1200" b="1" dirty="0"/>
+              <a:t>Return</a:t>
+            </a:r>
+            <a:r>
+              <a:rPr lang="ko-KR" altLang="en-US" sz="1200" b="1" dirty="0"/>
+              <a:t> </a:t>
+            </a:r>
+            <a:r>
+              <a:rPr lang="en-US" altLang="ko-KR" sz="1200" b="1" dirty="0"/>
+              <a:t>value </a:t>
+            </a:r>
+            <a:r>
+              <a:rPr lang="en-US" altLang="ko-KR" sz="1200" dirty="0"/>
+              <a:t>: void</a:t>
+            </a:r>
+          </a:p>
+          <a:p>
+            <a:r>
+              <a:rPr lang="en-US" altLang="ko-KR" sz="1200" b="1" dirty="0"/>
+              <a:t>Parameter</a:t>
+            </a:r>
+            <a:r>
+              <a:rPr lang="en-US" altLang="ko-KR" sz="1200" dirty="0"/>
+              <a:t> : void</a:t>
+            </a:r>
+          </a:p>
+          <a:p>
+            <a:r>
+              <a:rPr lang="en-US" altLang="ko-KR" sz="1200" b="1" dirty="0"/>
+              <a:t>Explain</a:t>
+            </a:r>
+            <a:r>
+              <a:rPr lang="ko-KR" altLang="en-US" sz="1200" dirty="0"/>
+              <a:t> </a:t>
+            </a:r>
+            <a:r>
+              <a:rPr lang="en-US" altLang="ko-KR" sz="1200" dirty="0"/>
+              <a:t>:</a:t>
+            </a:r>
+          </a:p>
+          <a:p>
+            <a:r>
+              <a:rPr lang="en-US" altLang="ko-KR" sz="1200" dirty="0" err="1"/>
+              <a:t>GameObjectManager</a:t>
+            </a:r>
+            <a:r>
+              <a:rPr lang="en-US" altLang="ko-KR" sz="1200" dirty="0"/>
+              <a:t>. </a:t>
+            </a:r>
+            <a:r>
+              <a:rPr lang="en-US" altLang="ko-KR" sz="1200" dirty="0" err="1"/>
+              <a:t>m_GameObjects</a:t>
+            </a:r>
+            <a:r>
+              <a:rPr lang="ko-KR" altLang="en-US" sz="1200" dirty="0"/>
+              <a:t>들의 </a:t>
+            </a:r>
+            <a:r>
+              <a:rPr lang="en-US" altLang="ko-KR" sz="1200" dirty="0"/>
+              <a:t>Render()</a:t>
+            </a:r>
+            <a:r>
+              <a:rPr lang="ko-KR" altLang="en-US" sz="1200" dirty="0"/>
+              <a:t>를 부른다</a:t>
+            </a:r>
+            <a:r>
+              <a:rPr lang="en-US" altLang="ko-KR" sz="1200" dirty="0"/>
+              <a:t>.</a:t>
+            </a:r>
+          </a:p>
+          <a:p>
+            <a:endParaRPr lang="en-US" altLang="ko-KR" sz="1200" dirty="0"/>
+          </a:p>
+          <a:p>
+            <a:endParaRPr lang="en-US" altLang="ko-KR" sz="1200" dirty="0"/>
+          </a:p>
+          <a:p>
+            <a:r>
+              <a:rPr lang="en-US" altLang="ko-KR" sz="1200" b="1" dirty="0" err="1"/>
+              <a:t>GameObject.Render</a:t>
+            </a:r>
+            <a:r>
+              <a:rPr lang="en-US" altLang="ko-KR" sz="1200" b="1" dirty="0"/>
+              <a:t>()</a:t>
+            </a:r>
+          </a:p>
+          <a:p>
+            <a:r>
+              <a:rPr lang="en-US" altLang="ko-KR" sz="1200" b="1" dirty="0"/>
+              <a:t>Return</a:t>
+            </a:r>
+            <a:r>
+              <a:rPr lang="ko-KR" altLang="en-US" sz="1200" b="1" dirty="0"/>
+              <a:t> </a:t>
+            </a:r>
+            <a:r>
+              <a:rPr lang="en-US" altLang="ko-KR" sz="1200" b="1" dirty="0"/>
+              <a:t>value </a:t>
+            </a:r>
+            <a:r>
+              <a:rPr lang="en-US" altLang="ko-KR" sz="1200" dirty="0"/>
+              <a:t>: void</a:t>
+            </a:r>
+          </a:p>
+          <a:p>
+            <a:r>
+              <a:rPr lang="en-US" altLang="ko-KR" sz="1200" b="1" dirty="0"/>
+              <a:t>Parameter</a:t>
+            </a:r>
+            <a:r>
+              <a:rPr lang="en-US" altLang="ko-KR" sz="1200" dirty="0"/>
+              <a:t> : void</a:t>
+            </a:r>
+          </a:p>
+          <a:p>
+            <a:r>
+              <a:rPr lang="en-US" altLang="ko-KR" sz="1200" b="1" dirty="0"/>
+              <a:t>Explain</a:t>
+            </a:r>
+            <a:r>
+              <a:rPr lang="ko-KR" altLang="en-US" sz="1200" dirty="0"/>
+              <a:t> </a:t>
+            </a:r>
+            <a:r>
+              <a:rPr lang="en-US" altLang="ko-KR" sz="1200" dirty="0"/>
+              <a:t>:</a:t>
+            </a:r>
+          </a:p>
+          <a:p>
+            <a:r>
+              <a:rPr lang="ko-KR" altLang="en-US" sz="1200" dirty="0"/>
+              <a:t>자신을 화면에 출력한다</a:t>
+            </a:r>
+            <a:r>
+              <a:rPr lang="en-US" altLang="ko-KR" sz="1200" dirty="0"/>
+              <a:t>.</a:t>
+            </a:r>
+          </a:p>
+          <a:p>
+            <a:endParaRPr lang="en-US" altLang="ko-KR" sz="1200" dirty="0"/>
+          </a:p>
+          <a:p>
+            <a:endParaRPr lang="en-US" altLang="ko-KR" sz="1200" dirty="0"/>
+          </a:p>
+        </p:txBody>
+      </p:sp>
+      <p:grpSp>
+        <p:nvGrpSpPr>
+          <p:cNvPr id="5" name="그룹 4">
+            <a:extLst>
+              <a:ext uri="{FF2B5EF4-FFF2-40B4-BE49-F238E27FC236}">
+                <a16:creationId xmlns:a16="http://schemas.microsoft.com/office/drawing/2014/main" id="{43C0ABF1-442F-8021-49E8-92D8342EB433}"/>
+              </a:ext>
+            </a:extLst>
+          </p:cNvPr>
+          <p:cNvGrpSpPr/>
+          <p:nvPr/>
+        </p:nvGrpSpPr>
+        <p:grpSpPr>
+          <a:xfrm>
+            <a:off x="10086975" y="773026"/>
+            <a:ext cx="963503" cy="1642964"/>
+            <a:chOff x="9859701" y="385479"/>
+            <a:chExt cx="1190777" cy="2030511"/>
+          </a:xfrm>
+        </p:grpSpPr>
+        <p:pic>
+          <p:nvPicPr>
+            <p:cNvPr id="7" name="그림 6">
+              <a:extLst>
+                <a:ext uri="{FF2B5EF4-FFF2-40B4-BE49-F238E27FC236}">
+                  <a16:creationId xmlns:a16="http://schemas.microsoft.com/office/drawing/2014/main" id="{92FE9FE1-97EF-259F-DB9F-56364579F31B}"/>
+                </a:ext>
+              </a:extLst>
+            </p:cNvPr>
+            <p:cNvPicPr>
+              <a:picLocks noChangeAspect="1"/>
+            </p:cNvPicPr>
+            <p:nvPr/>
+          </p:nvPicPr>
+          <p:blipFill>
+            <a:blip r:embed="rId3">
+              <a:extLst>
+                <a:ext uri="{28A0092B-C50C-407E-A947-70E740481C1C}">
+                  <a14:useLocalDpi xmlns:a14="http://schemas.microsoft.com/office/drawing/2010/main" val="0"/>
+                </a:ext>
+              </a:extLst>
+            </a:blip>
+            <a:stretch>
+              <a:fillRect/>
+            </a:stretch>
+          </p:blipFill>
+          <p:spPr>
+            <a:xfrm>
+              <a:off x="9859701" y="385479"/>
+              <a:ext cx="1173053" cy="1371571"/>
+            </a:xfrm>
+            <a:prstGeom prst="rect">
+              <a:avLst/>
+            </a:prstGeom>
+          </p:spPr>
+        </p:pic>
+        <p:pic>
+          <p:nvPicPr>
+            <p:cNvPr id="9" name="그림 8">
+              <a:extLst>
+                <a:ext uri="{FF2B5EF4-FFF2-40B4-BE49-F238E27FC236}">
+                  <a16:creationId xmlns:a16="http://schemas.microsoft.com/office/drawing/2014/main" id="{76DDE72E-0B1C-465D-B0B3-01EDD025C167}"/>
+                </a:ext>
+              </a:extLst>
+            </p:cNvPr>
+            <p:cNvPicPr>
+              <a:picLocks noChangeAspect="1"/>
+            </p:cNvPicPr>
+            <p:nvPr/>
+          </p:nvPicPr>
+          <p:blipFill>
+            <a:blip r:embed="rId4"/>
+            <a:stretch>
+              <a:fillRect/>
+            </a:stretch>
+          </p:blipFill>
+          <p:spPr>
+            <a:xfrm>
+              <a:off x="9964476" y="1711042"/>
+              <a:ext cx="1086002" cy="704948"/>
+            </a:xfrm>
+            <a:prstGeom prst="rect">
+              <a:avLst/>
+            </a:prstGeom>
+          </p:spPr>
+        </p:pic>
+      </p:grpSp>
     </p:spTree>
     <p:extLst>
       <p:ext uri="{BB962C8B-B14F-4D97-AF65-F5344CB8AC3E}">
-        <p14:creationId xmlns:p14="http://schemas.microsoft.com/office/powerpoint/2010/main" val="3410067479"/>
+        <p14:creationId xmlns:p14="http://schemas.microsoft.com/office/powerpoint/2010/main" val="2407249408"/>
       </p:ext>
     </p:extLst>
   </p:cSld>
@@ -3591,7 +5107,7 @@
           <p:cNvPr id="2" name="제목 1">
             <a:extLst>
               <a:ext uri="{FF2B5EF4-FFF2-40B4-BE49-F238E27FC236}">
-                <a16:creationId xmlns:a16="http://schemas.microsoft.com/office/drawing/2014/main" id="{D8277C97-48DF-7F22-C21A-0883DEBFD964}"/>
+                <a16:creationId xmlns:a16="http://schemas.microsoft.com/office/drawing/2014/main" id="{CD59657E-4DF5-0BBD-B638-F074795F2C35}"/>
               </a:ext>
             </a:extLst>
           </p:cNvPr>
@@ -3608,26 +5124,64 @@
           <a:lstStyle/>
           <a:p>
             <a:r>
+              <a:rPr lang="en-US" altLang="ko-KR" dirty="0"/>
+              <a:t>Low-level </a:t>
+            </a:r>
+            <a:r>
               <a:rPr lang="ko-KR" altLang="en-US" dirty="0"/>
-              <a:t>개발일정</a:t>
-            </a:r>
-          </a:p>
-        </p:txBody>
-      </p:sp>
-      <p:sp>
-        <p:nvSpPr>
-          <p:cNvPr id="3" name="내용 개체 틀 2">
-            <a:extLst>
-              <a:ext uri="{FF2B5EF4-FFF2-40B4-BE49-F238E27FC236}">
-                <a16:creationId xmlns:a16="http://schemas.microsoft.com/office/drawing/2014/main" id="{CC916D45-F3B9-7328-33A2-01BE1AF7BEE2}"/>
-              </a:ext>
-            </a:extLst>
-          </p:cNvPr>
-          <p:cNvSpPr>
-            <a:spLocks noGrp="1"/>
-          </p:cNvSpPr>
-          <p:nvPr>
-            <p:ph idx="1"/>
+              <a:t>디자인</a:t>
+            </a:r>
+          </a:p>
+        </p:txBody>
+      </p:sp>
+      <p:sp>
+        <p:nvSpPr>
+          <p:cNvPr id="4" name="슬라이드 번호 개체 틀 3">
+            <a:extLst>
+              <a:ext uri="{FF2B5EF4-FFF2-40B4-BE49-F238E27FC236}">
+                <a16:creationId xmlns:a16="http://schemas.microsoft.com/office/drawing/2014/main" id="{B1272101-7EDC-E2B8-9A13-ACE458EEDC8E}"/>
+              </a:ext>
+            </a:extLst>
+          </p:cNvPr>
+          <p:cNvSpPr>
+            <a:spLocks noGrp="1"/>
+          </p:cNvSpPr>
+          <p:nvPr>
+            <p:ph type="sldNum" sz="quarter" idx="12"/>
+          </p:nvPr>
+        </p:nvSpPr>
+        <p:spPr>
+          <a:xfrm>
+            <a:off x="8610600" y="6356350"/>
+            <a:ext cx="2743200" cy="365125"/>
+          </a:xfrm>
+        </p:spPr>
+        <p:txBody>
+          <a:bodyPr/>
+          <a:lstStyle/>
+          <a:p>
+            <a:fld id="{2F7F2206-C3AA-4D7A-AC99-58940E523BC8}" type="slidenum">
+              <a:rPr lang="ko-KR" altLang="en-US" smtClean="0"/>
+              <a:t>12</a:t>
+            </a:fld>
+            <a:endParaRPr lang="ko-KR" altLang="en-US"/>
+          </a:p>
+        </p:txBody>
+      </p:sp>
+      <p:sp>
+        <p:nvSpPr>
+          <p:cNvPr id="16" name="바닥글 개체 틀 15">
+            <a:extLst>
+              <a:ext uri="{FF2B5EF4-FFF2-40B4-BE49-F238E27FC236}">
+                <a16:creationId xmlns:a16="http://schemas.microsoft.com/office/drawing/2014/main" id="{047D3503-8DAC-BE0A-CCA0-BE57E939B3FE}"/>
+              </a:ext>
+            </a:extLst>
+          </p:cNvPr>
+          <p:cNvSpPr>
+            <a:spLocks noGrp="1"/>
+          </p:cNvSpPr>
+          <p:nvPr>
+            <p:ph type="ftr" sz="quarter" idx="11"/>
           </p:nvPr>
         </p:nvSpPr>
         <p:spPr/>
@@ -3635,14 +5189,2786 @@
           <a:bodyPr/>
           <a:lstStyle/>
           <a:p>
-            <a:endParaRPr lang="ko-KR" altLang="en-US"/>
-          </a:p>
-        </p:txBody>
-      </p:sp>
+            <a:pPr algn="l"/>
+            <a:r>
+              <a:rPr lang="en-US" altLang="ko-KR" dirty="0"/>
+              <a:t>Server Loop</a:t>
+            </a:r>
+            <a:endParaRPr lang="ko-KR" altLang="en-US" dirty="0"/>
+          </a:p>
+        </p:txBody>
+      </p:sp>
+      <p:pic>
+        <p:nvPicPr>
+          <p:cNvPr id="5" name="그림 4">
+            <a:extLst>
+              <a:ext uri="{FF2B5EF4-FFF2-40B4-BE49-F238E27FC236}">
+                <a16:creationId xmlns:a16="http://schemas.microsoft.com/office/drawing/2014/main" id="{00D3B93E-3A24-FF08-CF11-65C42606503C}"/>
+              </a:ext>
+            </a:extLst>
+          </p:cNvPr>
+          <p:cNvPicPr>
+            <a:picLocks noChangeAspect="1"/>
+          </p:cNvPicPr>
+          <p:nvPr/>
+        </p:nvPicPr>
+        <p:blipFill>
+          <a:blip r:embed="rId2">
+            <a:extLst>
+              <a:ext uri="{28A0092B-C50C-407E-A947-70E740481C1C}">
+                <a14:useLocalDpi xmlns:a14="http://schemas.microsoft.com/office/drawing/2010/main" val="0"/>
+              </a:ext>
+            </a:extLst>
+          </a:blip>
+          <a:stretch>
+            <a:fillRect/>
+          </a:stretch>
+        </p:blipFill>
+        <p:spPr>
+          <a:xfrm>
+            <a:off x="838200" y="2009366"/>
+            <a:ext cx="3790764" cy="4028305"/>
+          </a:xfrm>
+          <a:prstGeom prst="rect">
+            <a:avLst/>
+          </a:prstGeom>
+        </p:spPr>
+      </p:pic>
+      <p:sp>
+        <p:nvSpPr>
+          <p:cNvPr id="8" name="TextBox 7">
+            <a:extLst>
+              <a:ext uri="{FF2B5EF4-FFF2-40B4-BE49-F238E27FC236}">
+                <a16:creationId xmlns:a16="http://schemas.microsoft.com/office/drawing/2014/main" id="{30A5E7C2-7B63-B9D9-3FEE-D0016F52A48B}"/>
+              </a:ext>
+            </a:extLst>
+          </p:cNvPr>
+          <p:cNvSpPr txBox="1"/>
+          <p:nvPr/>
+        </p:nvSpPr>
+        <p:spPr>
+          <a:xfrm>
+            <a:off x="6096000" y="1950338"/>
+            <a:ext cx="4954478" cy="3970318"/>
+          </a:xfrm>
+          <a:prstGeom prst="rect">
+            <a:avLst/>
+          </a:prstGeom>
+          <a:noFill/>
+        </p:spPr>
+        <p:txBody>
+          <a:bodyPr wrap="square" rtlCol="0">
+            <a:spAutoFit/>
+          </a:bodyPr>
+          <a:lstStyle/>
+          <a:p>
+            <a:r>
+              <a:rPr lang="en-US" altLang="ko-KR" sz="1200" b="1" dirty="0" err="1"/>
+              <a:t>Uapata</a:t>
+            </a:r>
+            <a:r>
+              <a:rPr lang="en-US" altLang="ko-KR" sz="1200" b="1" dirty="0"/>
+              <a:t>() </a:t>
+            </a:r>
+          </a:p>
+          <a:p>
+            <a:r>
+              <a:rPr lang="en-US" altLang="ko-KR" sz="1200" b="1" dirty="0"/>
+              <a:t>Return</a:t>
+            </a:r>
+            <a:r>
+              <a:rPr lang="ko-KR" altLang="en-US" sz="1200" b="1" dirty="0"/>
+              <a:t> </a:t>
+            </a:r>
+            <a:r>
+              <a:rPr lang="en-US" altLang="ko-KR" sz="1200" b="1" dirty="0"/>
+              <a:t>value </a:t>
+            </a:r>
+            <a:r>
+              <a:rPr lang="en-US" altLang="ko-KR" sz="1200" dirty="0"/>
+              <a:t>: void</a:t>
+            </a:r>
+          </a:p>
+          <a:p>
+            <a:r>
+              <a:rPr lang="en-US" altLang="ko-KR" sz="1200" b="1" dirty="0"/>
+              <a:t>Parameter</a:t>
+            </a:r>
+            <a:r>
+              <a:rPr lang="en-US" altLang="ko-KR" sz="1200" dirty="0"/>
+              <a:t> : float </a:t>
+            </a:r>
+            <a:r>
+              <a:rPr lang="en-US" altLang="ko-KR" sz="1200" dirty="0" err="1"/>
+              <a:t>eTime</a:t>
+            </a:r>
+            <a:endParaRPr lang="en-US" altLang="ko-KR" sz="1200" dirty="0"/>
+          </a:p>
+          <a:p>
+            <a:r>
+              <a:rPr lang="en-US" altLang="ko-KR" sz="1200" b="1" dirty="0"/>
+              <a:t>Explain</a:t>
+            </a:r>
+            <a:r>
+              <a:rPr lang="ko-KR" altLang="en-US" sz="1200" dirty="0"/>
+              <a:t> </a:t>
+            </a:r>
+            <a:r>
+              <a:rPr lang="en-US" altLang="ko-KR" sz="1200" dirty="0"/>
+              <a:t>:</a:t>
+            </a:r>
+          </a:p>
+          <a:p>
+            <a:r>
+              <a:rPr lang="en-US" altLang="ko-KR" sz="1200" dirty="0" err="1"/>
+              <a:t>GameThread</a:t>
+            </a:r>
+            <a:r>
+              <a:rPr lang="en-US" altLang="ko-KR" sz="1200" dirty="0"/>
+              <a:t>()</a:t>
+            </a:r>
+            <a:r>
+              <a:rPr lang="ko-KR" altLang="en-US" sz="1200" dirty="0"/>
+              <a:t>에서 불리는 함수</a:t>
+            </a:r>
+            <a:r>
+              <a:rPr lang="en-US" altLang="ko-KR" sz="1200" dirty="0"/>
+              <a:t>.</a:t>
+            </a:r>
+          </a:p>
+          <a:p>
+            <a:r>
+              <a:rPr lang="en-US" altLang="ko-KR" sz="1200" dirty="0" err="1"/>
+              <a:t>GameObjectManager.Uadata</a:t>
+            </a:r>
+            <a:r>
+              <a:rPr lang="en-US" altLang="ko-KR" sz="1200" dirty="0"/>
+              <a:t>()</a:t>
+            </a:r>
+            <a:r>
+              <a:rPr lang="ko-KR" altLang="en-US" sz="1200" dirty="0"/>
+              <a:t>를 부른다</a:t>
+            </a:r>
+            <a:r>
+              <a:rPr lang="en-US" altLang="ko-KR" sz="1200" dirty="0"/>
+              <a:t>.</a:t>
+            </a:r>
+          </a:p>
+          <a:p>
+            <a:endParaRPr lang="en-US" altLang="ko-KR" sz="1200" dirty="0"/>
+          </a:p>
+          <a:p>
+            <a:endParaRPr lang="en-US" altLang="ko-KR" sz="1200" dirty="0"/>
+          </a:p>
+          <a:p>
+            <a:r>
+              <a:rPr lang="en-US" altLang="ko-KR" sz="1200" b="1" dirty="0" err="1"/>
+              <a:t>GameObjectManager.Uadata</a:t>
+            </a:r>
+            <a:r>
+              <a:rPr lang="en-US" altLang="ko-KR" sz="1200" b="1" dirty="0"/>
+              <a:t>()</a:t>
+            </a:r>
+          </a:p>
+          <a:p>
+            <a:r>
+              <a:rPr lang="en-US" altLang="ko-KR" sz="1200" b="1" dirty="0"/>
+              <a:t>Return</a:t>
+            </a:r>
+            <a:r>
+              <a:rPr lang="ko-KR" altLang="en-US" sz="1200" b="1" dirty="0"/>
+              <a:t> </a:t>
+            </a:r>
+            <a:r>
+              <a:rPr lang="en-US" altLang="ko-KR" sz="1200" b="1" dirty="0"/>
+              <a:t>value </a:t>
+            </a:r>
+            <a:r>
+              <a:rPr lang="en-US" altLang="ko-KR" sz="1200" dirty="0"/>
+              <a:t>: void</a:t>
+            </a:r>
+          </a:p>
+          <a:p>
+            <a:r>
+              <a:rPr lang="en-US" altLang="ko-KR" sz="1200" b="1" dirty="0"/>
+              <a:t>Parameter</a:t>
+            </a:r>
+            <a:r>
+              <a:rPr lang="en-US" altLang="ko-KR" sz="1200" dirty="0"/>
+              <a:t> : float </a:t>
+            </a:r>
+            <a:r>
+              <a:rPr lang="en-US" altLang="ko-KR" sz="1200" dirty="0" err="1"/>
+              <a:t>eTime</a:t>
+            </a:r>
+            <a:endParaRPr lang="en-US" altLang="ko-KR" sz="1200" dirty="0"/>
+          </a:p>
+          <a:p>
+            <a:r>
+              <a:rPr lang="en-US" altLang="ko-KR" sz="1200" b="1" dirty="0"/>
+              <a:t>Explain</a:t>
+            </a:r>
+            <a:r>
+              <a:rPr lang="ko-KR" altLang="en-US" sz="1200" dirty="0"/>
+              <a:t> </a:t>
+            </a:r>
+            <a:r>
+              <a:rPr lang="en-US" altLang="ko-KR" sz="1200" dirty="0"/>
+              <a:t>:</a:t>
+            </a:r>
+          </a:p>
+          <a:p>
+            <a:r>
+              <a:rPr lang="en-US" altLang="ko-KR" sz="1200" dirty="0" err="1"/>
+              <a:t>GameObjectManager</a:t>
+            </a:r>
+            <a:r>
+              <a:rPr lang="en-US" altLang="ko-KR" sz="1200" dirty="0"/>
+              <a:t>. </a:t>
+            </a:r>
+            <a:r>
+              <a:rPr lang="en-US" altLang="ko-KR" sz="1200" dirty="0" err="1"/>
+              <a:t>m_GameObjects</a:t>
+            </a:r>
+            <a:r>
+              <a:rPr lang="ko-KR" altLang="en-US" sz="1200" dirty="0"/>
+              <a:t>들의 </a:t>
+            </a:r>
+            <a:r>
+              <a:rPr lang="en-US" altLang="ko-KR" sz="1200" dirty="0" err="1"/>
+              <a:t>Uadata</a:t>
+            </a:r>
+            <a:r>
+              <a:rPr lang="en-US" altLang="ko-KR" sz="1200" dirty="0"/>
+              <a:t>()</a:t>
+            </a:r>
+            <a:r>
+              <a:rPr lang="ko-KR" altLang="en-US" sz="1200" dirty="0"/>
+              <a:t>를 부른다</a:t>
+            </a:r>
+            <a:r>
+              <a:rPr lang="en-US" altLang="ko-KR" sz="1200" dirty="0"/>
+              <a:t>.</a:t>
+            </a:r>
+          </a:p>
+          <a:p>
+            <a:endParaRPr lang="en-US" altLang="ko-KR" sz="1200" dirty="0"/>
+          </a:p>
+          <a:p>
+            <a:endParaRPr lang="en-US" altLang="ko-KR" sz="1200" dirty="0"/>
+          </a:p>
+          <a:p>
+            <a:r>
+              <a:rPr lang="en-US" altLang="ko-KR" sz="1200" b="1" dirty="0" err="1"/>
+              <a:t>GameObject.Uadata</a:t>
+            </a:r>
+            <a:r>
+              <a:rPr lang="en-US" altLang="ko-KR" sz="1200" b="1" dirty="0"/>
+              <a:t>()</a:t>
+            </a:r>
+          </a:p>
+          <a:p>
+            <a:r>
+              <a:rPr lang="en-US" altLang="ko-KR" sz="1200" b="1" dirty="0"/>
+              <a:t>Return</a:t>
+            </a:r>
+            <a:r>
+              <a:rPr lang="ko-KR" altLang="en-US" sz="1200" b="1" dirty="0"/>
+              <a:t> </a:t>
+            </a:r>
+            <a:r>
+              <a:rPr lang="en-US" altLang="ko-KR" sz="1200" b="1" dirty="0"/>
+              <a:t>value </a:t>
+            </a:r>
+            <a:r>
+              <a:rPr lang="en-US" altLang="ko-KR" sz="1200" dirty="0"/>
+              <a:t>: void</a:t>
+            </a:r>
+          </a:p>
+          <a:p>
+            <a:r>
+              <a:rPr lang="en-US" altLang="ko-KR" sz="1200" b="1" dirty="0"/>
+              <a:t>Parameter</a:t>
+            </a:r>
+            <a:r>
+              <a:rPr lang="en-US" altLang="ko-KR" sz="1200" dirty="0"/>
+              <a:t> : float </a:t>
+            </a:r>
+            <a:r>
+              <a:rPr lang="en-US" altLang="ko-KR" sz="1200" dirty="0" err="1"/>
+              <a:t>eTime</a:t>
+            </a:r>
+            <a:endParaRPr lang="en-US" altLang="ko-KR" sz="1200" dirty="0"/>
+          </a:p>
+          <a:p>
+            <a:r>
+              <a:rPr lang="en-US" altLang="ko-KR" sz="1200" b="1" dirty="0"/>
+              <a:t>Explain</a:t>
+            </a:r>
+            <a:r>
+              <a:rPr lang="ko-KR" altLang="en-US" sz="1200" dirty="0"/>
+              <a:t> </a:t>
+            </a:r>
+            <a:r>
+              <a:rPr lang="en-US" altLang="ko-KR" sz="1200" dirty="0"/>
+              <a:t>:</a:t>
+            </a:r>
+          </a:p>
+          <a:p>
+            <a:r>
+              <a:rPr lang="en-US" altLang="ko-KR" sz="1200" dirty="0" err="1"/>
+              <a:t>eTime</a:t>
+            </a:r>
+            <a:r>
+              <a:rPr lang="ko-KR" altLang="en-US" sz="1200" dirty="0"/>
+              <a:t>에 따라 자신의 정보를 갱신한다</a:t>
+            </a:r>
+            <a:r>
+              <a:rPr lang="en-US" altLang="ko-KR" sz="1200" dirty="0"/>
+              <a:t>.</a:t>
+            </a:r>
+          </a:p>
+          <a:p>
+            <a:endParaRPr lang="en-US" altLang="ko-KR" sz="1200" dirty="0"/>
+          </a:p>
+        </p:txBody>
+      </p:sp>
+      <p:grpSp>
+        <p:nvGrpSpPr>
+          <p:cNvPr id="10" name="그룹 9">
+            <a:extLst>
+              <a:ext uri="{FF2B5EF4-FFF2-40B4-BE49-F238E27FC236}">
+                <a16:creationId xmlns:a16="http://schemas.microsoft.com/office/drawing/2014/main" id="{E6F78BA4-6463-31E4-94E6-61FC516E69BA}"/>
+              </a:ext>
+            </a:extLst>
+          </p:cNvPr>
+          <p:cNvGrpSpPr/>
+          <p:nvPr/>
+        </p:nvGrpSpPr>
+        <p:grpSpPr>
+          <a:xfrm>
+            <a:off x="10086975" y="773026"/>
+            <a:ext cx="963503" cy="1642964"/>
+            <a:chOff x="9859701" y="385479"/>
+            <a:chExt cx="1190777" cy="2030511"/>
+          </a:xfrm>
+        </p:grpSpPr>
+        <p:pic>
+          <p:nvPicPr>
+            <p:cNvPr id="11" name="그림 10">
+              <a:extLst>
+                <a:ext uri="{FF2B5EF4-FFF2-40B4-BE49-F238E27FC236}">
+                  <a16:creationId xmlns:a16="http://schemas.microsoft.com/office/drawing/2014/main" id="{1996DF2A-B07A-9F01-E338-5618882DB05A}"/>
+                </a:ext>
+              </a:extLst>
+            </p:cNvPr>
+            <p:cNvPicPr>
+              <a:picLocks noChangeAspect="1"/>
+            </p:cNvPicPr>
+            <p:nvPr/>
+          </p:nvPicPr>
+          <p:blipFill>
+            <a:blip r:embed="rId3">
+              <a:extLst>
+                <a:ext uri="{28A0092B-C50C-407E-A947-70E740481C1C}">
+                  <a14:useLocalDpi xmlns:a14="http://schemas.microsoft.com/office/drawing/2010/main" val="0"/>
+                </a:ext>
+              </a:extLst>
+            </a:blip>
+            <a:stretch>
+              <a:fillRect/>
+            </a:stretch>
+          </p:blipFill>
+          <p:spPr>
+            <a:xfrm>
+              <a:off x="9859701" y="385479"/>
+              <a:ext cx="1173053" cy="1371571"/>
+            </a:xfrm>
+            <a:prstGeom prst="rect">
+              <a:avLst/>
+            </a:prstGeom>
+          </p:spPr>
+        </p:pic>
+        <p:pic>
+          <p:nvPicPr>
+            <p:cNvPr id="12" name="그림 11">
+              <a:extLst>
+                <a:ext uri="{FF2B5EF4-FFF2-40B4-BE49-F238E27FC236}">
+                  <a16:creationId xmlns:a16="http://schemas.microsoft.com/office/drawing/2014/main" id="{D4E451A5-CC1B-E349-BE2F-553930487174}"/>
+                </a:ext>
+              </a:extLst>
+            </p:cNvPr>
+            <p:cNvPicPr>
+              <a:picLocks noChangeAspect="1"/>
+            </p:cNvPicPr>
+            <p:nvPr/>
+          </p:nvPicPr>
+          <p:blipFill>
+            <a:blip r:embed="rId4"/>
+            <a:stretch>
+              <a:fillRect/>
+            </a:stretch>
+          </p:blipFill>
+          <p:spPr>
+            <a:xfrm>
+              <a:off x="9964476" y="1711042"/>
+              <a:ext cx="1086002" cy="704948"/>
+            </a:xfrm>
+            <a:prstGeom prst="rect">
+              <a:avLst/>
+            </a:prstGeom>
+          </p:spPr>
+        </p:pic>
+      </p:grpSp>
     </p:spTree>
     <p:extLst>
       <p:ext uri="{BB962C8B-B14F-4D97-AF65-F5344CB8AC3E}">
-        <p14:creationId xmlns:p14="http://schemas.microsoft.com/office/powerpoint/2010/main" val="2814066124"/>
+        <p14:creationId xmlns:p14="http://schemas.microsoft.com/office/powerpoint/2010/main" val="133634092"/>
+      </p:ext>
+    </p:extLst>
+  </p:cSld>
+  <p:clrMapOvr>
+    <a:masterClrMapping/>
+  </p:clrMapOvr>
+</p:sld>
+</file>
+
+<file path=ppt/slides/slide13.xml><?xml version="1.0" encoding="utf-8"?>
+<p:sld xmlns:a="http://schemas.openxmlformats.org/drawingml/2006/main" xmlns:r="http://schemas.openxmlformats.org/officeDocument/2006/relationships" xmlns:p="http://schemas.openxmlformats.org/presentationml/2006/main">
+  <p:cSld>
+    <p:spTree>
+      <p:nvGrpSpPr>
+        <p:cNvPr id="1" name=""/>
+        <p:cNvGrpSpPr/>
+        <p:nvPr/>
+      </p:nvGrpSpPr>
+      <p:grpSpPr>
+        <a:xfrm>
+          <a:off x="0" y="0"/>
+          <a:ext cx="0" cy="0"/>
+          <a:chOff x="0" y="0"/>
+          <a:chExt cx="0" cy="0"/>
+        </a:xfrm>
+      </p:grpSpPr>
+      <p:sp>
+        <p:nvSpPr>
+          <p:cNvPr id="2" name="제목 1">
+            <a:extLst>
+              <a:ext uri="{FF2B5EF4-FFF2-40B4-BE49-F238E27FC236}">
+                <a16:creationId xmlns:a16="http://schemas.microsoft.com/office/drawing/2014/main" id="{CD59657E-4DF5-0BBD-B638-F074795F2C35}"/>
+              </a:ext>
+            </a:extLst>
+          </p:cNvPr>
+          <p:cNvSpPr>
+            <a:spLocks noGrp="1"/>
+          </p:cNvSpPr>
+          <p:nvPr>
+            <p:ph type="title"/>
+          </p:nvPr>
+        </p:nvSpPr>
+        <p:spPr/>
+        <p:txBody>
+          <a:bodyPr/>
+          <a:lstStyle/>
+          <a:p>
+            <a:r>
+              <a:rPr lang="en-US" altLang="ko-KR" dirty="0"/>
+              <a:t>Low-level </a:t>
+            </a:r>
+            <a:r>
+              <a:rPr lang="ko-KR" altLang="en-US" dirty="0"/>
+              <a:t>디자인</a:t>
+            </a:r>
+          </a:p>
+        </p:txBody>
+      </p:sp>
+      <p:sp>
+        <p:nvSpPr>
+          <p:cNvPr id="4" name="슬라이드 번호 개체 틀 3">
+            <a:extLst>
+              <a:ext uri="{FF2B5EF4-FFF2-40B4-BE49-F238E27FC236}">
+                <a16:creationId xmlns:a16="http://schemas.microsoft.com/office/drawing/2014/main" id="{B1272101-7EDC-E2B8-9A13-ACE458EEDC8E}"/>
+              </a:ext>
+            </a:extLst>
+          </p:cNvPr>
+          <p:cNvSpPr>
+            <a:spLocks noGrp="1"/>
+          </p:cNvSpPr>
+          <p:nvPr>
+            <p:ph type="sldNum" sz="quarter" idx="12"/>
+          </p:nvPr>
+        </p:nvSpPr>
+        <p:spPr>
+          <a:xfrm>
+            <a:off x="8610600" y="6356350"/>
+            <a:ext cx="2743200" cy="365125"/>
+          </a:xfrm>
+        </p:spPr>
+        <p:txBody>
+          <a:bodyPr/>
+          <a:lstStyle/>
+          <a:p>
+            <a:fld id="{2F7F2206-C3AA-4D7A-AC99-58940E523BC8}" type="slidenum">
+              <a:rPr lang="ko-KR" altLang="en-US" smtClean="0"/>
+              <a:t>13</a:t>
+            </a:fld>
+            <a:endParaRPr lang="ko-KR" altLang="en-US"/>
+          </a:p>
+        </p:txBody>
+      </p:sp>
+      <p:sp>
+        <p:nvSpPr>
+          <p:cNvPr id="16" name="바닥글 개체 틀 15">
+            <a:extLst>
+              <a:ext uri="{FF2B5EF4-FFF2-40B4-BE49-F238E27FC236}">
+                <a16:creationId xmlns:a16="http://schemas.microsoft.com/office/drawing/2014/main" id="{047D3503-8DAC-BE0A-CCA0-BE57E939B3FE}"/>
+              </a:ext>
+            </a:extLst>
+          </p:cNvPr>
+          <p:cNvSpPr>
+            <a:spLocks noGrp="1"/>
+          </p:cNvSpPr>
+          <p:nvPr>
+            <p:ph type="ftr" sz="quarter" idx="11"/>
+          </p:nvPr>
+        </p:nvSpPr>
+        <p:spPr/>
+        <p:txBody>
+          <a:bodyPr/>
+          <a:lstStyle/>
+          <a:p>
+            <a:pPr algn="l"/>
+            <a:r>
+              <a:rPr lang="en-US" altLang="ko-KR" dirty="0"/>
+              <a:t>Server Loop</a:t>
+            </a:r>
+            <a:endParaRPr lang="ko-KR" altLang="en-US" dirty="0"/>
+          </a:p>
+        </p:txBody>
+      </p:sp>
+      <p:pic>
+        <p:nvPicPr>
+          <p:cNvPr id="5" name="그림 4">
+            <a:extLst>
+              <a:ext uri="{FF2B5EF4-FFF2-40B4-BE49-F238E27FC236}">
+                <a16:creationId xmlns:a16="http://schemas.microsoft.com/office/drawing/2014/main" id="{00D3B93E-3A24-FF08-CF11-65C42606503C}"/>
+              </a:ext>
+            </a:extLst>
+          </p:cNvPr>
+          <p:cNvPicPr>
+            <a:picLocks noChangeAspect="1"/>
+          </p:cNvPicPr>
+          <p:nvPr/>
+        </p:nvPicPr>
+        <p:blipFill>
+          <a:blip r:embed="rId2">
+            <a:extLst>
+              <a:ext uri="{28A0092B-C50C-407E-A947-70E740481C1C}">
+                <a14:useLocalDpi xmlns:a14="http://schemas.microsoft.com/office/drawing/2010/main" val="0"/>
+              </a:ext>
+            </a:extLst>
+          </a:blip>
+          <a:stretch>
+            <a:fillRect/>
+          </a:stretch>
+        </p:blipFill>
+        <p:spPr>
+          <a:xfrm>
+            <a:off x="838200" y="2009366"/>
+            <a:ext cx="3790764" cy="4028305"/>
+          </a:xfrm>
+          <a:prstGeom prst="rect">
+            <a:avLst/>
+          </a:prstGeom>
+        </p:spPr>
+      </p:pic>
+      <p:sp>
+        <p:nvSpPr>
+          <p:cNvPr id="8" name="TextBox 7">
+            <a:extLst>
+              <a:ext uri="{FF2B5EF4-FFF2-40B4-BE49-F238E27FC236}">
+                <a16:creationId xmlns:a16="http://schemas.microsoft.com/office/drawing/2014/main" id="{30A5E7C2-7B63-B9D9-3FEE-D0016F52A48B}"/>
+              </a:ext>
+            </a:extLst>
+          </p:cNvPr>
+          <p:cNvSpPr txBox="1"/>
+          <p:nvPr/>
+        </p:nvSpPr>
+        <p:spPr>
+          <a:xfrm>
+            <a:off x="6096000" y="1950338"/>
+            <a:ext cx="4954478" cy="4154984"/>
+          </a:xfrm>
+          <a:prstGeom prst="rect">
+            <a:avLst/>
+          </a:prstGeom>
+          <a:noFill/>
+        </p:spPr>
+        <p:txBody>
+          <a:bodyPr wrap="square" rtlCol="0">
+            <a:spAutoFit/>
+          </a:bodyPr>
+          <a:lstStyle/>
+          <a:p>
+            <a:r>
+              <a:rPr lang="en-US" altLang="ko-KR" sz="1200" b="1" dirty="0" err="1"/>
+              <a:t>Game.DataSender</a:t>
+            </a:r>
+            <a:r>
+              <a:rPr lang="en-US" altLang="ko-KR" sz="1200" b="1" dirty="0"/>
+              <a:t>() </a:t>
+            </a:r>
+          </a:p>
+          <a:p>
+            <a:r>
+              <a:rPr lang="en-US" altLang="ko-KR" sz="1200" b="1" dirty="0"/>
+              <a:t>Return</a:t>
+            </a:r>
+            <a:r>
+              <a:rPr lang="ko-KR" altLang="en-US" sz="1200" b="1" dirty="0"/>
+              <a:t> </a:t>
+            </a:r>
+            <a:r>
+              <a:rPr lang="en-US" altLang="ko-KR" sz="1200" b="1" dirty="0"/>
+              <a:t>value </a:t>
+            </a:r>
+            <a:r>
+              <a:rPr lang="en-US" altLang="ko-KR" sz="1200" dirty="0"/>
+              <a:t>: void</a:t>
+            </a:r>
+          </a:p>
+          <a:p>
+            <a:r>
+              <a:rPr lang="en-US" altLang="ko-KR" sz="1200" b="1" dirty="0"/>
+              <a:t>Parameter</a:t>
+            </a:r>
+            <a:r>
+              <a:rPr lang="en-US" altLang="ko-KR" sz="1200" dirty="0"/>
+              <a:t> : void</a:t>
+            </a:r>
+          </a:p>
+          <a:p>
+            <a:r>
+              <a:rPr lang="en-US" altLang="ko-KR" sz="1200" b="1" dirty="0"/>
+              <a:t>Explain</a:t>
+            </a:r>
+            <a:r>
+              <a:rPr lang="ko-KR" altLang="en-US" sz="1200" dirty="0"/>
+              <a:t> </a:t>
+            </a:r>
+            <a:r>
+              <a:rPr lang="en-US" altLang="ko-KR" sz="1200" dirty="0"/>
+              <a:t>:</a:t>
+            </a:r>
+          </a:p>
+          <a:p>
+            <a:r>
+              <a:rPr lang="en-US" altLang="ko-KR" sz="1200" dirty="0" err="1"/>
+              <a:t>GameThread</a:t>
+            </a:r>
+            <a:r>
+              <a:rPr lang="en-US" altLang="ko-KR" sz="1200" dirty="0"/>
+              <a:t>()</a:t>
+            </a:r>
+            <a:r>
+              <a:rPr lang="ko-KR" altLang="en-US" sz="1200" dirty="0"/>
+              <a:t>에서 불리는 함수</a:t>
+            </a:r>
+            <a:r>
+              <a:rPr lang="en-US" altLang="ko-KR" sz="1200" dirty="0"/>
+              <a:t>.</a:t>
+            </a:r>
+          </a:p>
+          <a:p>
+            <a:r>
+              <a:rPr lang="ko-KR" altLang="en-US" sz="1200" dirty="0"/>
+              <a:t>전역함수 </a:t>
+            </a:r>
+            <a:r>
+              <a:rPr lang="en-US" altLang="ko-KR" sz="1200" dirty="0"/>
+              <a:t>Encoder()</a:t>
+            </a:r>
+            <a:r>
+              <a:rPr lang="ko-KR" altLang="en-US" sz="1200" dirty="0"/>
+              <a:t>를 불러 얻은 배열을 </a:t>
+            </a:r>
+            <a:r>
+              <a:rPr lang="en-US" altLang="ko-KR" sz="1200" dirty="0" err="1"/>
+              <a:t>game.PD</a:t>
+            </a:r>
+            <a:r>
+              <a:rPr lang="en-US" altLang="ko-KR" sz="1200" dirty="0"/>
+              <a:t>[0], </a:t>
+            </a:r>
+            <a:r>
+              <a:rPr lang="en-US" altLang="ko-KR" sz="1200" dirty="0" err="1"/>
+              <a:t>game.PD</a:t>
+            </a:r>
+            <a:r>
+              <a:rPr lang="en-US" altLang="ko-KR" sz="1200" dirty="0"/>
+              <a:t>[1]</a:t>
+            </a:r>
+            <a:r>
+              <a:rPr lang="ko-KR" altLang="en-US" sz="1200" dirty="0"/>
+              <a:t>에게 보낸다</a:t>
+            </a:r>
+            <a:r>
+              <a:rPr lang="en-US" altLang="ko-KR" sz="1200" dirty="0"/>
+              <a:t>.</a:t>
+            </a:r>
+          </a:p>
+          <a:p>
+            <a:endParaRPr lang="en-US" altLang="ko-KR" sz="1200" b="1" dirty="0"/>
+          </a:p>
+          <a:p>
+            <a:endParaRPr lang="en-US" altLang="ko-KR" sz="1200" b="1" dirty="0"/>
+          </a:p>
+          <a:p>
+            <a:r>
+              <a:rPr lang="en-US" altLang="ko-KR" sz="1200" b="1" dirty="0"/>
+              <a:t>Encoder() </a:t>
+            </a:r>
+          </a:p>
+          <a:p>
+            <a:r>
+              <a:rPr lang="en-US" altLang="ko-KR" sz="1200" b="1" dirty="0"/>
+              <a:t>Return</a:t>
+            </a:r>
+            <a:r>
+              <a:rPr lang="ko-KR" altLang="en-US" sz="1200" b="1" dirty="0"/>
+              <a:t> </a:t>
+            </a:r>
+            <a:r>
+              <a:rPr lang="en-US" altLang="ko-KR" sz="1200" b="1" dirty="0"/>
+              <a:t>value </a:t>
+            </a:r>
+            <a:r>
+              <a:rPr lang="en-US" altLang="ko-KR" sz="1200" dirty="0"/>
+              <a:t>: </a:t>
+            </a:r>
+            <a:r>
+              <a:rPr lang="en-US" altLang="ko-KR" sz="1200" dirty="0" err="1"/>
+              <a:t>ObjectData</a:t>
+            </a:r>
+            <a:r>
+              <a:rPr lang="en-US" altLang="ko-KR" sz="1200" dirty="0"/>
+              <a:t>*</a:t>
+            </a:r>
+          </a:p>
+          <a:p>
+            <a:r>
+              <a:rPr lang="en-US" altLang="ko-KR" sz="1200" b="1" dirty="0"/>
+              <a:t>Parameter</a:t>
+            </a:r>
+            <a:r>
+              <a:rPr lang="en-US" altLang="ko-KR" sz="1200" dirty="0"/>
+              <a:t> : </a:t>
+            </a:r>
+            <a:r>
+              <a:rPr lang="en-US" altLang="ko-KR" sz="1200" dirty="0" err="1"/>
+              <a:t>GameObjectManager</a:t>
+            </a:r>
+            <a:r>
+              <a:rPr lang="en-US" altLang="ko-KR" sz="1200" dirty="0"/>
+              <a:t>* </a:t>
+            </a:r>
+            <a:r>
+              <a:rPr lang="en-US" altLang="ko-KR" sz="1200" dirty="0" err="1"/>
+              <a:t>GOMgr</a:t>
+            </a:r>
+            <a:endParaRPr lang="en-US" altLang="ko-KR" sz="1200" dirty="0"/>
+          </a:p>
+          <a:p>
+            <a:r>
+              <a:rPr lang="en-US" altLang="ko-KR" sz="1200" b="1" dirty="0"/>
+              <a:t>Explain</a:t>
+            </a:r>
+            <a:r>
+              <a:rPr lang="ko-KR" altLang="en-US" sz="1200" dirty="0"/>
+              <a:t> </a:t>
+            </a:r>
+            <a:r>
+              <a:rPr lang="en-US" altLang="ko-KR" sz="1200" dirty="0"/>
+              <a:t>:</a:t>
+            </a:r>
+          </a:p>
+          <a:p>
+            <a:r>
+              <a:rPr lang="en-US" altLang="ko-KR" sz="1200" dirty="0" err="1"/>
+              <a:t>GOMgr.Encode</a:t>
+            </a:r>
+            <a:r>
+              <a:rPr lang="ko-KR" altLang="en-US" sz="1200" dirty="0"/>
+              <a:t>를 불러 얻은 배열을 반환한다</a:t>
+            </a:r>
+            <a:r>
+              <a:rPr lang="en-US" altLang="ko-KR" sz="1200" dirty="0"/>
+              <a:t>.</a:t>
+            </a:r>
+          </a:p>
+          <a:p>
+            <a:endParaRPr lang="en-US" altLang="ko-KR" sz="1200" dirty="0"/>
+          </a:p>
+          <a:p>
+            <a:endParaRPr lang="en-US" altLang="ko-KR" sz="1200" dirty="0"/>
+          </a:p>
+          <a:p>
+            <a:r>
+              <a:rPr lang="en-US" altLang="ko-KR" sz="1200" b="1" dirty="0" err="1"/>
+              <a:t>GameObjectManager.Encode</a:t>
+            </a:r>
+            <a:r>
+              <a:rPr lang="en-US" altLang="ko-KR" sz="1200" b="1" dirty="0"/>
+              <a:t>()</a:t>
+            </a:r>
+          </a:p>
+          <a:p>
+            <a:r>
+              <a:rPr lang="en-US" altLang="ko-KR" sz="1200" b="1" dirty="0"/>
+              <a:t>Return</a:t>
+            </a:r>
+            <a:r>
+              <a:rPr lang="ko-KR" altLang="en-US" sz="1200" b="1" dirty="0"/>
+              <a:t> </a:t>
+            </a:r>
+            <a:r>
+              <a:rPr lang="en-US" altLang="ko-KR" sz="1200" b="1" dirty="0"/>
+              <a:t>value </a:t>
+            </a:r>
+            <a:r>
+              <a:rPr lang="en-US" altLang="ko-KR" sz="1200" dirty="0"/>
+              <a:t>: </a:t>
+            </a:r>
+            <a:r>
+              <a:rPr lang="en-US" altLang="ko-KR" sz="1200" dirty="0" err="1"/>
+              <a:t>ObjectData</a:t>
+            </a:r>
+            <a:r>
+              <a:rPr lang="en-US" altLang="ko-KR" sz="1200" dirty="0"/>
+              <a:t>*</a:t>
+            </a:r>
+          </a:p>
+          <a:p>
+            <a:r>
+              <a:rPr lang="en-US" altLang="ko-KR" sz="1200" b="1" dirty="0"/>
+              <a:t>Parameter</a:t>
+            </a:r>
+            <a:r>
+              <a:rPr lang="en-US" altLang="ko-KR" sz="1200" dirty="0"/>
+              <a:t> : int </a:t>
+            </a:r>
+            <a:r>
+              <a:rPr lang="en-US" altLang="ko-KR" sz="1200" dirty="0" err="1"/>
+              <a:t>object_index</a:t>
+            </a:r>
+            <a:endParaRPr lang="en-US" altLang="ko-KR" sz="1200" dirty="0"/>
+          </a:p>
+          <a:p>
+            <a:r>
+              <a:rPr lang="en-US" altLang="ko-KR" sz="1200" b="1" dirty="0"/>
+              <a:t>Explain</a:t>
+            </a:r>
+            <a:r>
+              <a:rPr lang="ko-KR" altLang="en-US" sz="1200" dirty="0"/>
+              <a:t> </a:t>
+            </a:r>
+            <a:r>
+              <a:rPr lang="en-US" altLang="ko-KR" sz="1200" dirty="0"/>
+              <a:t>:</a:t>
+            </a:r>
+          </a:p>
+          <a:p>
+            <a:r>
+              <a:rPr lang="en-US" altLang="ko-KR" sz="1200" dirty="0" err="1"/>
+              <a:t>GameObjectManager.m_GameObjects.Encode</a:t>
+            </a:r>
+            <a:r>
+              <a:rPr lang="ko-KR" altLang="en-US" sz="1200" dirty="0"/>
+              <a:t>들의 </a:t>
+            </a:r>
+            <a:r>
+              <a:rPr lang="en-US" altLang="ko-KR" sz="1200" dirty="0"/>
+              <a:t>Encode()</a:t>
+            </a:r>
+            <a:r>
+              <a:rPr lang="ko-KR" altLang="en-US" sz="1200" dirty="0"/>
+              <a:t>를 불러 </a:t>
+            </a:r>
+            <a:r>
+              <a:rPr lang="ko-KR" altLang="en-US" sz="1200" dirty="0" err="1"/>
+              <a:t>반환값들로</a:t>
+            </a:r>
+            <a:r>
+              <a:rPr lang="ko-KR" altLang="en-US" sz="1200" dirty="0"/>
+              <a:t> 배열을 만들어 반환한다</a:t>
+            </a:r>
+            <a:r>
+              <a:rPr lang="en-US" altLang="ko-KR" sz="1200" dirty="0"/>
+              <a:t>.</a:t>
+            </a:r>
+            <a:r>
+              <a:rPr lang="ko-KR" altLang="en-US" sz="1200" dirty="0"/>
+              <a:t> </a:t>
+            </a:r>
+            <a:endParaRPr lang="en-US" altLang="ko-KR" sz="1200" dirty="0"/>
+          </a:p>
+        </p:txBody>
+      </p:sp>
+      <p:grpSp>
+        <p:nvGrpSpPr>
+          <p:cNvPr id="6" name="그룹 5">
+            <a:extLst>
+              <a:ext uri="{FF2B5EF4-FFF2-40B4-BE49-F238E27FC236}">
+                <a16:creationId xmlns:a16="http://schemas.microsoft.com/office/drawing/2014/main" id="{B9A738E0-ED43-A898-8E57-16B423344B82}"/>
+              </a:ext>
+            </a:extLst>
+          </p:cNvPr>
+          <p:cNvGrpSpPr/>
+          <p:nvPr/>
+        </p:nvGrpSpPr>
+        <p:grpSpPr>
+          <a:xfrm>
+            <a:off x="10086975" y="773026"/>
+            <a:ext cx="963503" cy="1642964"/>
+            <a:chOff x="9859701" y="385479"/>
+            <a:chExt cx="1190777" cy="2030511"/>
+          </a:xfrm>
+        </p:grpSpPr>
+        <p:pic>
+          <p:nvPicPr>
+            <p:cNvPr id="7" name="그림 6">
+              <a:extLst>
+                <a:ext uri="{FF2B5EF4-FFF2-40B4-BE49-F238E27FC236}">
+                  <a16:creationId xmlns:a16="http://schemas.microsoft.com/office/drawing/2014/main" id="{0ACDFAB7-0932-6F5A-EAE7-194C0319479F}"/>
+                </a:ext>
+              </a:extLst>
+            </p:cNvPr>
+            <p:cNvPicPr>
+              <a:picLocks noChangeAspect="1"/>
+            </p:cNvPicPr>
+            <p:nvPr/>
+          </p:nvPicPr>
+          <p:blipFill>
+            <a:blip r:embed="rId3">
+              <a:extLst>
+                <a:ext uri="{28A0092B-C50C-407E-A947-70E740481C1C}">
+                  <a14:useLocalDpi xmlns:a14="http://schemas.microsoft.com/office/drawing/2010/main" val="0"/>
+                </a:ext>
+              </a:extLst>
+            </a:blip>
+            <a:stretch>
+              <a:fillRect/>
+            </a:stretch>
+          </p:blipFill>
+          <p:spPr>
+            <a:xfrm>
+              <a:off x="9859701" y="385479"/>
+              <a:ext cx="1173053" cy="1371571"/>
+            </a:xfrm>
+            <a:prstGeom prst="rect">
+              <a:avLst/>
+            </a:prstGeom>
+          </p:spPr>
+        </p:pic>
+        <p:pic>
+          <p:nvPicPr>
+            <p:cNvPr id="9" name="그림 8">
+              <a:extLst>
+                <a:ext uri="{FF2B5EF4-FFF2-40B4-BE49-F238E27FC236}">
+                  <a16:creationId xmlns:a16="http://schemas.microsoft.com/office/drawing/2014/main" id="{7D0FA4AD-DCC1-F569-0D35-64B0E2140F88}"/>
+                </a:ext>
+              </a:extLst>
+            </p:cNvPr>
+            <p:cNvPicPr>
+              <a:picLocks noChangeAspect="1"/>
+            </p:cNvPicPr>
+            <p:nvPr/>
+          </p:nvPicPr>
+          <p:blipFill>
+            <a:blip r:embed="rId4"/>
+            <a:stretch>
+              <a:fillRect/>
+            </a:stretch>
+          </p:blipFill>
+          <p:spPr>
+            <a:xfrm>
+              <a:off x="9964476" y="1711042"/>
+              <a:ext cx="1086002" cy="704948"/>
+            </a:xfrm>
+            <a:prstGeom prst="rect">
+              <a:avLst/>
+            </a:prstGeom>
+          </p:spPr>
+        </p:pic>
+      </p:grpSp>
+    </p:spTree>
+    <p:extLst>
+      <p:ext uri="{BB962C8B-B14F-4D97-AF65-F5344CB8AC3E}">
+        <p14:creationId xmlns:p14="http://schemas.microsoft.com/office/powerpoint/2010/main" val="2193745608"/>
+      </p:ext>
+    </p:extLst>
+  </p:cSld>
+  <p:clrMapOvr>
+    <a:masterClrMapping/>
+  </p:clrMapOvr>
+</p:sld>
+</file>
+
+<file path=ppt/slides/slide14.xml><?xml version="1.0" encoding="utf-8"?>
+<p:sld xmlns:a="http://schemas.openxmlformats.org/drawingml/2006/main" xmlns:r="http://schemas.openxmlformats.org/officeDocument/2006/relationships" xmlns:p="http://schemas.openxmlformats.org/presentationml/2006/main">
+  <p:cSld>
+    <p:spTree>
+      <p:nvGrpSpPr>
+        <p:cNvPr id="1" name=""/>
+        <p:cNvGrpSpPr/>
+        <p:nvPr/>
+      </p:nvGrpSpPr>
+      <p:grpSpPr>
+        <a:xfrm>
+          <a:off x="0" y="0"/>
+          <a:ext cx="0" cy="0"/>
+          <a:chOff x="0" y="0"/>
+          <a:chExt cx="0" cy="0"/>
+        </a:xfrm>
+      </p:grpSpPr>
+      <p:sp>
+        <p:nvSpPr>
+          <p:cNvPr id="2" name="제목 1">
+            <a:extLst>
+              <a:ext uri="{FF2B5EF4-FFF2-40B4-BE49-F238E27FC236}">
+                <a16:creationId xmlns:a16="http://schemas.microsoft.com/office/drawing/2014/main" id="{CD59657E-4DF5-0BBD-B638-F074795F2C35}"/>
+              </a:ext>
+            </a:extLst>
+          </p:cNvPr>
+          <p:cNvSpPr>
+            <a:spLocks noGrp="1"/>
+          </p:cNvSpPr>
+          <p:nvPr>
+            <p:ph type="title"/>
+          </p:nvPr>
+        </p:nvSpPr>
+        <p:spPr/>
+        <p:txBody>
+          <a:bodyPr/>
+          <a:lstStyle/>
+          <a:p>
+            <a:r>
+              <a:rPr lang="en-US" altLang="ko-KR" dirty="0"/>
+              <a:t>Low-level </a:t>
+            </a:r>
+            <a:r>
+              <a:rPr lang="ko-KR" altLang="en-US" dirty="0"/>
+              <a:t>디자인</a:t>
+            </a:r>
+          </a:p>
+        </p:txBody>
+      </p:sp>
+      <p:sp>
+        <p:nvSpPr>
+          <p:cNvPr id="4" name="슬라이드 번호 개체 틀 3">
+            <a:extLst>
+              <a:ext uri="{FF2B5EF4-FFF2-40B4-BE49-F238E27FC236}">
+                <a16:creationId xmlns:a16="http://schemas.microsoft.com/office/drawing/2014/main" id="{B1272101-7EDC-E2B8-9A13-ACE458EEDC8E}"/>
+              </a:ext>
+            </a:extLst>
+          </p:cNvPr>
+          <p:cNvSpPr>
+            <a:spLocks noGrp="1"/>
+          </p:cNvSpPr>
+          <p:nvPr>
+            <p:ph type="sldNum" sz="quarter" idx="12"/>
+          </p:nvPr>
+        </p:nvSpPr>
+        <p:spPr>
+          <a:xfrm>
+            <a:off x="8610600" y="6356350"/>
+            <a:ext cx="2743200" cy="365125"/>
+          </a:xfrm>
+        </p:spPr>
+        <p:txBody>
+          <a:bodyPr/>
+          <a:lstStyle/>
+          <a:p>
+            <a:fld id="{2F7F2206-C3AA-4D7A-AC99-58940E523BC8}" type="slidenum">
+              <a:rPr lang="ko-KR" altLang="en-US" smtClean="0"/>
+              <a:t>14</a:t>
+            </a:fld>
+            <a:endParaRPr lang="ko-KR" altLang="en-US"/>
+          </a:p>
+        </p:txBody>
+      </p:sp>
+      <p:sp>
+        <p:nvSpPr>
+          <p:cNvPr id="16" name="바닥글 개체 틀 15">
+            <a:extLst>
+              <a:ext uri="{FF2B5EF4-FFF2-40B4-BE49-F238E27FC236}">
+                <a16:creationId xmlns:a16="http://schemas.microsoft.com/office/drawing/2014/main" id="{047D3503-8DAC-BE0A-CCA0-BE57E939B3FE}"/>
+              </a:ext>
+            </a:extLst>
+          </p:cNvPr>
+          <p:cNvSpPr>
+            <a:spLocks noGrp="1"/>
+          </p:cNvSpPr>
+          <p:nvPr>
+            <p:ph type="ftr" sz="quarter" idx="11"/>
+          </p:nvPr>
+        </p:nvSpPr>
+        <p:spPr/>
+        <p:txBody>
+          <a:bodyPr/>
+          <a:lstStyle/>
+          <a:p>
+            <a:pPr algn="l"/>
+            <a:r>
+              <a:rPr lang="en-US" altLang="ko-KR" dirty="0"/>
+              <a:t>Server Loop</a:t>
+            </a:r>
+            <a:endParaRPr lang="ko-KR" altLang="en-US" dirty="0"/>
+          </a:p>
+        </p:txBody>
+      </p:sp>
+      <p:pic>
+        <p:nvPicPr>
+          <p:cNvPr id="5" name="그림 4">
+            <a:extLst>
+              <a:ext uri="{FF2B5EF4-FFF2-40B4-BE49-F238E27FC236}">
+                <a16:creationId xmlns:a16="http://schemas.microsoft.com/office/drawing/2014/main" id="{00D3B93E-3A24-FF08-CF11-65C42606503C}"/>
+              </a:ext>
+            </a:extLst>
+          </p:cNvPr>
+          <p:cNvPicPr>
+            <a:picLocks noChangeAspect="1"/>
+          </p:cNvPicPr>
+          <p:nvPr/>
+        </p:nvPicPr>
+        <p:blipFill>
+          <a:blip r:embed="rId2">
+            <a:extLst>
+              <a:ext uri="{28A0092B-C50C-407E-A947-70E740481C1C}">
+                <a14:useLocalDpi xmlns:a14="http://schemas.microsoft.com/office/drawing/2010/main" val="0"/>
+              </a:ext>
+            </a:extLst>
+          </a:blip>
+          <a:stretch>
+            <a:fillRect/>
+          </a:stretch>
+        </p:blipFill>
+        <p:spPr>
+          <a:xfrm>
+            <a:off x="838200" y="2009366"/>
+            <a:ext cx="3790764" cy="4028305"/>
+          </a:xfrm>
+          <a:prstGeom prst="rect">
+            <a:avLst/>
+          </a:prstGeom>
+        </p:spPr>
+      </p:pic>
+      <p:sp>
+        <p:nvSpPr>
+          <p:cNvPr id="8" name="TextBox 7">
+            <a:extLst>
+              <a:ext uri="{FF2B5EF4-FFF2-40B4-BE49-F238E27FC236}">
+                <a16:creationId xmlns:a16="http://schemas.microsoft.com/office/drawing/2014/main" id="{30A5E7C2-7B63-B9D9-3FEE-D0016F52A48B}"/>
+              </a:ext>
+            </a:extLst>
+          </p:cNvPr>
+          <p:cNvSpPr txBox="1"/>
+          <p:nvPr/>
+        </p:nvSpPr>
+        <p:spPr>
+          <a:xfrm>
+            <a:off x="6096000" y="1950338"/>
+            <a:ext cx="4954478" cy="1015663"/>
+          </a:xfrm>
+          <a:prstGeom prst="rect">
+            <a:avLst/>
+          </a:prstGeom>
+          <a:noFill/>
+        </p:spPr>
+        <p:txBody>
+          <a:bodyPr wrap="square" rtlCol="0">
+            <a:spAutoFit/>
+          </a:bodyPr>
+          <a:lstStyle/>
+          <a:p>
+            <a:r>
+              <a:rPr lang="en-US" altLang="ko-KR" sz="1200" b="1" dirty="0" err="1"/>
+              <a:t>GameObject.Encode</a:t>
+            </a:r>
+            <a:r>
+              <a:rPr lang="en-US" altLang="ko-KR" sz="1200" b="1" dirty="0"/>
+              <a:t>() </a:t>
+            </a:r>
+          </a:p>
+          <a:p>
+            <a:r>
+              <a:rPr lang="en-US" altLang="ko-KR" sz="1200" b="1" dirty="0"/>
+              <a:t>Return</a:t>
+            </a:r>
+            <a:r>
+              <a:rPr lang="ko-KR" altLang="en-US" sz="1200" b="1" dirty="0"/>
+              <a:t> </a:t>
+            </a:r>
+            <a:r>
+              <a:rPr lang="en-US" altLang="ko-KR" sz="1200" b="1" dirty="0"/>
+              <a:t>value </a:t>
+            </a:r>
+            <a:r>
+              <a:rPr lang="en-US" altLang="ko-KR" sz="1200" dirty="0"/>
+              <a:t>: </a:t>
+            </a:r>
+            <a:r>
+              <a:rPr lang="en-US" altLang="ko-KR" sz="1200" dirty="0" err="1"/>
+              <a:t>ObjectData</a:t>
+            </a:r>
+            <a:r>
+              <a:rPr lang="en-US" altLang="ko-KR" sz="1200" dirty="0"/>
+              <a:t> </a:t>
+            </a:r>
+            <a:r>
+              <a:rPr lang="en-US" altLang="ko-KR" sz="1200" dirty="0" err="1"/>
+              <a:t>object_data</a:t>
+            </a:r>
+            <a:endParaRPr lang="en-US" altLang="ko-KR" sz="1200" dirty="0"/>
+          </a:p>
+          <a:p>
+            <a:r>
+              <a:rPr lang="en-US" altLang="ko-KR" sz="1200" b="1" dirty="0"/>
+              <a:t>Parameter</a:t>
+            </a:r>
+            <a:r>
+              <a:rPr lang="en-US" altLang="ko-KR" sz="1200" dirty="0"/>
+              <a:t> : void</a:t>
+            </a:r>
+          </a:p>
+          <a:p>
+            <a:r>
+              <a:rPr lang="en-US" altLang="ko-KR" sz="1200" b="1" dirty="0"/>
+              <a:t>Explain</a:t>
+            </a:r>
+            <a:r>
+              <a:rPr lang="ko-KR" altLang="en-US" sz="1200" dirty="0"/>
+              <a:t> </a:t>
+            </a:r>
+            <a:r>
+              <a:rPr lang="en-US" altLang="ko-KR" sz="1200" dirty="0"/>
+              <a:t>:</a:t>
+            </a:r>
+          </a:p>
+          <a:p>
+            <a:r>
+              <a:rPr lang="ko-KR" altLang="en-US" sz="1200" dirty="0"/>
+              <a:t>자신의 정보를 </a:t>
+            </a:r>
+            <a:r>
+              <a:rPr lang="en-US" altLang="ko-KR" sz="1200" dirty="0" err="1"/>
+              <a:t>ObjectData</a:t>
+            </a:r>
+            <a:r>
+              <a:rPr lang="en-US" altLang="ko-KR" sz="1200" dirty="0"/>
+              <a:t> </a:t>
+            </a:r>
+            <a:r>
+              <a:rPr lang="ko-KR" altLang="en-US" sz="1200" dirty="0"/>
+              <a:t>형식에 맞게 바꾸어 반환한다</a:t>
+            </a:r>
+            <a:r>
+              <a:rPr lang="en-US" altLang="ko-KR" sz="1200" dirty="0"/>
+              <a:t>.</a:t>
+            </a:r>
+          </a:p>
+        </p:txBody>
+      </p:sp>
+      <p:grpSp>
+        <p:nvGrpSpPr>
+          <p:cNvPr id="6" name="그룹 5">
+            <a:extLst>
+              <a:ext uri="{FF2B5EF4-FFF2-40B4-BE49-F238E27FC236}">
+                <a16:creationId xmlns:a16="http://schemas.microsoft.com/office/drawing/2014/main" id="{84212ACE-96F5-B337-C53E-6CAFE42C5D29}"/>
+              </a:ext>
+            </a:extLst>
+          </p:cNvPr>
+          <p:cNvGrpSpPr/>
+          <p:nvPr/>
+        </p:nvGrpSpPr>
+        <p:grpSpPr>
+          <a:xfrm>
+            <a:off x="10086975" y="773026"/>
+            <a:ext cx="963503" cy="1642964"/>
+            <a:chOff x="9859701" y="385479"/>
+            <a:chExt cx="1190777" cy="2030511"/>
+          </a:xfrm>
+        </p:grpSpPr>
+        <p:pic>
+          <p:nvPicPr>
+            <p:cNvPr id="7" name="그림 6">
+              <a:extLst>
+                <a:ext uri="{FF2B5EF4-FFF2-40B4-BE49-F238E27FC236}">
+                  <a16:creationId xmlns:a16="http://schemas.microsoft.com/office/drawing/2014/main" id="{60E6FB32-6064-B928-50BC-73D296683571}"/>
+                </a:ext>
+              </a:extLst>
+            </p:cNvPr>
+            <p:cNvPicPr>
+              <a:picLocks noChangeAspect="1"/>
+            </p:cNvPicPr>
+            <p:nvPr/>
+          </p:nvPicPr>
+          <p:blipFill>
+            <a:blip r:embed="rId3">
+              <a:extLst>
+                <a:ext uri="{28A0092B-C50C-407E-A947-70E740481C1C}">
+                  <a14:useLocalDpi xmlns:a14="http://schemas.microsoft.com/office/drawing/2010/main" val="0"/>
+                </a:ext>
+              </a:extLst>
+            </a:blip>
+            <a:stretch>
+              <a:fillRect/>
+            </a:stretch>
+          </p:blipFill>
+          <p:spPr>
+            <a:xfrm>
+              <a:off x="9859701" y="385479"/>
+              <a:ext cx="1173053" cy="1371571"/>
+            </a:xfrm>
+            <a:prstGeom prst="rect">
+              <a:avLst/>
+            </a:prstGeom>
+          </p:spPr>
+        </p:pic>
+        <p:pic>
+          <p:nvPicPr>
+            <p:cNvPr id="9" name="그림 8">
+              <a:extLst>
+                <a:ext uri="{FF2B5EF4-FFF2-40B4-BE49-F238E27FC236}">
+                  <a16:creationId xmlns:a16="http://schemas.microsoft.com/office/drawing/2014/main" id="{F27A35A2-DDFA-AF2E-B8BC-FDC1C5E0E2A7}"/>
+                </a:ext>
+              </a:extLst>
+            </p:cNvPr>
+            <p:cNvPicPr>
+              <a:picLocks noChangeAspect="1"/>
+            </p:cNvPicPr>
+            <p:nvPr/>
+          </p:nvPicPr>
+          <p:blipFill>
+            <a:blip r:embed="rId4"/>
+            <a:stretch>
+              <a:fillRect/>
+            </a:stretch>
+          </p:blipFill>
+          <p:spPr>
+            <a:xfrm>
+              <a:off x="9964476" y="1711042"/>
+              <a:ext cx="1086002" cy="704948"/>
+            </a:xfrm>
+            <a:prstGeom prst="rect">
+              <a:avLst/>
+            </a:prstGeom>
+          </p:spPr>
+        </p:pic>
+      </p:grpSp>
+    </p:spTree>
+    <p:extLst>
+      <p:ext uri="{BB962C8B-B14F-4D97-AF65-F5344CB8AC3E}">
+        <p14:creationId xmlns:p14="http://schemas.microsoft.com/office/powerpoint/2010/main" val="2658508183"/>
+      </p:ext>
+    </p:extLst>
+  </p:cSld>
+  <p:clrMapOvr>
+    <a:masterClrMapping/>
+  </p:clrMapOvr>
+</p:sld>
+</file>
+
+<file path=ppt/slides/slide15.xml><?xml version="1.0" encoding="utf-8"?>
+<p:sld xmlns:a="http://schemas.openxmlformats.org/drawingml/2006/main" xmlns:r="http://schemas.openxmlformats.org/officeDocument/2006/relationships" xmlns:p="http://schemas.openxmlformats.org/presentationml/2006/main">
+  <p:cSld>
+    <p:spTree>
+      <p:nvGrpSpPr>
+        <p:cNvPr id="1" name=""/>
+        <p:cNvGrpSpPr/>
+        <p:nvPr/>
+      </p:nvGrpSpPr>
+      <p:grpSpPr>
+        <a:xfrm>
+          <a:off x="0" y="0"/>
+          <a:ext cx="0" cy="0"/>
+          <a:chOff x="0" y="0"/>
+          <a:chExt cx="0" cy="0"/>
+        </a:xfrm>
+      </p:grpSpPr>
+      <p:sp>
+        <p:nvSpPr>
+          <p:cNvPr id="2" name="제목 1">
+            <a:extLst>
+              <a:ext uri="{FF2B5EF4-FFF2-40B4-BE49-F238E27FC236}">
+                <a16:creationId xmlns:a16="http://schemas.microsoft.com/office/drawing/2014/main" id="{CD59657E-4DF5-0BBD-B638-F074795F2C35}"/>
+              </a:ext>
+            </a:extLst>
+          </p:cNvPr>
+          <p:cNvSpPr>
+            <a:spLocks noGrp="1"/>
+          </p:cNvSpPr>
+          <p:nvPr>
+            <p:ph type="title"/>
+          </p:nvPr>
+        </p:nvSpPr>
+        <p:spPr/>
+        <p:txBody>
+          <a:bodyPr/>
+          <a:lstStyle/>
+          <a:p>
+            <a:r>
+              <a:rPr lang="en-US" altLang="ko-KR" dirty="0"/>
+              <a:t>Low-level </a:t>
+            </a:r>
+            <a:r>
+              <a:rPr lang="ko-KR" altLang="en-US" dirty="0"/>
+              <a:t>디자인</a:t>
+            </a:r>
+          </a:p>
+        </p:txBody>
+      </p:sp>
+      <p:sp>
+        <p:nvSpPr>
+          <p:cNvPr id="4" name="슬라이드 번호 개체 틀 3">
+            <a:extLst>
+              <a:ext uri="{FF2B5EF4-FFF2-40B4-BE49-F238E27FC236}">
+                <a16:creationId xmlns:a16="http://schemas.microsoft.com/office/drawing/2014/main" id="{B1272101-7EDC-E2B8-9A13-ACE458EEDC8E}"/>
+              </a:ext>
+            </a:extLst>
+          </p:cNvPr>
+          <p:cNvSpPr>
+            <a:spLocks noGrp="1"/>
+          </p:cNvSpPr>
+          <p:nvPr>
+            <p:ph type="sldNum" sz="quarter" idx="12"/>
+          </p:nvPr>
+        </p:nvSpPr>
+        <p:spPr>
+          <a:xfrm>
+            <a:off x="8610600" y="6356350"/>
+            <a:ext cx="2743200" cy="365125"/>
+          </a:xfrm>
+        </p:spPr>
+        <p:txBody>
+          <a:bodyPr/>
+          <a:lstStyle/>
+          <a:p>
+            <a:fld id="{2F7F2206-C3AA-4D7A-AC99-58940E523BC8}" type="slidenum">
+              <a:rPr lang="ko-KR" altLang="en-US" smtClean="0"/>
+              <a:t>15</a:t>
+            </a:fld>
+            <a:endParaRPr lang="ko-KR" altLang="en-US"/>
+          </a:p>
+        </p:txBody>
+      </p:sp>
+      <p:sp>
+        <p:nvSpPr>
+          <p:cNvPr id="16" name="바닥글 개체 틀 15">
+            <a:extLst>
+              <a:ext uri="{FF2B5EF4-FFF2-40B4-BE49-F238E27FC236}">
+                <a16:creationId xmlns:a16="http://schemas.microsoft.com/office/drawing/2014/main" id="{047D3503-8DAC-BE0A-CCA0-BE57E939B3FE}"/>
+              </a:ext>
+            </a:extLst>
+          </p:cNvPr>
+          <p:cNvSpPr>
+            <a:spLocks noGrp="1"/>
+          </p:cNvSpPr>
+          <p:nvPr>
+            <p:ph type="ftr" sz="quarter" idx="11"/>
+          </p:nvPr>
+        </p:nvSpPr>
+        <p:spPr>
+          <a:xfrm>
+            <a:off x="838200" y="1311738"/>
+            <a:ext cx="4114800" cy="365125"/>
+          </a:xfrm>
+        </p:spPr>
+        <p:txBody>
+          <a:bodyPr/>
+          <a:lstStyle/>
+          <a:p>
+            <a:pPr algn="l"/>
+            <a:r>
+              <a:rPr lang="en-US" altLang="ko-KR" dirty="0"/>
+              <a:t>Key Event</a:t>
+            </a:r>
+            <a:endParaRPr lang="ko-KR" altLang="en-US" dirty="0"/>
+          </a:p>
+        </p:txBody>
+      </p:sp>
+      <p:pic>
+        <p:nvPicPr>
+          <p:cNvPr id="6" name="그림 5">
+            <a:extLst>
+              <a:ext uri="{FF2B5EF4-FFF2-40B4-BE49-F238E27FC236}">
+                <a16:creationId xmlns:a16="http://schemas.microsoft.com/office/drawing/2014/main" id="{C3BEDF0A-C728-1061-4B1E-D31A20F024A9}"/>
+              </a:ext>
+            </a:extLst>
+          </p:cNvPr>
+          <p:cNvPicPr>
+            <a:picLocks noChangeAspect="1"/>
+          </p:cNvPicPr>
+          <p:nvPr/>
+        </p:nvPicPr>
+        <p:blipFill>
+          <a:blip r:embed="rId2">
+            <a:extLst>
+              <a:ext uri="{28A0092B-C50C-407E-A947-70E740481C1C}">
+                <a14:useLocalDpi xmlns:a14="http://schemas.microsoft.com/office/drawing/2010/main" val="0"/>
+              </a:ext>
+            </a:extLst>
+          </a:blip>
+          <a:stretch>
+            <a:fillRect/>
+          </a:stretch>
+        </p:blipFill>
+        <p:spPr>
+          <a:xfrm>
+            <a:off x="675312" y="2774530"/>
+            <a:ext cx="6201738" cy="1814756"/>
+          </a:xfrm>
+          <a:prstGeom prst="rect">
+            <a:avLst/>
+          </a:prstGeom>
+        </p:spPr>
+      </p:pic>
+      <p:sp>
+        <p:nvSpPr>
+          <p:cNvPr id="7" name="TextBox 6">
+            <a:extLst>
+              <a:ext uri="{FF2B5EF4-FFF2-40B4-BE49-F238E27FC236}">
+                <a16:creationId xmlns:a16="http://schemas.microsoft.com/office/drawing/2014/main" id="{ABF61768-FE77-653F-8836-46EF3ECE145E}"/>
+              </a:ext>
+            </a:extLst>
+          </p:cNvPr>
+          <p:cNvSpPr txBox="1"/>
+          <p:nvPr/>
+        </p:nvSpPr>
+        <p:spPr>
+          <a:xfrm>
+            <a:off x="7305675" y="1724777"/>
+            <a:ext cx="4954478" cy="4154984"/>
+          </a:xfrm>
+          <a:prstGeom prst="rect">
+            <a:avLst/>
+          </a:prstGeom>
+          <a:noFill/>
+        </p:spPr>
+        <p:txBody>
+          <a:bodyPr wrap="square" rtlCol="0">
+            <a:spAutoFit/>
+          </a:bodyPr>
+          <a:lstStyle/>
+          <a:p>
+            <a:r>
+              <a:rPr lang="en-US" altLang="ko-KR" sz="1200" b="1" dirty="0" err="1"/>
+              <a:t>KeySender</a:t>
+            </a:r>
+            <a:r>
+              <a:rPr lang="en-US" altLang="ko-KR" sz="1200" b="1" dirty="0"/>
+              <a:t>() </a:t>
+            </a:r>
+          </a:p>
+          <a:p>
+            <a:r>
+              <a:rPr lang="en-US" altLang="ko-KR" sz="1200" b="1" dirty="0"/>
+              <a:t>Return</a:t>
+            </a:r>
+            <a:r>
+              <a:rPr lang="ko-KR" altLang="en-US" sz="1200" b="1" dirty="0"/>
+              <a:t> </a:t>
+            </a:r>
+            <a:r>
+              <a:rPr lang="en-US" altLang="ko-KR" sz="1200" b="1" dirty="0"/>
+              <a:t>value </a:t>
+            </a:r>
+            <a:r>
+              <a:rPr lang="en-US" altLang="ko-KR" sz="1200" dirty="0"/>
+              <a:t>: void</a:t>
+            </a:r>
+          </a:p>
+          <a:p>
+            <a:r>
+              <a:rPr lang="en-US" altLang="ko-KR" sz="1200" b="1" dirty="0"/>
+              <a:t>Parameter</a:t>
+            </a:r>
+            <a:r>
+              <a:rPr lang="en-US" altLang="ko-KR" sz="1200" dirty="0"/>
+              <a:t> : </a:t>
+            </a:r>
+            <a:r>
+              <a:rPr lang="en-US" altLang="ko-KR" sz="1200" dirty="0" err="1"/>
+              <a:t>KeyData</a:t>
+            </a:r>
+            <a:r>
+              <a:rPr lang="en-US" altLang="ko-KR" sz="1200" dirty="0"/>
+              <a:t> </a:t>
+            </a:r>
+            <a:r>
+              <a:rPr lang="en-US" altLang="ko-KR" sz="1200" dirty="0" err="1"/>
+              <a:t>key_data</a:t>
+            </a:r>
+            <a:endParaRPr lang="en-US" altLang="ko-KR" sz="1200" dirty="0"/>
+          </a:p>
+          <a:p>
+            <a:r>
+              <a:rPr lang="en-US" altLang="ko-KR" sz="1200" b="1" dirty="0"/>
+              <a:t>Explain</a:t>
+            </a:r>
+            <a:r>
+              <a:rPr lang="ko-KR" altLang="en-US" sz="1200" dirty="0"/>
+              <a:t> </a:t>
+            </a:r>
+            <a:r>
+              <a:rPr lang="en-US" altLang="ko-KR" sz="1200" dirty="0"/>
+              <a:t>:</a:t>
+            </a:r>
+          </a:p>
+          <a:p>
+            <a:r>
+              <a:rPr lang="ko-KR" altLang="en-US" sz="1200" dirty="0"/>
+              <a:t>콜백함수 안에서 사용될 함수로 입력한 키와 눌림 여부를 서버에 송신한다</a:t>
+            </a:r>
+            <a:r>
+              <a:rPr lang="en-US" altLang="ko-KR" sz="1200" dirty="0"/>
+              <a:t>.</a:t>
+            </a:r>
+          </a:p>
+          <a:p>
+            <a:endParaRPr lang="en-US" altLang="ko-KR" sz="1200" dirty="0"/>
+          </a:p>
+          <a:p>
+            <a:endParaRPr lang="en-US" altLang="ko-KR" sz="1200" dirty="0"/>
+          </a:p>
+          <a:p>
+            <a:r>
+              <a:rPr lang="en-US" altLang="ko-KR" sz="1200" b="1" dirty="0" err="1"/>
+              <a:t>KeyRecevier</a:t>
+            </a:r>
+            <a:r>
+              <a:rPr lang="en-US" altLang="ko-KR" sz="1200" b="1" dirty="0"/>
+              <a:t>() </a:t>
+            </a:r>
+          </a:p>
+          <a:p>
+            <a:r>
+              <a:rPr lang="en-US" altLang="ko-KR" sz="1200" b="1" dirty="0"/>
+              <a:t>Return</a:t>
+            </a:r>
+            <a:r>
+              <a:rPr lang="ko-KR" altLang="en-US" sz="1200" b="1" dirty="0"/>
+              <a:t> </a:t>
+            </a:r>
+            <a:r>
+              <a:rPr lang="en-US" altLang="ko-KR" sz="1200" b="1" dirty="0"/>
+              <a:t>value </a:t>
+            </a:r>
+            <a:r>
+              <a:rPr lang="en-US" altLang="ko-KR" sz="1200" dirty="0"/>
+              <a:t>: void</a:t>
+            </a:r>
+          </a:p>
+          <a:p>
+            <a:r>
+              <a:rPr lang="en-US" altLang="ko-KR" sz="1200" b="1" dirty="0"/>
+              <a:t>Parameter</a:t>
+            </a:r>
+            <a:r>
+              <a:rPr lang="en-US" altLang="ko-KR" sz="1200" dirty="0"/>
+              <a:t> : </a:t>
+            </a:r>
+            <a:r>
+              <a:rPr lang="en-US" altLang="ko-KR" sz="1200" dirty="0" err="1"/>
+              <a:t>KeyData</a:t>
+            </a:r>
+            <a:r>
+              <a:rPr lang="en-US" altLang="ko-KR" sz="1200" dirty="0"/>
+              <a:t> </a:t>
+            </a:r>
+            <a:r>
+              <a:rPr lang="en-US" altLang="ko-KR" sz="1200" dirty="0" err="1"/>
+              <a:t>key_data</a:t>
+            </a:r>
+            <a:endParaRPr lang="en-US" altLang="ko-KR" sz="1200" dirty="0"/>
+          </a:p>
+          <a:p>
+            <a:r>
+              <a:rPr lang="en-US" altLang="ko-KR" sz="1200" b="1" dirty="0"/>
+              <a:t>Explain</a:t>
+            </a:r>
+            <a:r>
+              <a:rPr lang="ko-KR" altLang="en-US" sz="1200" dirty="0"/>
+              <a:t> </a:t>
+            </a:r>
+            <a:r>
+              <a:rPr lang="en-US" altLang="ko-KR" sz="1200" dirty="0"/>
+              <a:t>:</a:t>
+            </a:r>
+          </a:p>
+          <a:p>
+            <a:r>
+              <a:rPr lang="ko-KR" altLang="en-US" sz="1200" dirty="0"/>
+              <a:t>각</a:t>
+            </a:r>
+            <a:r>
+              <a:rPr lang="en-US" altLang="ko-KR" sz="1200" dirty="0"/>
+              <a:t> </a:t>
+            </a:r>
+            <a:r>
+              <a:rPr lang="ko-KR" altLang="en-US" sz="1200" dirty="0" err="1"/>
+              <a:t>플레이어들어게</a:t>
+            </a:r>
+            <a:r>
+              <a:rPr lang="ko-KR" altLang="en-US" sz="1200" dirty="0"/>
+              <a:t> 배정된 </a:t>
+            </a:r>
+            <a:r>
+              <a:rPr lang="en-US" altLang="ko-KR" sz="1200" dirty="0" err="1"/>
+              <a:t>PlayerThread</a:t>
+            </a:r>
+            <a:r>
+              <a:rPr lang="en-US" altLang="ko-KR" sz="1200" dirty="0"/>
+              <a:t>()</a:t>
+            </a:r>
+            <a:r>
+              <a:rPr lang="ko-KR" altLang="en-US" sz="1200" dirty="0"/>
+              <a:t>에서 사용될 함수로 </a:t>
+            </a:r>
+            <a:r>
+              <a:rPr lang="en-US" altLang="ko-KR" sz="1200" dirty="0"/>
+              <a:t>Client</a:t>
+            </a:r>
+            <a:r>
+              <a:rPr lang="ko-KR" altLang="en-US" sz="1200" dirty="0"/>
+              <a:t>가 입력한 </a:t>
+            </a:r>
+            <a:r>
+              <a:rPr lang="en-US" altLang="ko-KR" sz="1200" dirty="0" err="1"/>
+              <a:t>KeyData</a:t>
+            </a:r>
+            <a:r>
+              <a:rPr lang="ko-KR" altLang="en-US" sz="1200" dirty="0"/>
+              <a:t>를</a:t>
+            </a:r>
+            <a:r>
+              <a:rPr lang="en-US" altLang="ko-KR" sz="1200" dirty="0"/>
+              <a:t> </a:t>
+            </a:r>
+            <a:r>
+              <a:rPr lang="ko-KR" altLang="en-US" sz="1200" dirty="0"/>
+              <a:t>받아 </a:t>
+            </a:r>
+            <a:r>
+              <a:rPr lang="en-US" altLang="ko-KR" sz="1200" dirty="0" err="1"/>
+              <a:t>GameObjectManager.SetKeyBoardData</a:t>
+            </a:r>
+            <a:r>
+              <a:rPr lang="en-US" altLang="ko-KR" sz="1200" dirty="0"/>
+              <a:t>()</a:t>
+            </a:r>
+            <a:r>
+              <a:rPr lang="ko-KR" altLang="en-US" sz="1200" dirty="0"/>
+              <a:t>를 호출한다</a:t>
+            </a:r>
+            <a:r>
+              <a:rPr lang="en-US" altLang="ko-KR" sz="1200" dirty="0"/>
+              <a:t>.</a:t>
+            </a:r>
+          </a:p>
+          <a:p>
+            <a:endParaRPr lang="en-US" altLang="ko-KR" sz="1200" dirty="0"/>
+          </a:p>
+          <a:p>
+            <a:endParaRPr lang="en-US" altLang="ko-KR" sz="1200" dirty="0"/>
+          </a:p>
+          <a:p>
+            <a:r>
+              <a:rPr lang="en-US" altLang="ko-KR" sz="1200" b="1" dirty="0" err="1"/>
+              <a:t>GameObjectManager.SetKeyBoardData</a:t>
+            </a:r>
+            <a:r>
+              <a:rPr lang="en-US" altLang="ko-KR" sz="1200" b="1" dirty="0"/>
+              <a:t>()</a:t>
+            </a:r>
+          </a:p>
+          <a:p>
+            <a:r>
+              <a:rPr lang="en-US" altLang="ko-KR" sz="1200" b="1" dirty="0"/>
+              <a:t>Return</a:t>
+            </a:r>
+            <a:r>
+              <a:rPr lang="ko-KR" altLang="en-US" sz="1200" b="1" dirty="0"/>
+              <a:t> </a:t>
+            </a:r>
+            <a:r>
+              <a:rPr lang="en-US" altLang="ko-KR" sz="1200" b="1" dirty="0"/>
+              <a:t>value </a:t>
+            </a:r>
+            <a:r>
+              <a:rPr lang="en-US" altLang="ko-KR" sz="1200" dirty="0"/>
+              <a:t>: void</a:t>
+            </a:r>
+          </a:p>
+          <a:p>
+            <a:r>
+              <a:rPr lang="en-US" altLang="ko-KR" sz="1200" b="1" dirty="0"/>
+              <a:t>Parameter</a:t>
+            </a:r>
+            <a:r>
+              <a:rPr lang="en-US" altLang="ko-KR" sz="1200" dirty="0"/>
+              <a:t> : int</a:t>
+            </a:r>
+            <a:r>
+              <a:rPr lang="ko-KR" altLang="en-US" sz="1200" dirty="0"/>
+              <a:t> </a:t>
+            </a:r>
+            <a:r>
+              <a:rPr lang="en-US" altLang="ko-KR" sz="1200" dirty="0" err="1"/>
+              <a:t>player_num</a:t>
+            </a:r>
+            <a:r>
+              <a:rPr lang="en-US" altLang="ko-KR" sz="1200" dirty="0"/>
+              <a:t>,</a:t>
+            </a:r>
+            <a:r>
+              <a:rPr lang="ko-KR" altLang="en-US" sz="1200" dirty="0"/>
+              <a:t> </a:t>
+            </a:r>
+            <a:r>
+              <a:rPr lang="en-US" altLang="ko-KR" sz="1200" dirty="0" err="1"/>
+              <a:t>KeyData</a:t>
+            </a:r>
+            <a:r>
+              <a:rPr lang="en-US" altLang="ko-KR" sz="1200" dirty="0"/>
+              <a:t> </a:t>
+            </a:r>
+            <a:r>
+              <a:rPr lang="en-US" altLang="ko-KR" sz="1200" dirty="0" err="1"/>
+              <a:t>key_data</a:t>
+            </a:r>
+            <a:endParaRPr lang="en-US" altLang="ko-KR" sz="1200" dirty="0"/>
+          </a:p>
+          <a:p>
+            <a:r>
+              <a:rPr lang="en-US" altLang="ko-KR" sz="1200" b="1" dirty="0"/>
+              <a:t>Explain</a:t>
+            </a:r>
+            <a:r>
+              <a:rPr lang="ko-KR" altLang="en-US" sz="1200" dirty="0"/>
+              <a:t> </a:t>
+            </a:r>
+            <a:r>
+              <a:rPr lang="en-US" altLang="ko-KR" sz="1200" dirty="0"/>
+              <a:t>:</a:t>
+            </a:r>
+          </a:p>
+          <a:p>
+            <a:r>
+              <a:rPr lang="ko-KR" altLang="en-US" sz="1200" dirty="0" err="1"/>
+              <a:t>입력받은</a:t>
+            </a:r>
+            <a:r>
+              <a:rPr lang="ko-KR" altLang="en-US" sz="1200" dirty="0"/>
+              <a:t> 플레이어의 키 입력상태를 갱신한다</a:t>
+            </a:r>
+            <a:r>
+              <a:rPr lang="en-US" altLang="ko-KR" sz="1200" dirty="0"/>
+              <a:t>.</a:t>
+            </a:r>
+          </a:p>
+        </p:txBody>
+      </p:sp>
+      <p:pic>
+        <p:nvPicPr>
+          <p:cNvPr id="10" name="그림 9">
+            <a:extLst>
+              <a:ext uri="{FF2B5EF4-FFF2-40B4-BE49-F238E27FC236}">
+                <a16:creationId xmlns:a16="http://schemas.microsoft.com/office/drawing/2014/main" id="{7F0677BB-A5E9-7D95-F9BD-5333AE06DB06}"/>
+              </a:ext>
+            </a:extLst>
+          </p:cNvPr>
+          <p:cNvPicPr>
+            <a:picLocks noChangeAspect="1"/>
+          </p:cNvPicPr>
+          <p:nvPr/>
+        </p:nvPicPr>
+        <p:blipFill>
+          <a:blip r:embed="rId3"/>
+          <a:stretch>
+            <a:fillRect/>
+          </a:stretch>
+        </p:blipFill>
+        <p:spPr>
+          <a:xfrm>
+            <a:off x="675312" y="5556250"/>
+            <a:ext cx="1362265" cy="685896"/>
+          </a:xfrm>
+          <a:prstGeom prst="rect">
+            <a:avLst/>
+          </a:prstGeom>
+        </p:spPr>
+      </p:pic>
+      <p:pic>
+        <p:nvPicPr>
+          <p:cNvPr id="12" name="그림 11">
+            <a:extLst>
+              <a:ext uri="{FF2B5EF4-FFF2-40B4-BE49-F238E27FC236}">
+                <a16:creationId xmlns:a16="http://schemas.microsoft.com/office/drawing/2014/main" id="{E342E1A9-68DB-3B41-7B17-E41D2ABD4612}"/>
+              </a:ext>
+            </a:extLst>
+          </p:cNvPr>
+          <p:cNvPicPr>
+            <a:picLocks noChangeAspect="1"/>
+          </p:cNvPicPr>
+          <p:nvPr/>
+        </p:nvPicPr>
+        <p:blipFill>
+          <a:blip r:embed="rId4"/>
+          <a:stretch>
+            <a:fillRect/>
+          </a:stretch>
+        </p:blipFill>
+        <p:spPr>
+          <a:xfrm>
+            <a:off x="3333606" y="4791478"/>
+            <a:ext cx="2057687" cy="1790950"/>
+          </a:xfrm>
+          <a:prstGeom prst="rect">
+            <a:avLst/>
+          </a:prstGeom>
+        </p:spPr>
+      </p:pic>
+    </p:spTree>
+    <p:extLst>
+      <p:ext uri="{BB962C8B-B14F-4D97-AF65-F5344CB8AC3E}">
+        <p14:creationId xmlns:p14="http://schemas.microsoft.com/office/powerpoint/2010/main" val="299309073"/>
+      </p:ext>
+    </p:extLst>
+  </p:cSld>
+  <p:clrMapOvr>
+    <a:masterClrMapping/>
+  </p:clrMapOvr>
+</p:sld>
+</file>
+
+<file path=ppt/slides/slide16.xml><?xml version="1.0" encoding="utf-8"?>
+<p:sld xmlns:a="http://schemas.openxmlformats.org/drawingml/2006/main" xmlns:r="http://schemas.openxmlformats.org/officeDocument/2006/relationships" xmlns:p="http://schemas.openxmlformats.org/presentationml/2006/main">
+  <p:cSld>
+    <p:spTree>
+      <p:nvGrpSpPr>
+        <p:cNvPr id="1" name=""/>
+        <p:cNvGrpSpPr/>
+        <p:nvPr/>
+      </p:nvGrpSpPr>
+      <p:grpSpPr>
+        <a:xfrm>
+          <a:off x="0" y="0"/>
+          <a:ext cx="0" cy="0"/>
+          <a:chOff x="0" y="0"/>
+          <a:chExt cx="0" cy="0"/>
+        </a:xfrm>
+      </p:grpSpPr>
+      <p:sp>
+        <p:nvSpPr>
+          <p:cNvPr id="2" name="제목 1">
+            <a:extLst>
+              <a:ext uri="{FF2B5EF4-FFF2-40B4-BE49-F238E27FC236}">
+                <a16:creationId xmlns:a16="http://schemas.microsoft.com/office/drawing/2014/main" id="{CD59657E-4DF5-0BBD-B638-F074795F2C35}"/>
+              </a:ext>
+            </a:extLst>
+          </p:cNvPr>
+          <p:cNvSpPr>
+            <a:spLocks noGrp="1"/>
+          </p:cNvSpPr>
+          <p:nvPr>
+            <p:ph type="title"/>
+          </p:nvPr>
+        </p:nvSpPr>
+        <p:spPr/>
+        <p:txBody>
+          <a:bodyPr/>
+          <a:lstStyle/>
+          <a:p>
+            <a:r>
+              <a:rPr lang="en-US" altLang="ko-KR" dirty="0"/>
+              <a:t>Low-level </a:t>
+            </a:r>
+            <a:r>
+              <a:rPr lang="ko-KR" altLang="en-US" dirty="0"/>
+              <a:t>디자인</a:t>
+            </a:r>
+          </a:p>
+        </p:txBody>
+      </p:sp>
+      <p:sp>
+        <p:nvSpPr>
+          <p:cNvPr id="4" name="슬라이드 번호 개체 틀 3">
+            <a:extLst>
+              <a:ext uri="{FF2B5EF4-FFF2-40B4-BE49-F238E27FC236}">
+                <a16:creationId xmlns:a16="http://schemas.microsoft.com/office/drawing/2014/main" id="{B1272101-7EDC-E2B8-9A13-ACE458EEDC8E}"/>
+              </a:ext>
+            </a:extLst>
+          </p:cNvPr>
+          <p:cNvSpPr>
+            <a:spLocks noGrp="1"/>
+          </p:cNvSpPr>
+          <p:nvPr>
+            <p:ph type="sldNum" sz="quarter" idx="12"/>
+          </p:nvPr>
+        </p:nvSpPr>
+        <p:spPr>
+          <a:xfrm>
+            <a:off x="8610600" y="6356350"/>
+            <a:ext cx="2743200" cy="365125"/>
+          </a:xfrm>
+        </p:spPr>
+        <p:txBody>
+          <a:bodyPr/>
+          <a:lstStyle/>
+          <a:p>
+            <a:fld id="{2F7F2206-C3AA-4D7A-AC99-58940E523BC8}" type="slidenum">
+              <a:rPr lang="ko-KR" altLang="en-US" smtClean="0"/>
+              <a:t>16</a:t>
+            </a:fld>
+            <a:endParaRPr lang="ko-KR" altLang="en-US"/>
+          </a:p>
+        </p:txBody>
+      </p:sp>
+      <p:sp>
+        <p:nvSpPr>
+          <p:cNvPr id="16" name="바닥글 개체 틀 15">
+            <a:extLst>
+              <a:ext uri="{FF2B5EF4-FFF2-40B4-BE49-F238E27FC236}">
+                <a16:creationId xmlns:a16="http://schemas.microsoft.com/office/drawing/2014/main" id="{047D3503-8DAC-BE0A-CCA0-BE57E939B3FE}"/>
+              </a:ext>
+            </a:extLst>
+          </p:cNvPr>
+          <p:cNvSpPr>
+            <a:spLocks noGrp="1"/>
+          </p:cNvSpPr>
+          <p:nvPr>
+            <p:ph type="ftr" sz="quarter" idx="11"/>
+          </p:nvPr>
+        </p:nvSpPr>
+        <p:spPr>
+          <a:xfrm>
+            <a:off x="838200" y="1311738"/>
+            <a:ext cx="4114800" cy="365125"/>
+          </a:xfrm>
+        </p:spPr>
+        <p:txBody>
+          <a:bodyPr/>
+          <a:lstStyle/>
+          <a:p>
+            <a:pPr algn="l"/>
+            <a:r>
+              <a:rPr lang="ko-KR" altLang="en-US" dirty="0"/>
+              <a:t>부록</a:t>
+            </a:r>
+          </a:p>
+        </p:txBody>
+      </p:sp>
+      <p:pic>
+        <p:nvPicPr>
+          <p:cNvPr id="5" name="그림 4">
+            <a:extLst>
+              <a:ext uri="{FF2B5EF4-FFF2-40B4-BE49-F238E27FC236}">
+                <a16:creationId xmlns:a16="http://schemas.microsoft.com/office/drawing/2014/main" id="{FAB48538-C8E8-D7C6-0DFA-E06DF3799530}"/>
+              </a:ext>
+            </a:extLst>
+          </p:cNvPr>
+          <p:cNvPicPr>
+            <a:picLocks noChangeAspect="1"/>
+          </p:cNvPicPr>
+          <p:nvPr/>
+        </p:nvPicPr>
+        <p:blipFill>
+          <a:blip r:embed="rId2"/>
+          <a:stretch>
+            <a:fillRect/>
+          </a:stretch>
+        </p:blipFill>
+        <p:spPr>
+          <a:xfrm>
+            <a:off x="838200" y="1758289"/>
+            <a:ext cx="6887536" cy="4734586"/>
+          </a:xfrm>
+          <a:prstGeom prst="rect">
+            <a:avLst/>
+          </a:prstGeom>
+        </p:spPr>
+      </p:pic>
+    </p:spTree>
+    <p:extLst>
+      <p:ext uri="{BB962C8B-B14F-4D97-AF65-F5344CB8AC3E}">
+        <p14:creationId xmlns:p14="http://schemas.microsoft.com/office/powerpoint/2010/main" val="3826619803"/>
+      </p:ext>
+    </p:extLst>
+  </p:cSld>
+  <p:clrMapOvr>
+    <a:masterClrMapping/>
+  </p:clrMapOvr>
+</p:sld>
+</file>
+
+<file path=ppt/slides/slide17.xml><?xml version="1.0" encoding="utf-8"?>
+<p:sld xmlns:a="http://schemas.openxmlformats.org/drawingml/2006/main" xmlns:r="http://schemas.openxmlformats.org/officeDocument/2006/relationships" xmlns:p="http://schemas.openxmlformats.org/presentationml/2006/main">
+  <p:cSld>
+    <p:spTree>
+      <p:nvGrpSpPr>
+        <p:cNvPr id="1" name=""/>
+        <p:cNvGrpSpPr/>
+        <p:nvPr/>
+      </p:nvGrpSpPr>
+      <p:grpSpPr>
+        <a:xfrm>
+          <a:off x="0" y="0"/>
+          <a:ext cx="0" cy="0"/>
+          <a:chOff x="0" y="0"/>
+          <a:chExt cx="0" cy="0"/>
+        </a:xfrm>
+      </p:grpSpPr>
+      <p:sp>
+        <p:nvSpPr>
+          <p:cNvPr id="2" name="제목 1">
+            <a:extLst>
+              <a:ext uri="{FF2B5EF4-FFF2-40B4-BE49-F238E27FC236}">
+                <a16:creationId xmlns:a16="http://schemas.microsoft.com/office/drawing/2014/main" id="{CD59657E-4DF5-0BBD-B638-F074795F2C35}"/>
+              </a:ext>
+            </a:extLst>
+          </p:cNvPr>
+          <p:cNvSpPr>
+            <a:spLocks noGrp="1"/>
+          </p:cNvSpPr>
+          <p:nvPr>
+            <p:ph type="title"/>
+          </p:nvPr>
+        </p:nvSpPr>
+        <p:spPr/>
+        <p:txBody>
+          <a:bodyPr/>
+          <a:lstStyle/>
+          <a:p>
+            <a:r>
+              <a:rPr lang="en-US" altLang="ko-KR" dirty="0"/>
+              <a:t>Low-level </a:t>
+            </a:r>
+            <a:r>
+              <a:rPr lang="ko-KR" altLang="en-US" dirty="0"/>
+              <a:t>디자인</a:t>
+            </a:r>
+          </a:p>
+        </p:txBody>
+      </p:sp>
+      <p:sp>
+        <p:nvSpPr>
+          <p:cNvPr id="4" name="슬라이드 번호 개체 틀 3">
+            <a:extLst>
+              <a:ext uri="{FF2B5EF4-FFF2-40B4-BE49-F238E27FC236}">
+                <a16:creationId xmlns:a16="http://schemas.microsoft.com/office/drawing/2014/main" id="{B1272101-7EDC-E2B8-9A13-ACE458EEDC8E}"/>
+              </a:ext>
+            </a:extLst>
+          </p:cNvPr>
+          <p:cNvSpPr>
+            <a:spLocks noGrp="1"/>
+          </p:cNvSpPr>
+          <p:nvPr>
+            <p:ph type="sldNum" sz="quarter" idx="12"/>
+          </p:nvPr>
+        </p:nvSpPr>
+        <p:spPr>
+          <a:xfrm>
+            <a:off x="8610600" y="6356350"/>
+            <a:ext cx="2743200" cy="365125"/>
+          </a:xfrm>
+        </p:spPr>
+        <p:txBody>
+          <a:bodyPr/>
+          <a:lstStyle/>
+          <a:p>
+            <a:fld id="{2F7F2206-C3AA-4D7A-AC99-58940E523BC8}" type="slidenum">
+              <a:rPr lang="ko-KR" altLang="en-US" smtClean="0"/>
+              <a:t>17</a:t>
+            </a:fld>
+            <a:endParaRPr lang="ko-KR" altLang="en-US"/>
+          </a:p>
+        </p:txBody>
+      </p:sp>
+      <p:sp>
+        <p:nvSpPr>
+          <p:cNvPr id="16" name="바닥글 개체 틀 15">
+            <a:extLst>
+              <a:ext uri="{FF2B5EF4-FFF2-40B4-BE49-F238E27FC236}">
+                <a16:creationId xmlns:a16="http://schemas.microsoft.com/office/drawing/2014/main" id="{047D3503-8DAC-BE0A-CCA0-BE57E939B3FE}"/>
+              </a:ext>
+            </a:extLst>
+          </p:cNvPr>
+          <p:cNvSpPr>
+            <a:spLocks noGrp="1"/>
+          </p:cNvSpPr>
+          <p:nvPr>
+            <p:ph type="ftr" sz="quarter" idx="11"/>
+          </p:nvPr>
+        </p:nvSpPr>
+        <p:spPr>
+          <a:xfrm>
+            <a:off x="838200" y="1311738"/>
+            <a:ext cx="4114800" cy="365125"/>
+          </a:xfrm>
+        </p:spPr>
+        <p:txBody>
+          <a:bodyPr/>
+          <a:lstStyle/>
+          <a:p>
+            <a:pPr algn="l"/>
+            <a:r>
+              <a:rPr lang="ko-KR" altLang="en-US" dirty="0"/>
+              <a:t>부록</a:t>
+            </a:r>
+          </a:p>
+        </p:txBody>
+      </p:sp>
+      <p:pic>
+        <p:nvPicPr>
+          <p:cNvPr id="6" name="그림 5">
+            <a:extLst>
+              <a:ext uri="{FF2B5EF4-FFF2-40B4-BE49-F238E27FC236}">
+                <a16:creationId xmlns:a16="http://schemas.microsoft.com/office/drawing/2014/main" id="{957F3813-355F-9056-41AD-7CD7DC37BD54}"/>
+              </a:ext>
+            </a:extLst>
+          </p:cNvPr>
+          <p:cNvPicPr>
+            <a:picLocks noChangeAspect="1"/>
+          </p:cNvPicPr>
+          <p:nvPr/>
+        </p:nvPicPr>
+        <p:blipFill>
+          <a:blip r:embed="rId2">
+            <a:extLst>
+              <a:ext uri="{28A0092B-C50C-407E-A947-70E740481C1C}">
+                <a14:useLocalDpi xmlns:a14="http://schemas.microsoft.com/office/drawing/2010/main" val="0"/>
+              </a:ext>
+            </a:extLst>
+          </a:blip>
+          <a:stretch>
+            <a:fillRect/>
+          </a:stretch>
+        </p:blipFill>
+        <p:spPr>
+          <a:xfrm>
+            <a:off x="838201" y="1738309"/>
+            <a:ext cx="4015220" cy="4618072"/>
+          </a:xfrm>
+          <a:prstGeom prst="rect">
+            <a:avLst/>
+          </a:prstGeom>
+        </p:spPr>
+      </p:pic>
+      <p:pic>
+        <p:nvPicPr>
+          <p:cNvPr id="10" name="그림 9">
+            <a:extLst>
+              <a:ext uri="{FF2B5EF4-FFF2-40B4-BE49-F238E27FC236}">
+                <a16:creationId xmlns:a16="http://schemas.microsoft.com/office/drawing/2014/main" id="{C5FDF223-5AD4-7216-DDAF-48BD3EA11B4E}"/>
+              </a:ext>
+            </a:extLst>
+          </p:cNvPr>
+          <p:cNvPicPr>
+            <a:picLocks noChangeAspect="1"/>
+          </p:cNvPicPr>
+          <p:nvPr/>
+        </p:nvPicPr>
+        <p:blipFill>
+          <a:blip r:embed="rId3"/>
+          <a:stretch>
+            <a:fillRect/>
+          </a:stretch>
+        </p:blipFill>
+        <p:spPr>
+          <a:xfrm>
+            <a:off x="5143275" y="1737269"/>
+            <a:ext cx="2405623" cy="4619081"/>
+          </a:xfrm>
+          <a:prstGeom prst="rect">
+            <a:avLst/>
+          </a:prstGeom>
+        </p:spPr>
+      </p:pic>
+      <p:pic>
+        <p:nvPicPr>
+          <p:cNvPr id="12" name="그림 11">
+            <a:extLst>
+              <a:ext uri="{FF2B5EF4-FFF2-40B4-BE49-F238E27FC236}">
+                <a16:creationId xmlns:a16="http://schemas.microsoft.com/office/drawing/2014/main" id="{24CE43D2-ACD1-7F10-9F99-AC19604B9EB2}"/>
+              </a:ext>
+            </a:extLst>
+          </p:cNvPr>
+          <p:cNvPicPr>
+            <a:picLocks noChangeAspect="1"/>
+          </p:cNvPicPr>
+          <p:nvPr/>
+        </p:nvPicPr>
+        <p:blipFill>
+          <a:blip r:embed="rId4"/>
+          <a:stretch>
+            <a:fillRect/>
+          </a:stretch>
+        </p:blipFill>
+        <p:spPr>
+          <a:xfrm>
+            <a:off x="8553226" y="1737269"/>
+            <a:ext cx="2735798" cy="4619081"/>
+          </a:xfrm>
+          <a:prstGeom prst="rect">
+            <a:avLst/>
+          </a:prstGeom>
+        </p:spPr>
+      </p:pic>
+    </p:spTree>
+    <p:extLst>
+      <p:ext uri="{BB962C8B-B14F-4D97-AF65-F5344CB8AC3E}">
+        <p14:creationId xmlns:p14="http://schemas.microsoft.com/office/powerpoint/2010/main" val="3413599630"/>
+      </p:ext>
+    </p:extLst>
+  </p:cSld>
+  <p:clrMapOvr>
+    <a:masterClrMapping/>
+  </p:clrMapOvr>
+</p:sld>
+</file>
+
+<file path=ppt/slides/slide18.xml><?xml version="1.0" encoding="utf-8"?>
+<p:sld xmlns:a="http://schemas.openxmlformats.org/drawingml/2006/main" xmlns:r="http://schemas.openxmlformats.org/officeDocument/2006/relationships" xmlns:p="http://schemas.openxmlformats.org/presentationml/2006/main">
+  <p:cSld>
+    <p:spTree>
+      <p:nvGrpSpPr>
+        <p:cNvPr id="1" name=""/>
+        <p:cNvGrpSpPr/>
+        <p:nvPr/>
+      </p:nvGrpSpPr>
+      <p:grpSpPr>
+        <a:xfrm>
+          <a:off x="0" y="0"/>
+          <a:ext cx="0" cy="0"/>
+          <a:chOff x="0" y="0"/>
+          <a:chExt cx="0" cy="0"/>
+        </a:xfrm>
+      </p:grpSpPr>
+      <p:sp>
+        <p:nvSpPr>
+          <p:cNvPr id="2" name="제목 1">
+            <a:extLst>
+              <a:ext uri="{FF2B5EF4-FFF2-40B4-BE49-F238E27FC236}">
+                <a16:creationId xmlns:a16="http://schemas.microsoft.com/office/drawing/2014/main" id="{CD59657E-4DF5-0BBD-B638-F074795F2C35}"/>
+              </a:ext>
+            </a:extLst>
+          </p:cNvPr>
+          <p:cNvSpPr>
+            <a:spLocks noGrp="1"/>
+          </p:cNvSpPr>
+          <p:nvPr>
+            <p:ph type="title"/>
+          </p:nvPr>
+        </p:nvSpPr>
+        <p:spPr/>
+        <p:txBody>
+          <a:bodyPr/>
+          <a:lstStyle/>
+          <a:p>
+            <a:r>
+              <a:rPr lang="en-US" altLang="ko-KR" dirty="0"/>
+              <a:t>Low-level </a:t>
+            </a:r>
+            <a:r>
+              <a:rPr lang="ko-KR" altLang="en-US" dirty="0"/>
+              <a:t>디자인</a:t>
+            </a:r>
+          </a:p>
+        </p:txBody>
+      </p:sp>
+      <p:sp>
+        <p:nvSpPr>
+          <p:cNvPr id="4" name="슬라이드 번호 개체 틀 3">
+            <a:extLst>
+              <a:ext uri="{FF2B5EF4-FFF2-40B4-BE49-F238E27FC236}">
+                <a16:creationId xmlns:a16="http://schemas.microsoft.com/office/drawing/2014/main" id="{B1272101-7EDC-E2B8-9A13-ACE458EEDC8E}"/>
+              </a:ext>
+            </a:extLst>
+          </p:cNvPr>
+          <p:cNvSpPr>
+            <a:spLocks noGrp="1"/>
+          </p:cNvSpPr>
+          <p:nvPr>
+            <p:ph type="sldNum" sz="quarter" idx="12"/>
+          </p:nvPr>
+        </p:nvSpPr>
+        <p:spPr>
+          <a:xfrm>
+            <a:off x="8610600" y="6356350"/>
+            <a:ext cx="2743200" cy="365125"/>
+          </a:xfrm>
+        </p:spPr>
+        <p:txBody>
+          <a:bodyPr/>
+          <a:lstStyle/>
+          <a:p>
+            <a:fld id="{2F7F2206-C3AA-4D7A-AC99-58940E523BC8}" type="slidenum">
+              <a:rPr lang="ko-KR" altLang="en-US" smtClean="0"/>
+              <a:t>18</a:t>
+            </a:fld>
+            <a:endParaRPr lang="ko-KR" altLang="en-US"/>
+          </a:p>
+        </p:txBody>
+      </p:sp>
+      <p:sp>
+        <p:nvSpPr>
+          <p:cNvPr id="16" name="바닥글 개체 틀 15">
+            <a:extLst>
+              <a:ext uri="{FF2B5EF4-FFF2-40B4-BE49-F238E27FC236}">
+                <a16:creationId xmlns:a16="http://schemas.microsoft.com/office/drawing/2014/main" id="{047D3503-8DAC-BE0A-CCA0-BE57E939B3FE}"/>
+              </a:ext>
+            </a:extLst>
+          </p:cNvPr>
+          <p:cNvSpPr>
+            <a:spLocks noGrp="1"/>
+          </p:cNvSpPr>
+          <p:nvPr>
+            <p:ph type="ftr" sz="quarter" idx="11"/>
+          </p:nvPr>
+        </p:nvSpPr>
+        <p:spPr>
+          <a:xfrm>
+            <a:off x="838200" y="1311738"/>
+            <a:ext cx="4114800" cy="365125"/>
+          </a:xfrm>
+        </p:spPr>
+        <p:txBody>
+          <a:bodyPr/>
+          <a:lstStyle/>
+          <a:p>
+            <a:pPr algn="l"/>
+            <a:r>
+              <a:rPr lang="ko-KR" altLang="en-US" dirty="0"/>
+              <a:t>부록</a:t>
+            </a:r>
+          </a:p>
+        </p:txBody>
+      </p:sp>
+      <p:pic>
+        <p:nvPicPr>
+          <p:cNvPr id="7" name="그림 6">
+            <a:extLst>
+              <a:ext uri="{FF2B5EF4-FFF2-40B4-BE49-F238E27FC236}">
+                <a16:creationId xmlns:a16="http://schemas.microsoft.com/office/drawing/2014/main" id="{E174C107-8978-9B2C-3F13-9C2BC2D99785}"/>
+              </a:ext>
+            </a:extLst>
+          </p:cNvPr>
+          <p:cNvPicPr>
+            <a:picLocks noChangeAspect="1"/>
+          </p:cNvPicPr>
+          <p:nvPr/>
+        </p:nvPicPr>
+        <p:blipFill>
+          <a:blip r:embed="rId2"/>
+          <a:stretch>
+            <a:fillRect/>
+          </a:stretch>
+        </p:blipFill>
+        <p:spPr>
+          <a:xfrm>
+            <a:off x="4827297" y="1913963"/>
+            <a:ext cx="2202120" cy="4578912"/>
+          </a:xfrm>
+          <a:prstGeom prst="rect">
+            <a:avLst/>
+          </a:prstGeom>
+        </p:spPr>
+      </p:pic>
+      <p:pic>
+        <p:nvPicPr>
+          <p:cNvPr id="9" name="그림 8">
+            <a:extLst>
+              <a:ext uri="{FF2B5EF4-FFF2-40B4-BE49-F238E27FC236}">
+                <a16:creationId xmlns:a16="http://schemas.microsoft.com/office/drawing/2014/main" id="{BD1E616B-E685-D1D9-9120-CA95074A39DB}"/>
+              </a:ext>
+            </a:extLst>
+          </p:cNvPr>
+          <p:cNvPicPr>
+            <a:picLocks noChangeAspect="1"/>
+          </p:cNvPicPr>
+          <p:nvPr/>
+        </p:nvPicPr>
+        <p:blipFill>
+          <a:blip r:embed="rId3"/>
+          <a:stretch>
+            <a:fillRect/>
+          </a:stretch>
+        </p:blipFill>
+        <p:spPr>
+          <a:xfrm>
+            <a:off x="7999696" y="1900222"/>
+            <a:ext cx="2896297" cy="4578828"/>
+          </a:xfrm>
+          <a:prstGeom prst="rect">
+            <a:avLst/>
+          </a:prstGeom>
+        </p:spPr>
+      </p:pic>
+      <p:pic>
+        <p:nvPicPr>
+          <p:cNvPr id="11" name="그림 10">
+            <a:extLst>
+              <a:ext uri="{FF2B5EF4-FFF2-40B4-BE49-F238E27FC236}">
+                <a16:creationId xmlns:a16="http://schemas.microsoft.com/office/drawing/2014/main" id="{5B7C274B-4386-513B-69B8-F416AA8A4C6B}"/>
+              </a:ext>
+            </a:extLst>
+          </p:cNvPr>
+          <p:cNvPicPr>
+            <a:picLocks noChangeAspect="1"/>
+          </p:cNvPicPr>
+          <p:nvPr/>
+        </p:nvPicPr>
+        <p:blipFill>
+          <a:blip r:embed="rId4"/>
+          <a:stretch>
+            <a:fillRect/>
+          </a:stretch>
+        </p:blipFill>
+        <p:spPr>
+          <a:xfrm>
+            <a:off x="858090" y="1900222"/>
+            <a:ext cx="3345698" cy="4578828"/>
+          </a:xfrm>
+          <a:prstGeom prst="rect">
+            <a:avLst/>
+          </a:prstGeom>
+        </p:spPr>
+      </p:pic>
+    </p:spTree>
+    <p:extLst>
+      <p:ext uri="{BB962C8B-B14F-4D97-AF65-F5344CB8AC3E}">
+        <p14:creationId xmlns:p14="http://schemas.microsoft.com/office/powerpoint/2010/main" val="4223673432"/>
+      </p:ext>
+    </p:extLst>
+  </p:cSld>
+  <p:clrMapOvr>
+    <a:masterClrMapping/>
+  </p:clrMapOvr>
+</p:sld>
+</file>
+
+<file path=ppt/slides/slide19.xml><?xml version="1.0" encoding="utf-8"?>
+<p:sld xmlns:a="http://schemas.openxmlformats.org/drawingml/2006/main" xmlns:r="http://schemas.openxmlformats.org/officeDocument/2006/relationships" xmlns:p="http://schemas.openxmlformats.org/presentationml/2006/main">
+  <p:cSld>
+    <p:spTree>
+      <p:nvGrpSpPr>
+        <p:cNvPr id="1" name=""/>
+        <p:cNvGrpSpPr/>
+        <p:nvPr/>
+      </p:nvGrpSpPr>
+      <p:grpSpPr>
+        <a:xfrm>
+          <a:off x="0" y="0"/>
+          <a:ext cx="0" cy="0"/>
+          <a:chOff x="0" y="0"/>
+          <a:chExt cx="0" cy="0"/>
+        </a:xfrm>
+      </p:grpSpPr>
+      <p:sp>
+        <p:nvSpPr>
+          <p:cNvPr id="2" name="제목 1">
+            <a:extLst>
+              <a:ext uri="{FF2B5EF4-FFF2-40B4-BE49-F238E27FC236}">
+                <a16:creationId xmlns:a16="http://schemas.microsoft.com/office/drawing/2014/main" id="{CD59657E-4DF5-0BBD-B638-F074795F2C35}"/>
+              </a:ext>
+            </a:extLst>
+          </p:cNvPr>
+          <p:cNvSpPr>
+            <a:spLocks noGrp="1"/>
+          </p:cNvSpPr>
+          <p:nvPr>
+            <p:ph type="title"/>
+          </p:nvPr>
+        </p:nvSpPr>
+        <p:spPr/>
+        <p:txBody>
+          <a:bodyPr/>
+          <a:lstStyle/>
+          <a:p>
+            <a:r>
+              <a:rPr lang="en-US" altLang="ko-KR" dirty="0"/>
+              <a:t>Low-level </a:t>
+            </a:r>
+            <a:r>
+              <a:rPr lang="ko-KR" altLang="en-US" dirty="0"/>
+              <a:t>디자인</a:t>
+            </a:r>
+          </a:p>
+        </p:txBody>
+      </p:sp>
+      <p:sp>
+        <p:nvSpPr>
+          <p:cNvPr id="4" name="슬라이드 번호 개체 틀 3">
+            <a:extLst>
+              <a:ext uri="{FF2B5EF4-FFF2-40B4-BE49-F238E27FC236}">
+                <a16:creationId xmlns:a16="http://schemas.microsoft.com/office/drawing/2014/main" id="{B1272101-7EDC-E2B8-9A13-ACE458EEDC8E}"/>
+              </a:ext>
+            </a:extLst>
+          </p:cNvPr>
+          <p:cNvSpPr>
+            <a:spLocks noGrp="1"/>
+          </p:cNvSpPr>
+          <p:nvPr>
+            <p:ph type="sldNum" sz="quarter" idx="12"/>
+          </p:nvPr>
+        </p:nvSpPr>
+        <p:spPr>
+          <a:xfrm>
+            <a:off x="8610600" y="6356350"/>
+            <a:ext cx="2743200" cy="365125"/>
+          </a:xfrm>
+        </p:spPr>
+        <p:txBody>
+          <a:bodyPr/>
+          <a:lstStyle/>
+          <a:p>
+            <a:fld id="{2F7F2206-C3AA-4D7A-AC99-58940E523BC8}" type="slidenum">
+              <a:rPr lang="ko-KR" altLang="en-US" smtClean="0"/>
+              <a:t>19</a:t>
+            </a:fld>
+            <a:endParaRPr lang="ko-KR" altLang="en-US"/>
+          </a:p>
+        </p:txBody>
+      </p:sp>
+      <p:sp>
+        <p:nvSpPr>
+          <p:cNvPr id="16" name="바닥글 개체 틀 15">
+            <a:extLst>
+              <a:ext uri="{FF2B5EF4-FFF2-40B4-BE49-F238E27FC236}">
+                <a16:creationId xmlns:a16="http://schemas.microsoft.com/office/drawing/2014/main" id="{047D3503-8DAC-BE0A-CCA0-BE57E939B3FE}"/>
+              </a:ext>
+            </a:extLst>
+          </p:cNvPr>
+          <p:cNvSpPr>
+            <a:spLocks noGrp="1"/>
+          </p:cNvSpPr>
+          <p:nvPr>
+            <p:ph type="ftr" sz="quarter" idx="11"/>
+          </p:nvPr>
+        </p:nvSpPr>
+        <p:spPr>
+          <a:xfrm>
+            <a:off x="838200" y="1311738"/>
+            <a:ext cx="4114800" cy="365125"/>
+          </a:xfrm>
+        </p:spPr>
+        <p:txBody>
+          <a:bodyPr/>
+          <a:lstStyle/>
+          <a:p>
+            <a:pPr algn="l"/>
+            <a:r>
+              <a:rPr lang="ko-KR" altLang="en-US" dirty="0"/>
+              <a:t>부록</a:t>
+            </a:r>
+          </a:p>
+        </p:txBody>
+      </p:sp>
+      <p:pic>
+        <p:nvPicPr>
+          <p:cNvPr id="7" name="그림 6">
+            <a:extLst>
+              <a:ext uri="{FF2B5EF4-FFF2-40B4-BE49-F238E27FC236}">
+                <a16:creationId xmlns:a16="http://schemas.microsoft.com/office/drawing/2014/main" id="{4EA6A2AF-EF8D-45BF-E134-051B0B6C814B}"/>
+              </a:ext>
+            </a:extLst>
+          </p:cNvPr>
+          <p:cNvPicPr>
+            <a:picLocks noChangeAspect="1"/>
+          </p:cNvPicPr>
+          <p:nvPr/>
+        </p:nvPicPr>
+        <p:blipFill>
+          <a:blip r:embed="rId2"/>
+          <a:stretch>
+            <a:fillRect/>
+          </a:stretch>
+        </p:blipFill>
+        <p:spPr>
+          <a:xfrm>
+            <a:off x="838200" y="1838324"/>
+            <a:ext cx="2099589" cy="4518026"/>
+          </a:xfrm>
+          <a:prstGeom prst="rect">
+            <a:avLst/>
+          </a:prstGeom>
+        </p:spPr>
+      </p:pic>
+      <p:pic>
+        <p:nvPicPr>
+          <p:cNvPr id="9" name="그림 8">
+            <a:extLst>
+              <a:ext uri="{FF2B5EF4-FFF2-40B4-BE49-F238E27FC236}">
+                <a16:creationId xmlns:a16="http://schemas.microsoft.com/office/drawing/2014/main" id="{F21AFAF7-0911-F0F2-EC73-F48D64A2D589}"/>
+              </a:ext>
+            </a:extLst>
+          </p:cNvPr>
+          <p:cNvPicPr>
+            <a:picLocks noChangeAspect="1"/>
+          </p:cNvPicPr>
+          <p:nvPr/>
+        </p:nvPicPr>
+        <p:blipFill>
+          <a:blip r:embed="rId3"/>
+          <a:stretch>
+            <a:fillRect/>
+          </a:stretch>
+        </p:blipFill>
+        <p:spPr>
+          <a:xfrm>
+            <a:off x="4238625" y="1838325"/>
+            <a:ext cx="4524782" cy="4517388"/>
+          </a:xfrm>
+          <a:prstGeom prst="rect">
+            <a:avLst/>
+          </a:prstGeom>
+        </p:spPr>
+      </p:pic>
+      <p:pic>
+        <p:nvPicPr>
+          <p:cNvPr id="11" name="그림 10">
+            <a:extLst>
+              <a:ext uri="{FF2B5EF4-FFF2-40B4-BE49-F238E27FC236}">
+                <a16:creationId xmlns:a16="http://schemas.microsoft.com/office/drawing/2014/main" id="{F04D67E7-7579-7CE1-AD6F-44F3EF9B7EAE}"/>
+              </a:ext>
+            </a:extLst>
+          </p:cNvPr>
+          <p:cNvPicPr>
+            <a:picLocks noChangeAspect="1"/>
+          </p:cNvPicPr>
+          <p:nvPr/>
+        </p:nvPicPr>
+        <p:blipFill>
+          <a:blip r:embed="rId4"/>
+          <a:stretch>
+            <a:fillRect/>
+          </a:stretch>
+        </p:blipFill>
+        <p:spPr>
+          <a:xfrm>
+            <a:off x="8610600" y="1838324"/>
+            <a:ext cx="2665613" cy="4517389"/>
+          </a:xfrm>
+          <a:prstGeom prst="rect">
+            <a:avLst/>
+          </a:prstGeom>
+        </p:spPr>
+      </p:pic>
+    </p:spTree>
+    <p:extLst>
+      <p:ext uri="{BB962C8B-B14F-4D97-AF65-F5344CB8AC3E}">
+        <p14:creationId xmlns:p14="http://schemas.microsoft.com/office/powerpoint/2010/main" val="3461327618"/>
       </p:ext>
     </p:extLst>
   </p:cSld>
@@ -3715,9 +8041,232 @@
         </p:nvSpPr>
         <p:spPr/>
         <p:txBody>
+          <a:bodyPr>
+            <a:normAutofit fontScale="77500" lnSpcReduction="20000"/>
+          </a:bodyPr>
+          <a:lstStyle/>
+          <a:p>
+            <a:pPr marL="0" indent="0">
+              <a:buNone/>
+            </a:pPr>
+            <a:r>
+              <a:rPr lang="en-US" altLang="ko-KR" sz="2000" dirty="0"/>
+              <a:t>1. </a:t>
+            </a:r>
+            <a:r>
+              <a:rPr lang="ko-KR" altLang="en-US" sz="2000" dirty="0"/>
+              <a:t>애플리케이션 기획 </a:t>
+            </a:r>
+            <a:r>
+              <a:rPr lang="en-US" altLang="ko-KR" sz="2000" dirty="0"/>
+              <a:t>………………………………………………….…... 3p</a:t>
+            </a:r>
+          </a:p>
+          <a:p>
+            <a:pPr marL="457200" indent="-457200">
+              <a:buAutoNum type="arabicPeriod"/>
+            </a:pPr>
+            <a:endParaRPr lang="en-US" altLang="ko-KR" sz="2000" dirty="0"/>
+          </a:p>
+          <a:p>
+            <a:pPr marL="0" indent="0">
+              <a:buNone/>
+            </a:pPr>
+            <a:r>
+              <a:rPr lang="en-US" altLang="ko-KR" sz="2000" dirty="0"/>
+              <a:t>2. High-level </a:t>
+            </a:r>
+            <a:r>
+              <a:rPr lang="ko-KR" altLang="en-US" sz="2000" dirty="0"/>
+              <a:t>디자인 </a:t>
+            </a:r>
+            <a:r>
+              <a:rPr lang="en-US" altLang="ko-KR" sz="2000" dirty="0"/>
+              <a:t>……………………………………………………. 4, 5p</a:t>
+            </a:r>
+          </a:p>
+          <a:p>
+            <a:pPr marL="0" indent="0">
+              <a:buNone/>
+            </a:pPr>
+            <a:endParaRPr lang="en-US" altLang="ko-KR" sz="2000" dirty="0"/>
+          </a:p>
+          <a:p>
+            <a:pPr marL="0" indent="0">
+              <a:buNone/>
+            </a:pPr>
+            <a:r>
+              <a:rPr lang="en-US" altLang="ko-KR" sz="2000" dirty="0"/>
+              <a:t>3. Low-level</a:t>
+            </a:r>
+            <a:r>
+              <a:rPr lang="ko-KR" altLang="en-US" sz="2000" dirty="0"/>
+              <a:t> 디자인</a:t>
+            </a:r>
+            <a:endParaRPr lang="en-US" altLang="ko-KR" sz="2000" dirty="0"/>
+          </a:p>
+          <a:p>
+            <a:pPr marL="914400" lvl="1" indent="-457200">
+              <a:buAutoNum type="arabicPeriod"/>
+            </a:pPr>
+            <a:r>
+              <a:rPr lang="en-US" altLang="ko-KR" sz="2000" dirty="0"/>
+              <a:t>Class </a:t>
+            </a:r>
+            <a:r>
+              <a:rPr lang="ko-KR" altLang="en-US" sz="2000" dirty="0"/>
+              <a:t>계층구조</a:t>
+            </a:r>
+            <a:endParaRPr lang="en-US" altLang="ko-KR" sz="2000" dirty="0"/>
+          </a:p>
+          <a:p>
+            <a:pPr marL="914400" lvl="1" indent="-457200">
+              <a:buAutoNum type="arabicPeriod"/>
+            </a:pPr>
+            <a:r>
+              <a:rPr lang="ko-KR" altLang="en-US" sz="2000" dirty="0"/>
+              <a:t>플레이어 접속</a:t>
+            </a:r>
+            <a:r>
+              <a:rPr lang="en-US" altLang="ko-KR" sz="2000" dirty="0"/>
+              <a:t>………………………………………………. 7, 8p</a:t>
+            </a:r>
+          </a:p>
+          <a:p>
+            <a:pPr marL="914400" lvl="1" indent="-457200">
+              <a:buAutoNum type="arabicPeriod"/>
+            </a:pPr>
+            <a:r>
+              <a:rPr lang="en-US" altLang="ko-KR" sz="2000" dirty="0"/>
+              <a:t>Client Loop …………………………………………. 9, 10, 11p</a:t>
+            </a:r>
+          </a:p>
+          <a:p>
+            <a:pPr marL="914400" lvl="1" indent="-457200">
+              <a:buAutoNum type="arabicPeriod"/>
+            </a:pPr>
+            <a:r>
+              <a:rPr lang="en-US" altLang="ko-KR" sz="2000" dirty="0"/>
+              <a:t>Server Loop …………………………………….… 12, 13, 14p</a:t>
+            </a:r>
+          </a:p>
+          <a:p>
+            <a:pPr marL="914400" lvl="1" indent="-457200">
+              <a:buAutoNum type="arabicPeriod"/>
+            </a:pPr>
+            <a:r>
+              <a:rPr lang="en-US" altLang="ko-KR" sz="2000" dirty="0"/>
+              <a:t>Key Event ………………………………………………….…… 15p</a:t>
+            </a:r>
+          </a:p>
+          <a:p>
+            <a:pPr marL="914400" lvl="1" indent="-457200">
+              <a:buAutoNum type="arabicPeriod"/>
+            </a:pPr>
+            <a:r>
+              <a:rPr lang="ko-KR" altLang="en-US" sz="2000" dirty="0"/>
+              <a:t>부록 </a:t>
+            </a:r>
+            <a:r>
+              <a:rPr lang="en-US" altLang="ko-KR" sz="2000" dirty="0"/>
+              <a:t>…………………………………………..… 16, 17, 18, 19p</a:t>
+            </a:r>
+          </a:p>
+          <a:p>
+            <a:pPr marL="0" indent="0">
+              <a:buNone/>
+            </a:pPr>
+            <a:r>
+              <a:rPr lang="en-US" altLang="ko-KR" sz="2000" dirty="0"/>
+              <a:t>4. </a:t>
+            </a:r>
+            <a:r>
+              <a:rPr lang="ko-KR" altLang="en-US" sz="2000" dirty="0"/>
+              <a:t>팀원 별 역할분담 </a:t>
+            </a:r>
+            <a:r>
+              <a:rPr lang="en-US" altLang="ko-KR" sz="2000" dirty="0"/>
+              <a:t>………………………………………………… 20, 21p</a:t>
+            </a:r>
+          </a:p>
+          <a:p>
+            <a:pPr marL="0" indent="0">
+              <a:buNone/>
+            </a:pPr>
+            <a:endParaRPr lang="en-US" altLang="ko-KR" sz="2000" dirty="0"/>
+          </a:p>
+          <a:p>
+            <a:pPr marL="0" indent="0">
+              <a:buNone/>
+            </a:pPr>
+            <a:r>
+              <a:rPr lang="en-US" altLang="ko-KR" sz="2000" dirty="0"/>
+              <a:t>5 .</a:t>
+            </a:r>
+            <a:r>
+              <a:rPr lang="ko-KR" altLang="en-US" sz="2000" dirty="0"/>
+              <a:t>개발환경 </a:t>
+            </a:r>
+            <a:r>
+              <a:rPr lang="en-US" altLang="ko-KR" sz="2000" dirty="0"/>
+              <a:t>……………………………………………………………........… 22p</a:t>
+            </a:r>
+          </a:p>
+          <a:p>
+            <a:pPr marL="0" indent="0">
+              <a:buNone/>
+            </a:pPr>
+            <a:endParaRPr lang="en-US" altLang="ko-KR" sz="2000" dirty="0"/>
+          </a:p>
+          <a:p>
+            <a:pPr marL="0" indent="0">
+              <a:buNone/>
+            </a:pPr>
+            <a:r>
+              <a:rPr lang="en-US" altLang="ko-KR" sz="2000" dirty="0"/>
+              <a:t>6. </a:t>
+            </a:r>
+            <a:r>
+              <a:rPr lang="ko-KR" altLang="en-US" sz="2000" dirty="0"/>
+              <a:t>개발일정 </a:t>
+            </a:r>
+            <a:r>
+              <a:rPr lang="en-US" altLang="ko-KR" sz="2000" dirty="0"/>
+              <a:t>…………………………………………………………….……… 23p</a:t>
+            </a:r>
+          </a:p>
+        </p:txBody>
+      </p:sp>
+      <p:sp>
+        <p:nvSpPr>
+          <p:cNvPr id="4" name="슬라이드 번호 개체 틀 3">
+            <a:extLst>
+              <a:ext uri="{FF2B5EF4-FFF2-40B4-BE49-F238E27FC236}">
+                <a16:creationId xmlns:a16="http://schemas.microsoft.com/office/drawing/2014/main" id="{403D6382-EB9C-A75D-9DBC-854D8F0B2912}"/>
+              </a:ext>
+            </a:extLst>
+          </p:cNvPr>
+          <p:cNvSpPr>
+            <a:spLocks noGrp="1"/>
+          </p:cNvSpPr>
+          <p:nvPr>
+            <p:ph type="sldNum" sz="quarter" idx="12"/>
+          </p:nvPr>
+        </p:nvSpPr>
+        <p:spPr>
+          <a:xfrm>
+            <a:off x="8610600" y="6356350"/>
+            <a:ext cx="2743200" cy="365125"/>
+          </a:xfrm>
+        </p:spPr>
+        <p:txBody>
           <a:bodyPr/>
           <a:lstStyle/>
           <a:p>
+            <a:fld id="{2F7F2206-C3AA-4D7A-AC99-58940E523BC8}" type="slidenum">
+              <a:rPr lang="ko-KR" altLang="en-US" smtClean="0"/>
+              <a:t>2</a:t>
+            </a:fld>
             <a:endParaRPr lang="ko-KR" altLang="en-US"/>
           </a:p>
         </p:txBody>
@@ -3726,6 +8275,848 @@
     <p:extLst>
       <p:ext uri="{BB962C8B-B14F-4D97-AF65-F5344CB8AC3E}">
         <p14:creationId xmlns:p14="http://schemas.microsoft.com/office/powerpoint/2010/main" val="3325771430"/>
+      </p:ext>
+    </p:extLst>
+  </p:cSld>
+  <p:clrMapOvr>
+    <a:masterClrMapping/>
+  </p:clrMapOvr>
+</p:sld>
+</file>
+
+<file path=ppt/slides/slide20.xml><?xml version="1.0" encoding="utf-8"?>
+<p:sld xmlns:a="http://schemas.openxmlformats.org/drawingml/2006/main" xmlns:r="http://schemas.openxmlformats.org/officeDocument/2006/relationships" xmlns:p="http://schemas.openxmlformats.org/presentationml/2006/main">
+  <p:cSld>
+    <p:spTree>
+      <p:nvGrpSpPr>
+        <p:cNvPr id="1" name=""/>
+        <p:cNvGrpSpPr/>
+        <p:nvPr/>
+      </p:nvGrpSpPr>
+      <p:grpSpPr>
+        <a:xfrm>
+          <a:off x="0" y="0"/>
+          <a:ext cx="0" cy="0"/>
+          <a:chOff x="0" y="0"/>
+          <a:chExt cx="0" cy="0"/>
+        </a:xfrm>
+      </p:grpSpPr>
+      <p:sp>
+        <p:nvSpPr>
+          <p:cNvPr id="2" name="제목 1">
+            <a:extLst>
+              <a:ext uri="{FF2B5EF4-FFF2-40B4-BE49-F238E27FC236}">
+                <a16:creationId xmlns:a16="http://schemas.microsoft.com/office/drawing/2014/main" id="{EEAB15AA-6B54-352C-BEFB-7ED0F526EAEB}"/>
+              </a:ext>
+            </a:extLst>
+          </p:cNvPr>
+          <p:cNvSpPr>
+            <a:spLocks noGrp="1"/>
+          </p:cNvSpPr>
+          <p:nvPr>
+            <p:ph type="title"/>
+          </p:nvPr>
+        </p:nvSpPr>
+        <p:spPr/>
+        <p:txBody>
+          <a:bodyPr/>
+          <a:lstStyle/>
+          <a:p>
+            <a:r>
+              <a:rPr lang="ko-KR" altLang="en-US" dirty="0"/>
+              <a:t>팀원 별 역할분담</a:t>
+            </a:r>
+          </a:p>
+        </p:txBody>
+      </p:sp>
+      <p:sp>
+        <p:nvSpPr>
+          <p:cNvPr id="4" name="슬라이드 번호 개체 틀 3">
+            <a:extLst>
+              <a:ext uri="{FF2B5EF4-FFF2-40B4-BE49-F238E27FC236}">
+                <a16:creationId xmlns:a16="http://schemas.microsoft.com/office/drawing/2014/main" id="{25AC3671-FFBA-0DBB-B928-9A5195165D86}"/>
+              </a:ext>
+            </a:extLst>
+          </p:cNvPr>
+          <p:cNvSpPr>
+            <a:spLocks noGrp="1"/>
+          </p:cNvSpPr>
+          <p:nvPr>
+            <p:ph type="sldNum" sz="quarter" idx="12"/>
+          </p:nvPr>
+        </p:nvSpPr>
+        <p:spPr>
+          <a:xfrm>
+            <a:off x="8610600" y="6356350"/>
+            <a:ext cx="2743200" cy="365125"/>
+          </a:xfrm>
+        </p:spPr>
+        <p:txBody>
+          <a:bodyPr/>
+          <a:lstStyle/>
+          <a:p>
+            <a:fld id="{2F7F2206-C3AA-4D7A-AC99-58940E523BC8}" type="slidenum">
+              <a:rPr lang="ko-KR" altLang="en-US" smtClean="0"/>
+              <a:t>20</a:t>
+            </a:fld>
+            <a:endParaRPr lang="ko-KR" altLang="en-US"/>
+          </a:p>
+        </p:txBody>
+      </p:sp>
+      <p:sp>
+        <p:nvSpPr>
+          <p:cNvPr id="8" name="내용 개체 틀 7">
+            <a:extLst>
+              <a:ext uri="{FF2B5EF4-FFF2-40B4-BE49-F238E27FC236}">
+                <a16:creationId xmlns:a16="http://schemas.microsoft.com/office/drawing/2014/main" id="{DB19793E-9142-3222-4728-9A00A2D3B62D}"/>
+              </a:ext>
+            </a:extLst>
+          </p:cNvPr>
+          <p:cNvSpPr>
+            <a:spLocks noGrp="1"/>
+          </p:cNvSpPr>
+          <p:nvPr>
+            <p:ph idx="1"/>
+          </p:nvPr>
+        </p:nvSpPr>
+        <p:spPr/>
+        <p:txBody>
+          <a:bodyPr>
+            <a:normAutofit/>
+          </a:bodyPr>
+          <a:lstStyle/>
+          <a:p>
+            <a:r>
+              <a:rPr lang="en-US" altLang="ko-KR" dirty="0"/>
+              <a:t>class </a:t>
+            </a:r>
+            <a:r>
+              <a:rPr lang="en-US" altLang="ko-KR" dirty="0" err="1"/>
+              <a:t>GameObject</a:t>
+            </a:r>
+            <a:r>
+              <a:rPr lang="en-US" altLang="ko-KR" dirty="0"/>
+              <a:t>			-B</a:t>
+            </a:r>
+          </a:p>
+          <a:p>
+            <a:pPr lvl="1"/>
+            <a:r>
+              <a:rPr lang="en-US" altLang="ko-KR" dirty="0"/>
+              <a:t>class Creature : </a:t>
+            </a:r>
+            <a:r>
+              <a:rPr lang="en-US" altLang="ko-KR" dirty="0" err="1"/>
+              <a:t>GameObject</a:t>
+            </a:r>
+            <a:r>
+              <a:rPr lang="en-US" altLang="ko-KR" dirty="0"/>
+              <a:t>	-B</a:t>
+            </a:r>
+          </a:p>
+          <a:p>
+            <a:pPr lvl="2"/>
+            <a:r>
+              <a:rPr lang="en-US" altLang="ko-KR" dirty="0"/>
+              <a:t>class Player : Creature		-B</a:t>
+            </a:r>
+          </a:p>
+          <a:p>
+            <a:pPr lvl="2"/>
+            <a:r>
+              <a:rPr lang="en-US" altLang="ko-KR" dirty="0"/>
+              <a:t>class Enemy : Creature		-A</a:t>
+            </a:r>
+          </a:p>
+          <a:p>
+            <a:pPr lvl="1"/>
+            <a:r>
+              <a:rPr lang="en-US" altLang="ko-KR" dirty="0"/>
+              <a:t>class </a:t>
+            </a:r>
+            <a:r>
+              <a:rPr lang="en-US" altLang="ko-KR" dirty="0" err="1"/>
+              <a:t>MapObject</a:t>
+            </a:r>
+            <a:r>
+              <a:rPr lang="en-US" altLang="ko-KR" dirty="0"/>
+              <a:t> : </a:t>
+            </a:r>
+            <a:r>
+              <a:rPr lang="en-US" altLang="ko-KR" dirty="0" err="1"/>
+              <a:t>GameObject</a:t>
+            </a:r>
+            <a:r>
+              <a:rPr lang="en-US" altLang="ko-KR" dirty="0"/>
+              <a:t>	-B</a:t>
+            </a:r>
+          </a:p>
+          <a:p>
+            <a:pPr lvl="1"/>
+            <a:r>
+              <a:rPr lang="en-US" altLang="ko-KR" dirty="0"/>
+              <a:t>class Projectile : </a:t>
+            </a:r>
+            <a:r>
+              <a:rPr lang="en-US" altLang="ko-KR" dirty="0" err="1"/>
+              <a:t>GameObject</a:t>
+            </a:r>
+            <a:r>
+              <a:rPr lang="en-US" altLang="ko-KR" dirty="0"/>
+              <a:t>	-A</a:t>
+            </a:r>
+          </a:p>
+          <a:p>
+            <a:pPr lvl="1"/>
+            <a:endParaRPr lang="en-US" altLang="ko-KR" dirty="0"/>
+          </a:p>
+          <a:p>
+            <a:pPr lvl="1"/>
+            <a:endParaRPr lang="en-US" altLang="ko-KR" dirty="0"/>
+          </a:p>
+          <a:p>
+            <a:pPr marL="0" indent="0">
+              <a:buNone/>
+            </a:pPr>
+            <a:r>
+              <a:rPr lang="en-US" altLang="ko-KR" dirty="0"/>
+              <a:t>A : </a:t>
+            </a:r>
+            <a:r>
+              <a:rPr lang="ko-KR" altLang="en-US" dirty="0"/>
+              <a:t>류연우</a:t>
+            </a:r>
+            <a:endParaRPr lang="en-US" altLang="ko-KR" dirty="0"/>
+          </a:p>
+          <a:p>
+            <a:pPr marL="0" indent="0">
+              <a:buNone/>
+            </a:pPr>
+            <a:r>
+              <a:rPr lang="en-US" altLang="ko-KR" dirty="0"/>
+              <a:t>B : </a:t>
+            </a:r>
+            <a:r>
+              <a:rPr lang="ko-KR" altLang="en-US" dirty="0" err="1"/>
+              <a:t>박기정</a:t>
+            </a:r>
+            <a:endParaRPr lang="en-US" altLang="ko-KR" dirty="0"/>
+          </a:p>
+        </p:txBody>
+      </p:sp>
+    </p:spTree>
+    <p:extLst>
+      <p:ext uri="{BB962C8B-B14F-4D97-AF65-F5344CB8AC3E}">
+        <p14:creationId xmlns:p14="http://schemas.microsoft.com/office/powerpoint/2010/main" val="4173059141"/>
+      </p:ext>
+    </p:extLst>
+  </p:cSld>
+  <p:clrMapOvr>
+    <a:masterClrMapping/>
+  </p:clrMapOvr>
+</p:sld>
+</file>
+
+<file path=ppt/slides/slide21.xml><?xml version="1.0" encoding="utf-8"?>
+<p:sld xmlns:a="http://schemas.openxmlformats.org/drawingml/2006/main" xmlns:r="http://schemas.openxmlformats.org/officeDocument/2006/relationships" xmlns:p="http://schemas.openxmlformats.org/presentationml/2006/main">
+  <p:cSld>
+    <p:spTree>
+      <p:nvGrpSpPr>
+        <p:cNvPr id="1" name=""/>
+        <p:cNvGrpSpPr/>
+        <p:nvPr/>
+      </p:nvGrpSpPr>
+      <p:grpSpPr>
+        <a:xfrm>
+          <a:off x="0" y="0"/>
+          <a:ext cx="0" cy="0"/>
+          <a:chOff x="0" y="0"/>
+          <a:chExt cx="0" cy="0"/>
+        </a:xfrm>
+      </p:grpSpPr>
+      <p:sp>
+        <p:nvSpPr>
+          <p:cNvPr id="2" name="제목 1">
+            <a:extLst>
+              <a:ext uri="{FF2B5EF4-FFF2-40B4-BE49-F238E27FC236}">
+                <a16:creationId xmlns:a16="http://schemas.microsoft.com/office/drawing/2014/main" id="{EEAB15AA-6B54-352C-BEFB-7ED0F526EAEB}"/>
+              </a:ext>
+            </a:extLst>
+          </p:cNvPr>
+          <p:cNvSpPr>
+            <a:spLocks noGrp="1"/>
+          </p:cNvSpPr>
+          <p:nvPr>
+            <p:ph type="title"/>
+          </p:nvPr>
+        </p:nvSpPr>
+        <p:spPr/>
+        <p:txBody>
+          <a:bodyPr/>
+          <a:lstStyle/>
+          <a:p>
+            <a:r>
+              <a:rPr lang="ko-KR" altLang="en-US" dirty="0"/>
+              <a:t>팀원 별 역할분담</a:t>
+            </a:r>
+          </a:p>
+        </p:txBody>
+      </p:sp>
+      <p:sp>
+        <p:nvSpPr>
+          <p:cNvPr id="4" name="슬라이드 번호 개체 틀 3">
+            <a:extLst>
+              <a:ext uri="{FF2B5EF4-FFF2-40B4-BE49-F238E27FC236}">
+                <a16:creationId xmlns:a16="http://schemas.microsoft.com/office/drawing/2014/main" id="{25AC3671-FFBA-0DBB-B928-9A5195165D86}"/>
+              </a:ext>
+            </a:extLst>
+          </p:cNvPr>
+          <p:cNvSpPr>
+            <a:spLocks noGrp="1"/>
+          </p:cNvSpPr>
+          <p:nvPr>
+            <p:ph type="sldNum" sz="quarter" idx="12"/>
+          </p:nvPr>
+        </p:nvSpPr>
+        <p:spPr>
+          <a:xfrm>
+            <a:off x="8610600" y="6356350"/>
+            <a:ext cx="2743200" cy="365125"/>
+          </a:xfrm>
+        </p:spPr>
+        <p:txBody>
+          <a:bodyPr/>
+          <a:lstStyle/>
+          <a:p>
+            <a:fld id="{2F7F2206-C3AA-4D7A-AC99-58940E523BC8}" type="slidenum">
+              <a:rPr lang="ko-KR" altLang="en-US" smtClean="0"/>
+              <a:t>21</a:t>
+            </a:fld>
+            <a:endParaRPr lang="ko-KR" altLang="en-US"/>
+          </a:p>
+        </p:txBody>
+      </p:sp>
+      <p:sp>
+        <p:nvSpPr>
+          <p:cNvPr id="8" name="내용 개체 틀 7">
+            <a:extLst>
+              <a:ext uri="{FF2B5EF4-FFF2-40B4-BE49-F238E27FC236}">
+                <a16:creationId xmlns:a16="http://schemas.microsoft.com/office/drawing/2014/main" id="{DB19793E-9142-3222-4728-9A00A2D3B62D}"/>
+              </a:ext>
+            </a:extLst>
+          </p:cNvPr>
+          <p:cNvSpPr>
+            <a:spLocks noGrp="1"/>
+          </p:cNvSpPr>
+          <p:nvPr>
+            <p:ph idx="1"/>
+          </p:nvPr>
+        </p:nvSpPr>
+        <p:spPr/>
+        <p:txBody>
+          <a:bodyPr>
+            <a:normAutofit fontScale="92500" lnSpcReduction="20000"/>
+          </a:bodyPr>
+          <a:lstStyle/>
+          <a:p>
+            <a:r>
+              <a:rPr lang="ko-KR" altLang="en-US" dirty="0"/>
+              <a:t>플레이어 접속부분</a:t>
+            </a:r>
+            <a:r>
+              <a:rPr lang="en-US" altLang="ko-KR" dirty="0"/>
+              <a:t>			-A</a:t>
+            </a:r>
+          </a:p>
+          <a:p>
+            <a:pPr lvl="1"/>
+            <a:r>
+              <a:rPr lang="en-US" altLang="ko-KR" dirty="0"/>
+              <a:t>Client Main()				-A</a:t>
+            </a:r>
+          </a:p>
+          <a:p>
+            <a:pPr lvl="1"/>
+            <a:r>
+              <a:rPr lang="en-US" altLang="ko-KR" dirty="0"/>
+              <a:t>Server Main()				-A</a:t>
+            </a:r>
+          </a:p>
+          <a:p>
+            <a:pPr lvl="1"/>
+            <a:r>
+              <a:rPr lang="en-US" altLang="ko-KR" dirty="0"/>
+              <a:t>class </a:t>
+            </a:r>
+            <a:r>
+              <a:rPr lang="en-US" altLang="ko-KR" dirty="0" err="1"/>
+              <a:t>PlayerManager</a:t>
+            </a:r>
+            <a:r>
+              <a:rPr lang="en-US" altLang="ko-KR" dirty="0"/>
+              <a:t>			-A</a:t>
+            </a:r>
+          </a:p>
+          <a:p>
+            <a:r>
+              <a:rPr lang="en-US" altLang="ko-KR" dirty="0" err="1"/>
+              <a:t>ObjectData</a:t>
+            </a:r>
+            <a:r>
+              <a:rPr lang="en-US" altLang="ko-KR" dirty="0"/>
+              <a:t> </a:t>
+            </a:r>
+            <a:r>
+              <a:rPr lang="ko-KR" altLang="en-US" dirty="0"/>
+              <a:t>통신 부분</a:t>
+            </a:r>
+            <a:r>
+              <a:rPr lang="en-US" altLang="ko-KR" dirty="0"/>
+              <a:t>			-B</a:t>
+            </a:r>
+          </a:p>
+          <a:p>
+            <a:pPr lvl="1"/>
+            <a:r>
+              <a:rPr lang="en-US" altLang="ko-KR" dirty="0"/>
+              <a:t>class Game				-B</a:t>
+            </a:r>
+          </a:p>
+          <a:p>
+            <a:pPr lvl="1"/>
+            <a:r>
+              <a:rPr lang="en-US" altLang="ko-KR" dirty="0"/>
+              <a:t>class </a:t>
+            </a:r>
+            <a:r>
+              <a:rPr lang="en-US" altLang="ko-KR" dirty="0" err="1"/>
+              <a:t>GameObjectManager</a:t>
+            </a:r>
+            <a:r>
+              <a:rPr lang="en-US" altLang="ko-KR" dirty="0"/>
+              <a:t>		-B</a:t>
+            </a:r>
+          </a:p>
+          <a:p>
+            <a:r>
+              <a:rPr lang="en-US" altLang="ko-KR" dirty="0" err="1"/>
+              <a:t>KeyData</a:t>
+            </a:r>
+            <a:r>
+              <a:rPr lang="en-US" altLang="ko-KR" dirty="0"/>
+              <a:t> </a:t>
+            </a:r>
+            <a:r>
+              <a:rPr lang="ko-KR" altLang="en-US" dirty="0"/>
+              <a:t>통신 부분 </a:t>
+            </a:r>
+            <a:r>
+              <a:rPr lang="en-US" altLang="ko-KR" dirty="0"/>
+              <a:t>			-A</a:t>
+            </a:r>
+          </a:p>
+          <a:p>
+            <a:pPr lvl="1"/>
+            <a:r>
+              <a:rPr lang="en-US" altLang="ko-KR" dirty="0"/>
+              <a:t>class </a:t>
+            </a:r>
+            <a:r>
+              <a:rPr lang="en-US" altLang="ko-KR" dirty="0" err="1"/>
+              <a:t>KeyBoardManager</a:t>
+            </a:r>
+            <a:r>
+              <a:rPr lang="en-US" altLang="ko-KR" dirty="0"/>
+              <a:t>		-A</a:t>
+            </a:r>
+            <a:br>
+              <a:rPr lang="en-US" altLang="ko-KR" dirty="0"/>
+            </a:br>
+            <a:endParaRPr lang="en-US" altLang="ko-KR" dirty="0"/>
+          </a:p>
+          <a:p>
+            <a:pPr marL="0" indent="0">
+              <a:buNone/>
+            </a:pPr>
+            <a:r>
+              <a:rPr lang="en-US" altLang="ko-KR" dirty="0"/>
+              <a:t>A : </a:t>
+            </a:r>
+            <a:r>
+              <a:rPr lang="ko-KR" altLang="en-US" dirty="0"/>
+              <a:t>류연우</a:t>
+            </a:r>
+            <a:endParaRPr lang="en-US" altLang="ko-KR" dirty="0"/>
+          </a:p>
+          <a:p>
+            <a:pPr marL="0" indent="0">
+              <a:buNone/>
+            </a:pPr>
+            <a:r>
+              <a:rPr lang="en-US" altLang="ko-KR" dirty="0"/>
+              <a:t>B : </a:t>
+            </a:r>
+            <a:r>
+              <a:rPr lang="ko-KR" altLang="en-US" dirty="0" err="1"/>
+              <a:t>박기정</a:t>
+            </a:r>
+            <a:endParaRPr lang="en-US" altLang="ko-KR" dirty="0"/>
+          </a:p>
+          <a:p>
+            <a:pPr marL="0" indent="0">
+              <a:buNone/>
+            </a:pPr>
+            <a:endParaRPr lang="en-US" altLang="ko-KR" dirty="0"/>
+          </a:p>
+          <a:p>
+            <a:pPr lvl="1"/>
+            <a:endParaRPr lang="en-US" altLang="ko-KR" dirty="0"/>
+          </a:p>
+        </p:txBody>
+      </p:sp>
+    </p:spTree>
+    <p:extLst>
+      <p:ext uri="{BB962C8B-B14F-4D97-AF65-F5344CB8AC3E}">
+        <p14:creationId xmlns:p14="http://schemas.microsoft.com/office/powerpoint/2010/main" val="820637651"/>
+      </p:ext>
+    </p:extLst>
+  </p:cSld>
+  <p:clrMapOvr>
+    <a:masterClrMapping/>
+  </p:clrMapOvr>
+</p:sld>
+</file>
+
+<file path=ppt/slides/slide22.xml><?xml version="1.0" encoding="utf-8"?>
+<p:sld xmlns:a="http://schemas.openxmlformats.org/drawingml/2006/main" xmlns:r="http://schemas.openxmlformats.org/officeDocument/2006/relationships" xmlns:p="http://schemas.openxmlformats.org/presentationml/2006/main">
+  <p:cSld>
+    <p:spTree>
+      <p:nvGrpSpPr>
+        <p:cNvPr id="1" name=""/>
+        <p:cNvGrpSpPr/>
+        <p:nvPr/>
+      </p:nvGrpSpPr>
+      <p:grpSpPr>
+        <a:xfrm>
+          <a:off x="0" y="0"/>
+          <a:ext cx="0" cy="0"/>
+          <a:chOff x="0" y="0"/>
+          <a:chExt cx="0" cy="0"/>
+        </a:xfrm>
+      </p:grpSpPr>
+      <p:sp>
+        <p:nvSpPr>
+          <p:cNvPr id="2" name="제목 1">
+            <a:extLst>
+              <a:ext uri="{FF2B5EF4-FFF2-40B4-BE49-F238E27FC236}">
+                <a16:creationId xmlns:a16="http://schemas.microsoft.com/office/drawing/2014/main" id="{E249A6F7-B6AC-B8BA-A1B6-955E011B8817}"/>
+              </a:ext>
+            </a:extLst>
+          </p:cNvPr>
+          <p:cNvSpPr>
+            <a:spLocks noGrp="1"/>
+          </p:cNvSpPr>
+          <p:nvPr>
+            <p:ph type="title"/>
+          </p:nvPr>
+        </p:nvSpPr>
+        <p:spPr/>
+        <p:txBody>
+          <a:bodyPr/>
+          <a:lstStyle/>
+          <a:p>
+            <a:r>
+              <a:rPr lang="ko-KR" altLang="en-US" dirty="0"/>
+              <a:t>개발환경</a:t>
+            </a:r>
+          </a:p>
+        </p:txBody>
+      </p:sp>
+      <p:sp>
+        <p:nvSpPr>
+          <p:cNvPr id="3" name="내용 개체 틀 2">
+            <a:extLst>
+              <a:ext uri="{FF2B5EF4-FFF2-40B4-BE49-F238E27FC236}">
+                <a16:creationId xmlns:a16="http://schemas.microsoft.com/office/drawing/2014/main" id="{BA8B92A0-C6DC-D405-93E8-F83FB72ED344}"/>
+              </a:ext>
+            </a:extLst>
+          </p:cNvPr>
+          <p:cNvSpPr>
+            <a:spLocks noGrp="1"/>
+          </p:cNvSpPr>
+          <p:nvPr>
+            <p:ph idx="1"/>
+          </p:nvPr>
+        </p:nvSpPr>
+        <p:spPr/>
+        <p:txBody>
+          <a:bodyPr>
+            <a:normAutofit fontScale="77500" lnSpcReduction="20000"/>
+          </a:bodyPr>
+          <a:lstStyle/>
+          <a:p>
+            <a:r>
+              <a:rPr lang="ko-KR" altLang="en-US" dirty="0"/>
+              <a:t>류연우</a:t>
+            </a:r>
+            <a:endParaRPr lang="en-US" altLang="ko-KR" dirty="0"/>
+          </a:p>
+          <a:p>
+            <a:r>
+              <a:rPr lang="en-US" altLang="ko-KR" dirty="0"/>
+              <a:t>IDE : Visual Studio 2022</a:t>
+            </a:r>
+          </a:p>
+          <a:p>
+            <a:r>
+              <a:rPr lang="en-US" altLang="ko-KR" dirty="0"/>
+              <a:t>CPU : Intel Core i7-11370H</a:t>
+            </a:r>
+          </a:p>
+          <a:p>
+            <a:r>
+              <a:rPr lang="en-US" altLang="ko-KR" dirty="0"/>
+              <a:t>RAM : 40GB</a:t>
+            </a:r>
+          </a:p>
+          <a:p>
+            <a:r>
+              <a:rPr lang="en-US" altLang="ko-KR" dirty="0"/>
+              <a:t>GPU</a:t>
+            </a:r>
+            <a:r>
+              <a:rPr lang="ko-KR" altLang="en-US" dirty="0"/>
+              <a:t> </a:t>
+            </a:r>
+            <a:r>
+              <a:rPr lang="en-US" altLang="ko-KR" dirty="0"/>
+              <a:t>:</a:t>
+            </a:r>
+            <a:r>
+              <a:rPr lang="ko-KR" altLang="en-US" dirty="0"/>
+              <a:t> </a:t>
+            </a:r>
+            <a:r>
+              <a:rPr lang="en-US" altLang="ko-KR" dirty="0"/>
+              <a:t>NVIDIA GeForce RTX 3070 Laptop GPU 8GB</a:t>
+            </a:r>
+          </a:p>
+          <a:p>
+            <a:endParaRPr lang="en-US" altLang="ko-KR" dirty="0"/>
+          </a:p>
+          <a:p>
+            <a:endParaRPr lang="en-US" altLang="ko-KR" dirty="0"/>
+          </a:p>
+          <a:p>
+            <a:r>
+              <a:rPr lang="ko-KR" altLang="en-US" dirty="0" err="1"/>
+              <a:t>박기정</a:t>
+            </a:r>
+            <a:endParaRPr lang="en-US" altLang="ko-KR" dirty="0"/>
+          </a:p>
+          <a:p>
+            <a:r>
+              <a:rPr lang="en-US" altLang="ko-KR" dirty="0"/>
+              <a:t>IDE : Visual Studio 2019</a:t>
+            </a:r>
+          </a:p>
+          <a:p>
+            <a:r>
+              <a:rPr lang="en-US" altLang="ko-KR" dirty="0"/>
+              <a:t>CPU : Ryzen 9 5900HX</a:t>
+            </a:r>
+          </a:p>
+          <a:p>
+            <a:r>
+              <a:rPr lang="en-US" altLang="ko-KR" dirty="0"/>
+              <a:t>RAM : 32GB</a:t>
+            </a:r>
+          </a:p>
+          <a:p>
+            <a:r>
+              <a:rPr lang="en-US" altLang="ko-KR" dirty="0"/>
+              <a:t>GPU</a:t>
+            </a:r>
+            <a:r>
+              <a:rPr lang="ko-KR" altLang="en-US" dirty="0"/>
+              <a:t> </a:t>
+            </a:r>
+            <a:r>
+              <a:rPr lang="en-US" altLang="ko-KR" dirty="0"/>
+              <a:t>:</a:t>
+            </a:r>
+            <a:r>
+              <a:rPr lang="ko-KR" altLang="en-US" dirty="0"/>
+              <a:t> </a:t>
+            </a:r>
+            <a:r>
+              <a:rPr lang="en-US" altLang="ko-KR" dirty="0"/>
+              <a:t>NVIDIA GeForce RTX 3070 Laptop GPU 8GB</a:t>
+            </a:r>
+          </a:p>
+          <a:p>
+            <a:endParaRPr lang="en-US" altLang="ko-KR" dirty="0"/>
+          </a:p>
+          <a:p>
+            <a:endParaRPr lang="ko-KR" altLang="en-US" dirty="0"/>
+          </a:p>
+        </p:txBody>
+      </p:sp>
+      <p:sp>
+        <p:nvSpPr>
+          <p:cNvPr id="4" name="슬라이드 번호 개체 틀 3">
+            <a:extLst>
+              <a:ext uri="{FF2B5EF4-FFF2-40B4-BE49-F238E27FC236}">
+                <a16:creationId xmlns:a16="http://schemas.microsoft.com/office/drawing/2014/main" id="{D2A5F86E-3E7B-165F-E3F7-F57662CA2CF5}"/>
+              </a:ext>
+            </a:extLst>
+          </p:cNvPr>
+          <p:cNvSpPr>
+            <a:spLocks noGrp="1"/>
+          </p:cNvSpPr>
+          <p:nvPr>
+            <p:ph type="sldNum" sz="quarter" idx="12"/>
+          </p:nvPr>
+        </p:nvSpPr>
+        <p:spPr>
+          <a:xfrm>
+            <a:off x="8610600" y="6356350"/>
+            <a:ext cx="2743200" cy="365125"/>
+          </a:xfrm>
+        </p:spPr>
+        <p:txBody>
+          <a:bodyPr/>
+          <a:lstStyle/>
+          <a:p>
+            <a:fld id="{2F7F2206-C3AA-4D7A-AC99-58940E523BC8}" type="slidenum">
+              <a:rPr lang="ko-KR" altLang="en-US" smtClean="0"/>
+              <a:t>22</a:t>
+            </a:fld>
+            <a:endParaRPr lang="ko-KR" altLang="en-US"/>
+          </a:p>
+        </p:txBody>
+      </p:sp>
+    </p:spTree>
+    <p:extLst>
+      <p:ext uri="{BB962C8B-B14F-4D97-AF65-F5344CB8AC3E}">
+        <p14:creationId xmlns:p14="http://schemas.microsoft.com/office/powerpoint/2010/main" val="3410067479"/>
+      </p:ext>
+    </p:extLst>
+  </p:cSld>
+  <p:clrMapOvr>
+    <a:masterClrMapping/>
+  </p:clrMapOvr>
+</p:sld>
+</file>
+
+<file path=ppt/slides/slide23.xml><?xml version="1.0" encoding="utf-8"?>
+<p:sld xmlns:a="http://schemas.openxmlformats.org/drawingml/2006/main" xmlns:r="http://schemas.openxmlformats.org/officeDocument/2006/relationships" xmlns:p="http://schemas.openxmlformats.org/presentationml/2006/main">
+  <p:cSld>
+    <p:spTree>
+      <p:nvGrpSpPr>
+        <p:cNvPr id="1" name=""/>
+        <p:cNvGrpSpPr/>
+        <p:nvPr/>
+      </p:nvGrpSpPr>
+      <p:grpSpPr>
+        <a:xfrm>
+          <a:off x="0" y="0"/>
+          <a:ext cx="0" cy="0"/>
+          <a:chOff x="0" y="0"/>
+          <a:chExt cx="0" cy="0"/>
+        </a:xfrm>
+      </p:grpSpPr>
+      <p:sp>
+        <p:nvSpPr>
+          <p:cNvPr id="2" name="제목 1">
+            <a:extLst>
+              <a:ext uri="{FF2B5EF4-FFF2-40B4-BE49-F238E27FC236}">
+                <a16:creationId xmlns:a16="http://schemas.microsoft.com/office/drawing/2014/main" id="{D8277C97-48DF-7F22-C21A-0883DEBFD964}"/>
+              </a:ext>
+            </a:extLst>
+          </p:cNvPr>
+          <p:cNvSpPr>
+            <a:spLocks noGrp="1"/>
+          </p:cNvSpPr>
+          <p:nvPr>
+            <p:ph type="title"/>
+          </p:nvPr>
+        </p:nvSpPr>
+        <p:spPr/>
+        <p:txBody>
+          <a:bodyPr/>
+          <a:lstStyle/>
+          <a:p>
+            <a:r>
+              <a:rPr lang="ko-KR" altLang="en-US" dirty="0"/>
+              <a:t>개발일정</a:t>
+            </a:r>
+          </a:p>
+        </p:txBody>
+      </p:sp>
+      <p:sp>
+        <p:nvSpPr>
+          <p:cNvPr id="3" name="내용 개체 틀 2">
+            <a:extLst>
+              <a:ext uri="{FF2B5EF4-FFF2-40B4-BE49-F238E27FC236}">
+                <a16:creationId xmlns:a16="http://schemas.microsoft.com/office/drawing/2014/main" id="{CC916D45-F3B9-7328-33A2-01BE1AF7BEE2}"/>
+              </a:ext>
+            </a:extLst>
+          </p:cNvPr>
+          <p:cNvSpPr>
+            <a:spLocks noGrp="1"/>
+          </p:cNvSpPr>
+          <p:nvPr>
+            <p:ph idx="1"/>
+          </p:nvPr>
+        </p:nvSpPr>
+        <p:spPr/>
+        <p:txBody>
+          <a:bodyPr/>
+          <a:lstStyle/>
+          <a:p>
+            <a:endParaRPr lang="ko-KR" altLang="en-US"/>
+          </a:p>
+        </p:txBody>
+      </p:sp>
+      <p:sp>
+        <p:nvSpPr>
+          <p:cNvPr id="4" name="슬라이드 번호 개체 틀 3">
+            <a:extLst>
+              <a:ext uri="{FF2B5EF4-FFF2-40B4-BE49-F238E27FC236}">
+                <a16:creationId xmlns:a16="http://schemas.microsoft.com/office/drawing/2014/main" id="{66602499-85B0-38C0-5BD3-B0F1D2B14B8F}"/>
+              </a:ext>
+            </a:extLst>
+          </p:cNvPr>
+          <p:cNvSpPr>
+            <a:spLocks noGrp="1"/>
+          </p:cNvSpPr>
+          <p:nvPr>
+            <p:ph type="sldNum" sz="quarter" idx="12"/>
+          </p:nvPr>
+        </p:nvSpPr>
+        <p:spPr>
+          <a:xfrm>
+            <a:off x="8610600" y="6356350"/>
+            <a:ext cx="2743200" cy="365125"/>
+          </a:xfrm>
+        </p:spPr>
+        <p:txBody>
+          <a:bodyPr/>
+          <a:lstStyle/>
+          <a:p>
+            <a:fld id="{2F7F2206-C3AA-4D7A-AC99-58940E523BC8}" type="slidenum">
+              <a:rPr lang="ko-KR" altLang="en-US" smtClean="0"/>
+              <a:t>23</a:t>
+            </a:fld>
+            <a:endParaRPr lang="ko-KR" altLang="en-US"/>
+          </a:p>
+        </p:txBody>
+      </p:sp>
+    </p:spTree>
+    <p:extLst>
+      <p:ext uri="{BB962C8B-B14F-4D97-AF65-F5344CB8AC3E}">
+        <p14:creationId xmlns:p14="http://schemas.microsoft.com/office/powerpoint/2010/main" val="2814066124"/>
       </p:ext>
     </p:extLst>
   </p:cSld>
@@ -3798,9 +9189,234 @@
         </p:nvSpPr>
         <p:spPr/>
         <p:txBody>
+          <a:bodyPr>
+            <a:noAutofit/>
+          </a:bodyPr>
+          <a:lstStyle/>
+          <a:p>
+            <a:r>
+              <a:rPr lang="ko-KR" altLang="en-US" sz="1200" dirty="0" err="1"/>
+              <a:t>박기정이</a:t>
+            </a:r>
+            <a:r>
+              <a:rPr lang="ko-KR" altLang="en-US" sz="1200" dirty="0"/>
+              <a:t> </a:t>
+            </a:r>
+            <a:r>
+              <a:rPr lang="en-US" altLang="ko-KR" sz="1200" dirty="0"/>
+              <a:t>2</a:t>
+            </a:r>
+            <a:r>
+              <a:rPr lang="ko-KR" altLang="en-US" sz="1200" dirty="0" err="1"/>
+              <a:t>학년때</a:t>
+            </a:r>
+            <a:r>
+              <a:rPr lang="ko-KR" altLang="en-US" sz="1200" dirty="0"/>
+              <a:t> 윈도우프로그래밍 수업에서 만든 게임을 사용하여 만드는 온라인 멀티 게임</a:t>
+            </a:r>
+            <a:endParaRPr lang="en-US" altLang="ko-KR" sz="1200" dirty="0"/>
+          </a:p>
+          <a:p>
+            <a:endParaRPr lang="en-US" altLang="ko-KR" sz="1200" dirty="0"/>
+          </a:p>
+          <a:p>
+            <a:r>
+              <a:rPr lang="ko-KR" altLang="en-US" sz="1200" dirty="0"/>
+              <a:t>사용 언어		</a:t>
+            </a:r>
+            <a:r>
+              <a:rPr lang="en-US" altLang="ko-KR" sz="1200" dirty="0"/>
+              <a:t>C+</a:t>
+            </a:r>
+          </a:p>
+          <a:p>
+            <a:r>
+              <a:rPr lang="ko-KR" altLang="en-US" sz="1200" dirty="0"/>
+              <a:t>사용 </a:t>
+            </a:r>
+            <a:r>
+              <a:rPr lang="en-US" altLang="ko-KR" sz="1200" dirty="0"/>
+              <a:t>API(?)	</a:t>
+            </a:r>
+            <a:r>
+              <a:rPr lang="ko-KR" altLang="en-US" sz="1200" dirty="0"/>
+              <a:t>윈도우 </a:t>
+            </a:r>
+            <a:r>
+              <a:rPr lang="en-US" altLang="ko-KR" sz="1200" dirty="0"/>
+              <a:t>API</a:t>
+            </a:r>
+          </a:p>
+          <a:p>
+            <a:r>
+              <a:rPr lang="ko-KR" altLang="en-US" sz="1200" dirty="0"/>
+              <a:t>이미지		</a:t>
+            </a:r>
+            <a:r>
+              <a:rPr lang="en-US" altLang="ko-KR" sz="1200" dirty="0"/>
+              <a:t>.</a:t>
+            </a:r>
+            <a:r>
+              <a:rPr lang="en-US" altLang="ko-KR" sz="1200" dirty="0" err="1"/>
+              <a:t>png</a:t>
+            </a:r>
+            <a:r>
+              <a:rPr lang="en-US" altLang="ko-KR" sz="1200" dirty="0"/>
+              <a:t>, .bitmap</a:t>
+            </a:r>
+          </a:p>
+          <a:p>
+            <a:r>
+              <a:rPr lang="ko-KR" altLang="en-US" sz="1200" dirty="0"/>
+              <a:t>사운드		</a:t>
+            </a:r>
+            <a:r>
+              <a:rPr lang="en-US" altLang="ko-KR" sz="1200" dirty="0"/>
+              <a:t>.mp3</a:t>
+            </a:r>
+          </a:p>
+          <a:p>
+            <a:r>
+              <a:rPr lang="ko-KR" altLang="en-US" sz="1200" dirty="0"/>
+              <a:t>장르		</a:t>
+            </a:r>
+            <a:r>
+              <a:rPr lang="en-US" altLang="ko-KR" sz="1200" dirty="0"/>
+              <a:t>2D</a:t>
+            </a:r>
+            <a:r>
+              <a:rPr lang="ko-KR" altLang="en-US" sz="1200" dirty="0" err="1"/>
+              <a:t>횡스크롤</a:t>
+            </a:r>
+            <a:r>
+              <a:rPr lang="ko-KR" altLang="en-US" sz="1200" dirty="0"/>
+              <a:t> </a:t>
+            </a:r>
+            <a:r>
+              <a:rPr lang="en-US" altLang="ko-KR" sz="1200" dirty="0"/>
+              <a:t>RPG</a:t>
+            </a:r>
+          </a:p>
+          <a:p>
+            <a:endParaRPr lang="en-US" altLang="ko-KR" sz="1200" dirty="0"/>
+          </a:p>
+          <a:p>
+            <a:r>
+              <a:rPr lang="ko-KR" altLang="en-US" sz="1200" dirty="0"/>
+              <a:t>같은 게임을 하고 있는 플레이어간 동기화를 위해 </a:t>
+            </a:r>
+            <a:r>
+              <a:rPr lang="en-US" altLang="ko-KR" sz="1200" dirty="0"/>
+              <a:t>Server</a:t>
+            </a:r>
+            <a:r>
+              <a:rPr lang="ko-KR" altLang="en-US" sz="1200" dirty="0"/>
+              <a:t>에서 업데이트를 하고 출력해야 할 정보를 </a:t>
+            </a:r>
+            <a:r>
+              <a:rPr lang="en-US" altLang="ko-KR" sz="1200" dirty="0"/>
+              <a:t>Client</a:t>
+            </a:r>
+            <a:r>
+              <a:rPr lang="ko-KR" altLang="en-US" sz="1200" dirty="0"/>
+              <a:t>에게 전송한다</a:t>
+            </a:r>
+            <a:r>
+              <a:rPr lang="en-US" altLang="ko-KR" sz="1200" dirty="0"/>
+              <a:t>.</a:t>
+            </a:r>
+          </a:p>
+          <a:p>
+            <a:r>
+              <a:rPr lang="en-US" altLang="ko-KR" sz="1200" dirty="0"/>
+              <a:t>Server</a:t>
+            </a:r>
+            <a:r>
+              <a:rPr lang="ko-KR" altLang="en-US" sz="1200" dirty="0"/>
+              <a:t>의 </a:t>
+            </a:r>
+            <a:r>
+              <a:rPr lang="en-US" altLang="ko-KR" sz="1200" dirty="0"/>
+              <a:t>Update</a:t>
+            </a:r>
+            <a:r>
+              <a:rPr lang="ko-KR" altLang="en-US" sz="1200" dirty="0"/>
+              <a:t>속도</a:t>
+            </a:r>
+            <a:r>
+              <a:rPr lang="en-US" altLang="ko-KR" sz="1200" dirty="0"/>
+              <a:t>, Client</a:t>
+            </a:r>
+            <a:r>
+              <a:rPr lang="ko-KR" altLang="en-US" sz="1200" dirty="0"/>
+              <a:t>의 </a:t>
+            </a:r>
+            <a:r>
+              <a:rPr lang="en-US" altLang="ko-KR" sz="1200" dirty="0"/>
+              <a:t>Rendering </a:t>
+            </a:r>
+            <a:r>
+              <a:rPr lang="ko-KR" altLang="en-US" sz="1200" dirty="0"/>
+              <a:t>속도 차이에 따른 문제를 파악하고 예방할 수 있도록 해야 한다</a:t>
+            </a:r>
+            <a:r>
+              <a:rPr lang="en-US" altLang="ko-KR" sz="1200" dirty="0"/>
+              <a:t>.</a:t>
+            </a:r>
+          </a:p>
+          <a:p>
+            <a:r>
+              <a:rPr lang="ko-KR" altLang="en-US" sz="1200" dirty="0"/>
+              <a:t>공용자원사용으로 인한 병목현상이 없도록 해야 한다</a:t>
+            </a:r>
+            <a:r>
+              <a:rPr lang="en-US" altLang="ko-KR" sz="1200" dirty="0"/>
+              <a:t>.</a:t>
+            </a:r>
+          </a:p>
+          <a:p>
+            <a:r>
+              <a:rPr lang="ko-KR" altLang="en-US" sz="1200" dirty="0"/>
+              <a:t>과연 몇 개까지의 게임을 생성하고 높은 프레임을 유지할 수 있을까</a:t>
+            </a:r>
+            <a:r>
+              <a:rPr lang="en-US" altLang="ko-KR" sz="1200" dirty="0"/>
+              <a:t>?</a:t>
+            </a:r>
+            <a:endParaRPr lang="ko-KR" altLang="en-US" sz="1200" dirty="0"/>
+          </a:p>
+        </p:txBody>
+      </p:sp>
+      <p:sp>
+        <p:nvSpPr>
+          <p:cNvPr id="4" name="슬라이드 번호 개체 틀 3">
+            <a:extLst>
+              <a:ext uri="{FF2B5EF4-FFF2-40B4-BE49-F238E27FC236}">
+                <a16:creationId xmlns:a16="http://schemas.microsoft.com/office/drawing/2014/main" id="{E0F5BE94-728C-8288-3850-EBC4D19A3AA0}"/>
+              </a:ext>
+            </a:extLst>
+          </p:cNvPr>
+          <p:cNvSpPr>
+            <a:spLocks noGrp="1"/>
+          </p:cNvSpPr>
+          <p:nvPr>
+            <p:ph type="sldNum" sz="quarter" idx="12"/>
+          </p:nvPr>
+        </p:nvSpPr>
+        <p:spPr>
+          <a:xfrm>
+            <a:off x="8610600" y="6356350"/>
+            <a:ext cx="2743200" cy="365125"/>
+          </a:xfrm>
+        </p:spPr>
+        <p:txBody>
           <a:bodyPr/>
           <a:lstStyle/>
           <a:p>
+            <a:fld id="{2F7F2206-C3AA-4D7A-AC99-58940E523BC8}" type="slidenum">
+              <a:rPr lang="ko-KR" altLang="en-US" smtClean="0"/>
+              <a:t>3</a:t>
+            </a:fld>
             <a:endParaRPr lang="ko-KR" altLang="en-US"/>
           </a:p>
         </p:txBody>
@@ -3837,678 +9453,105 @@
       </p:grpSpPr>
       <p:sp>
         <p:nvSpPr>
-          <p:cNvPr id="7" name="직사각형 6">
-            <a:extLst>
-              <a:ext uri="{FF2B5EF4-FFF2-40B4-BE49-F238E27FC236}">
-                <a16:creationId xmlns:a16="http://schemas.microsoft.com/office/drawing/2014/main" id="{34EAC91E-F26C-C7F2-C2C7-FEDA8B1CC0D6}"/>
-              </a:ext>
-            </a:extLst>
-          </p:cNvPr>
-          <p:cNvSpPr/>
-          <p:nvPr/>
+          <p:cNvPr id="2" name="제목 1">
+            <a:extLst>
+              <a:ext uri="{FF2B5EF4-FFF2-40B4-BE49-F238E27FC236}">
+                <a16:creationId xmlns:a16="http://schemas.microsoft.com/office/drawing/2014/main" id="{64FC0F57-1D47-213F-7962-98F04D87C624}"/>
+              </a:ext>
+            </a:extLst>
+          </p:cNvPr>
+          <p:cNvSpPr>
+            <a:spLocks noGrp="1"/>
+          </p:cNvSpPr>
+          <p:nvPr>
+            <p:ph type="title"/>
+          </p:nvPr>
+        </p:nvSpPr>
+        <p:spPr/>
+        <p:txBody>
+          <a:bodyPr/>
+          <a:lstStyle/>
+          <a:p>
+            <a:r>
+              <a:rPr lang="en-US" altLang="ko-KR" dirty="0"/>
+              <a:t>High-level </a:t>
+            </a:r>
+            <a:r>
+              <a:rPr lang="ko-KR" altLang="en-US" dirty="0"/>
+              <a:t>디자인</a:t>
+            </a:r>
+          </a:p>
+        </p:txBody>
+      </p:sp>
+      <p:sp>
+        <p:nvSpPr>
+          <p:cNvPr id="3" name="슬라이드 번호 개체 틀 2">
+            <a:extLst>
+              <a:ext uri="{FF2B5EF4-FFF2-40B4-BE49-F238E27FC236}">
+                <a16:creationId xmlns:a16="http://schemas.microsoft.com/office/drawing/2014/main" id="{99E147D3-2B78-AE24-0816-3FB40411C0C4}"/>
+              </a:ext>
+            </a:extLst>
+          </p:cNvPr>
+          <p:cNvSpPr>
+            <a:spLocks noGrp="1"/>
+          </p:cNvSpPr>
+          <p:nvPr>
+            <p:ph type="sldNum" sz="quarter" idx="12"/>
+          </p:nvPr>
         </p:nvSpPr>
         <p:spPr>
           <a:xfrm>
-            <a:off x="838200" y="1690688"/>
-            <a:ext cx="4736977" cy="5065219"/>
+            <a:off x="8610600" y="6356350"/>
+            <a:ext cx="2743200" cy="365125"/>
+          </a:xfrm>
+        </p:spPr>
+        <p:txBody>
+          <a:bodyPr/>
+          <a:lstStyle/>
+          <a:p>
+            <a:fld id="{2F7F2206-C3AA-4D7A-AC99-58940E523BC8}" type="slidenum">
+              <a:rPr lang="ko-KR" altLang="en-US" smtClean="0"/>
+              <a:t>4</a:t>
+            </a:fld>
+            <a:endParaRPr lang="ko-KR" altLang="en-US"/>
+          </a:p>
+        </p:txBody>
+      </p:sp>
+      <p:pic>
+        <p:nvPicPr>
+          <p:cNvPr id="13" name="그림 12">
+            <a:extLst>
+              <a:ext uri="{FF2B5EF4-FFF2-40B4-BE49-F238E27FC236}">
+                <a16:creationId xmlns:a16="http://schemas.microsoft.com/office/drawing/2014/main" id="{A3E22F28-8582-7F2F-5460-50427097DD3E}"/>
+              </a:ext>
+            </a:extLst>
+          </p:cNvPr>
+          <p:cNvPicPr>
+            <a:picLocks noChangeAspect="1"/>
+          </p:cNvPicPr>
+          <p:nvPr/>
+        </p:nvPicPr>
+        <p:blipFill rotWithShape="1">
+          <a:blip r:embed="rId2">
+            <a:extLst>
+              <a:ext uri="{28A0092B-C50C-407E-A947-70E740481C1C}">
+                <a14:useLocalDpi xmlns:a14="http://schemas.microsoft.com/office/drawing/2010/main" val="0"/>
+              </a:ext>
+            </a:extLst>
+          </a:blip>
+          <a:srcRect t="12616" b="-12616"/>
+          <a:stretch/>
+        </p:blipFill>
+        <p:spPr>
+          <a:xfrm>
+            <a:off x="897868" y="1818438"/>
+            <a:ext cx="10396263" cy="4901727"/>
           </a:xfrm>
           <a:prstGeom prst="rect">
             <a:avLst/>
           </a:prstGeom>
-          <a:solidFill>
-            <a:schemeClr val="bg1"/>
-          </a:solidFill>
         </p:spPr>
-        <p:style>
-          <a:lnRef idx="2">
-            <a:schemeClr val="accent1">
-              <a:shade val="50000"/>
-            </a:schemeClr>
-          </a:lnRef>
-          <a:fillRef idx="1">
-            <a:schemeClr val="accent1"/>
-          </a:fillRef>
-          <a:effectRef idx="0">
-            <a:schemeClr val="accent1"/>
-          </a:effectRef>
-          <a:fontRef idx="minor">
-            <a:schemeClr val="lt1"/>
-          </a:fontRef>
-        </p:style>
-        <p:txBody>
-          <a:bodyPr rtlCol="0" anchor="ctr"/>
-          <a:lstStyle/>
-          <a:p>
-            <a:pPr algn="ctr"/>
-            <a:r>
-              <a:rPr lang="en-US" altLang="ko-KR" dirty="0">
-                <a:solidFill>
-                  <a:schemeClr val="tx1"/>
-                </a:solidFill>
-              </a:rPr>
-              <a:t>Client</a:t>
-            </a:r>
-          </a:p>
-          <a:p>
-            <a:pPr algn="ctr"/>
-            <a:endParaRPr lang="en-US" altLang="ko-KR" dirty="0">
-              <a:solidFill>
-                <a:schemeClr val="tx1"/>
-              </a:solidFill>
-            </a:endParaRPr>
-          </a:p>
-          <a:p>
-            <a:pPr algn="ctr"/>
-            <a:endParaRPr lang="en-US" altLang="ko-KR" dirty="0">
-              <a:solidFill>
-                <a:schemeClr val="tx1"/>
-              </a:solidFill>
-            </a:endParaRPr>
-          </a:p>
-          <a:p>
-            <a:pPr algn="ctr"/>
-            <a:endParaRPr lang="en-US" altLang="ko-KR" dirty="0">
-              <a:solidFill>
-                <a:schemeClr val="tx1"/>
-              </a:solidFill>
-            </a:endParaRPr>
-          </a:p>
-          <a:p>
-            <a:pPr algn="ctr"/>
-            <a:endParaRPr lang="en-US" altLang="ko-KR" dirty="0">
-              <a:solidFill>
-                <a:schemeClr val="tx1"/>
-              </a:solidFill>
-            </a:endParaRPr>
-          </a:p>
-          <a:p>
-            <a:pPr algn="ctr"/>
-            <a:endParaRPr lang="en-US" altLang="ko-KR" dirty="0">
-              <a:solidFill>
-                <a:schemeClr val="tx1"/>
-              </a:solidFill>
-            </a:endParaRPr>
-          </a:p>
-          <a:p>
-            <a:pPr algn="ctr"/>
-            <a:endParaRPr lang="en-US" altLang="ko-KR" dirty="0">
-              <a:solidFill>
-                <a:schemeClr val="tx1"/>
-              </a:solidFill>
-            </a:endParaRPr>
-          </a:p>
-          <a:p>
-            <a:pPr algn="ctr"/>
-            <a:endParaRPr lang="en-US" altLang="ko-KR" dirty="0">
-              <a:solidFill>
-                <a:schemeClr val="tx1"/>
-              </a:solidFill>
-            </a:endParaRPr>
-          </a:p>
-          <a:p>
-            <a:pPr algn="ctr"/>
-            <a:endParaRPr lang="en-US" altLang="ko-KR" dirty="0">
-              <a:solidFill>
-                <a:schemeClr val="tx1"/>
-              </a:solidFill>
-            </a:endParaRPr>
-          </a:p>
-          <a:p>
-            <a:pPr algn="ctr"/>
-            <a:endParaRPr lang="en-US" altLang="ko-KR" dirty="0">
-              <a:solidFill>
-                <a:schemeClr val="tx1"/>
-              </a:solidFill>
-            </a:endParaRPr>
-          </a:p>
-          <a:p>
-            <a:pPr algn="ctr"/>
-            <a:endParaRPr lang="en-US" altLang="ko-KR" dirty="0">
-              <a:solidFill>
-                <a:schemeClr val="tx1"/>
-              </a:solidFill>
-            </a:endParaRPr>
-          </a:p>
-          <a:p>
-            <a:pPr algn="ctr"/>
-            <a:endParaRPr lang="en-US" altLang="ko-KR" dirty="0">
-              <a:solidFill>
-                <a:schemeClr val="tx1"/>
-              </a:solidFill>
-            </a:endParaRPr>
-          </a:p>
-          <a:p>
-            <a:pPr algn="ctr"/>
-            <a:endParaRPr lang="en-US" altLang="ko-KR" dirty="0">
-              <a:solidFill>
-                <a:schemeClr val="tx1"/>
-              </a:solidFill>
-            </a:endParaRPr>
-          </a:p>
-          <a:p>
-            <a:pPr algn="ctr"/>
-            <a:endParaRPr lang="en-US" altLang="ko-KR" dirty="0">
-              <a:solidFill>
-                <a:schemeClr val="tx1"/>
-              </a:solidFill>
-            </a:endParaRPr>
-          </a:p>
-          <a:p>
-            <a:pPr algn="ctr"/>
-            <a:endParaRPr lang="en-US" altLang="ko-KR" dirty="0">
-              <a:solidFill>
-                <a:schemeClr val="tx1"/>
-              </a:solidFill>
-            </a:endParaRPr>
-          </a:p>
-          <a:p>
-            <a:pPr algn="ctr"/>
-            <a:endParaRPr lang="en-US" altLang="ko-KR" dirty="0">
-              <a:solidFill>
-                <a:schemeClr val="tx1"/>
-              </a:solidFill>
-            </a:endParaRPr>
-          </a:p>
-          <a:p>
-            <a:pPr algn="ctr"/>
-            <a:endParaRPr lang="en-US" altLang="ko-KR" dirty="0">
-              <a:solidFill>
-                <a:schemeClr val="tx1"/>
-              </a:solidFill>
-            </a:endParaRPr>
-          </a:p>
-          <a:p>
-            <a:pPr algn="ctr"/>
-            <a:endParaRPr lang="ko-KR" altLang="en-US" dirty="0">
-              <a:solidFill>
-                <a:schemeClr val="tx1"/>
-              </a:solidFill>
-            </a:endParaRPr>
-          </a:p>
-        </p:txBody>
-      </p:sp>
-      <p:sp>
-        <p:nvSpPr>
-          <p:cNvPr id="2" name="제목 1">
-            <a:extLst>
-              <a:ext uri="{FF2B5EF4-FFF2-40B4-BE49-F238E27FC236}">
-                <a16:creationId xmlns:a16="http://schemas.microsoft.com/office/drawing/2014/main" id="{64FC0F57-1D47-213F-7962-98F04D87C624}"/>
-              </a:ext>
-            </a:extLst>
-          </p:cNvPr>
-          <p:cNvSpPr>
-            <a:spLocks noGrp="1"/>
-          </p:cNvSpPr>
-          <p:nvPr>
-            <p:ph type="title"/>
-          </p:nvPr>
-        </p:nvSpPr>
-        <p:spPr/>
-        <p:txBody>
-          <a:bodyPr/>
-          <a:lstStyle/>
-          <a:p>
-            <a:r>
-              <a:rPr lang="en-US" altLang="ko-KR" dirty="0"/>
-              <a:t>High-level </a:t>
-            </a:r>
-            <a:r>
-              <a:rPr lang="ko-KR" altLang="en-US" dirty="0"/>
-              <a:t>디자인</a:t>
-            </a:r>
-          </a:p>
-        </p:txBody>
-      </p:sp>
-      <p:sp>
-        <p:nvSpPr>
-          <p:cNvPr id="6" name="사각형: 둥근 모서리 5">
-            <a:extLst>
-              <a:ext uri="{FF2B5EF4-FFF2-40B4-BE49-F238E27FC236}">
-                <a16:creationId xmlns:a16="http://schemas.microsoft.com/office/drawing/2014/main" id="{892262A7-8C8B-5DD8-4C29-577662B5DC14}"/>
-              </a:ext>
-            </a:extLst>
-          </p:cNvPr>
-          <p:cNvSpPr/>
-          <p:nvPr/>
-        </p:nvSpPr>
-        <p:spPr>
-          <a:xfrm>
-            <a:off x="1297989" y="5167312"/>
-            <a:ext cx="1908699" cy="1076417"/>
-          </a:xfrm>
-          <a:prstGeom prst="roundRect">
-            <a:avLst/>
-          </a:prstGeom>
-        </p:spPr>
-        <p:style>
-          <a:lnRef idx="2">
-            <a:schemeClr val="accent3">
-              <a:shade val="50000"/>
-            </a:schemeClr>
-          </a:lnRef>
-          <a:fillRef idx="1">
-            <a:schemeClr val="accent3"/>
-          </a:fillRef>
-          <a:effectRef idx="0">
-            <a:schemeClr val="accent3"/>
-          </a:effectRef>
-          <a:fontRef idx="minor">
-            <a:schemeClr val="lt1"/>
-          </a:fontRef>
-        </p:style>
-        <p:txBody>
-          <a:bodyPr rtlCol="0" anchor="ctr"/>
-          <a:lstStyle/>
-          <a:p>
-            <a:pPr algn="ctr"/>
-            <a:r>
-              <a:rPr lang="en-US" altLang="ko-KR" dirty="0" err="1"/>
-              <a:t>MainTh</a:t>
-            </a:r>
-            <a:endParaRPr lang="ko-KR" altLang="en-US" dirty="0"/>
-          </a:p>
-        </p:txBody>
-      </p:sp>
-      <p:sp>
-        <p:nvSpPr>
-          <p:cNvPr id="8" name="직사각형 7">
-            <a:extLst>
-              <a:ext uri="{FF2B5EF4-FFF2-40B4-BE49-F238E27FC236}">
-                <a16:creationId xmlns:a16="http://schemas.microsoft.com/office/drawing/2014/main" id="{1C372921-A617-C4A0-A2A2-CD59899D5CC7}"/>
-              </a:ext>
-            </a:extLst>
-          </p:cNvPr>
-          <p:cNvSpPr/>
-          <p:nvPr/>
-        </p:nvSpPr>
-        <p:spPr>
-          <a:xfrm>
-            <a:off x="6616823" y="1690688"/>
-            <a:ext cx="4736977" cy="5065219"/>
-          </a:xfrm>
-          <a:prstGeom prst="rect">
-            <a:avLst/>
-          </a:prstGeom>
-          <a:solidFill>
-            <a:schemeClr val="bg1"/>
-          </a:solidFill>
-        </p:spPr>
-        <p:style>
-          <a:lnRef idx="2">
-            <a:schemeClr val="accent1">
-              <a:shade val="50000"/>
-            </a:schemeClr>
-          </a:lnRef>
-          <a:fillRef idx="1">
-            <a:schemeClr val="accent1"/>
-          </a:fillRef>
-          <a:effectRef idx="0">
-            <a:schemeClr val="accent1"/>
-          </a:effectRef>
-          <a:fontRef idx="minor">
-            <a:schemeClr val="lt1"/>
-          </a:fontRef>
-        </p:style>
-        <p:txBody>
-          <a:bodyPr rtlCol="0" anchor="ctr"/>
-          <a:lstStyle/>
-          <a:p>
-            <a:pPr algn="ctr"/>
-            <a:r>
-              <a:rPr lang="en-US" altLang="ko-KR" dirty="0">
-                <a:solidFill>
-                  <a:schemeClr val="tx1"/>
-                </a:solidFill>
-              </a:rPr>
-              <a:t>Server</a:t>
-            </a:r>
-          </a:p>
-          <a:p>
-            <a:pPr algn="ctr"/>
-            <a:endParaRPr lang="en-US" altLang="ko-KR" dirty="0">
-              <a:solidFill>
-                <a:schemeClr val="tx1"/>
-              </a:solidFill>
-            </a:endParaRPr>
-          </a:p>
-          <a:p>
-            <a:pPr algn="ctr"/>
-            <a:endParaRPr lang="en-US" altLang="ko-KR" dirty="0">
-              <a:solidFill>
-                <a:schemeClr val="tx1"/>
-              </a:solidFill>
-            </a:endParaRPr>
-          </a:p>
-          <a:p>
-            <a:pPr algn="ctr"/>
-            <a:endParaRPr lang="en-US" altLang="ko-KR" dirty="0">
-              <a:solidFill>
-                <a:schemeClr val="tx1"/>
-              </a:solidFill>
-            </a:endParaRPr>
-          </a:p>
-          <a:p>
-            <a:pPr algn="ctr"/>
-            <a:endParaRPr lang="en-US" altLang="ko-KR" dirty="0">
-              <a:solidFill>
-                <a:schemeClr val="tx1"/>
-              </a:solidFill>
-            </a:endParaRPr>
-          </a:p>
-          <a:p>
-            <a:pPr algn="ctr"/>
-            <a:endParaRPr lang="en-US" altLang="ko-KR" dirty="0">
-              <a:solidFill>
-                <a:schemeClr val="tx1"/>
-              </a:solidFill>
-            </a:endParaRPr>
-          </a:p>
-          <a:p>
-            <a:pPr algn="ctr"/>
-            <a:endParaRPr lang="en-US" altLang="ko-KR" dirty="0">
-              <a:solidFill>
-                <a:schemeClr val="tx1"/>
-              </a:solidFill>
-            </a:endParaRPr>
-          </a:p>
-          <a:p>
-            <a:pPr algn="ctr"/>
-            <a:endParaRPr lang="en-US" altLang="ko-KR" dirty="0">
-              <a:solidFill>
-                <a:schemeClr val="tx1"/>
-              </a:solidFill>
-            </a:endParaRPr>
-          </a:p>
-          <a:p>
-            <a:pPr algn="ctr"/>
-            <a:endParaRPr lang="en-US" altLang="ko-KR" dirty="0">
-              <a:solidFill>
-                <a:schemeClr val="tx1"/>
-              </a:solidFill>
-            </a:endParaRPr>
-          </a:p>
-          <a:p>
-            <a:pPr algn="ctr"/>
-            <a:endParaRPr lang="en-US" altLang="ko-KR" dirty="0">
-              <a:solidFill>
-                <a:schemeClr val="tx1"/>
-              </a:solidFill>
-            </a:endParaRPr>
-          </a:p>
-          <a:p>
-            <a:pPr algn="ctr"/>
-            <a:endParaRPr lang="en-US" altLang="ko-KR" dirty="0">
-              <a:solidFill>
-                <a:schemeClr val="tx1"/>
-              </a:solidFill>
-            </a:endParaRPr>
-          </a:p>
-          <a:p>
-            <a:pPr algn="ctr"/>
-            <a:endParaRPr lang="en-US" altLang="ko-KR" dirty="0">
-              <a:solidFill>
-                <a:schemeClr val="tx1"/>
-              </a:solidFill>
-            </a:endParaRPr>
-          </a:p>
-          <a:p>
-            <a:pPr algn="ctr"/>
-            <a:endParaRPr lang="en-US" altLang="ko-KR" dirty="0">
-              <a:solidFill>
-                <a:schemeClr val="tx1"/>
-              </a:solidFill>
-            </a:endParaRPr>
-          </a:p>
-          <a:p>
-            <a:pPr algn="ctr"/>
-            <a:endParaRPr lang="en-US" altLang="ko-KR" dirty="0">
-              <a:solidFill>
-                <a:schemeClr val="tx1"/>
-              </a:solidFill>
-            </a:endParaRPr>
-          </a:p>
-          <a:p>
-            <a:pPr algn="ctr"/>
-            <a:endParaRPr lang="en-US" altLang="ko-KR" dirty="0">
-              <a:solidFill>
-                <a:schemeClr val="tx1"/>
-              </a:solidFill>
-            </a:endParaRPr>
-          </a:p>
-          <a:p>
-            <a:pPr algn="ctr"/>
-            <a:endParaRPr lang="en-US" altLang="ko-KR" dirty="0">
-              <a:solidFill>
-                <a:schemeClr val="tx1"/>
-              </a:solidFill>
-            </a:endParaRPr>
-          </a:p>
-          <a:p>
-            <a:pPr algn="ctr"/>
-            <a:endParaRPr lang="en-US" altLang="ko-KR" dirty="0">
-              <a:solidFill>
-                <a:schemeClr val="tx1"/>
-              </a:solidFill>
-            </a:endParaRPr>
-          </a:p>
-          <a:p>
-            <a:pPr algn="ctr"/>
-            <a:endParaRPr lang="ko-KR" altLang="en-US" dirty="0">
-              <a:solidFill>
-                <a:schemeClr val="tx1"/>
-              </a:solidFill>
-            </a:endParaRPr>
-          </a:p>
-        </p:txBody>
-      </p:sp>
-      <p:sp>
-        <p:nvSpPr>
-          <p:cNvPr id="9" name="사각형: 둥근 모서리 8">
-            <a:extLst>
-              <a:ext uri="{FF2B5EF4-FFF2-40B4-BE49-F238E27FC236}">
-                <a16:creationId xmlns:a16="http://schemas.microsoft.com/office/drawing/2014/main" id="{08B8B528-F641-D5F7-B278-C0A8BAD556B5}"/>
-              </a:ext>
-            </a:extLst>
-          </p:cNvPr>
-          <p:cNvSpPr/>
-          <p:nvPr/>
-        </p:nvSpPr>
-        <p:spPr>
-          <a:xfrm>
-            <a:off x="7076612" y="2352583"/>
-            <a:ext cx="1908699" cy="1076417"/>
-          </a:xfrm>
-          <a:prstGeom prst="roundRect">
-            <a:avLst/>
-          </a:prstGeom>
-        </p:spPr>
-        <p:style>
-          <a:lnRef idx="2">
-            <a:schemeClr val="accent3">
-              <a:shade val="50000"/>
-            </a:schemeClr>
-          </a:lnRef>
-          <a:fillRef idx="1">
-            <a:schemeClr val="accent3"/>
-          </a:fillRef>
-          <a:effectRef idx="0">
-            <a:schemeClr val="accent3"/>
-          </a:effectRef>
-          <a:fontRef idx="minor">
-            <a:schemeClr val="lt1"/>
-          </a:fontRef>
-        </p:style>
-        <p:txBody>
-          <a:bodyPr rtlCol="0" anchor="ctr"/>
-          <a:lstStyle/>
-          <a:p>
-            <a:pPr algn="ctr"/>
-            <a:r>
-              <a:rPr lang="en-US" altLang="ko-KR" dirty="0" err="1"/>
-              <a:t>MainTh</a:t>
-            </a:r>
-            <a:endParaRPr lang="en-US" altLang="ko-KR" dirty="0"/>
-          </a:p>
-          <a:p>
-            <a:pPr algn="ctr"/>
-            <a:endParaRPr lang="en-US" altLang="ko-KR" dirty="0"/>
-          </a:p>
-          <a:p>
-            <a:pPr algn="ctr"/>
-            <a:endParaRPr lang="en-US" altLang="ko-KR" dirty="0"/>
-          </a:p>
-        </p:txBody>
-      </p:sp>
-      <p:sp>
-        <p:nvSpPr>
-          <p:cNvPr id="10" name="사각형: 둥근 모서리 9">
-            <a:extLst>
-              <a:ext uri="{FF2B5EF4-FFF2-40B4-BE49-F238E27FC236}">
-                <a16:creationId xmlns:a16="http://schemas.microsoft.com/office/drawing/2014/main" id="{7BE1355B-698D-3872-8143-1D608FA15650}"/>
-              </a:ext>
-            </a:extLst>
-          </p:cNvPr>
-          <p:cNvSpPr/>
-          <p:nvPr/>
-        </p:nvSpPr>
-        <p:spPr>
-          <a:xfrm>
-            <a:off x="1297988" y="2352583"/>
-            <a:ext cx="1908699" cy="1076417"/>
-          </a:xfrm>
-          <a:prstGeom prst="roundRect">
-            <a:avLst/>
-          </a:prstGeom>
-        </p:spPr>
-        <p:style>
-          <a:lnRef idx="2">
-            <a:schemeClr val="accent3">
-              <a:shade val="50000"/>
-            </a:schemeClr>
-          </a:lnRef>
-          <a:fillRef idx="1">
-            <a:schemeClr val="accent3"/>
-          </a:fillRef>
-          <a:effectRef idx="0">
-            <a:schemeClr val="accent3"/>
-          </a:effectRef>
-          <a:fontRef idx="minor">
-            <a:schemeClr val="lt1"/>
-          </a:fontRef>
-        </p:style>
-        <p:txBody>
-          <a:bodyPr rtlCol="0" anchor="ctr"/>
-          <a:lstStyle/>
-          <a:p>
-            <a:pPr algn="ctr"/>
-            <a:r>
-              <a:rPr lang="en-US" altLang="ko-KR" dirty="0" err="1"/>
-              <a:t>KeySendTh</a:t>
-            </a:r>
-            <a:endParaRPr lang="ko-KR" altLang="en-US" dirty="0"/>
-          </a:p>
-        </p:txBody>
-      </p:sp>
-      <p:sp>
-        <p:nvSpPr>
-          <p:cNvPr id="11" name="사각형: 둥근 모서리 10">
-            <a:extLst>
-              <a:ext uri="{FF2B5EF4-FFF2-40B4-BE49-F238E27FC236}">
-                <a16:creationId xmlns:a16="http://schemas.microsoft.com/office/drawing/2014/main" id="{D3367893-8DEC-74D4-3622-7CAAEBAA95D4}"/>
-              </a:ext>
-            </a:extLst>
-          </p:cNvPr>
-          <p:cNvSpPr/>
-          <p:nvPr/>
-        </p:nvSpPr>
-        <p:spPr>
-          <a:xfrm>
-            <a:off x="7076612" y="3759947"/>
-            <a:ext cx="1908699" cy="1076417"/>
-          </a:xfrm>
-          <a:prstGeom prst="roundRect">
-            <a:avLst/>
-          </a:prstGeom>
-        </p:spPr>
-        <p:style>
-          <a:lnRef idx="2">
-            <a:schemeClr val="accent3">
-              <a:shade val="50000"/>
-            </a:schemeClr>
-          </a:lnRef>
-          <a:fillRef idx="1">
-            <a:schemeClr val="accent3"/>
-          </a:fillRef>
-          <a:effectRef idx="0">
-            <a:schemeClr val="accent3"/>
-          </a:effectRef>
-          <a:fontRef idx="minor">
-            <a:schemeClr val="lt1"/>
-          </a:fontRef>
-        </p:style>
-        <p:txBody>
-          <a:bodyPr rtlCol="0" anchor="ctr"/>
-          <a:lstStyle/>
-          <a:p>
-            <a:pPr algn="ctr"/>
-            <a:r>
-              <a:rPr lang="en-US" altLang="ko-KR" dirty="0" err="1"/>
-              <a:t>UpdateTh</a:t>
-            </a:r>
-            <a:endParaRPr lang="ko-KR" altLang="en-US" dirty="0"/>
-          </a:p>
-        </p:txBody>
-      </p:sp>
-      <p:sp>
-        <p:nvSpPr>
-          <p:cNvPr id="12" name="사각형: 둥근 모서리 11">
-            <a:extLst>
-              <a:ext uri="{FF2B5EF4-FFF2-40B4-BE49-F238E27FC236}">
-                <a16:creationId xmlns:a16="http://schemas.microsoft.com/office/drawing/2014/main" id="{886073BA-D554-BB51-B353-C89079365D32}"/>
-              </a:ext>
-            </a:extLst>
-          </p:cNvPr>
-          <p:cNvSpPr/>
-          <p:nvPr/>
-        </p:nvSpPr>
-        <p:spPr>
-          <a:xfrm>
-            <a:off x="7076612" y="5167312"/>
-            <a:ext cx="1908699" cy="1076417"/>
-          </a:xfrm>
-          <a:prstGeom prst="roundRect">
-            <a:avLst/>
-          </a:prstGeom>
-        </p:spPr>
-        <p:style>
-          <a:lnRef idx="2">
-            <a:schemeClr val="accent3">
-              <a:shade val="50000"/>
-            </a:schemeClr>
-          </a:lnRef>
-          <a:fillRef idx="1">
-            <a:schemeClr val="accent3"/>
-          </a:fillRef>
-          <a:effectRef idx="0">
-            <a:schemeClr val="accent3"/>
-          </a:effectRef>
-          <a:fontRef idx="minor">
-            <a:schemeClr val="lt1"/>
-          </a:fontRef>
-        </p:style>
-        <p:txBody>
-          <a:bodyPr rtlCol="0" anchor="ctr"/>
-          <a:lstStyle/>
-          <a:p>
-            <a:pPr algn="ctr"/>
-            <a:r>
-              <a:rPr lang="en-US" altLang="ko-KR" dirty="0" err="1"/>
-              <a:t>KeyRecvTh</a:t>
-            </a:r>
-            <a:endParaRPr lang="ko-KR" altLang="en-US" dirty="0"/>
-          </a:p>
-        </p:txBody>
-      </p:sp>
+      </p:pic>
     </p:spTree>
     <p:extLst>
       <p:ext uri="{BB962C8B-B14F-4D97-AF65-F5344CB8AC3E}">
@@ -4544,7 +9587,7 @@
           <p:cNvPr id="2" name="제목 1">
             <a:extLst>
               <a:ext uri="{FF2B5EF4-FFF2-40B4-BE49-F238E27FC236}">
-                <a16:creationId xmlns:a16="http://schemas.microsoft.com/office/drawing/2014/main" id="{CD59657E-4DF5-0BBD-B638-F074795F2C35}"/>
+                <a16:creationId xmlns:a16="http://schemas.microsoft.com/office/drawing/2014/main" id="{64FC0F57-1D47-213F-7962-98F04D87C624}"/>
               </a:ext>
             </a:extLst>
           </p:cNvPr>
@@ -4562,44 +9605,123 @@
           <a:p>
             <a:r>
               <a:rPr lang="en-US" altLang="ko-KR" dirty="0"/>
-              <a:t>Low-level </a:t>
+              <a:t>High-level </a:t>
             </a:r>
             <a:r>
               <a:rPr lang="ko-KR" altLang="en-US" dirty="0"/>
-              <a:t>디자인 </a:t>
-            </a:r>
-          </a:p>
-        </p:txBody>
-      </p:sp>
-      <p:sp>
-        <p:nvSpPr>
-          <p:cNvPr id="3" name="내용 개체 틀 2">
-            <a:extLst>
-              <a:ext uri="{FF2B5EF4-FFF2-40B4-BE49-F238E27FC236}">
-                <a16:creationId xmlns:a16="http://schemas.microsoft.com/office/drawing/2014/main" id="{39D5BBBF-7B31-E445-23BD-03931B1CBD16}"/>
-              </a:ext>
-            </a:extLst>
-          </p:cNvPr>
-          <p:cNvSpPr>
-            <a:spLocks noGrp="1"/>
-          </p:cNvSpPr>
-          <p:nvPr>
-            <p:ph idx="1"/>
-          </p:nvPr>
-        </p:nvSpPr>
-        <p:spPr/>
+              <a:t>디자인</a:t>
+            </a:r>
+          </a:p>
+        </p:txBody>
+      </p:sp>
+      <p:sp>
+        <p:nvSpPr>
+          <p:cNvPr id="3" name="슬라이드 번호 개체 틀 2">
+            <a:extLst>
+              <a:ext uri="{FF2B5EF4-FFF2-40B4-BE49-F238E27FC236}">
+                <a16:creationId xmlns:a16="http://schemas.microsoft.com/office/drawing/2014/main" id="{99E147D3-2B78-AE24-0816-3FB40411C0C4}"/>
+              </a:ext>
+            </a:extLst>
+          </p:cNvPr>
+          <p:cNvSpPr>
+            <a:spLocks noGrp="1"/>
+          </p:cNvSpPr>
+          <p:nvPr>
+            <p:ph type="sldNum" sz="quarter" idx="12"/>
+          </p:nvPr>
+        </p:nvSpPr>
+        <p:spPr>
+          <a:xfrm>
+            <a:off x="8610600" y="6356350"/>
+            <a:ext cx="2743200" cy="365125"/>
+          </a:xfrm>
+        </p:spPr>
         <p:txBody>
           <a:bodyPr/>
           <a:lstStyle/>
           <a:p>
+            <a:fld id="{2F7F2206-C3AA-4D7A-AC99-58940E523BC8}" type="slidenum">
+              <a:rPr lang="ko-KR" altLang="en-US" smtClean="0"/>
+              <a:t>5</a:t>
+            </a:fld>
             <a:endParaRPr lang="ko-KR" altLang="en-US"/>
           </a:p>
         </p:txBody>
       </p:sp>
+      <p:pic>
+        <p:nvPicPr>
+          <p:cNvPr id="4" name="그림 3">
+            <a:extLst>
+              <a:ext uri="{FF2B5EF4-FFF2-40B4-BE49-F238E27FC236}">
+                <a16:creationId xmlns:a16="http://schemas.microsoft.com/office/drawing/2014/main" id="{18B8CF14-7F96-0BF9-9993-4827FABEBC76}"/>
+              </a:ext>
+            </a:extLst>
+          </p:cNvPr>
+          <p:cNvPicPr>
+            <a:picLocks noChangeAspect="1"/>
+          </p:cNvPicPr>
+          <p:nvPr/>
+        </p:nvPicPr>
+        <p:blipFill rotWithShape="1">
+          <a:blip r:embed="rId2">
+            <a:extLst>
+              <a:ext uri="{28A0092B-C50C-407E-A947-70E740481C1C}">
+                <a14:useLocalDpi xmlns:a14="http://schemas.microsoft.com/office/drawing/2010/main" val="0"/>
+              </a:ext>
+            </a:extLst>
+          </a:blip>
+          <a:srcRect l="-203" r="203"/>
+          <a:stretch/>
+        </p:blipFill>
+        <p:spPr>
+          <a:xfrm>
+            <a:off x="824145" y="1690688"/>
+            <a:ext cx="4382002" cy="4729665"/>
+          </a:xfrm>
+          <a:prstGeom prst="rect">
+            <a:avLst/>
+          </a:prstGeom>
+        </p:spPr>
+      </p:pic>
+      <p:pic>
+        <p:nvPicPr>
+          <p:cNvPr id="5" name="그림 4">
+            <a:extLst>
+              <a:ext uri="{FF2B5EF4-FFF2-40B4-BE49-F238E27FC236}">
+                <a16:creationId xmlns:a16="http://schemas.microsoft.com/office/drawing/2014/main" id="{B23FFE0B-E50B-2905-77DB-B22044891B86}"/>
+              </a:ext>
+            </a:extLst>
+          </p:cNvPr>
+          <p:cNvPicPr>
+            <a:picLocks noChangeAspect="1"/>
+          </p:cNvPicPr>
+          <p:nvPr/>
+        </p:nvPicPr>
+        <p:blipFill rotWithShape="1">
+          <a:blip r:embed="rId3">
+            <a:extLst>
+              <a:ext uri="{28A0092B-C50C-407E-A947-70E740481C1C}">
+                <a14:useLocalDpi xmlns:a14="http://schemas.microsoft.com/office/drawing/2010/main" val="0"/>
+              </a:ext>
+            </a:extLst>
+          </a:blip>
+          <a:srcRect l="42" t="62" r="-42" b="-62"/>
+          <a:stretch/>
+        </p:blipFill>
+        <p:spPr>
+          <a:xfrm>
+            <a:off x="6677444" y="1740543"/>
+            <a:ext cx="3603999" cy="4629954"/>
+          </a:xfrm>
+          <a:prstGeom prst="rect">
+            <a:avLst/>
+          </a:prstGeom>
+        </p:spPr>
+      </p:pic>
     </p:spTree>
     <p:extLst>
       <p:ext uri="{BB962C8B-B14F-4D97-AF65-F5344CB8AC3E}">
-        <p14:creationId xmlns:p14="http://schemas.microsoft.com/office/powerpoint/2010/main" val="2031646411"/>
+        <p14:creationId xmlns:p14="http://schemas.microsoft.com/office/powerpoint/2010/main" val="827947832"/>
       </p:ext>
     </p:extLst>
   </p:cSld>
@@ -4626,12 +9748,176 @@
           <a:chExt cx="0" cy="0"/>
         </a:xfrm>
       </p:grpSpPr>
+      <p:grpSp>
+        <p:nvGrpSpPr>
+          <p:cNvPr id="15" name="그룹 14">
+            <a:extLst>
+              <a:ext uri="{FF2B5EF4-FFF2-40B4-BE49-F238E27FC236}">
+                <a16:creationId xmlns:a16="http://schemas.microsoft.com/office/drawing/2014/main" id="{08CD7523-C337-012E-45B3-1BC5827E0F91}"/>
+              </a:ext>
+            </a:extLst>
+          </p:cNvPr>
+          <p:cNvGrpSpPr/>
+          <p:nvPr/>
+        </p:nvGrpSpPr>
+        <p:grpSpPr>
+          <a:xfrm>
+            <a:off x="0" y="-1669607"/>
+            <a:ext cx="12345789" cy="8802816"/>
+            <a:chOff x="6677578" y="1027906"/>
+            <a:chExt cx="5916786" cy="4218797"/>
+          </a:xfrm>
+        </p:grpSpPr>
+        <p:pic>
+          <p:nvPicPr>
+            <p:cNvPr id="11" name="그림 10">
+              <a:extLst>
+                <a:ext uri="{FF2B5EF4-FFF2-40B4-BE49-F238E27FC236}">
+                  <a16:creationId xmlns:a16="http://schemas.microsoft.com/office/drawing/2014/main" id="{65F0B4F1-15EF-A1D1-FEEE-361C29BCD7F1}"/>
+                </a:ext>
+              </a:extLst>
+            </p:cNvPr>
+            <p:cNvPicPr>
+              <a:picLocks noChangeAspect="1"/>
+            </p:cNvPicPr>
+            <p:nvPr/>
+          </p:nvPicPr>
+          <p:blipFill rotWithShape="1">
+            <a:blip r:embed="rId2">
+              <a:extLst>
+                <a:ext uri="{28A0092B-C50C-407E-A947-70E740481C1C}">
+                  <a14:useLocalDpi xmlns:a14="http://schemas.microsoft.com/office/drawing/2010/main" val="0"/>
+                </a:ext>
+              </a:extLst>
+            </a:blip>
+            <a:srcRect t="-42583" b="42583"/>
+            <a:stretch/>
+          </p:blipFill>
+          <p:spPr>
+            <a:xfrm>
+              <a:off x="6677578" y="1027906"/>
+              <a:ext cx="5916786" cy="3835976"/>
+            </a:xfrm>
+            <a:prstGeom prst="rect">
+              <a:avLst/>
+            </a:prstGeom>
+          </p:spPr>
+        </p:pic>
+        <p:sp>
+          <p:nvSpPr>
+            <p:cNvPr id="12" name="직사각형 11">
+              <a:extLst>
+                <a:ext uri="{FF2B5EF4-FFF2-40B4-BE49-F238E27FC236}">
+                  <a16:creationId xmlns:a16="http://schemas.microsoft.com/office/drawing/2014/main" id="{CC8ED56D-8814-3BFF-7B49-6E5767A6842F}"/>
+                </a:ext>
+              </a:extLst>
+            </p:cNvPr>
+            <p:cNvSpPr/>
+            <p:nvPr/>
+          </p:nvSpPr>
+          <p:spPr>
+            <a:xfrm>
+              <a:off x="9481351" y="4500979"/>
+              <a:ext cx="1420428" cy="745724"/>
+            </a:xfrm>
+            <a:prstGeom prst="rect">
+              <a:avLst/>
+            </a:prstGeom>
+            <a:solidFill>
+              <a:schemeClr val="bg1"/>
+            </a:solidFill>
+            <a:ln>
+              <a:solidFill>
+                <a:schemeClr val="bg1"/>
+              </a:solidFill>
+            </a:ln>
+          </p:spPr>
+          <p:style>
+            <a:lnRef idx="2">
+              <a:schemeClr val="accent1">
+                <a:shade val="50000"/>
+              </a:schemeClr>
+            </a:lnRef>
+            <a:fillRef idx="1">
+              <a:schemeClr val="accent1"/>
+            </a:fillRef>
+            <a:effectRef idx="0">
+              <a:schemeClr val="accent1"/>
+            </a:effectRef>
+            <a:fontRef idx="minor">
+              <a:schemeClr val="lt1"/>
+            </a:fontRef>
+          </p:style>
+          <p:txBody>
+            <a:bodyPr rtlCol="0" anchor="ctr"/>
+            <a:lstStyle/>
+            <a:p>
+              <a:pPr algn="ctr"/>
+              <a:endParaRPr lang="ko-KR" altLang="en-US"/>
+            </a:p>
+          </p:txBody>
+        </p:sp>
+        <p:sp>
+          <p:nvSpPr>
+            <p:cNvPr id="14" name="직사각형 13">
+              <a:extLst>
+                <a:ext uri="{FF2B5EF4-FFF2-40B4-BE49-F238E27FC236}">
+                  <a16:creationId xmlns:a16="http://schemas.microsoft.com/office/drawing/2014/main" id="{7F83479E-E276-E6A1-D140-90151310746C}"/>
+                </a:ext>
+              </a:extLst>
+            </p:cNvPr>
+            <p:cNvSpPr/>
+            <p:nvPr/>
+          </p:nvSpPr>
+          <p:spPr>
+            <a:xfrm>
+              <a:off x="10771572" y="3794092"/>
+              <a:ext cx="1420428" cy="745724"/>
+            </a:xfrm>
+            <a:prstGeom prst="rect">
+              <a:avLst/>
+            </a:prstGeom>
+            <a:solidFill>
+              <a:schemeClr val="bg1"/>
+            </a:solidFill>
+            <a:ln>
+              <a:solidFill>
+                <a:schemeClr val="bg1"/>
+              </a:solidFill>
+            </a:ln>
+          </p:spPr>
+          <p:style>
+            <a:lnRef idx="2">
+              <a:schemeClr val="accent1">
+                <a:shade val="50000"/>
+              </a:schemeClr>
+            </a:lnRef>
+            <a:fillRef idx="1">
+              <a:schemeClr val="accent1"/>
+            </a:fillRef>
+            <a:effectRef idx="0">
+              <a:schemeClr val="accent1"/>
+            </a:effectRef>
+            <a:fontRef idx="minor">
+              <a:schemeClr val="lt1"/>
+            </a:fontRef>
+          </p:style>
+          <p:txBody>
+            <a:bodyPr rtlCol="0" anchor="ctr"/>
+            <a:lstStyle/>
+            <a:p>
+              <a:pPr algn="ctr"/>
+              <a:endParaRPr lang="ko-KR" altLang="en-US"/>
+            </a:p>
+          </p:txBody>
+        </p:sp>
+      </p:grpSp>
       <p:sp>
         <p:nvSpPr>
           <p:cNvPr id="2" name="제목 1">
             <a:extLst>
               <a:ext uri="{FF2B5EF4-FFF2-40B4-BE49-F238E27FC236}">
-                <a16:creationId xmlns:a16="http://schemas.microsoft.com/office/drawing/2014/main" id="{A472513F-4BD2-76DA-4110-48164CEB0810}"/>
+                <a16:creationId xmlns:a16="http://schemas.microsoft.com/office/drawing/2014/main" id="{CD59657E-4DF5-0BBD-B638-F074795F2C35}"/>
               </a:ext>
             </a:extLst>
           </p:cNvPr>
@@ -4648,215 +9934,134 @@
           <a:lstStyle/>
           <a:p>
             <a:r>
+              <a:rPr lang="en-US" altLang="ko-KR" dirty="0"/>
+              <a:t>Low-level </a:t>
+            </a:r>
+            <a:r>
               <a:rPr lang="ko-KR" altLang="en-US" dirty="0"/>
-              <a:t>통신 </a:t>
-            </a:r>
+              <a:t>디자인</a:t>
+            </a:r>
+          </a:p>
+        </p:txBody>
+      </p:sp>
+      <p:sp>
+        <p:nvSpPr>
+          <p:cNvPr id="4" name="슬라이드 번호 개체 틀 3">
+            <a:extLst>
+              <a:ext uri="{FF2B5EF4-FFF2-40B4-BE49-F238E27FC236}">
+                <a16:creationId xmlns:a16="http://schemas.microsoft.com/office/drawing/2014/main" id="{B1272101-7EDC-E2B8-9A13-ACE458EEDC8E}"/>
+              </a:ext>
+            </a:extLst>
+          </p:cNvPr>
+          <p:cNvSpPr>
+            <a:spLocks noGrp="1"/>
+          </p:cNvSpPr>
+          <p:nvPr>
+            <p:ph type="sldNum" sz="quarter" idx="12"/>
+          </p:nvPr>
+        </p:nvSpPr>
+        <p:spPr>
+          <a:xfrm>
+            <a:off x="8610600" y="6356350"/>
+            <a:ext cx="2743200" cy="365125"/>
+          </a:xfrm>
+        </p:spPr>
+        <p:txBody>
+          <a:bodyPr/>
+          <a:lstStyle/>
+          <a:p>
+            <a:fld id="{2F7F2206-C3AA-4D7A-AC99-58940E523BC8}" type="slidenum">
+              <a:rPr lang="ko-KR" altLang="en-US" smtClean="0"/>
+              <a:t>6</a:t>
+            </a:fld>
+            <a:endParaRPr lang="ko-KR" altLang="en-US"/>
+          </a:p>
+        </p:txBody>
+      </p:sp>
+      <p:sp>
+        <p:nvSpPr>
+          <p:cNvPr id="16" name="바닥글 개체 틀 15">
+            <a:extLst>
+              <a:ext uri="{FF2B5EF4-FFF2-40B4-BE49-F238E27FC236}">
+                <a16:creationId xmlns:a16="http://schemas.microsoft.com/office/drawing/2014/main" id="{047D3503-8DAC-BE0A-CCA0-BE57E939B3FE}"/>
+              </a:ext>
+            </a:extLst>
+          </p:cNvPr>
+          <p:cNvSpPr>
+            <a:spLocks noGrp="1"/>
+          </p:cNvSpPr>
+          <p:nvPr>
+            <p:ph type="ftr" sz="quarter" idx="11"/>
+          </p:nvPr>
+        </p:nvSpPr>
+        <p:spPr/>
+        <p:txBody>
+          <a:bodyPr/>
+          <a:lstStyle/>
+          <a:p>
+            <a:pPr algn="l"/>
             <a:r>
               <a:rPr lang="en-US" altLang="ko-KR" dirty="0"/>
-              <a:t>1</a:t>
-            </a:r>
+              <a:t>Class </a:t>
+            </a:r>
+            <a:r>
+              <a:rPr lang="ko-KR" altLang="en-US" dirty="0"/>
+              <a:t>계층구조</a:t>
+            </a:r>
+          </a:p>
+        </p:txBody>
+      </p:sp>
+      <p:sp>
+        <p:nvSpPr>
+          <p:cNvPr id="17" name="TextBox 16">
+            <a:extLst>
+              <a:ext uri="{FF2B5EF4-FFF2-40B4-BE49-F238E27FC236}">
+                <a16:creationId xmlns:a16="http://schemas.microsoft.com/office/drawing/2014/main" id="{FF072644-E833-B7EE-7CE2-AA6391E10CDA}"/>
+              </a:ext>
+            </a:extLst>
+          </p:cNvPr>
+          <p:cNvSpPr txBox="1"/>
+          <p:nvPr/>
+        </p:nvSpPr>
+        <p:spPr>
+          <a:xfrm>
+            <a:off x="5752730" y="4901017"/>
+            <a:ext cx="5487169" cy="646331"/>
+          </a:xfrm>
+          <a:prstGeom prst="rect">
+            <a:avLst/>
+          </a:prstGeom>
+          <a:noFill/>
+        </p:spPr>
+        <p:txBody>
+          <a:bodyPr wrap="square" rtlCol="0">
+            <a:spAutoFit/>
+          </a:bodyPr>
+          <a:lstStyle/>
+          <a:p>
+            <a:r>
+              <a:rPr lang="ko-KR" altLang="en-US" dirty="0"/>
+              <a:t>게임에서 사용될 오브젝트의 </a:t>
+            </a:r>
+            <a:r>
+              <a:rPr lang="en-US" altLang="ko-KR" dirty="0"/>
+              <a:t>Class </a:t>
+            </a:r>
+            <a:r>
+              <a:rPr lang="ko-KR" altLang="en-US" dirty="0"/>
+              <a:t>계층구조</a:t>
+            </a:r>
+            <a:endParaRPr lang="en-US" altLang="ko-KR" dirty="0"/>
+          </a:p>
+          <a:p>
             <a:endParaRPr lang="ko-KR" altLang="en-US" dirty="0"/>
-          </a:p>
-        </p:txBody>
-      </p:sp>
-      <p:sp>
-        <p:nvSpPr>
-          <p:cNvPr id="3" name="내용 개체 틀 2">
-            <a:extLst>
-              <a:ext uri="{FF2B5EF4-FFF2-40B4-BE49-F238E27FC236}">
-                <a16:creationId xmlns:a16="http://schemas.microsoft.com/office/drawing/2014/main" id="{E4C8DB3D-3E42-686A-7256-931C1327C415}"/>
-              </a:ext>
-            </a:extLst>
-          </p:cNvPr>
-          <p:cNvSpPr>
-            <a:spLocks noGrp="1"/>
-          </p:cNvSpPr>
-          <p:nvPr>
-            <p:ph idx="1"/>
-          </p:nvPr>
-        </p:nvSpPr>
-        <p:spPr/>
-        <p:txBody>
-          <a:bodyPr/>
-          <a:lstStyle/>
-          <a:p>
-            <a:r>
-              <a:rPr lang="en-US" altLang="ko-KR" dirty="0"/>
-              <a:t>Server</a:t>
-            </a:r>
-            <a:r>
-              <a:rPr lang="ko-KR" altLang="en-US" dirty="0"/>
-              <a:t> </a:t>
-            </a:r>
-            <a:r>
-              <a:rPr lang="en-US" altLang="ko-KR" dirty="0"/>
-              <a:t>listen()</a:t>
-            </a:r>
-            <a:r>
-              <a:rPr lang="ko-KR" altLang="en-US" dirty="0"/>
-              <a:t>까지 정리</a:t>
-            </a:r>
-            <a:r>
-              <a:rPr lang="en-US" altLang="ko-KR" dirty="0"/>
-              <a:t>.</a:t>
-            </a:r>
-          </a:p>
-          <a:p>
-            <a:r>
-              <a:rPr lang="en-US" altLang="ko-KR" dirty="0"/>
-              <a:t>Client</a:t>
-            </a:r>
-            <a:r>
-              <a:rPr lang="ko-KR" altLang="en-US" dirty="0"/>
-              <a:t>에서 </a:t>
-            </a:r>
-            <a:r>
-              <a:rPr lang="en-US" altLang="ko-KR" dirty="0"/>
-              <a:t>Connect()</a:t>
-            </a:r>
-            <a:r>
-              <a:rPr lang="ko-KR" altLang="en-US" dirty="0"/>
-              <a:t>를 부르고 </a:t>
-            </a:r>
-            <a:r>
-              <a:rPr lang="en-US" altLang="ko-KR" dirty="0"/>
-              <a:t>Server</a:t>
-            </a:r>
-            <a:r>
-              <a:rPr lang="ko-KR" altLang="en-US" dirty="0"/>
-              <a:t>에서 </a:t>
-            </a:r>
-            <a:r>
-              <a:rPr lang="en-US" altLang="ko-KR" dirty="0"/>
-              <a:t>accept().</a:t>
-            </a:r>
-          </a:p>
-          <a:p>
-            <a:r>
-              <a:rPr lang="ko-KR" altLang="en-US" dirty="0"/>
-              <a:t>서버의 </a:t>
-            </a:r>
-            <a:r>
-              <a:rPr lang="en-US" altLang="ko-KR" dirty="0" err="1"/>
-              <a:t>PlayerManager</a:t>
-            </a:r>
-            <a:r>
-              <a:rPr lang="ko-KR" altLang="en-US" dirty="0"/>
-              <a:t>가 </a:t>
-            </a:r>
-            <a:r>
-              <a:rPr lang="en-US" altLang="ko-KR" dirty="0" err="1"/>
-              <a:t>CheckGame</a:t>
-            </a:r>
-            <a:r>
-              <a:rPr lang="en-US" altLang="ko-KR" dirty="0"/>
-              <a:t>()</a:t>
-            </a:r>
-            <a:r>
-              <a:rPr lang="ko-KR" altLang="en-US" dirty="0"/>
-              <a:t>으로 게임들을 확인해 빈 자리가 있는 게임의 </a:t>
-            </a:r>
-            <a:r>
-              <a:rPr lang="en-US" altLang="ko-KR" dirty="0"/>
-              <a:t>index</a:t>
-            </a:r>
-            <a:r>
-              <a:rPr lang="ko-KR" altLang="en-US" dirty="0"/>
-              <a:t>를 반환한다</a:t>
-            </a:r>
-            <a:r>
-              <a:rPr lang="en-US" altLang="ko-KR" dirty="0"/>
-              <a:t>.</a:t>
-            </a:r>
-          </a:p>
-          <a:p>
-            <a:r>
-              <a:rPr lang="ko-KR" altLang="en-US" dirty="0"/>
-              <a:t>없다면 새로운 게임을 만들어 그 게임의 </a:t>
-            </a:r>
-            <a:r>
-              <a:rPr lang="en-US" altLang="ko-KR" dirty="0"/>
-              <a:t>index</a:t>
-            </a:r>
-            <a:r>
-              <a:rPr lang="ko-KR" altLang="en-US" dirty="0"/>
-              <a:t>를 반환한다</a:t>
-            </a:r>
-            <a:r>
-              <a:rPr lang="en-US" altLang="ko-KR" dirty="0"/>
-              <a:t>.</a:t>
-            </a:r>
-          </a:p>
-          <a:p>
-            <a:r>
-              <a:rPr lang="en-US" altLang="ko-KR" dirty="0" err="1"/>
-              <a:t>MakePlayer</a:t>
-            </a:r>
-            <a:r>
-              <a:rPr lang="en-US" altLang="ko-KR" dirty="0"/>
-              <a:t>()</a:t>
-            </a:r>
-            <a:r>
-              <a:rPr lang="ko-KR" altLang="en-US" dirty="0"/>
-              <a:t>로 해당 </a:t>
-            </a:r>
-            <a:r>
-              <a:rPr lang="en-US" altLang="ko-KR" dirty="0"/>
-              <a:t>index</a:t>
-            </a:r>
-            <a:r>
-              <a:rPr lang="ko-KR" altLang="en-US" dirty="0"/>
-              <a:t>의 게임에 플레이어 오브젝트를 만들고 그 오브젝트의 </a:t>
-            </a:r>
-            <a:r>
-              <a:rPr lang="en-US" altLang="ko-KR" dirty="0"/>
-              <a:t>index</a:t>
-            </a:r>
-            <a:r>
-              <a:rPr lang="ko-KR" altLang="en-US" dirty="0"/>
-              <a:t>를 반환한다</a:t>
-            </a:r>
-            <a:r>
-              <a:rPr lang="en-US" altLang="ko-KR" dirty="0"/>
-              <a:t>.</a:t>
-            </a:r>
-          </a:p>
-          <a:p>
-            <a:r>
-              <a:rPr lang="en-US" altLang="ko-KR" dirty="0"/>
-              <a:t>Server</a:t>
-            </a:r>
-            <a:r>
-              <a:rPr lang="ko-KR" altLang="en-US" dirty="0"/>
-              <a:t>에서 </a:t>
-            </a:r>
-            <a:r>
-              <a:rPr lang="en-US" altLang="ko-KR" dirty="0"/>
-              <a:t>Client</a:t>
-            </a:r>
-            <a:r>
-              <a:rPr lang="ko-KR" altLang="en-US" dirty="0"/>
-              <a:t>로 해당 </a:t>
-            </a:r>
-            <a:r>
-              <a:rPr lang="en-US" altLang="ko-KR" dirty="0"/>
-              <a:t>index</a:t>
-            </a:r>
-            <a:r>
-              <a:rPr lang="ko-KR" altLang="en-US" dirty="0"/>
-              <a:t>를 보낸다</a:t>
-            </a:r>
-            <a:r>
-              <a:rPr lang="en-US" altLang="ko-KR" dirty="0"/>
-              <a:t>.</a:t>
-            </a:r>
           </a:p>
         </p:txBody>
       </p:sp>
     </p:spTree>
     <p:extLst>
       <p:ext uri="{BB962C8B-B14F-4D97-AF65-F5344CB8AC3E}">
-        <p14:creationId xmlns:p14="http://schemas.microsoft.com/office/powerpoint/2010/main" val="1718134847"/>
+        <p14:creationId xmlns:p14="http://schemas.microsoft.com/office/powerpoint/2010/main" val="2031646411"/>
       </p:ext>
     </p:extLst>
   </p:cSld>
@@ -4888,7 +10093,7 @@
           <p:cNvPr id="2" name="제목 1">
             <a:extLst>
               <a:ext uri="{FF2B5EF4-FFF2-40B4-BE49-F238E27FC236}">
-                <a16:creationId xmlns:a16="http://schemas.microsoft.com/office/drawing/2014/main" id="{389BF5A8-4E49-7671-5DA1-A9E255D4BAB7}"/>
+                <a16:creationId xmlns:a16="http://schemas.microsoft.com/office/drawing/2014/main" id="{CD59657E-4DF5-0BBD-B638-F074795F2C35}"/>
               </a:ext>
             </a:extLst>
           </p:cNvPr>
@@ -4905,26 +10110,64 @@
           <a:lstStyle/>
           <a:p>
             <a:r>
+              <a:rPr lang="en-US" altLang="ko-KR" dirty="0"/>
+              <a:t>Low-level </a:t>
+            </a:r>
+            <a:r>
               <a:rPr lang="ko-KR" altLang="en-US" dirty="0"/>
-              <a:t>공용</a:t>
-            </a:r>
-          </a:p>
-        </p:txBody>
-      </p:sp>
-      <p:sp>
-        <p:nvSpPr>
-          <p:cNvPr id="3" name="내용 개체 틀 2">
-            <a:extLst>
-              <a:ext uri="{FF2B5EF4-FFF2-40B4-BE49-F238E27FC236}">
-                <a16:creationId xmlns:a16="http://schemas.microsoft.com/office/drawing/2014/main" id="{01AA6550-E0D4-1DA5-54CC-12E088B0A3B2}"/>
-              </a:ext>
-            </a:extLst>
-          </p:cNvPr>
-          <p:cNvSpPr>
-            <a:spLocks noGrp="1"/>
-          </p:cNvSpPr>
-          <p:nvPr>
-            <p:ph idx="1"/>
+              <a:t>디자인</a:t>
+            </a:r>
+          </a:p>
+        </p:txBody>
+      </p:sp>
+      <p:sp>
+        <p:nvSpPr>
+          <p:cNvPr id="4" name="슬라이드 번호 개체 틀 3">
+            <a:extLst>
+              <a:ext uri="{FF2B5EF4-FFF2-40B4-BE49-F238E27FC236}">
+                <a16:creationId xmlns:a16="http://schemas.microsoft.com/office/drawing/2014/main" id="{B1272101-7EDC-E2B8-9A13-ACE458EEDC8E}"/>
+              </a:ext>
+            </a:extLst>
+          </p:cNvPr>
+          <p:cNvSpPr>
+            <a:spLocks noGrp="1"/>
+          </p:cNvSpPr>
+          <p:nvPr>
+            <p:ph type="sldNum" sz="quarter" idx="12"/>
+          </p:nvPr>
+        </p:nvSpPr>
+        <p:spPr>
+          <a:xfrm>
+            <a:off x="8610600" y="6356350"/>
+            <a:ext cx="2743200" cy="365125"/>
+          </a:xfrm>
+        </p:spPr>
+        <p:txBody>
+          <a:bodyPr/>
+          <a:lstStyle/>
+          <a:p>
+            <a:fld id="{2F7F2206-C3AA-4D7A-AC99-58940E523BC8}" type="slidenum">
+              <a:rPr lang="ko-KR" altLang="en-US" smtClean="0"/>
+              <a:t>7</a:t>
+            </a:fld>
+            <a:endParaRPr lang="ko-KR" altLang="en-US"/>
+          </a:p>
+        </p:txBody>
+      </p:sp>
+      <p:sp>
+        <p:nvSpPr>
+          <p:cNvPr id="16" name="바닥글 개체 틀 15">
+            <a:extLst>
+              <a:ext uri="{FF2B5EF4-FFF2-40B4-BE49-F238E27FC236}">
+                <a16:creationId xmlns:a16="http://schemas.microsoft.com/office/drawing/2014/main" id="{047D3503-8DAC-BE0A-CCA0-BE57E939B3FE}"/>
+              </a:ext>
+            </a:extLst>
+          </p:cNvPr>
+          <p:cNvSpPr>
+            <a:spLocks noGrp="1"/>
+          </p:cNvSpPr>
+          <p:nvPr>
+            <p:ph type="ftr" sz="quarter" idx="11"/>
           </p:nvPr>
         </p:nvSpPr>
         <p:spPr/>
@@ -4932,14 +10175,324 @@
           <a:bodyPr/>
           <a:lstStyle/>
           <a:p>
-            <a:endParaRPr lang="ko-KR" altLang="en-US" dirty="0"/>
+            <a:pPr algn="l"/>
+            <a:r>
+              <a:rPr lang="ko-KR" altLang="en-US" dirty="0"/>
+              <a:t>플레이어 접속</a:t>
+            </a:r>
+          </a:p>
+        </p:txBody>
+      </p:sp>
+      <p:pic>
+        <p:nvPicPr>
+          <p:cNvPr id="6" name="그림 5">
+            <a:extLst>
+              <a:ext uri="{FF2B5EF4-FFF2-40B4-BE49-F238E27FC236}">
+                <a16:creationId xmlns:a16="http://schemas.microsoft.com/office/drawing/2014/main" id="{E86F0F0D-EA3D-94A1-2578-016327C5B617}"/>
+              </a:ext>
+            </a:extLst>
+          </p:cNvPr>
+          <p:cNvPicPr>
+            <a:picLocks noChangeAspect="1"/>
+          </p:cNvPicPr>
+          <p:nvPr/>
+        </p:nvPicPr>
+        <p:blipFill>
+          <a:blip r:embed="rId3">
+            <a:extLst>
+              <a:ext uri="{28A0092B-C50C-407E-A947-70E740481C1C}">
+                <a14:useLocalDpi xmlns:a14="http://schemas.microsoft.com/office/drawing/2010/main" val="0"/>
+              </a:ext>
+            </a:extLst>
+          </a:blip>
+          <a:stretch>
+            <a:fillRect/>
+          </a:stretch>
+        </p:blipFill>
+        <p:spPr>
+          <a:xfrm>
+            <a:off x="448140" y="1882451"/>
+            <a:ext cx="6751651" cy="3858087"/>
+          </a:xfrm>
+          <a:prstGeom prst="rect">
+            <a:avLst/>
+          </a:prstGeom>
+        </p:spPr>
+      </p:pic>
+      <p:sp>
+        <p:nvSpPr>
+          <p:cNvPr id="8" name="TextBox 7">
+            <a:extLst>
+              <a:ext uri="{FF2B5EF4-FFF2-40B4-BE49-F238E27FC236}">
+                <a16:creationId xmlns:a16="http://schemas.microsoft.com/office/drawing/2014/main" id="{C0326DC7-691E-4FED-CDC8-488DDC8CBBAB}"/>
+              </a:ext>
+            </a:extLst>
+          </p:cNvPr>
+          <p:cNvSpPr txBox="1"/>
+          <p:nvPr/>
+        </p:nvSpPr>
+        <p:spPr>
+          <a:xfrm>
+            <a:off x="6994865" y="1759855"/>
+            <a:ext cx="4954478" cy="3785652"/>
+          </a:xfrm>
+          <a:prstGeom prst="rect">
+            <a:avLst/>
+          </a:prstGeom>
+          <a:noFill/>
+        </p:spPr>
+        <p:txBody>
+          <a:bodyPr wrap="square" rtlCol="0">
+            <a:spAutoFit/>
+          </a:bodyPr>
+          <a:lstStyle/>
+          <a:p>
+            <a:r>
+              <a:rPr lang="en-US" altLang="ko-KR" sz="1200" dirty="0" err="1"/>
+              <a:t>PrepareSocket</a:t>
+            </a:r>
+            <a:endParaRPr lang="en-US" altLang="ko-KR" sz="1200" dirty="0"/>
+          </a:p>
+          <a:p>
+            <a:r>
+              <a:rPr lang="ko-KR" altLang="en-US" sz="1200" dirty="0" err="1"/>
+              <a:t>윈속</a:t>
+            </a:r>
+            <a:r>
+              <a:rPr lang="ko-KR" altLang="en-US" sz="1200" dirty="0"/>
+              <a:t> 버전 </a:t>
+            </a:r>
+            <a:r>
+              <a:rPr lang="en-US" altLang="ko-KR" sz="1200" dirty="0"/>
+              <a:t>: 2.2</a:t>
+            </a:r>
+          </a:p>
+          <a:p>
+            <a:r>
+              <a:rPr lang="ko-KR" altLang="en-US" sz="1200" dirty="0"/>
+              <a:t>사용 프로토콜 </a:t>
+            </a:r>
+            <a:r>
+              <a:rPr lang="en-US" altLang="ko-KR" sz="1200" dirty="0"/>
+              <a:t>: IPv4, TCP</a:t>
+            </a:r>
+          </a:p>
+          <a:p>
+            <a:endParaRPr lang="en-US" altLang="ko-KR" sz="1200" dirty="0"/>
+          </a:p>
+          <a:p>
+            <a:endParaRPr lang="en-US" altLang="ko-KR" sz="1200" dirty="0"/>
+          </a:p>
+          <a:p>
+            <a:r>
+              <a:rPr lang="en-US" altLang="ko-KR" sz="1200" b="1" dirty="0"/>
+              <a:t>Connecter() </a:t>
+            </a:r>
+          </a:p>
+          <a:p>
+            <a:r>
+              <a:rPr lang="en-US" altLang="ko-KR" sz="1200" b="1" dirty="0"/>
+              <a:t>Return</a:t>
+            </a:r>
+            <a:r>
+              <a:rPr lang="ko-KR" altLang="en-US" sz="1200" b="1" dirty="0"/>
+              <a:t> </a:t>
+            </a:r>
+            <a:r>
+              <a:rPr lang="en-US" altLang="ko-KR" sz="1200" b="1" dirty="0"/>
+              <a:t>value </a:t>
+            </a:r>
+            <a:r>
+              <a:rPr lang="en-US" altLang="ko-KR" sz="1200" dirty="0"/>
+              <a:t>: int </a:t>
+            </a:r>
+            <a:r>
+              <a:rPr lang="en-US" altLang="ko-KR" sz="1200" dirty="0" err="1"/>
+              <a:t>player_index</a:t>
+            </a:r>
+            <a:endParaRPr lang="en-US" altLang="ko-KR" sz="1200" dirty="0"/>
+          </a:p>
+          <a:p>
+            <a:r>
+              <a:rPr lang="en-US" altLang="ko-KR" sz="1200" b="1" dirty="0"/>
+              <a:t>Parameter</a:t>
+            </a:r>
+            <a:r>
+              <a:rPr lang="en-US" altLang="ko-KR" sz="1200" dirty="0"/>
+              <a:t> : </a:t>
+            </a:r>
+            <a:r>
+              <a:rPr lang="en-US" altLang="ko-KR" sz="1200" dirty="0" err="1"/>
+              <a:t>server_ip</a:t>
+            </a:r>
+            <a:r>
+              <a:rPr lang="en-US" altLang="ko-KR" sz="1200" dirty="0"/>
+              <a:t>, </a:t>
+            </a:r>
+            <a:r>
+              <a:rPr lang="en-US" altLang="ko-KR" sz="1200" dirty="0" err="1"/>
+              <a:t>server_port</a:t>
+            </a:r>
+            <a:endParaRPr lang="en-US" altLang="ko-KR" sz="1200" dirty="0"/>
+          </a:p>
+          <a:p>
+            <a:r>
+              <a:rPr lang="en-US" altLang="ko-KR" sz="1200" b="1" dirty="0"/>
+              <a:t>Explain</a:t>
+            </a:r>
+            <a:r>
+              <a:rPr lang="ko-KR" altLang="en-US" sz="1200" dirty="0"/>
+              <a:t> </a:t>
+            </a:r>
+            <a:r>
+              <a:rPr lang="en-US" altLang="ko-KR" sz="1200" dirty="0"/>
+              <a:t>:</a:t>
+            </a:r>
+          </a:p>
+          <a:p>
+            <a:r>
+              <a:rPr lang="en-US" altLang="ko-KR" sz="1200" dirty="0"/>
+              <a:t>connect()</a:t>
+            </a:r>
+            <a:r>
+              <a:rPr lang="ko-KR" altLang="en-US" sz="1200" dirty="0"/>
+              <a:t>와 </a:t>
+            </a:r>
+            <a:r>
+              <a:rPr lang="en-US" altLang="ko-KR" sz="1200" dirty="0" err="1"/>
+              <a:t>RecvPlayerNum</a:t>
+            </a:r>
+            <a:r>
+              <a:rPr lang="en-US" altLang="ko-KR" sz="1200" dirty="0"/>
+              <a:t>()</a:t>
+            </a:r>
+            <a:r>
+              <a:rPr lang="ko-KR" altLang="en-US" sz="1200" dirty="0"/>
+              <a:t>을 통해 서버와 통신하고 </a:t>
+            </a:r>
+            <a:r>
+              <a:rPr lang="en-US" altLang="ko-KR" sz="1200" dirty="0" err="1"/>
+              <a:t>CreateThread</a:t>
+            </a:r>
+            <a:r>
+              <a:rPr lang="en-US" altLang="ko-KR" sz="1200" dirty="0"/>
+              <a:t>()</a:t>
+            </a:r>
+            <a:r>
+              <a:rPr lang="ko-KR" altLang="en-US" sz="1200" dirty="0"/>
+              <a:t>를 사용하여 게임 플레이를 위한 쓰레드를 생성한다</a:t>
+            </a:r>
+            <a:r>
+              <a:rPr lang="en-US" altLang="ko-KR" sz="1200" dirty="0"/>
+              <a:t>.</a:t>
+            </a:r>
+          </a:p>
+          <a:p>
+            <a:endParaRPr lang="en-US" altLang="ko-KR" sz="1200" dirty="0"/>
+          </a:p>
+          <a:p>
+            <a:endParaRPr lang="en-US" altLang="ko-KR" sz="1200" dirty="0"/>
+          </a:p>
+          <a:p>
+            <a:r>
+              <a:rPr lang="en-US" altLang="ko-KR" sz="1200" b="1" dirty="0" err="1"/>
+              <a:t>CheckGame</a:t>
+            </a:r>
+            <a:r>
+              <a:rPr lang="en-US" altLang="ko-KR" sz="1200" b="1" dirty="0"/>
+              <a:t>()</a:t>
+            </a:r>
+          </a:p>
+          <a:p>
+            <a:r>
+              <a:rPr lang="en-US" altLang="ko-KR" sz="1200" b="1" dirty="0"/>
+              <a:t>Return</a:t>
+            </a:r>
+            <a:r>
+              <a:rPr lang="ko-KR" altLang="en-US" sz="1200" b="1" dirty="0"/>
+              <a:t> </a:t>
+            </a:r>
+            <a:r>
+              <a:rPr lang="en-US" altLang="ko-KR" sz="1200" b="1" dirty="0"/>
+              <a:t>value </a:t>
+            </a:r>
+            <a:r>
+              <a:rPr lang="en-US" altLang="ko-KR" sz="1200" dirty="0"/>
+              <a:t>: int </a:t>
+            </a:r>
+            <a:r>
+              <a:rPr lang="en-US" altLang="ko-KR" sz="1200" dirty="0" err="1"/>
+              <a:t>game_index</a:t>
+            </a:r>
+            <a:endParaRPr lang="en-US" altLang="ko-KR" sz="1200" dirty="0"/>
+          </a:p>
+          <a:p>
+            <a:r>
+              <a:rPr lang="en-US" altLang="ko-KR" sz="1200" b="1" dirty="0"/>
+              <a:t>Parameter</a:t>
+            </a:r>
+            <a:r>
+              <a:rPr lang="en-US" altLang="ko-KR" sz="1200" dirty="0"/>
+              <a:t> : void</a:t>
+            </a:r>
+          </a:p>
+          <a:p>
+            <a:r>
+              <a:rPr lang="en-US" altLang="ko-KR" sz="1200" b="1" dirty="0"/>
+              <a:t>Explain</a:t>
+            </a:r>
+            <a:r>
+              <a:rPr lang="ko-KR" altLang="en-US" sz="1200" dirty="0"/>
+              <a:t> </a:t>
+            </a:r>
+            <a:r>
+              <a:rPr lang="en-US" altLang="ko-KR" sz="1200" dirty="0"/>
+              <a:t>:</a:t>
+            </a:r>
+          </a:p>
+          <a:p>
+            <a:r>
+              <a:rPr lang="en-US" altLang="ko-KR" sz="1200" dirty="0" err="1"/>
+              <a:t>PlayerManger</a:t>
+            </a:r>
+            <a:r>
+              <a:rPr lang="ko-KR" altLang="en-US" sz="1200" dirty="0"/>
+              <a:t>의 게임들이 플레이어를 추가할 수 있는지 확인하고 추가한다</a:t>
+            </a:r>
+            <a:r>
+              <a:rPr lang="en-US" altLang="ko-KR" sz="1200" dirty="0"/>
+              <a:t>. </a:t>
+            </a:r>
+            <a:r>
+              <a:rPr lang="ko-KR" altLang="en-US" sz="1200" dirty="0"/>
+              <a:t>불가능할 경우 </a:t>
+            </a:r>
+            <a:r>
+              <a:rPr lang="en-US" altLang="ko-KR" sz="1200" dirty="0" err="1"/>
+              <a:t>MakeGame</a:t>
+            </a:r>
+            <a:r>
+              <a:rPr lang="en-US" altLang="ko-KR" sz="1200" dirty="0"/>
+              <a:t>()</a:t>
+            </a:r>
+            <a:r>
+              <a:rPr lang="ko-KR" altLang="en-US" sz="1200" dirty="0"/>
+              <a:t>을 부른다</a:t>
+            </a:r>
+            <a:r>
+              <a:rPr lang="en-US" altLang="ko-KR" sz="1200" dirty="0"/>
+              <a:t>.</a:t>
+            </a:r>
+          </a:p>
+          <a:p>
+            <a:endParaRPr lang="en-US" altLang="ko-KR" sz="1200" dirty="0"/>
           </a:p>
         </p:txBody>
       </p:sp>
     </p:spTree>
     <p:extLst>
       <p:ext uri="{BB962C8B-B14F-4D97-AF65-F5344CB8AC3E}">
-        <p14:creationId xmlns:p14="http://schemas.microsoft.com/office/powerpoint/2010/main" val="2279615657"/>
+        <p14:creationId xmlns:p14="http://schemas.microsoft.com/office/powerpoint/2010/main" val="2755771689"/>
       </p:ext>
     </p:extLst>
   </p:cSld>
@@ -4971,7 +10524,7 @@
           <p:cNvPr id="2" name="제목 1">
             <a:extLst>
               <a:ext uri="{FF2B5EF4-FFF2-40B4-BE49-F238E27FC236}">
-                <a16:creationId xmlns:a16="http://schemas.microsoft.com/office/drawing/2014/main" id="{C229B225-D86E-F7B3-63D6-0E343AC6B07F}"/>
+                <a16:creationId xmlns:a16="http://schemas.microsoft.com/office/drawing/2014/main" id="{CD59657E-4DF5-0BBD-B638-F074795F2C35}"/>
               </a:ext>
             </a:extLst>
           </p:cNvPr>
@@ -4989,26 +10542,63 @@
           <a:p>
             <a:r>
               <a:rPr lang="en-US" altLang="ko-KR" dirty="0"/>
-              <a:t>Client </a:t>
-            </a:r>
-            <a:endParaRPr lang="ko-KR" altLang="en-US" dirty="0"/>
-          </a:p>
-        </p:txBody>
-      </p:sp>
-      <p:sp>
-        <p:nvSpPr>
-          <p:cNvPr id="3" name="내용 개체 틀 2">
-            <a:extLst>
-              <a:ext uri="{FF2B5EF4-FFF2-40B4-BE49-F238E27FC236}">
-                <a16:creationId xmlns:a16="http://schemas.microsoft.com/office/drawing/2014/main" id="{E3A521CE-6387-9213-D34F-8E6300A605CF}"/>
-              </a:ext>
-            </a:extLst>
-          </p:cNvPr>
-          <p:cNvSpPr>
-            <a:spLocks noGrp="1"/>
-          </p:cNvSpPr>
-          <p:nvPr>
-            <p:ph idx="1"/>
+              <a:t>Low-level </a:t>
+            </a:r>
+            <a:r>
+              <a:rPr lang="ko-KR" altLang="en-US" dirty="0"/>
+              <a:t>디자인</a:t>
+            </a:r>
+          </a:p>
+        </p:txBody>
+      </p:sp>
+      <p:sp>
+        <p:nvSpPr>
+          <p:cNvPr id="4" name="슬라이드 번호 개체 틀 3">
+            <a:extLst>
+              <a:ext uri="{FF2B5EF4-FFF2-40B4-BE49-F238E27FC236}">
+                <a16:creationId xmlns:a16="http://schemas.microsoft.com/office/drawing/2014/main" id="{B1272101-7EDC-E2B8-9A13-ACE458EEDC8E}"/>
+              </a:ext>
+            </a:extLst>
+          </p:cNvPr>
+          <p:cNvSpPr>
+            <a:spLocks noGrp="1"/>
+          </p:cNvSpPr>
+          <p:nvPr>
+            <p:ph type="sldNum" sz="quarter" idx="12"/>
+          </p:nvPr>
+        </p:nvSpPr>
+        <p:spPr>
+          <a:xfrm>
+            <a:off x="8610600" y="6356350"/>
+            <a:ext cx="2743200" cy="365125"/>
+          </a:xfrm>
+        </p:spPr>
+        <p:txBody>
+          <a:bodyPr/>
+          <a:lstStyle/>
+          <a:p>
+            <a:fld id="{2F7F2206-C3AA-4D7A-AC99-58940E523BC8}" type="slidenum">
+              <a:rPr lang="ko-KR" altLang="en-US" smtClean="0"/>
+              <a:t>8</a:t>
+            </a:fld>
+            <a:endParaRPr lang="ko-KR" altLang="en-US"/>
+          </a:p>
+        </p:txBody>
+      </p:sp>
+      <p:sp>
+        <p:nvSpPr>
+          <p:cNvPr id="16" name="바닥글 개체 틀 15">
+            <a:extLst>
+              <a:ext uri="{FF2B5EF4-FFF2-40B4-BE49-F238E27FC236}">
+                <a16:creationId xmlns:a16="http://schemas.microsoft.com/office/drawing/2014/main" id="{047D3503-8DAC-BE0A-CCA0-BE57E939B3FE}"/>
+              </a:ext>
+            </a:extLst>
+          </p:cNvPr>
+          <p:cNvSpPr>
+            <a:spLocks noGrp="1"/>
+          </p:cNvSpPr>
+          <p:nvPr>
+            <p:ph type="ftr" sz="quarter" idx="11"/>
           </p:nvPr>
         </p:nvSpPr>
         <p:spPr/>
@@ -5016,14 +10606,312 @@
           <a:bodyPr/>
           <a:lstStyle/>
           <a:p>
-            <a:endParaRPr lang="ko-KR" altLang="en-US"/>
+            <a:pPr algn="l"/>
+            <a:r>
+              <a:rPr lang="ko-KR" altLang="en-US" dirty="0"/>
+              <a:t>플레이어 접속</a:t>
+            </a:r>
+          </a:p>
+        </p:txBody>
+      </p:sp>
+      <p:pic>
+        <p:nvPicPr>
+          <p:cNvPr id="6" name="그림 5">
+            <a:extLst>
+              <a:ext uri="{FF2B5EF4-FFF2-40B4-BE49-F238E27FC236}">
+                <a16:creationId xmlns:a16="http://schemas.microsoft.com/office/drawing/2014/main" id="{E86F0F0D-EA3D-94A1-2578-016327C5B617}"/>
+              </a:ext>
+            </a:extLst>
+          </p:cNvPr>
+          <p:cNvPicPr>
+            <a:picLocks noChangeAspect="1"/>
+          </p:cNvPicPr>
+          <p:nvPr/>
+        </p:nvPicPr>
+        <p:blipFill>
+          <a:blip r:embed="rId2">
+            <a:extLst>
+              <a:ext uri="{28A0092B-C50C-407E-A947-70E740481C1C}">
+                <a14:useLocalDpi xmlns:a14="http://schemas.microsoft.com/office/drawing/2010/main" val="0"/>
+              </a:ext>
+            </a:extLst>
+          </a:blip>
+          <a:stretch>
+            <a:fillRect/>
+          </a:stretch>
+        </p:blipFill>
+        <p:spPr>
+          <a:xfrm>
+            <a:off x="448140" y="1882451"/>
+            <a:ext cx="6751651" cy="3858087"/>
+          </a:xfrm>
+          <a:prstGeom prst="rect">
+            <a:avLst/>
+          </a:prstGeom>
+        </p:spPr>
+      </p:pic>
+      <p:sp>
+        <p:nvSpPr>
+          <p:cNvPr id="8" name="TextBox 7">
+            <a:extLst>
+              <a:ext uri="{FF2B5EF4-FFF2-40B4-BE49-F238E27FC236}">
+                <a16:creationId xmlns:a16="http://schemas.microsoft.com/office/drawing/2014/main" id="{C0326DC7-691E-4FED-CDC8-488DDC8CBBAB}"/>
+              </a:ext>
+            </a:extLst>
+          </p:cNvPr>
+          <p:cNvSpPr txBox="1"/>
+          <p:nvPr/>
+        </p:nvSpPr>
+        <p:spPr>
+          <a:xfrm>
+            <a:off x="6977110" y="1826335"/>
+            <a:ext cx="4954478" cy="3970318"/>
+          </a:xfrm>
+          <a:prstGeom prst="rect">
+            <a:avLst/>
+          </a:prstGeom>
+          <a:noFill/>
+        </p:spPr>
+        <p:txBody>
+          <a:bodyPr wrap="square" rtlCol="0">
+            <a:spAutoFit/>
+          </a:bodyPr>
+          <a:lstStyle/>
+          <a:p>
+            <a:r>
+              <a:rPr lang="en-US" altLang="ko-KR" sz="1200" b="1" dirty="0" err="1"/>
+              <a:t>MakeGame</a:t>
+            </a:r>
+            <a:r>
+              <a:rPr lang="en-US" altLang="ko-KR" sz="1200" b="1" dirty="0"/>
+              <a:t>()</a:t>
+            </a:r>
+          </a:p>
+          <a:p>
+            <a:r>
+              <a:rPr lang="en-US" altLang="ko-KR" sz="1200" b="1" dirty="0"/>
+              <a:t>Return</a:t>
+            </a:r>
+            <a:r>
+              <a:rPr lang="ko-KR" altLang="en-US" sz="1200" b="1" dirty="0"/>
+              <a:t> </a:t>
+            </a:r>
+            <a:r>
+              <a:rPr lang="en-US" altLang="ko-KR" sz="1200" b="1" dirty="0"/>
+              <a:t>value </a:t>
+            </a:r>
+            <a:r>
+              <a:rPr lang="en-US" altLang="ko-KR" sz="1200" dirty="0"/>
+              <a:t>: int </a:t>
+            </a:r>
+            <a:r>
+              <a:rPr lang="en-US" altLang="ko-KR" sz="1200" dirty="0" err="1"/>
+              <a:t>game_index</a:t>
+            </a:r>
+            <a:endParaRPr lang="en-US" altLang="ko-KR" sz="1200" dirty="0"/>
+          </a:p>
+          <a:p>
+            <a:r>
+              <a:rPr lang="en-US" altLang="ko-KR" sz="1200" b="1" dirty="0"/>
+              <a:t>Parameter</a:t>
+            </a:r>
+            <a:r>
+              <a:rPr lang="en-US" altLang="ko-KR" sz="1200" dirty="0"/>
+              <a:t> : void</a:t>
+            </a:r>
+          </a:p>
+          <a:p>
+            <a:r>
+              <a:rPr lang="en-US" altLang="ko-KR" sz="1200" b="1" dirty="0"/>
+              <a:t>Explain</a:t>
+            </a:r>
+            <a:r>
+              <a:rPr lang="ko-KR" altLang="en-US" sz="1200" dirty="0"/>
+              <a:t> </a:t>
+            </a:r>
+            <a:r>
+              <a:rPr lang="en-US" altLang="ko-KR" sz="1200" dirty="0"/>
+              <a:t>:</a:t>
+            </a:r>
+          </a:p>
+          <a:p>
+            <a:r>
+              <a:rPr lang="en-US" altLang="ko-KR" sz="1200" dirty="0" err="1"/>
+              <a:t>PlayerManger</a:t>
+            </a:r>
+            <a:r>
+              <a:rPr lang="ko-KR" altLang="en-US" sz="1200" dirty="0"/>
+              <a:t>의 게임배열에 새로운 게임을 추가한다</a:t>
+            </a:r>
+            <a:r>
+              <a:rPr lang="en-US" altLang="ko-KR" sz="1200" dirty="0"/>
+              <a:t>.</a:t>
+            </a:r>
+          </a:p>
+          <a:p>
+            <a:endParaRPr lang="en-US" altLang="ko-KR" sz="1200" b="1" dirty="0"/>
+          </a:p>
+          <a:p>
+            <a:endParaRPr lang="en-US" altLang="ko-KR" sz="1200" b="1" dirty="0"/>
+          </a:p>
+          <a:p>
+            <a:endParaRPr lang="en-US" altLang="ko-KR" sz="1200" b="1" dirty="0"/>
+          </a:p>
+          <a:p>
+            <a:r>
+              <a:rPr lang="en-US" altLang="ko-KR" sz="1200" b="1" dirty="0" err="1"/>
+              <a:t>MakePlayer</a:t>
+            </a:r>
+            <a:r>
+              <a:rPr lang="en-US" altLang="ko-KR" sz="1200" b="1" dirty="0"/>
+              <a:t>()</a:t>
+            </a:r>
+          </a:p>
+          <a:p>
+            <a:r>
+              <a:rPr lang="en-US" altLang="ko-KR" sz="1200" b="1" dirty="0"/>
+              <a:t>Return</a:t>
+            </a:r>
+            <a:r>
+              <a:rPr lang="ko-KR" altLang="en-US" sz="1200" b="1" dirty="0"/>
+              <a:t> </a:t>
+            </a:r>
+            <a:r>
+              <a:rPr lang="en-US" altLang="ko-KR" sz="1200" b="1" dirty="0"/>
+              <a:t>value </a:t>
+            </a:r>
+            <a:r>
+              <a:rPr lang="en-US" altLang="ko-KR" sz="1200" dirty="0"/>
+              <a:t>: int </a:t>
+            </a:r>
+            <a:r>
+              <a:rPr lang="en-US" altLang="ko-KR" sz="1200" dirty="0" err="1"/>
+              <a:t>player_index</a:t>
+            </a:r>
+            <a:endParaRPr lang="en-US" altLang="ko-KR" sz="1200" dirty="0"/>
+          </a:p>
+          <a:p>
+            <a:r>
+              <a:rPr lang="en-US" altLang="ko-KR" sz="1200" b="1" dirty="0"/>
+              <a:t>Parameter</a:t>
+            </a:r>
+            <a:r>
+              <a:rPr lang="en-US" altLang="ko-KR" sz="1200" dirty="0"/>
+              <a:t> : int </a:t>
+            </a:r>
+            <a:r>
+              <a:rPr lang="en-US" altLang="ko-KR" sz="1200" dirty="0" err="1"/>
+              <a:t>game_index</a:t>
+            </a:r>
+            <a:endParaRPr lang="en-US" altLang="ko-KR" sz="1200" dirty="0"/>
+          </a:p>
+          <a:p>
+            <a:r>
+              <a:rPr lang="en-US" altLang="ko-KR" sz="1200" b="1" dirty="0"/>
+              <a:t>Explain</a:t>
+            </a:r>
+            <a:r>
+              <a:rPr lang="ko-KR" altLang="en-US" sz="1200" dirty="0"/>
+              <a:t> </a:t>
+            </a:r>
+            <a:r>
+              <a:rPr lang="en-US" altLang="ko-KR" sz="1200" dirty="0"/>
+              <a:t>:</a:t>
+            </a:r>
+          </a:p>
+          <a:p>
+            <a:r>
+              <a:rPr lang="en-US" altLang="ko-KR" sz="1200" dirty="0" err="1"/>
+              <a:t>game_index</a:t>
+            </a:r>
+            <a:r>
+              <a:rPr lang="ko-KR" altLang="en-US" sz="1200" dirty="0"/>
+              <a:t>번째 게임에 통신자의 플레이어 오브젝트를 추가하고 해당 오브젝트의 인덱스 번호를 반환한다</a:t>
+            </a:r>
+            <a:r>
+              <a:rPr lang="en-US" altLang="ko-KR" sz="1200" dirty="0"/>
+              <a:t>.</a:t>
+            </a:r>
+          </a:p>
+          <a:p>
+            <a:endParaRPr lang="en-US" altLang="ko-KR" sz="1200" dirty="0"/>
+          </a:p>
+          <a:p>
+            <a:endParaRPr lang="en-US" altLang="ko-KR" sz="1200" dirty="0"/>
+          </a:p>
+          <a:p>
+            <a:r>
+              <a:rPr lang="en-US" altLang="ko-KR" sz="1200" b="1" dirty="0" err="1"/>
+              <a:t>SendPlayerNum</a:t>
+            </a:r>
+            <a:r>
+              <a:rPr lang="en-US" altLang="ko-KR" sz="1200" b="1" dirty="0"/>
+              <a:t>()</a:t>
+            </a:r>
+          </a:p>
+          <a:p>
+            <a:r>
+              <a:rPr lang="en-US" altLang="ko-KR" sz="1200" b="1" dirty="0"/>
+              <a:t>Return</a:t>
+            </a:r>
+            <a:r>
+              <a:rPr lang="ko-KR" altLang="en-US" sz="1200" b="1" dirty="0"/>
+              <a:t> </a:t>
+            </a:r>
+            <a:r>
+              <a:rPr lang="en-US" altLang="ko-KR" sz="1200" b="1" dirty="0"/>
+              <a:t>value </a:t>
+            </a:r>
+            <a:r>
+              <a:rPr lang="en-US" altLang="ko-KR" sz="1200" dirty="0"/>
+              <a:t>: void</a:t>
+            </a:r>
+          </a:p>
+          <a:p>
+            <a:r>
+              <a:rPr lang="en-US" altLang="ko-KR" sz="1200" b="1" dirty="0"/>
+              <a:t>Parameter</a:t>
+            </a:r>
+            <a:r>
+              <a:rPr lang="en-US" altLang="ko-KR" sz="1200" dirty="0"/>
+              <a:t> : int player _index, SOCKET </a:t>
+            </a:r>
+            <a:r>
+              <a:rPr lang="en-US" altLang="ko-KR" sz="1200" dirty="0" err="1"/>
+              <a:t>client_sock</a:t>
+            </a:r>
+            <a:endParaRPr lang="en-US" altLang="ko-KR" sz="1200" dirty="0"/>
+          </a:p>
+          <a:p>
+            <a:r>
+              <a:rPr lang="en-US" altLang="ko-KR" sz="1200" b="1" dirty="0"/>
+              <a:t>Explain</a:t>
+            </a:r>
+            <a:r>
+              <a:rPr lang="ko-KR" altLang="en-US" sz="1200" dirty="0"/>
+              <a:t> </a:t>
+            </a:r>
+            <a:r>
+              <a:rPr lang="en-US" altLang="ko-KR" sz="1200" dirty="0"/>
+              <a:t>:</a:t>
+            </a:r>
+          </a:p>
+          <a:p>
+            <a:r>
+              <a:rPr lang="ko-KR" altLang="en-US" sz="1200" dirty="0"/>
+              <a:t>통신자에게 플레이어 오브젝트의 인덱스 번호를 넘겨준다</a:t>
+            </a:r>
+            <a:r>
+              <a:rPr lang="en-US" altLang="ko-KR" sz="1200" dirty="0"/>
+              <a:t>.</a:t>
+            </a:r>
           </a:p>
         </p:txBody>
       </p:sp>
     </p:spTree>
     <p:extLst>
       <p:ext uri="{BB962C8B-B14F-4D97-AF65-F5344CB8AC3E}">
-        <p14:creationId xmlns:p14="http://schemas.microsoft.com/office/powerpoint/2010/main" val="1837013046"/>
+        <p14:creationId xmlns:p14="http://schemas.microsoft.com/office/powerpoint/2010/main" val="2719649783"/>
       </p:ext>
     </p:extLst>
   </p:cSld>
@@ -5055,7 +10943,7 @@
           <p:cNvPr id="2" name="제목 1">
             <a:extLst>
               <a:ext uri="{FF2B5EF4-FFF2-40B4-BE49-F238E27FC236}">
-                <a16:creationId xmlns:a16="http://schemas.microsoft.com/office/drawing/2014/main" id="{3804E97D-F261-E022-0769-AF48AF3839BC}"/>
+                <a16:creationId xmlns:a16="http://schemas.microsoft.com/office/drawing/2014/main" id="{CD59657E-4DF5-0BBD-B638-F074795F2C35}"/>
               </a:ext>
             </a:extLst>
           </p:cNvPr>
@@ -5073,41 +10961,545 @@
           <a:p>
             <a:r>
               <a:rPr lang="en-US" altLang="ko-KR" dirty="0"/>
-              <a:t>Server</a:t>
+              <a:t>Low-level </a:t>
+            </a:r>
+            <a:r>
+              <a:rPr lang="ko-KR" altLang="en-US" dirty="0"/>
+              <a:t>디자인</a:t>
+            </a:r>
+          </a:p>
+        </p:txBody>
+      </p:sp>
+      <p:sp>
+        <p:nvSpPr>
+          <p:cNvPr id="4" name="슬라이드 번호 개체 틀 3">
+            <a:extLst>
+              <a:ext uri="{FF2B5EF4-FFF2-40B4-BE49-F238E27FC236}">
+                <a16:creationId xmlns:a16="http://schemas.microsoft.com/office/drawing/2014/main" id="{B1272101-7EDC-E2B8-9A13-ACE458EEDC8E}"/>
+              </a:ext>
+            </a:extLst>
+          </p:cNvPr>
+          <p:cNvSpPr>
+            <a:spLocks noGrp="1"/>
+          </p:cNvSpPr>
+          <p:nvPr>
+            <p:ph type="sldNum" sz="quarter" idx="12"/>
+          </p:nvPr>
+        </p:nvSpPr>
+        <p:spPr>
+          <a:xfrm>
+            <a:off x="8610600" y="6356350"/>
+            <a:ext cx="2743200" cy="365125"/>
+          </a:xfrm>
+        </p:spPr>
+        <p:txBody>
+          <a:bodyPr/>
+          <a:lstStyle/>
+          <a:p>
+            <a:fld id="{2F7F2206-C3AA-4D7A-AC99-58940E523BC8}" type="slidenum">
+              <a:rPr lang="ko-KR" altLang="en-US" smtClean="0"/>
+              <a:t>9</a:t>
+            </a:fld>
+            <a:endParaRPr lang="ko-KR" altLang="en-US"/>
+          </a:p>
+        </p:txBody>
+      </p:sp>
+      <p:sp>
+        <p:nvSpPr>
+          <p:cNvPr id="16" name="바닥글 개체 틀 15">
+            <a:extLst>
+              <a:ext uri="{FF2B5EF4-FFF2-40B4-BE49-F238E27FC236}">
+                <a16:creationId xmlns:a16="http://schemas.microsoft.com/office/drawing/2014/main" id="{047D3503-8DAC-BE0A-CCA0-BE57E939B3FE}"/>
+              </a:ext>
+            </a:extLst>
+          </p:cNvPr>
+          <p:cNvSpPr>
+            <a:spLocks noGrp="1"/>
+          </p:cNvSpPr>
+          <p:nvPr>
+            <p:ph type="ftr" sz="quarter" idx="11"/>
+          </p:nvPr>
+        </p:nvSpPr>
+        <p:spPr/>
+        <p:txBody>
+          <a:bodyPr/>
+          <a:lstStyle/>
+          <a:p>
+            <a:pPr algn="l"/>
+            <a:r>
+              <a:rPr lang="en-US" altLang="ko-KR" dirty="0"/>
+              <a:t>Client Loop</a:t>
             </a:r>
             <a:endParaRPr lang="ko-KR" altLang="en-US" dirty="0"/>
           </a:p>
         </p:txBody>
       </p:sp>
-      <p:sp>
-        <p:nvSpPr>
-          <p:cNvPr id="3" name="내용 개체 틀 2">
-            <a:extLst>
-              <a:ext uri="{FF2B5EF4-FFF2-40B4-BE49-F238E27FC236}">
-                <a16:creationId xmlns:a16="http://schemas.microsoft.com/office/drawing/2014/main" id="{B82E9AEB-F814-7AED-98DC-0C8AFF1B9A2D}"/>
-              </a:ext>
-            </a:extLst>
-          </p:cNvPr>
-          <p:cNvSpPr>
-            <a:spLocks noGrp="1"/>
-          </p:cNvSpPr>
-          <p:nvPr>
-            <p:ph idx="1"/>
-          </p:nvPr>
-        </p:nvSpPr>
-        <p:spPr/>
-        <p:txBody>
-          <a:bodyPr/>
-          <a:lstStyle/>
-          <a:p>
-            <a:endParaRPr lang="ko-KR" altLang="en-US"/>
-          </a:p>
-        </p:txBody>
-      </p:sp>
+      <p:pic>
+        <p:nvPicPr>
+          <p:cNvPr id="6" name="그림 5">
+            <a:extLst>
+              <a:ext uri="{FF2B5EF4-FFF2-40B4-BE49-F238E27FC236}">
+                <a16:creationId xmlns:a16="http://schemas.microsoft.com/office/drawing/2014/main" id="{D6C6E4D4-5E11-3050-76F5-BB600034895D}"/>
+              </a:ext>
+            </a:extLst>
+          </p:cNvPr>
+          <p:cNvPicPr>
+            <a:picLocks noChangeAspect="1"/>
+          </p:cNvPicPr>
+          <p:nvPr/>
+        </p:nvPicPr>
+        <p:blipFill>
+          <a:blip r:embed="rId2">
+            <a:extLst>
+              <a:ext uri="{28A0092B-C50C-407E-A947-70E740481C1C}">
+                <a14:useLocalDpi xmlns:a14="http://schemas.microsoft.com/office/drawing/2010/main" val="0"/>
+              </a:ext>
+            </a:extLst>
+          </a:blip>
+          <a:stretch>
+            <a:fillRect/>
+          </a:stretch>
+        </p:blipFill>
+        <p:spPr>
+          <a:xfrm>
+            <a:off x="919542" y="1950338"/>
+            <a:ext cx="3952116" cy="4146361"/>
+          </a:xfrm>
+          <a:prstGeom prst="rect">
+            <a:avLst/>
+          </a:prstGeom>
+        </p:spPr>
+      </p:pic>
+      <p:sp>
+        <p:nvSpPr>
+          <p:cNvPr id="8" name="TextBox 7">
+            <a:extLst>
+              <a:ext uri="{FF2B5EF4-FFF2-40B4-BE49-F238E27FC236}">
+                <a16:creationId xmlns:a16="http://schemas.microsoft.com/office/drawing/2014/main" id="{FF450B19-1170-7C55-036D-07F63729A47A}"/>
+              </a:ext>
+            </a:extLst>
+          </p:cNvPr>
+          <p:cNvSpPr txBox="1"/>
+          <p:nvPr/>
+        </p:nvSpPr>
+        <p:spPr>
+          <a:xfrm>
+            <a:off x="6096000" y="1950338"/>
+            <a:ext cx="4954478" cy="4339650"/>
+          </a:xfrm>
+          <a:prstGeom prst="rect">
+            <a:avLst/>
+          </a:prstGeom>
+          <a:noFill/>
+        </p:spPr>
+        <p:txBody>
+          <a:bodyPr wrap="square" rtlCol="0">
+            <a:spAutoFit/>
+          </a:bodyPr>
+          <a:lstStyle/>
+          <a:p>
+            <a:r>
+              <a:rPr lang="en-US" altLang="ko-KR" sz="1200" b="1" dirty="0" err="1"/>
+              <a:t>DataReceiver</a:t>
+            </a:r>
+            <a:r>
+              <a:rPr lang="en-US" altLang="ko-KR" sz="1200" b="1" dirty="0"/>
+              <a:t>() </a:t>
+            </a:r>
+          </a:p>
+          <a:p>
+            <a:r>
+              <a:rPr lang="en-US" altLang="ko-KR" sz="1200" b="1" dirty="0"/>
+              <a:t>Return</a:t>
+            </a:r>
+            <a:r>
+              <a:rPr lang="ko-KR" altLang="en-US" sz="1200" b="1" dirty="0"/>
+              <a:t> </a:t>
+            </a:r>
+            <a:r>
+              <a:rPr lang="en-US" altLang="ko-KR" sz="1200" b="1" dirty="0"/>
+              <a:t>value </a:t>
+            </a:r>
+            <a:r>
+              <a:rPr lang="en-US" altLang="ko-KR" sz="1200" dirty="0"/>
+              <a:t>: void</a:t>
+            </a:r>
+          </a:p>
+          <a:p>
+            <a:r>
+              <a:rPr lang="en-US" altLang="ko-KR" sz="1200" b="1" dirty="0"/>
+              <a:t>Parameter</a:t>
+            </a:r>
+            <a:r>
+              <a:rPr lang="en-US" altLang="ko-KR" sz="1200" dirty="0"/>
+              <a:t> : void</a:t>
+            </a:r>
+          </a:p>
+          <a:p>
+            <a:r>
+              <a:rPr lang="en-US" altLang="ko-KR" sz="1200" b="1" dirty="0"/>
+              <a:t>Explain</a:t>
+            </a:r>
+            <a:r>
+              <a:rPr lang="ko-KR" altLang="en-US" sz="1200" dirty="0"/>
+              <a:t> </a:t>
+            </a:r>
+            <a:r>
+              <a:rPr lang="en-US" altLang="ko-KR" sz="1200" dirty="0"/>
+              <a:t>:</a:t>
+            </a:r>
+          </a:p>
+          <a:p>
+            <a:r>
+              <a:rPr lang="en-US" altLang="ko-KR" sz="1200" dirty="0" err="1"/>
+              <a:t>RecvThread</a:t>
+            </a:r>
+            <a:r>
+              <a:rPr lang="en-US" altLang="ko-KR" sz="1200" dirty="0"/>
+              <a:t>()</a:t>
+            </a:r>
+            <a:r>
+              <a:rPr lang="ko-KR" altLang="en-US" sz="1200" dirty="0"/>
+              <a:t>에서 불리는 함수</a:t>
+            </a:r>
+            <a:r>
+              <a:rPr lang="en-US" altLang="ko-KR" sz="1200" dirty="0"/>
+              <a:t>.</a:t>
+            </a:r>
+          </a:p>
+          <a:p>
+            <a:r>
+              <a:rPr lang="en-US" altLang="ko-KR" sz="1200" dirty="0" err="1"/>
+              <a:t>recv</a:t>
+            </a:r>
+            <a:r>
+              <a:rPr lang="en-US" altLang="ko-KR" sz="1200" dirty="0"/>
+              <a:t>()</a:t>
+            </a:r>
+            <a:r>
+              <a:rPr lang="ko-KR" altLang="en-US" sz="1200" dirty="0"/>
+              <a:t>를 통해 서버로부터 </a:t>
+            </a:r>
+            <a:r>
+              <a:rPr lang="en-US" altLang="ko-KR" sz="1200" dirty="0" err="1"/>
+              <a:t>ObjectData</a:t>
+            </a:r>
+            <a:r>
+              <a:rPr lang="ko-KR" altLang="en-US" sz="1200" dirty="0"/>
+              <a:t>의 배열을 받는다</a:t>
+            </a:r>
+            <a:r>
+              <a:rPr lang="en-US" altLang="ko-KR" sz="1200" dirty="0"/>
+              <a:t>.</a:t>
+            </a:r>
+          </a:p>
+          <a:p>
+            <a:endParaRPr lang="en-US" altLang="ko-KR" sz="1200" dirty="0"/>
+          </a:p>
+          <a:p>
+            <a:endParaRPr lang="en-US" altLang="ko-KR" sz="1200" dirty="0"/>
+          </a:p>
+          <a:p>
+            <a:r>
+              <a:rPr lang="en-US" altLang="ko-KR" sz="1200" b="1" dirty="0" err="1"/>
+              <a:t>SetObjectData</a:t>
+            </a:r>
+            <a:r>
+              <a:rPr lang="en-US" altLang="ko-KR" sz="1200" b="1" dirty="0"/>
+              <a:t>()</a:t>
+            </a:r>
+          </a:p>
+          <a:p>
+            <a:r>
+              <a:rPr lang="en-US" altLang="ko-KR" sz="1200" b="1" dirty="0"/>
+              <a:t>Return</a:t>
+            </a:r>
+            <a:r>
+              <a:rPr lang="ko-KR" altLang="en-US" sz="1200" b="1" dirty="0"/>
+              <a:t> </a:t>
+            </a:r>
+            <a:r>
+              <a:rPr lang="en-US" altLang="ko-KR" sz="1200" b="1" dirty="0"/>
+              <a:t>value </a:t>
+            </a:r>
+            <a:r>
+              <a:rPr lang="en-US" altLang="ko-KR" sz="1200" dirty="0"/>
+              <a:t>: void</a:t>
+            </a:r>
+          </a:p>
+          <a:p>
+            <a:r>
+              <a:rPr lang="en-US" altLang="ko-KR" sz="1200" b="1" dirty="0"/>
+              <a:t>Parameter</a:t>
+            </a:r>
+            <a:r>
+              <a:rPr lang="en-US" altLang="ko-KR" sz="1200" dirty="0"/>
+              <a:t> : </a:t>
+            </a:r>
+            <a:r>
+              <a:rPr lang="en-US" altLang="ko-KR" sz="1200" dirty="0" err="1"/>
+              <a:t>ObjectData</a:t>
+            </a:r>
+            <a:r>
+              <a:rPr lang="en-US" altLang="ko-KR" sz="1200" dirty="0"/>
+              <a:t>*  </a:t>
+            </a:r>
+            <a:r>
+              <a:rPr lang="en-US" altLang="ko-KR" sz="1200" dirty="0" err="1"/>
+              <a:t>input_array</a:t>
+            </a:r>
+            <a:endParaRPr lang="en-US" altLang="ko-KR" sz="1200" dirty="0"/>
+          </a:p>
+          <a:p>
+            <a:r>
+              <a:rPr lang="en-US" altLang="ko-KR" sz="1200" b="1" dirty="0"/>
+              <a:t>Explain</a:t>
+            </a:r>
+            <a:r>
+              <a:rPr lang="ko-KR" altLang="en-US" sz="1200" dirty="0"/>
+              <a:t> </a:t>
+            </a:r>
+            <a:r>
+              <a:rPr lang="en-US" altLang="ko-KR" sz="1200" dirty="0"/>
+              <a:t>:</a:t>
+            </a:r>
+          </a:p>
+          <a:p>
+            <a:r>
+              <a:rPr lang="en-US" altLang="ko-KR" sz="1200" dirty="0" err="1"/>
+              <a:t>GameObjectManager</a:t>
+            </a:r>
+            <a:r>
+              <a:rPr lang="en-US" altLang="ko-KR" sz="1200" dirty="0"/>
+              <a:t>. </a:t>
+            </a:r>
+            <a:r>
+              <a:rPr lang="en-US" altLang="ko-KR" sz="1200" dirty="0" err="1"/>
+              <a:t>p_Recv</a:t>
+            </a:r>
+            <a:r>
+              <a:rPr lang="ko-KR" altLang="en-US" sz="1200" dirty="0"/>
+              <a:t>에 </a:t>
+            </a:r>
+            <a:r>
+              <a:rPr lang="en-US" altLang="ko-KR" sz="1200" dirty="0" err="1"/>
+              <a:t>input_array</a:t>
+            </a:r>
+            <a:r>
+              <a:rPr lang="ko-KR" altLang="en-US" sz="1200" dirty="0"/>
+              <a:t>를 덮어씌운다</a:t>
+            </a:r>
+            <a:r>
+              <a:rPr lang="en-US" altLang="ko-KR" sz="1200" dirty="0"/>
+              <a:t>.</a:t>
+            </a:r>
+          </a:p>
+          <a:p>
+            <a:endParaRPr lang="en-US" altLang="ko-KR" sz="1200" dirty="0"/>
+          </a:p>
+          <a:p>
+            <a:endParaRPr lang="en-US" altLang="ko-KR" sz="1200" dirty="0"/>
+          </a:p>
+          <a:p>
+            <a:r>
+              <a:rPr lang="en-US" altLang="ko-KR" sz="1200" b="1" dirty="0" err="1"/>
+              <a:t>GameObjectManager.SwapDataBuffer</a:t>
+            </a:r>
+            <a:r>
+              <a:rPr lang="en-US" altLang="ko-KR" sz="1200" b="1" dirty="0"/>
+              <a:t>()</a:t>
+            </a:r>
+          </a:p>
+          <a:p>
+            <a:r>
+              <a:rPr lang="en-US" altLang="ko-KR" sz="1200" b="1" dirty="0"/>
+              <a:t>Return</a:t>
+            </a:r>
+            <a:r>
+              <a:rPr lang="ko-KR" altLang="en-US" sz="1200" b="1" dirty="0"/>
+              <a:t> </a:t>
+            </a:r>
+            <a:r>
+              <a:rPr lang="en-US" altLang="ko-KR" sz="1200" b="1" dirty="0"/>
+              <a:t>value </a:t>
+            </a:r>
+            <a:r>
+              <a:rPr lang="en-US" altLang="ko-KR" sz="1200" dirty="0"/>
+              <a:t>: void</a:t>
+            </a:r>
+          </a:p>
+          <a:p>
+            <a:r>
+              <a:rPr lang="en-US" altLang="ko-KR" sz="1200" b="1" dirty="0"/>
+              <a:t>Parameter</a:t>
+            </a:r>
+            <a:r>
+              <a:rPr lang="en-US" altLang="ko-KR" sz="1200" dirty="0"/>
+              <a:t> : </a:t>
+            </a:r>
+            <a:r>
+              <a:rPr lang="en-US" altLang="ko-KR" sz="1200" dirty="0" err="1"/>
+              <a:t>DBufPointer</a:t>
+            </a:r>
+            <a:r>
+              <a:rPr lang="en-US" altLang="ko-KR" sz="1200" dirty="0"/>
+              <a:t> location</a:t>
+            </a:r>
+          </a:p>
+          <a:p>
+            <a:r>
+              <a:rPr lang="en-US" altLang="ko-KR" sz="1200" b="1" dirty="0"/>
+              <a:t>Explain</a:t>
+            </a:r>
+            <a:r>
+              <a:rPr lang="ko-KR" altLang="en-US" sz="1200" dirty="0"/>
+              <a:t> </a:t>
+            </a:r>
+            <a:r>
+              <a:rPr lang="en-US" altLang="ko-KR" sz="1200" dirty="0"/>
+              <a:t>:</a:t>
+            </a:r>
+          </a:p>
+          <a:p>
+            <a:r>
+              <a:rPr lang="ko-KR" altLang="en-US" sz="1200" dirty="0"/>
+              <a:t>인자에 따라서 </a:t>
+            </a:r>
+            <a:r>
+              <a:rPr lang="en-US" altLang="ko-KR" sz="1200" dirty="0" err="1"/>
+              <a:t>p_Recv</a:t>
+            </a:r>
+            <a:r>
+              <a:rPr lang="ko-KR" altLang="en-US" sz="1200" dirty="0"/>
+              <a:t>혹은 </a:t>
+            </a:r>
+            <a:r>
+              <a:rPr lang="en-US" altLang="ko-KR" sz="1200" dirty="0" err="1"/>
+              <a:t>p_Render</a:t>
+            </a:r>
+            <a:r>
+              <a:rPr lang="ko-KR" altLang="en-US" sz="1200" dirty="0"/>
+              <a:t>를 </a:t>
+            </a:r>
+            <a:r>
+              <a:rPr lang="en-US" altLang="ko-KR" sz="1200" dirty="0" err="1"/>
+              <a:t>p_other</a:t>
+            </a:r>
+            <a:r>
+              <a:rPr lang="ko-KR" altLang="en-US" sz="1200" dirty="0"/>
+              <a:t>와 교환한다</a:t>
+            </a:r>
+            <a:r>
+              <a:rPr lang="en-US" altLang="ko-KR" sz="1200" dirty="0"/>
+              <a:t>.</a:t>
+            </a:r>
+          </a:p>
+          <a:p>
+            <a:r>
+              <a:rPr lang="ko-KR" altLang="en-US" sz="1200" dirty="0"/>
+              <a:t>이 함수는 서로 다른 쓰레드에서 불릴 수 있기 때문에 임계영역으로 동기화한다</a:t>
+            </a:r>
+            <a:r>
+              <a:rPr lang="en-US" altLang="ko-KR" sz="1200" dirty="0"/>
+              <a:t>.</a:t>
+            </a:r>
+          </a:p>
+          <a:p>
+            <a:endParaRPr lang="en-US" altLang="ko-KR" sz="1200" dirty="0"/>
+          </a:p>
+        </p:txBody>
+      </p:sp>
+      <p:grpSp>
+        <p:nvGrpSpPr>
+          <p:cNvPr id="14" name="그룹 13">
+            <a:extLst>
+              <a:ext uri="{FF2B5EF4-FFF2-40B4-BE49-F238E27FC236}">
+                <a16:creationId xmlns:a16="http://schemas.microsoft.com/office/drawing/2014/main" id="{B57CA2C8-CD3C-DF79-76A9-D07D965E2E50}"/>
+              </a:ext>
+            </a:extLst>
+          </p:cNvPr>
+          <p:cNvGrpSpPr/>
+          <p:nvPr/>
+        </p:nvGrpSpPr>
+        <p:grpSpPr>
+          <a:xfrm>
+            <a:off x="10086975" y="773026"/>
+            <a:ext cx="963503" cy="1642964"/>
+            <a:chOff x="9859701" y="385479"/>
+            <a:chExt cx="1190777" cy="2030511"/>
+          </a:xfrm>
+        </p:grpSpPr>
+        <p:pic>
+          <p:nvPicPr>
+            <p:cNvPr id="11" name="그림 10">
+              <a:extLst>
+                <a:ext uri="{FF2B5EF4-FFF2-40B4-BE49-F238E27FC236}">
+                  <a16:creationId xmlns:a16="http://schemas.microsoft.com/office/drawing/2014/main" id="{C5D0C805-55FC-15BC-94D2-BF5AC3B28DCA}"/>
+                </a:ext>
+              </a:extLst>
+            </p:cNvPr>
+            <p:cNvPicPr>
+              <a:picLocks noChangeAspect="1"/>
+            </p:cNvPicPr>
+            <p:nvPr/>
+          </p:nvPicPr>
+          <p:blipFill>
+            <a:blip r:embed="rId3">
+              <a:extLst>
+                <a:ext uri="{28A0092B-C50C-407E-A947-70E740481C1C}">
+                  <a14:useLocalDpi xmlns:a14="http://schemas.microsoft.com/office/drawing/2010/main" val="0"/>
+                </a:ext>
+              </a:extLst>
+            </a:blip>
+            <a:stretch>
+              <a:fillRect/>
+            </a:stretch>
+          </p:blipFill>
+          <p:spPr>
+            <a:xfrm>
+              <a:off x="9859701" y="385479"/>
+              <a:ext cx="1173053" cy="1371571"/>
+            </a:xfrm>
+            <a:prstGeom prst="rect">
+              <a:avLst/>
+            </a:prstGeom>
+          </p:spPr>
+        </p:pic>
+        <p:pic>
+          <p:nvPicPr>
+            <p:cNvPr id="13" name="그림 12">
+              <a:extLst>
+                <a:ext uri="{FF2B5EF4-FFF2-40B4-BE49-F238E27FC236}">
+                  <a16:creationId xmlns:a16="http://schemas.microsoft.com/office/drawing/2014/main" id="{785F7B47-618C-9155-7480-D3E648D99A9C}"/>
+                </a:ext>
+              </a:extLst>
+            </p:cNvPr>
+            <p:cNvPicPr>
+              <a:picLocks noChangeAspect="1"/>
+            </p:cNvPicPr>
+            <p:nvPr/>
+          </p:nvPicPr>
+          <p:blipFill>
+            <a:blip r:embed="rId4"/>
+            <a:stretch>
+              <a:fillRect/>
+            </a:stretch>
+          </p:blipFill>
+          <p:spPr>
+            <a:xfrm>
+              <a:off x="9964476" y="1711042"/>
+              <a:ext cx="1086002" cy="704948"/>
+            </a:xfrm>
+            <a:prstGeom prst="rect">
+              <a:avLst/>
+            </a:prstGeom>
+          </p:spPr>
+        </p:pic>
+      </p:grpSp>
     </p:spTree>
     <p:extLst>
       <p:ext uri="{BB962C8B-B14F-4D97-AF65-F5344CB8AC3E}">
-        <p14:creationId xmlns:p14="http://schemas.microsoft.com/office/powerpoint/2010/main" val="1472662100"/>
+        <p14:creationId xmlns:p14="http://schemas.microsoft.com/office/powerpoint/2010/main" val="3657066175"/>
       </p:ext>
     </p:extLst>
   </p:cSld>
@@ -5410,4 +11802,299 @@
     </a:ext>
   </a:extLst>
 </a:theme>
+</file>
+
+<file path=ppt/theme/theme2.xml><?xml version="1.0" encoding="utf-8"?>
+<a:theme xmlns:a="http://schemas.openxmlformats.org/drawingml/2006/main" name="Office 테마">
+  <a:themeElements>
+    <a:clrScheme name="Office">
+      <a:dk1>
+        <a:sysClr val="windowText" lastClr="000000"/>
+      </a:dk1>
+      <a:lt1>
+        <a:sysClr val="window" lastClr="FFFFFF"/>
+      </a:lt1>
+      <a:dk2>
+        <a:srgbClr val="44546A"/>
+      </a:dk2>
+      <a:lt2>
+        <a:srgbClr val="E7E6E6"/>
+      </a:lt2>
+      <a:accent1>
+        <a:srgbClr val="4472C4"/>
+      </a:accent1>
+      <a:accent2>
+        <a:srgbClr val="ED7D31"/>
+      </a:accent2>
+      <a:accent3>
+        <a:srgbClr val="A5A5A5"/>
+      </a:accent3>
+      <a:accent4>
+        <a:srgbClr val="FFC000"/>
+      </a:accent4>
+      <a:accent5>
+        <a:srgbClr val="5B9BD5"/>
+      </a:accent5>
+      <a:accent6>
+        <a:srgbClr val="70AD47"/>
+      </a:accent6>
+      <a:hlink>
+        <a:srgbClr val="0563C1"/>
+      </a:hlink>
+      <a:folHlink>
+        <a:srgbClr val="954F72"/>
+      </a:folHlink>
+    </a:clrScheme>
+    <a:fontScheme name="Office">
+      <a:majorFont>
+        <a:latin typeface="맑은 고딕" panose="020F0302020204030204"/>
+        <a:ea typeface=""/>
+        <a:cs typeface=""/>
+        <a:font script="Jpan" typeface="游ゴシック Light"/>
+        <a:font script="Hang" typeface="맑은 고딕"/>
+        <a:font script="Hans" typeface="等线 Light"/>
+        <a:font script="Hant" typeface="新細明體"/>
+        <a:font script="Arab" typeface="Times New Roman"/>
+        <a:font script="Hebr" typeface="Times New Roman"/>
+        <a:font script="Thai" typeface="Angsana New"/>
+        <a:font script="Ethi" typeface="Nyala"/>
+        <a:font script="Beng" typeface="Vrinda"/>
+        <a:font script="Gujr" typeface="Shruti"/>
+        <a:font script="Khmr" typeface="MoolBoran"/>
+        <a:font script="Knda" typeface="Tunga"/>
+        <a:font script="Guru" typeface="Raavi"/>
+        <a:font script="Cans" typeface="Euphemia"/>
+        <a:font script="Cher" typeface="Plantagenet Cherokee"/>
+        <a:font script="Yiii" typeface="Microsoft Yi Baiti"/>
+        <a:font script="Tibt" typeface="Microsoft Himalaya"/>
+        <a:font script="Thaa" typeface="MV Boli"/>
+        <a:font script="Deva" typeface="Mangal"/>
+        <a:font script="Telu" typeface="Gautami"/>
+        <a:font script="Taml" typeface="Latha"/>
+        <a:font script="Syrc" typeface="Estrangelo Edessa"/>
+        <a:font script="Orya" typeface="Kalinga"/>
+        <a:font script="Mlym" typeface="Kartika"/>
+        <a:font script="Laoo" typeface="DokChampa"/>
+        <a:font script="Sinh" typeface="Iskoola Pota"/>
+        <a:font script="Mong" typeface="Mongolian Baiti"/>
+        <a:font script="Viet" typeface="Times New Roman"/>
+        <a:font script="Uigh" typeface="Microsoft Uighur"/>
+        <a:font script="Geor" typeface="Sylfaen"/>
+        <a:font script="Armn" typeface="Arial"/>
+        <a:font script="Bugi" typeface="Leelawadee UI"/>
+        <a:font script="Bopo" typeface="Microsoft JhengHei"/>
+        <a:font script="Java" typeface="Javanese Text"/>
+        <a:font script="Lisu" typeface="Segoe UI"/>
+        <a:font script="Mymr" typeface="Myanmar Text"/>
+        <a:font script="Nkoo" typeface="Ebrima"/>
+        <a:font script="Olck" typeface="Nirmala UI"/>
+        <a:font script="Osma" typeface="Ebrima"/>
+        <a:font script="Phag" typeface="Phagspa"/>
+        <a:font script="Syrn" typeface="Estrangelo Edessa"/>
+        <a:font script="Syrj" typeface="Estrangelo Edessa"/>
+        <a:font script="Syre" typeface="Estrangelo Edessa"/>
+        <a:font script="Sora" typeface="Nirmala UI"/>
+        <a:font script="Tale" typeface="Microsoft Tai Le"/>
+        <a:font script="Talu" typeface="Microsoft New Tai Lue"/>
+        <a:font script="Tfng" typeface="Ebrima"/>
+      </a:majorFont>
+      <a:minorFont>
+        <a:latin typeface="맑은 고딕" panose="020F0502020204030204"/>
+        <a:ea typeface=""/>
+        <a:cs typeface=""/>
+        <a:font script="Jpan" typeface="游ゴシック"/>
+        <a:font script="Hang" typeface="맑은 고딕"/>
+        <a:font script="Hans" typeface="等线"/>
+        <a:font script="Hant" typeface="新細明體"/>
+        <a:font script="Arab" typeface="Arial"/>
+        <a:font script="Hebr" typeface="Arial"/>
+        <a:font script="Thai" typeface="Cordia New"/>
+        <a:font script="Ethi" typeface="Nyala"/>
+        <a:font script="Beng" typeface="Vrinda"/>
+        <a:font script="Gujr" typeface="Shruti"/>
+        <a:font script="Khmr" typeface="DaunPenh"/>
+        <a:font script="Knda" typeface="Tunga"/>
+        <a:font script="Guru" typeface="Raavi"/>
+        <a:font script="Cans" typeface="Euphemia"/>
+        <a:font script="Cher" typeface="Plantagenet Cherokee"/>
+        <a:font script="Yiii" typeface="Microsoft Yi Baiti"/>
+        <a:font script="Tibt" typeface="Microsoft Himalaya"/>
+        <a:font script="Thaa" typeface="MV Boli"/>
+        <a:font script="Deva" typeface="Mangal"/>
+        <a:font script="Telu" typeface="Gautami"/>
+        <a:font script="Taml" typeface="Latha"/>
+        <a:font script="Syrc" typeface="Estrangelo Edessa"/>
+        <a:font script="Orya" typeface="Kalinga"/>
+        <a:font script="Mlym" typeface="Kartika"/>
+        <a:font script="Laoo" typeface="DokChampa"/>
+        <a:font script="Sinh" typeface="Iskoola Pota"/>
+        <a:font script="Mong" typeface="Mongolian Baiti"/>
+        <a:font script="Viet" typeface="Arial"/>
+        <a:font script="Uigh" typeface="Microsoft Uighur"/>
+        <a:font script="Geor" typeface="Sylfaen"/>
+        <a:font script="Armn" typeface="Arial"/>
+        <a:font script="Bugi" typeface="Leelawadee UI"/>
+        <a:font script="Bopo" typeface="Microsoft JhengHei"/>
+        <a:font script="Java" typeface="Javanese Text"/>
+        <a:font script="Lisu" typeface="Segoe UI"/>
+        <a:font script="Mymr" typeface="Myanmar Text"/>
+        <a:font script="Nkoo" typeface="Ebrima"/>
+        <a:font script="Olck" typeface="Nirmala UI"/>
+        <a:font script="Osma" typeface="Ebrima"/>
+        <a:font script="Phag" typeface="Phagspa"/>
+        <a:font script="Syrn" typeface="Estrangelo Edessa"/>
+        <a:font script="Syrj" typeface="Estrangelo Edessa"/>
+        <a:font script="Syre" typeface="Estrangelo Edessa"/>
+        <a:font script="Sora" typeface="Nirmala UI"/>
+        <a:font script="Tale" typeface="Microsoft Tai Le"/>
+        <a:font script="Talu" typeface="Microsoft New Tai Lue"/>
+        <a:font script="Tfng" typeface="Ebrima"/>
+      </a:minorFont>
+    </a:fontScheme>
+    <a:fmtScheme name="Office">
+      <a:fillStyleLst>
+        <a:solidFill>
+          <a:schemeClr val="phClr"/>
+        </a:solidFill>
+        <a:gradFill rotWithShape="1">
+          <a:gsLst>
+            <a:gs pos="0">
+              <a:schemeClr val="phClr">
+                <a:lumMod val="110000"/>
+                <a:satMod val="105000"/>
+                <a:tint val="67000"/>
+              </a:schemeClr>
+            </a:gs>
+            <a:gs pos="50000">
+              <a:schemeClr val="phClr">
+                <a:lumMod val="105000"/>
+                <a:satMod val="103000"/>
+                <a:tint val="73000"/>
+              </a:schemeClr>
+            </a:gs>
+            <a:gs pos="100000">
+              <a:schemeClr val="phClr">
+                <a:lumMod val="105000"/>
+                <a:satMod val="109000"/>
+                <a:tint val="81000"/>
+              </a:schemeClr>
+            </a:gs>
+          </a:gsLst>
+          <a:lin ang="5400000" scaled="0"/>
+        </a:gradFill>
+        <a:gradFill rotWithShape="1">
+          <a:gsLst>
+            <a:gs pos="0">
+              <a:schemeClr val="phClr">
+                <a:satMod val="103000"/>
+                <a:lumMod val="102000"/>
+                <a:tint val="94000"/>
+              </a:schemeClr>
+            </a:gs>
+            <a:gs pos="50000">
+              <a:schemeClr val="phClr">
+                <a:satMod val="110000"/>
+                <a:lumMod val="100000"/>
+                <a:shade val="100000"/>
+              </a:schemeClr>
+            </a:gs>
+            <a:gs pos="100000">
+              <a:schemeClr val="phClr">
+                <a:lumMod val="99000"/>
+                <a:satMod val="120000"/>
+                <a:shade val="78000"/>
+              </a:schemeClr>
+            </a:gs>
+          </a:gsLst>
+          <a:lin ang="5400000" scaled="0"/>
+        </a:gradFill>
+      </a:fillStyleLst>
+      <a:lnStyleLst>
+        <a:ln w="6350" cap="flat" cmpd="sng" algn="ctr">
+          <a:solidFill>
+            <a:schemeClr val="phClr"/>
+          </a:solidFill>
+          <a:prstDash val="solid"/>
+          <a:miter lim="800000"/>
+        </a:ln>
+        <a:ln w="12700" cap="flat" cmpd="sng" algn="ctr">
+          <a:solidFill>
+            <a:schemeClr val="phClr"/>
+          </a:solidFill>
+          <a:prstDash val="solid"/>
+          <a:miter lim="800000"/>
+        </a:ln>
+        <a:ln w="19050" cap="flat" cmpd="sng" algn="ctr">
+          <a:solidFill>
+            <a:schemeClr val="phClr"/>
+          </a:solidFill>
+          <a:prstDash val="solid"/>
+          <a:miter lim="800000"/>
+        </a:ln>
+      </a:lnStyleLst>
+      <a:effectStyleLst>
+        <a:effectStyle>
+          <a:effectLst/>
+        </a:effectStyle>
+        <a:effectStyle>
+          <a:effectLst/>
+        </a:effectStyle>
+        <a:effectStyle>
+          <a:effectLst>
+            <a:outerShdw blurRad="57150" dist="19050" dir="5400000" algn="ctr" rotWithShape="0">
+              <a:srgbClr val="000000">
+                <a:alpha val="63000"/>
+              </a:srgbClr>
+            </a:outerShdw>
+          </a:effectLst>
+        </a:effectStyle>
+      </a:effectStyleLst>
+      <a:bgFillStyleLst>
+        <a:solidFill>
+          <a:schemeClr val="phClr"/>
+        </a:solidFill>
+        <a:solidFill>
+          <a:schemeClr val="phClr">
+            <a:tint val="95000"/>
+            <a:satMod val="170000"/>
+          </a:schemeClr>
+        </a:solidFill>
+        <a:gradFill rotWithShape="1">
+          <a:gsLst>
+            <a:gs pos="0">
+              <a:schemeClr val="phClr">
+                <a:tint val="93000"/>
+                <a:satMod val="150000"/>
+                <a:shade val="98000"/>
+                <a:lumMod val="102000"/>
+              </a:schemeClr>
+            </a:gs>
+            <a:gs pos="50000">
+              <a:schemeClr val="phClr">
+                <a:tint val="98000"/>
+                <a:satMod val="130000"/>
+                <a:shade val="90000"/>
+                <a:lumMod val="103000"/>
+              </a:schemeClr>
+            </a:gs>
+            <a:gs pos="100000">
+              <a:schemeClr val="phClr">
+                <a:shade val="63000"/>
+                <a:satMod val="120000"/>
+              </a:schemeClr>
+            </a:gs>
+          </a:gsLst>
+          <a:lin ang="5400000" scaled="0"/>
+        </a:gradFill>
+      </a:bgFillStyleLst>
+    </a:fmtScheme>
+  </a:themeElements>
+  <a:objectDefaults/>
+  <a:extraClrSchemeLst/>
+  <a:extLst>
+    <a:ext uri="{05A4C25C-085E-4340-85A3-A5531E510DB2}">
+      <thm15:themeFamily xmlns:thm15="http://schemas.microsoft.com/office/thememl/2012/main" name="Office Theme" id="{62F939B6-93AF-4DB8-9C6B-D6C7DFDC589F}" vid="{4A3C46E8-61CC-4603-A589-7422A47A8E4A}"/>
+    </a:ext>
+  </a:extLst>
+</a:theme>
 </file>
--- a/Doc/추진 계획서.pptx
+++ b/Doc/추진 계획서.pptx
@@ -5,7 +5,7 @@
     <p:sldMasterId id="2147483648" r:id="rId1"/>
   </p:sldMasterIdLst>
   <p:notesMasterIdLst>
-    <p:notesMasterId r:id="rId25"/>
+    <p:notesMasterId r:id="rId26"/>
   </p:notesMasterIdLst>
   <p:sldIdLst>
     <p:sldId id="256" r:id="rId2"/>
@@ -31,6 +31,7 @@
     <p:sldId id="281" r:id="rId22"/>
     <p:sldId id="261" r:id="rId23"/>
     <p:sldId id="262" r:id="rId24"/>
+    <p:sldId id="282" r:id="rId25"/>
   </p:sldIdLst>
   <p:sldSz cx="12192000" cy="6858000"/>
   <p:notesSz cx="6858000" cy="9144000"/>
@@ -5263,12 +5264,8 @@
           <a:lstStyle/>
           <a:p>
             <a:r>
-              <a:rPr lang="en-US" altLang="ko-KR" sz="1200" b="1" dirty="0" err="1"/>
-              <a:t>Uapata</a:t>
-            </a:r>
-            <a:r>
               <a:rPr lang="en-US" altLang="ko-KR" sz="1200" b="1" dirty="0"/>
-              <a:t>() </a:t>
+              <a:t>Update() </a:t>
             </a:r>
           </a:p>
           <a:p>
@@ -5339,7 +5336,7 @@
           <a:p>
             <a:r>
               <a:rPr lang="en-US" altLang="ko-KR" sz="1200" dirty="0" err="1"/>
-              <a:t>GameObjectManager.Uadata</a:t>
+              <a:t>GameObjectManager.Updata</a:t>
             </a:r>
             <a:r>
               <a:rPr lang="en-US" altLang="ko-KR" sz="1200" dirty="0"/>
@@ -5363,7 +5360,7 @@
           <a:p>
             <a:r>
               <a:rPr lang="en-US" altLang="ko-KR" sz="1200" b="1" dirty="0" err="1"/>
-              <a:t>GameObjectManager.Uadata</a:t>
+              <a:t>GameObjectManager.Update</a:t>
             </a:r>
             <a:r>
               <a:rPr lang="en-US" altLang="ko-KR" sz="1200" b="1" dirty="0"/>
@@ -5435,12 +5432,8 @@
               <a:t>들의 </a:t>
             </a:r>
             <a:r>
-              <a:rPr lang="en-US" altLang="ko-KR" sz="1200" dirty="0" err="1"/>
-              <a:t>Uadata</a:t>
-            </a:r>
-            <a:r>
               <a:rPr lang="en-US" altLang="ko-KR" sz="1200" dirty="0"/>
-              <a:t>()</a:t>
+              <a:t>Update()</a:t>
             </a:r>
             <a:r>
               <a:rPr lang="ko-KR" altLang="en-US" sz="1200" dirty="0"/>
@@ -5460,7 +5453,7 @@
           <a:p>
             <a:r>
               <a:rPr lang="en-US" altLang="ko-KR" sz="1200" b="1" dirty="0" err="1"/>
-              <a:t>GameObject.Uadata</a:t>
+              <a:t>GameObject.Updata</a:t>
             </a:r>
             <a:r>
               <a:rPr lang="en-US" altLang="ko-KR" sz="1200" b="1" dirty="0"/>
@@ -8232,7 +8225,7 @@
             </a:r>
             <a:r>
               <a:rPr lang="en-US" altLang="ko-KR" sz="2000" dirty="0"/>
-              <a:t>…………………………………………………………….……… 23p</a:t>
+              <a:t>…………………………………………………………….……… 23, 24p</a:t>
             </a:r>
           </a:p>
         </p:txBody>
@@ -9056,31 +9049,6 @@
       </p:sp>
       <p:sp>
         <p:nvSpPr>
-          <p:cNvPr id="3" name="내용 개체 틀 2">
-            <a:extLst>
-              <a:ext uri="{FF2B5EF4-FFF2-40B4-BE49-F238E27FC236}">
-                <a16:creationId xmlns:a16="http://schemas.microsoft.com/office/drawing/2014/main" id="{CC916D45-F3B9-7328-33A2-01BE1AF7BEE2}"/>
-              </a:ext>
-            </a:extLst>
-          </p:cNvPr>
-          <p:cNvSpPr>
-            <a:spLocks noGrp="1"/>
-          </p:cNvSpPr>
-          <p:nvPr>
-            <p:ph idx="1"/>
-          </p:nvPr>
-        </p:nvSpPr>
-        <p:spPr/>
-        <p:txBody>
-          <a:bodyPr/>
-          <a:lstStyle/>
-          <a:p>
-            <a:endParaRPr lang="ko-KR" altLang="en-US"/>
-          </a:p>
-        </p:txBody>
-      </p:sp>
-      <p:sp>
-        <p:nvSpPr>
           <p:cNvPr id="4" name="슬라이드 번호 개체 틀 3">
             <a:extLst>
               <a:ext uri="{FF2B5EF4-FFF2-40B4-BE49-F238E27FC236}">
@@ -9113,10 +9081,6167 @@
           </a:p>
         </p:txBody>
       </p:sp>
+      <p:graphicFrame>
+        <p:nvGraphicFramePr>
+          <p:cNvPr id="6" name="표 5">
+            <a:extLst>
+              <a:ext uri="{FF2B5EF4-FFF2-40B4-BE49-F238E27FC236}">
+                <a16:creationId xmlns:a16="http://schemas.microsoft.com/office/drawing/2014/main" id="{31B50B78-EC2E-D8A0-2CBD-E3E7B5C089A6}"/>
+              </a:ext>
+            </a:extLst>
+          </p:cNvPr>
+          <p:cNvGraphicFramePr>
+            <a:graphicFrameLocks noGrp="1"/>
+          </p:cNvGraphicFramePr>
+          <p:nvPr>
+            <p:extLst>
+              <p:ext uri="{D42A27DB-BD31-4B8C-83A1-F6EECF244321}">
+                <p14:modId xmlns:p14="http://schemas.microsoft.com/office/powerpoint/2010/main" val="513859344"/>
+              </p:ext>
+            </p:extLst>
+          </p:nvPr>
+        </p:nvGraphicFramePr>
+        <p:xfrm>
+          <a:off x="3644775" y="274258"/>
+          <a:ext cx="6823334" cy="6218617"/>
+        </p:xfrm>
+        <a:graphic>
+          <a:graphicData uri="http://schemas.openxmlformats.org/drawingml/2006/table">
+            <a:tbl>
+              <a:tblPr>
+                <a:tableStyleId>{5C22544A-7EE6-4342-B048-85BDC9FD1C3A}</a:tableStyleId>
+              </a:tblPr>
+              <a:tblGrid>
+                <a:gridCol w="974762">
+                  <a:extLst>
+                    <a:ext uri="{9D8B030D-6E8A-4147-A177-3AD203B41FA5}">
+                      <a16:colId xmlns:a16="http://schemas.microsoft.com/office/drawing/2014/main" val="3592231569"/>
+                    </a:ext>
+                  </a:extLst>
+                </a:gridCol>
+                <a:gridCol w="974762">
+                  <a:extLst>
+                    <a:ext uri="{9D8B030D-6E8A-4147-A177-3AD203B41FA5}">
+                      <a16:colId xmlns:a16="http://schemas.microsoft.com/office/drawing/2014/main" val="3813207652"/>
+                    </a:ext>
+                  </a:extLst>
+                </a:gridCol>
+                <a:gridCol w="974762">
+                  <a:extLst>
+                    <a:ext uri="{9D8B030D-6E8A-4147-A177-3AD203B41FA5}">
+                      <a16:colId xmlns:a16="http://schemas.microsoft.com/office/drawing/2014/main" val="141360546"/>
+                    </a:ext>
+                  </a:extLst>
+                </a:gridCol>
+                <a:gridCol w="974762">
+                  <a:extLst>
+                    <a:ext uri="{9D8B030D-6E8A-4147-A177-3AD203B41FA5}">
+                      <a16:colId xmlns:a16="http://schemas.microsoft.com/office/drawing/2014/main" val="2367029022"/>
+                    </a:ext>
+                  </a:extLst>
+                </a:gridCol>
+                <a:gridCol w="974762">
+                  <a:extLst>
+                    <a:ext uri="{9D8B030D-6E8A-4147-A177-3AD203B41FA5}">
+                      <a16:colId xmlns:a16="http://schemas.microsoft.com/office/drawing/2014/main" val="762995147"/>
+                    </a:ext>
+                  </a:extLst>
+                </a:gridCol>
+                <a:gridCol w="974762">
+                  <a:extLst>
+                    <a:ext uri="{9D8B030D-6E8A-4147-A177-3AD203B41FA5}">
+                      <a16:colId xmlns:a16="http://schemas.microsoft.com/office/drawing/2014/main" val="3016414022"/>
+                    </a:ext>
+                  </a:extLst>
+                </a:gridCol>
+                <a:gridCol w="974762">
+                  <a:extLst>
+                    <a:ext uri="{9D8B030D-6E8A-4147-A177-3AD203B41FA5}">
+                      <a16:colId xmlns:a16="http://schemas.microsoft.com/office/drawing/2014/main" val="2263892287"/>
+                    </a:ext>
+                  </a:extLst>
+                </a:gridCol>
+              </a:tblGrid>
+              <a:tr h="147927">
+                <a:tc>
+                  <a:txBody>
+                    <a:bodyPr/>
+                    <a:lstStyle/>
+                    <a:p>
+                      <a:pPr algn="l" fontAlgn="b"/>
+                      <a:r>
+                        <a:rPr lang="ko-KR" altLang="en-US" sz="1000" u="none" strike="noStrike">
+                          <a:effectLst/>
+                        </a:rPr>
+                        <a:t>박기정</a:t>
+                      </a:r>
+                      <a:endParaRPr lang="ko-KR" altLang="en-US" sz="1000" b="0" i="0" u="none" strike="noStrike">
+                        <a:solidFill>
+                          <a:srgbClr val="000000"/>
+                        </a:solidFill>
+                        <a:effectLst/>
+                        <a:latin typeface="맑은 고딕" panose="020B0503020000020004" pitchFamily="50" charset="-127"/>
+                        <a:ea typeface="맑은 고딕" panose="020B0503020000020004" pitchFamily="50" charset="-127"/>
+                      </a:endParaRPr>
+                    </a:p>
+                  </a:txBody>
+                  <a:tcPr marL="4808" marR="4808" marT="4808" marB="0" anchor="b"/>
+                </a:tc>
+                <a:tc>
+                  <a:txBody>
+                    <a:bodyPr/>
+                    <a:lstStyle/>
+                    <a:p>
+                      <a:pPr algn="l" fontAlgn="b"/>
+                      <a:r>
+                        <a:rPr lang="ko-KR" altLang="en-US" sz="1000" u="none" strike="noStrike">
+                          <a:effectLst/>
+                        </a:rPr>
+                        <a:t>　</a:t>
+                      </a:r>
+                      <a:endParaRPr lang="ko-KR" altLang="en-US" sz="1000" b="0" i="0" u="none" strike="noStrike">
+                        <a:solidFill>
+                          <a:srgbClr val="000000"/>
+                        </a:solidFill>
+                        <a:effectLst/>
+                        <a:latin typeface="맑은 고딕" panose="020B0503020000020004" pitchFamily="50" charset="-127"/>
+                        <a:ea typeface="맑은 고딕" panose="020B0503020000020004" pitchFamily="50" charset="-127"/>
+                      </a:endParaRPr>
+                    </a:p>
+                  </a:txBody>
+                  <a:tcPr marL="4808" marR="4808" marT="4808" marB="0" anchor="b"/>
+                </a:tc>
+                <a:tc>
+                  <a:txBody>
+                    <a:bodyPr/>
+                    <a:lstStyle/>
+                    <a:p>
+                      <a:pPr algn="l" fontAlgn="b"/>
+                      <a:r>
+                        <a:rPr lang="ko-KR" altLang="en-US" sz="1000" u="none" strike="noStrike">
+                          <a:effectLst/>
+                        </a:rPr>
+                        <a:t>　</a:t>
+                      </a:r>
+                      <a:endParaRPr lang="ko-KR" altLang="en-US" sz="1000" b="0" i="0" u="none" strike="noStrike">
+                        <a:solidFill>
+                          <a:srgbClr val="000000"/>
+                        </a:solidFill>
+                        <a:effectLst/>
+                        <a:latin typeface="맑은 고딕" panose="020B0503020000020004" pitchFamily="50" charset="-127"/>
+                        <a:ea typeface="맑은 고딕" panose="020B0503020000020004" pitchFamily="50" charset="-127"/>
+                      </a:endParaRPr>
+                    </a:p>
+                  </a:txBody>
+                  <a:tcPr marL="4808" marR="4808" marT="4808" marB="0" anchor="b"/>
+                </a:tc>
+                <a:tc>
+                  <a:txBody>
+                    <a:bodyPr/>
+                    <a:lstStyle/>
+                    <a:p>
+                      <a:pPr algn="l" fontAlgn="b"/>
+                      <a:r>
+                        <a:rPr lang="ko-KR" altLang="en-US" sz="1000" u="none" strike="noStrike">
+                          <a:effectLst/>
+                        </a:rPr>
+                        <a:t>　</a:t>
+                      </a:r>
+                      <a:endParaRPr lang="ko-KR" altLang="en-US" sz="1000" b="0" i="0" u="none" strike="noStrike">
+                        <a:solidFill>
+                          <a:srgbClr val="000000"/>
+                        </a:solidFill>
+                        <a:effectLst/>
+                        <a:latin typeface="맑은 고딕" panose="020B0503020000020004" pitchFamily="50" charset="-127"/>
+                        <a:ea typeface="맑은 고딕" panose="020B0503020000020004" pitchFamily="50" charset="-127"/>
+                      </a:endParaRPr>
+                    </a:p>
+                  </a:txBody>
+                  <a:tcPr marL="4808" marR="4808" marT="4808" marB="0" anchor="b"/>
+                </a:tc>
+                <a:tc>
+                  <a:txBody>
+                    <a:bodyPr/>
+                    <a:lstStyle/>
+                    <a:p>
+                      <a:pPr algn="l" fontAlgn="b"/>
+                      <a:r>
+                        <a:rPr lang="ko-KR" altLang="en-US" sz="1000" u="none" strike="noStrike">
+                          <a:effectLst/>
+                        </a:rPr>
+                        <a:t>　</a:t>
+                      </a:r>
+                      <a:endParaRPr lang="ko-KR" altLang="en-US" sz="1000" b="0" i="0" u="none" strike="noStrike">
+                        <a:solidFill>
+                          <a:srgbClr val="000000"/>
+                        </a:solidFill>
+                        <a:effectLst/>
+                        <a:latin typeface="맑은 고딕" panose="020B0503020000020004" pitchFamily="50" charset="-127"/>
+                        <a:ea typeface="맑은 고딕" panose="020B0503020000020004" pitchFamily="50" charset="-127"/>
+                      </a:endParaRPr>
+                    </a:p>
+                  </a:txBody>
+                  <a:tcPr marL="4808" marR="4808" marT="4808" marB="0" anchor="b"/>
+                </a:tc>
+                <a:tc>
+                  <a:txBody>
+                    <a:bodyPr/>
+                    <a:lstStyle/>
+                    <a:p>
+                      <a:pPr algn="l" fontAlgn="b"/>
+                      <a:r>
+                        <a:rPr lang="ko-KR" altLang="en-US" sz="1000" u="none" strike="noStrike">
+                          <a:effectLst/>
+                        </a:rPr>
+                        <a:t>　</a:t>
+                      </a:r>
+                      <a:endParaRPr lang="ko-KR" altLang="en-US" sz="1000" b="0" i="0" u="none" strike="noStrike">
+                        <a:solidFill>
+                          <a:srgbClr val="000000"/>
+                        </a:solidFill>
+                        <a:effectLst/>
+                        <a:latin typeface="맑은 고딕" panose="020B0503020000020004" pitchFamily="50" charset="-127"/>
+                        <a:ea typeface="맑은 고딕" panose="020B0503020000020004" pitchFamily="50" charset="-127"/>
+                      </a:endParaRPr>
+                    </a:p>
+                  </a:txBody>
+                  <a:tcPr marL="4808" marR="4808" marT="4808" marB="0" anchor="b"/>
+                </a:tc>
+                <a:tc>
+                  <a:txBody>
+                    <a:bodyPr/>
+                    <a:lstStyle/>
+                    <a:p>
+                      <a:pPr algn="l" fontAlgn="b"/>
+                      <a:r>
+                        <a:rPr lang="ko-KR" altLang="en-US" sz="1000" u="none" strike="noStrike">
+                          <a:effectLst/>
+                        </a:rPr>
+                        <a:t>　</a:t>
+                      </a:r>
+                      <a:endParaRPr lang="ko-KR" altLang="en-US" sz="1000" b="0" i="0" u="none" strike="noStrike">
+                        <a:solidFill>
+                          <a:srgbClr val="000000"/>
+                        </a:solidFill>
+                        <a:effectLst/>
+                        <a:latin typeface="맑은 고딕" panose="020B0503020000020004" pitchFamily="50" charset="-127"/>
+                        <a:ea typeface="맑은 고딕" panose="020B0503020000020004" pitchFamily="50" charset="-127"/>
+                      </a:endParaRPr>
+                    </a:p>
+                  </a:txBody>
+                  <a:tcPr marL="4808" marR="4808" marT="4808" marB="0" anchor="b"/>
+                </a:tc>
+                <a:extLst>
+                  <a:ext uri="{0D108BD9-81ED-4DB2-BD59-A6C34878D82A}">
+                    <a16:rowId xmlns:a16="http://schemas.microsoft.com/office/drawing/2014/main" val="2617366086"/>
+                  </a:ext>
+                </a:extLst>
+              </a:tr>
+              <a:tr h="147927">
+                <a:tc>
+                  <a:txBody>
+                    <a:bodyPr/>
+                    <a:lstStyle/>
+                    <a:p>
+                      <a:pPr algn="l" fontAlgn="b"/>
+                      <a:r>
+                        <a:rPr lang="ko-KR" altLang="en-US" sz="1000" u="none" strike="noStrike">
+                          <a:effectLst/>
+                        </a:rPr>
+                        <a:t>일</a:t>
+                      </a:r>
+                      <a:endParaRPr lang="ko-KR" altLang="en-US" sz="1000" b="1" i="0" u="none" strike="noStrike">
+                        <a:solidFill>
+                          <a:srgbClr val="000000"/>
+                        </a:solidFill>
+                        <a:effectLst/>
+                        <a:latin typeface="맑은 고딕" panose="020B0503020000020004" pitchFamily="50" charset="-127"/>
+                        <a:ea typeface="맑은 고딕" panose="020B0503020000020004" pitchFamily="50" charset="-127"/>
+                      </a:endParaRPr>
+                    </a:p>
+                  </a:txBody>
+                  <a:tcPr marL="4808" marR="4808" marT="4808" marB="0" anchor="b"/>
+                </a:tc>
+                <a:tc>
+                  <a:txBody>
+                    <a:bodyPr/>
+                    <a:lstStyle/>
+                    <a:p>
+                      <a:pPr algn="l" fontAlgn="b"/>
+                      <a:r>
+                        <a:rPr lang="ko-KR" altLang="en-US" sz="1000" u="none" strike="noStrike">
+                          <a:effectLst/>
+                        </a:rPr>
+                        <a:t>월</a:t>
+                      </a:r>
+                      <a:endParaRPr lang="ko-KR" altLang="en-US" sz="1000" b="1" i="0" u="none" strike="noStrike">
+                        <a:solidFill>
+                          <a:srgbClr val="000000"/>
+                        </a:solidFill>
+                        <a:effectLst/>
+                        <a:latin typeface="맑은 고딕" panose="020B0503020000020004" pitchFamily="50" charset="-127"/>
+                        <a:ea typeface="맑은 고딕" panose="020B0503020000020004" pitchFamily="50" charset="-127"/>
+                      </a:endParaRPr>
+                    </a:p>
+                  </a:txBody>
+                  <a:tcPr marL="4808" marR="4808" marT="4808" marB="0" anchor="b"/>
+                </a:tc>
+                <a:tc>
+                  <a:txBody>
+                    <a:bodyPr/>
+                    <a:lstStyle/>
+                    <a:p>
+                      <a:pPr algn="l" fontAlgn="b"/>
+                      <a:r>
+                        <a:rPr lang="ko-KR" altLang="en-US" sz="1000" u="none" strike="noStrike">
+                          <a:effectLst/>
+                        </a:rPr>
+                        <a:t>화</a:t>
+                      </a:r>
+                      <a:endParaRPr lang="ko-KR" altLang="en-US" sz="1000" b="1" i="0" u="none" strike="noStrike">
+                        <a:solidFill>
+                          <a:srgbClr val="000000"/>
+                        </a:solidFill>
+                        <a:effectLst/>
+                        <a:latin typeface="맑은 고딕" panose="020B0503020000020004" pitchFamily="50" charset="-127"/>
+                        <a:ea typeface="맑은 고딕" panose="020B0503020000020004" pitchFamily="50" charset="-127"/>
+                      </a:endParaRPr>
+                    </a:p>
+                  </a:txBody>
+                  <a:tcPr marL="4808" marR="4808" marT="4808" marB="0" anchor="b"/>
+                </a:tc>
+                <a:tc>
+                  <a:txBody>
+                    <a:bodyPr/>
+                    <a:lstStyle/>
+                    <a:p>
+                      <a:pPr algn="l" fontAlgn="b"/>
+                      <a:r>
+                        <a:rPr lang="ko-KR" altLang="en-US" sz="1000" u="none" strike="noStrike">
+                          <a:effectLst/>
+                        </a:rPr>
+                        <a:t>수</a:t>
+                      </a:r>
+                      <a:endParaRPr lang="ko-KR" altLang="en-US" sz="1000" b="1" i="0" u="none" strike="noStrike">
+                        <a:solidFill>
+                          <a:srgbClr val="000000"/>
+                        </a:solidFill>
+                        <a:effectLst/>
+                        <a:latin typeface="맑은 고딕" panose="020B0503020000020004" pitchFamily="50" charset="-127"/>
+                        <a:ea typeface="맑은 고딕" panose="020B0503020000020004" pitchFamily="50" charset="-127"/>
+                      </a:endParaRPr>
+                    </a:p>
+                  </a:txBody>
+                  <a:tcPr marL="4808" marR="4808" marT="4808" marB="0" anchor="b"/>
+                </a:tc>
+                <a:tc>
+                  <a:txBody>
+                    <a:bodyPr/>
+                    <a:lstStyle/>
+                    <a:p>
+                      <a:pPr algn="l" fontAlgn="b"/>
+                      <a:r>
+                        <a:rPr lang="ko-KR" altLang="en-US" sz="1000" u="none" strike="noStrike">
+                          <a:effectLst/>
+                        </a:rPr>
+                        <a:t>목</a:t>
+                      </a:r>
+                      <a:endParaRPr lang="ko-KR" altLang="en-US" sz="1000" b="1" i="0" u="none" strike="noStrike">
+                        <a:solidFill>
+                          <a:srgbClr val="000000"/>
+                        </a:solidFill>
+                        <a:effectLst/>
+                        <a:latin typeface="맑은 고딕" panose="020B0503020000020004" pitchFamily="50" charset="-127"/>
+                        <a:ea typeface="맑은 고딕" panose="020B0503020000020004" pitchFamily="50" charset="-127"/>
+                      </a:endParaRPr>
+                    </a:p>
+                  </a:txBody>
+                  <a:tcPr marL="4808" marR="4808" marT="4808" marB="0" anchor="b"/>
+                </a:tc>
+                <a:tc>
+                  <a:txBody>
+                    <a:bodyPr/>
+                    <a:lstStyle/>
+                    <a:p>
+                      <a:pPr algn="l" fontAlgn="b"/>
+                      <a:r>
+                        <a:rPr lang="ko-KR" altLang="en-US" sz="1000" u="none" strike="noStrike">
+                          <a:effectLst/>
+                        </a:rPr>
+                        <a:t>금</a:t>
+                      </a:r>
+                      <a:endParaRPr lang="ko-KR" altLang="en-US" sz="1000" b="1" i="0" u="none" strike="noStrike">
+                        <a:solidFill>
+                          <a:srgbClr val="000000"/>
+                        </a:solidFill>
+                        <a:effectLst/>
+                        <a:latin typeface="맑은 고딕" panose="020B0503020000020004" pitchFamily="50" charset="-127"/>
+                        <a:ea typeface="맑은 고딕" panose="020B0503020000020004" pitchFamily="50" charset="-127"/>
+                      </a:endParaRPr>
+                    </a:p>
+                  </a:txBody>
+                  <a:tcPr marL="4808" marR="4808" marT="4808" marB="0" anchor="b"/>
+                </a:tc>
+                <a:tc>
+                  <a:txBody>
+                    <a:bodyPr/>
+                    <a:lstStyle/>
+                    <a:p>
+                      <a:pPr algn="l" fontAlgn="b"/>
+                      <a:r>
+                        <a:rPr lang="ko-KR" altLang="en-US" sz="1000" u="none" strike="noStrike">
+                          <a:effectLst/>
+                        </a:rPr>
+                        <a:t>토</a:t>
+                      </a:r>
+                      <a:endParaRPr lang="ko-KR" altLang="en-US" sz="1000" b="1" i="0" u="none" strike="noStrike">
+                        <a:solidFill>
+                          <a:srgbClr val="000000"/>
+                        </a:solidFill>
+                        <a:effectLst/>
+                        <a:latin typeface="맑은 고딕" panose="020B0503020000020004" pitchFamily="50" charset="-127"/>
+                        <a:ea typeface="맑은 고딕" panose="020B0503020000020004" pitchFamily="50" charset="-127"/>
+                      </a:endParaRPr>
+                    </a:p>
+                  </a:txBody>
+                  <a:tcPr marL="4808" marR="4808" marT="4808" marB="0" anchor="b"/>
+                </a:tc>
+                <a:extLst>
+                  <a:ext uri="{0D108BD9-81ED-4DB2-BD59-A6C34878D82A}">
+                    <a16:rowId xmlns:a16="http://schemas.microsoft.com/office/drawing/2014/main" val="392559449"/>
+                  </a:ext>
+                </a:extLst>
+              </a:tr>
+              <a:tr h="141496">
+                <a:tc>
+                  <a:txBody>
+                    <a:bodyPr/>
+                    <a:lstStyle/>
+                    <a:p>
+                      <a:pPr algn="l" fontAlgn="b"/>
+                      <a:r>
+                        <a:rPr lang="ko-KR" altLang="en-US" sz="1000" u="none" strike="noStrike">
+                          <a:effectLst/>
+                        </a:rPr>
+                        <a:t>　</a:t>
+                      </a:r>
+                      <a:endParaRPr lang="ko-KR" altLang="en-US" sz="1000" b="0" i="0" u="none" strike="noStrike">
+                        <a:solidFill>
+                          <a:srgbClr val="000000"/>
+                        </a:solidFill>
+                        <a:effectLst/>
+                        <a:latin typeface="맑은 고딕" panose="020B0503020000020004" pitchFamily="50" charset="-127"/>
+                        <a:ea typeface="맑은 고딕" panose="020B0503020000020004" pitchFamily="50" charset="-127"/>
+                      </a:endParaRPr>
+                    </a:p>
+                  </a:txBody>
+                  <a:tcPr marL="4808" marR="4808" marT="4808" marB="0" anchor="b"/>
+                </a:tc>
+                <a:tc>
+                  <a:txBody>
+                    <a:bodyPr/>
+                    <a:lstStyle/>
+                    <a:p>
+                      <a:pPr algn="l" fontAlgn="b"/>
+                      <a:r>
+                        <a:rPr lang="ko-KR" altLang="en-US" sz="1000" u="none" strike="noStrike">
+                          <a:effectLst/>
+                        </a:rPr>
+                        <a:t>　</a:t>
+                      </a:r>
+                      <a:endParaRPr lang="ko-KR" altLang="en-US" sz="1000" b="0" i="0" u="none" strike="noStrike">
+                        <a:solidFill>
+                          <a:srgbClr val="000000"/>
+                        </a:solidFill>
+                        <a:effectLst/>
+                        <a:latin typeface="맑은 고딕" panose="020B0503020000020004" pitchFamily="50" charset="-127"/>
+                        <a:ea typeface="맑은 고딕" panose="020B0503020000020004" pitchFamily="50" charset="-127"/>
+                      </a:endParaRPr>
+                    </a:p>
+                  </a:txBody>
+                  <a:tcPr marL="4808" marR="4808" marT="4808" marB="0" anchor="b"/>
+                </a:tc>
+                <a:tc>
+                  <a:txBody>
+                    <a:bodyPr/>
+                    <a:lstStyle/>
+                    <a:p>
+                      <a:pPr algn="r" fontAlgn="b"/>
+                      <a:r>
+                        <a:rPr lang="en-US" altLang="ko-KR" sz="1000" u="none" strike="noStrike">
+                          <a:effectLst/>
+                        </a:rPr>
+                        <a:t>1</a:t>
+                      </a:r>
+                      <a:endParaRPr lang="en-US" altLang="ko-KR" sz="1000" b="0" i="0" u="none" strike="noStrike">
+                        <a:solidFill>
+                          <a:srgbClr val="000000"/>
+                        </a:solidFill>
+                        <a:effectLst/>
+                        <a:latin typeface="맑은 고딕" panose="020B0503020000020004" pitchFamily="50" charset="-127"/>
+                        <a:ea typeface="맑은 고딕" panose="020B0503020000020004" pitchFamily="50" charset="-127"/>
+                      </a:endParaRPr>
+                    </a:p>
+                  </a:txBody>
+                  <a:tcPr marL="4808" marR="4808" marT="4808" marB="0" anchor="b"/>
+                </a:tc>
+                <a:tc>
+                  <a:txBody>
+                    <a:bodyPr/>
+                    <a:lstStyle/>
+                    <a:p>
+                      <a:pPr algn="r" fontAlgn="b"/>
+                      <a:r>
+                        <a:rPr lang="en-US" altLang="ko-KR" sz="1000" u="none" strike="noStrike">
+                          <a:effectLst/>
+                        </a:rPr>
+                        <a:t>2</a:t>
+                      </a:r>
+                      <a:endParaRPr lang="en-US" altLang="ko-KR" sz="1000" b="0" i="0" u="none" strike="noStrike">
+                        <a:solidFill>
+                          <a:srgbClr val="000000"/>
+                        </a:solidFill>
+                        <a:effectLst/>
+                        <a:latin typeface="맑은 고딕" panose="020B0503020000020004" pitchFamily="50" charset="-127"/>
+                        <a:ea typeface="맑은 고딕" panose="020B0503020000020004" pitchFamily="50" charset="-127"/>
+                      </a:endParaRPr>
+                    </a:p>
+                  </a:txBody>
+                  <a:tcPr marL="4808" marR="4808" marT="4808" marB="0" anchor="b"/>
+                </a:tc>
+                <a:tc>
+                  <a:txBody>
+                    <a:bodyPr/>
+                    <a:lstStyle/>
+                    <a:p>
+                      <a:pPr algn="r" fontAlgn="b"/>
+                      <a:r>
+                        <a:rPr lang="en-US" altLang="ko-KR" sz="1000" u="none" strike="noStrike">
+                          <a:effectLst/>
+                        </a:rPr>
+                        <a:t>3</a:t>
+                      </a:r>
+                      <a:endParaRPr lang="en-US" altLang="ko-KR" sz="1000" b="0" i="0" u="none" strike="noStrike">
+                        <a:solidFill>
+                          <a:srgbClr val="000000"/>
+                        </a:solidFill>
+                        <a:effectLst/>
+                        <a:latin typeface="맑은 고딕" panose="020B0503020000020004" pitchFamily="50" charset="-127"/>
+                        <a:ea typeface="맑은 고딕" panose="020B0503020000020004" pitchFamily="50" charset="-127"/>
+                      </a:endParaRPr>
+                    </a:p>
+                  </a:txBody>
+                  <a:tcPr marL="4808" marR="4808" marT="4808" marB="0" anchor="b"/>
+                </a:tc>
+                <a:tc>
+                  <a:txBody>
+                    <a:bodyPr/>
+                    <a:lstStyle/>
+                    <a:p>
+                      <a:pPr algn="r" fontAlgn="b"/>
+                      <a:r>
+                        <a:rPr lang="en-US" altLang="ko-KR" sz="1000" u="none" strike="noStrike">
+                          <a:effectLst/>
+                        </a:rPr>
+                        <a:t>4</a:t>
+                      </a:r>
+                      <a:endParaRPr lang="en-US" altLang="ko-KR" sz="1000" b="0" i="0" u="none" strike="noStrike">
+                        <a:solidFill>
+                          <a:srgbClr val="000000"/>
+                        </a:solidFill>
+                        <a:effectLst/>
+                        <a:latin typeface="맑은 고딕" panose="020B0503020000020004" pitchFamily="50" charset="-127"/>
+                        <a:ea typeface="맑은 고딕" panose="020B0503020000020004" pitchFamily="50" charset="-127"/>
+                      </a:endParaRPr>
+                    </a:p>
+                  </a:txBody>
+                  <a:tcPr marL="4808" marR="4808" marT="4808" marB="0" anchor="b"/>
+                </a:tc>
+                <a:tc>
+                  <a:txBody>
+                    <a:bodyPr/>
+                    <a:lstStyle/>
+                    <a:p>
+                      <a:pPr algn="r" fontAlgn="b"/>
+                      <a:r>
+                        <a:rPr lang="en-US" altLang="ko-KR" sz="1000" u="none" strike="noStrike">
+                          <a:effectLst/>
+                        </a:rPr>
+                        <a:t>5</a:t>
+                      </a:r>
+                      <a:endParaRPr lang="en-US" altLang="ko-KR" sz="1000" b="0" i="0" u="none" strike="noStrike">
+                        <a:solidFill>
+                          <a:srgbClr val="000000"/>
+                        </a:solidFill>
+                        <a:effectLst/>
+                        <a:latin typeface="맑은 고딕" panose="020B0503020000020004" pitchFamily="50" charset="-127"/>
+                        <a:ea typeface="맑은 고딕" panose="020B0503020000020004" pitchFamily="50" charset="-127"/>
+                      </a:endParaRPr>
+                    </a:p>
+                  </a:txBody>
+                  <a:tcPr marL="4808" marR="4808" marT="4808" marB="0" anchor="b"/>
+                </a:tc>
+                <a:extLst>
+                  <a:ext uri="{0D108BD9-81ED-4DB2-BD59-A6C34878D82A}">
+                    <a16:rowId xmlns:a16="http://schemas.microsoft.com/office/drawing/2014/main" val="1367686524"/>
+                  </a:ext>
+                </a:extLst>
+              </a:tr>
+              <a:tr h="707482">
+                <a:tc>
+                  <a:txBody>
+                    <a:bodyPr/>
+                    <a:lstStyle/>
+                    <a:p>
+                      <a:pPr algn="l" fontAlgn="b"/>
+                      <a:r>
+                        <a:rPr lang="ko-KR" altLang="en-US" sz="1000" u="none" strike="noStrike" dirty="0">
+                          <a:effectLst/>
+                        </a:rPr>
+                        <a:t>　</a:t>
+                      </a:r>
+                      <a:endParaRPr lang="ko-KR" altLang="en-US" sz="1000" b="0" i="0" u="none" strike="noStrike" dirty="0">
+                        <a:solidFill>
+                          <a:srgbClr val="000000"/>
+                        </a:solidFill>
+                        <a:effectLst/>
+                        <a:latin typeface="맑은 고딕" panose="020B0503020000020004" pitchFamily="50" charset="-127"/>
+                        <a:ea typeface="맑은 고딕" panose="020B0503020000020004" pitchFamily="50" charset="-127"/>
+                      </a:endParaRPr>
+                    </a:p>
+                  </a:txBody>
+                  <a:tcPr marL="4808" marR="4808" marT="4808" marB="0" anchor="b"/>
+                </a:tc>
+                <a:tc>
+                  <a:txBody>
+                    <a:bodyPr/>
+                    <a:lstStyle/>
+                    <a:p>
+                      <a:pPr algn="l" fontAlgn="b"/>
+                      <a:r>
+                        <a:rPr lang="ko-KR" altLang="en-US" sz="1000" u="none" strike="noStrike">
+                          <a:effectLst/>
+                        </a:rPr>
+                        <a:t>　</a:t>
+                      </a:r>
+                      <a:endParaRPr lang="ko-KR" altLang="en-US" sz="1000" b="0" i="0" u="none" strike="noStrike">
+                        <a:solidFill>
+                          <a:srgbClr val="000000"/>
+                        </a:solidFill>
+                        <a:effectLst/>
+                        <a:latin typeface="맑은 고딕" panose="020B0503020000020004" pitchFamily="50" charset="-127"/>
+                        <a:ea typeface="맑은 고딕" panose="020B0503020000020004" pitchFamily="50" charset="-127"/>
+                      </a:endParaRPr>
+                    </a:p>
+                  </a:txBody>
+                  <a:tcPr marL="4808" marR="4808" marT="4808" marB="0" anchor="b"/>
+                </a:tc>
+                <a:tc>
+                  <a:txBody>
+                    <a:bodyPr/>
+                    <a:lstStyle/>
+                    <a:p>
+                      <a:pPr algn="l" fontAlgn="b"/>
+                      <a:r>
+                        <a:rPr lang="ko-KR" altLang="en-US" sz="1000" u="none" strike="noStrike">
+                          <a:effectLst/>
+                        </a:rPr>
+                        <a:t>　</a:t>
+                      </a:r>
+                      <a:endParaRPr lang="ko-KR" altLang="en-US" sz="1000" b="0" i="0" u="none" strike="noStrike">
+                        <a:solidFill>
+                          <a:srgbClr val="000000"/>
+                        </a:solidFill>
+                        <a:effectLst/>
+                        <a:latin typeface="맑은 고딕" panose="020B0503020000020004" pitchFamily="50" charset="-127"/>
+                        <a:ea typeface="맑은 고딕" panose="020B0503020000020004" pitchFamily="50" charset="-127"/>
+                      </a:endParaRPr>
+                    </a:p>
+                  </a:txBody>
+                  <a:tcPr marL="4808" marR="4808" marT="4808" marB="0" anchor="b"/>
+                </a:tc>
+                <a:tc>
+                  <a:txBody>
+                    <a:bodyPr/>
+                    <a:lstStyle/>
+                    <a:p>
+                      <a:pPr algn="l" fontAlgn="b"/>
+                      <a:r>
+                        <a:rPr lang="ko-KR" altLang="en-US" sz="1000" u="none" strike="noStrike">
+                          <a:effectLst/>
+                        </a:rPr>
+                        <a:t>　</a:t>
+                      </a:r>
+                      <a:endParaRPr lang="ko-KR" altLang="en-US" sz="1000" b="0" i="0" u="none" strike="noStrike">
+                        <a:solidFill>
+                          <a:srgbClr val="000000"/>
+                        </a:solidFill>
+                        <a:effectLst/>
+                        <a:latin typeface="맑은 고딕" panose="020B0503020000020004" pitchFamily="50" charset="-127"/>
+                        <a:ea typeface="맑은 고딕" panose="020B0503020000020004" pitchFamily="50" charset="-127"/>
+                      </a:endParaRPr>
+                    </a:p>
+                  </a:txBody>
+                  <a:tcPr marL="4808" marR="4808" marT="4808" marB="0" anchor="b"/>
+                </a:tc>
+                <a:tc>
+                  <a:txBody>
+                    <a:bodyPr/>
+                    <a:lstStyle/>
+                    <a:p>
+                      <a:pPr algn="l" fontAlgn="b"/>
+                      <a:r>
+                        <a:rPr lang="ko-KR" altLang="en-US" sz="1000" u="none" strike="noStrike">
+                          <a:effectLst/>
+                        </a:rPr>
+                        <a:t>　</a:t>
+                      </a:r>
+                      <a:endParaRPr lang="ko-KR" altLang="en-US" sz="1000" b="0" i="0" u="none" strike="noStrike">
+                        <a:solidFill>
+                          <a:srgbClr val="000000"/>
+                        </a:solidFill>
+                        <a:effectLst/>
+                        <a:latin typeface="맑은 고딕" panose="020B0503020000020004" pitchFamily="50" charset="-127"/>
+                        <a:ea typeface="맑은 고딕" panose="020B0503020000020004" pitchFamily="50" charset="-127"/>
+                      </a:endParaRPr>
+                    </a:p>
+                  </a:txBody>
+                  <a:tcPr marL="4808" marR="4808" marT="4808" marB="0" anchor="b"/>
+                </a:tc>
+                <a:tc>
+                  <a:txBody>
+                    <a:bodyPr/>
+                    <a:lstStyle/>
+                    <a:p>
+                      <a:pPr algn="l" fontAlgn="b"/>
+                      <a:r>
+                        <a:rPr lang="en-US" sz="1000" u="none" strike="noStrike">
+                          <a:effectLst/>
+                        </a:rPr>
+                        <a:t>class GameObject</a:t>
+                      </a:r>
+                      <a:br>
+                        <a:rPr lang="en-US" sz="1000" u="none" strike="noStrike">
+                          <a:effectLst/>
+                        </a:rPr>
+                      </a:br>
+                      <a:r>
+                        <a:rPr lang="en-US" sz="1000" u="none" strike="noStrike">
+                          <a:effectLst/>
+                        </a:rPr>
+                        <a:t>class Creature</a:t>
+                      </a:r>
+                      <a:endParaRPr lang="en-US" sz="1000" b="0" i="0" u="none" strike="noStrike">
+                        <a:solidFill>
+                          <a:srgbClr val="000000"/>
+                        </a:solidFill>
+                        <a:effectLst/>
+                        <a:latin typeface="맑은 고딕" panose="020B0503020000020004" pitchFamily="50" charset="-127"/>
+                        <a:ea typeface="맑은 고딕" panose="020B0503020000020004" pitchFamily="50" charset="-127"/>
+                      </a:endParaRPr>
+                    </a:p>
+                  </a:txBody>
+                  <a:tcPr marL="4808" marR="4808" marT="4808" marB="0" anchor="b"/>
+                </a:tc>
+                <a:tc>
+                  <a:txBody>
+                    <a:bodyPr/>
+                    <a:lstStyle/>
+                    <a:p>
+                      <a:pPr algn="l" fontAlgn="b"/>
+                      <a:r>
+                        <a:rPr lang="en-US" sz="1000" u="none" strike="noStrike">
+                          <a:effectLst/>
+                        </a:rPr>
+                        <a:t>class Player declaration</a:t>
+                      </a:r>
+                      <a:endParaRPr lang="en-US" sz="1000" b="0" i="0" u="none" strike="noStrike">
+                        <a:solidFill>
+                          <a:srgbClr val="000000"/>
+                        </a:solidFill>
+                        <a:effectLst/>
+                        <a:latin typeface="맑은 고딕" panose="020B0503020000020004" pitchFamily="50" charset="-127"/>
+                        <a:ea typeface="맑은 고딕" panose="020B0503020000020004" pitchFamily="50" charset="-127"/>
+                      </a:endParaRPr>
+                    </a:p>
+                  </a:txBody>
+                  <a:tcPr marL="4808" marR="4808" marT="4808" marB="0" anchor="b"/>
+                </a:tc>
+                <a:extLst>
+                  <a:ext uri="{0D108BD9-81ED-4DB2-BD59-A6C34878D82A}">
+                    <a16:rowId xmlns:a16="http://schemas.microsoft.com/office/drawing/2014/main" val="2923258760"/>
+                  </a:ext>
+                </a:extLst>
+              </a:tr>
+              <a:tr h="141496">
+                <a:tc>
+                  <a:txBody>
+                    <a:bodyPr/>
+                    <a:lstStyle/>
+                    <a:p>
+                      <a:pPr algn="r" fontAlgn="b"/>
+                      <a:r>
+                        <a:rPr lang="en-US" altLang="ko-KR" sz="1000" u="none" strike="noStrike">
+                          <a:effectLst/>
+                        </a:rPr>
+                        <a:t>6</a:t>
+                      </a:r>
+                      <a:endParaRPr lang="en-US" altLang="ko-KR" sz="1000" b="0" i="0" u="none" strike="noStrike">
+                        <a:solidFill>
+                          <a:srgbClr val="000000"/>
+                        </a:solidFill>
+                        <a:effectLst/>
+                        <a:latin typeface="맑은 고딕" panose="020B0503020000020004" pitchFamily="50" charset="-127"/>
+                        <a:ea typeface="맑은 고딕" panose="020B0503020000020004" pitchFamily="50" charset="-127"/>
+                      </a:endParaRPr>
+                    </a:p>
+                  </a:txBody>
+                  <a:tcPr marL="4808" marR="4808" marT="4808" marB="0" anchor="b"/>
+                </a:tc>
+                <a:tc>
+                  <a:txBody>
+                    <a:bodyPr/>
+                    <a:lstStyle/>
+                    <a:p>
+                      <a:pPr algn="r" fontAlgn="b"/>
+                      <a:r>
+                        <a:rPr lang="en-US" altLang="ko-KR" sz="1000" u="none" strike="noStrike">
+                          <a:effectLst/>
+                        </a:rPr>
+                        <a:t>7</a:t>
+                      </a:r>
+                      <a:endParaRPr lang="en-US" altLang="ko-KR" sz="1000" b="0" i="0" u="none" strike="noStrike">
+                        <a:solidFill>
+                          <a:srgbClr val="000000"/>
+                        </a:solidFill>
+                        <a:effectLst/>
+                        <a:latin typeface="맑은 고딕" panose="020B0503020000020004" pitchFamily="50" charset="-127"/>
+                        <a:ea typeface="맑은 고딕" panose="020B0503020000020004" pitchFamily="50" charset="-127"/>
+                      </a:endParaRPr>
+                    </a:p>
+                  </a:txBody>
+                  <a:tcPr marL="4808" marR="4808" marT="4808" marB="0" anchor="b"/>
+                </a:tc>
+                <a:tc>
+                  <a:txBody>
+                    <a:bodyPr/>
+                    <a:lstStyle/>
+                    <a:p>
+                      <a:pPr algn="r" fontAlgn="b"/>
+                      <a:r>
+                        <a:rPr lang="en-US" altLang="ko-KR" sz="1000" u="none" strike="noStrike">
+                          <a:effectLst/>
+                        </a:rPr>
+                        <a:t>8</a:t>
+                      </a:r>
+                      <a:endParaRPr lang="en-US" altLang="ko-KR" sz="1000" b="0" i="0" u="none" strike="noStrike">
+                        <a:solidFill>
+                          <a:srgbClr val="000000"/>
+                        </a:solidFill>
+                        <a:effectLst/>
+                        <a:latin typeface="맑은 고딕" panose="020B0503020000020004" pitchFamily="50" charset="-127"/>
+                        <a:ea typeface="맑은 고딕" panose="020B0503020000020004" pitchFamily="50" charset="-127"/>
+                      </a:endParaRPr>
+                    </a:p>
+                  </a:txBody>
+                  <a:tcPr marL="4808" marR="4808" marT="4808" marB="0" anchor="b"/>
+                </a:tc>
+                <a:tc>
+                  <a:txBody>
+                    <a:bodyPr/>
+                    <a:lstStyle/>
+                    <a:p>
+                      <a:pPr algn="r" fontAlgn="b"/>
+                      <a:r>
+                        <a:rPr lang="en-US" altLang="ko-KR" sz="1000" u="none" strike="noStrike">
+                          <a:effectLst/>
+                        </a:rPr>
+                        <a:t>9</a:t>
+                      </a:r>
+                      <a:endParaRPr lang="en-US" altLang="ko-KR" sz="1000" b="0" i="0" u="none" strike="noStrike">
+                        <a:solidFill>
+                          <a:srgbClr val="000000"/>
+                        </a:solidFill>
+                        <a:effectLst/>
+                        <a:latin typeface="맑은 고딕" panose="020B0503020000020004" pitchFamily="50" charset="-127"/>
+                        <a:ea typeface="맑은 고딕" panose="020B0503020000020004" pitchFamily="50" charset="-127"/>
+                      </a:endParaRPr>
+                    </a:p>
+                  </a:txBody>
+                  <a:tcPr marL="4808" marR="4808" marT="4808" marB="0" anchor="b"/>
+                </a:tc>
+                <a:tc>
+                  <a:txBody>
+                    <a:bodyPr/>
+                    <a:lstStyle/>
+                    <a:p>
+                      <a:pPr algn="r" fontAlgn="b"/>
+                      <a:r>
+                        <a:rPr lang="en-US" altLang="ko-KR" sz="1000" u="none" strike="noStrike">
+                          <a:effectLst/>
+                        </a:rPr>
+                        <a:t>10</a:t>
+                      </a:r>
+                      <a:endParaRPr lang="en-US" altLang="ko-KR" sz="1000" b="0" i="0" u="none" strike="noStrike">
+                        <a:solidFill>
+                          <a:srgbClr val="000000"/>
+                        </a:solidFill>
+                        <a:effectLst/>
+                        <a:latin typeface="맑은 고딕" panose="020B0503020000020004" pitchFamily="50" charset="-127"/>
+                        <a:ea typeface="맑은 고딕" panose="020B0503020000020004" pitchFamily="50" charset="-127"/>
+                      </a:endParaRPr>
+                    </a:p>
+                  </a:txBody>
+                  <a:tcPr marL="4808" marR="4808" marT="4808" marB="0" anchor="b"/>
+                </a:tc>
+                <a:tc>
+                  <a:txBody>
+                    <a:bodyPr/>
+                    <a:lstStyle/>
+                    <a:p>
+                      <a:pPr algn="r" fontAlgn="b"/>
+                      <a:r>
+                        <a:rPr lang="en-US" altLang="ko-KR" sz="1000" u="none" strike="noStrike">
+                          <a:effectLst/>
+                        </a:rPr>
+                        <a:t>11</a:t>
+                      </a:r>
+                      <a:endParaRPr lang="en-US" altLang="ko-KR" sz="1000" b="0" i="0" u="none" strike="noStrike">
+                        <a:solidFill>
+                          <a:srgbClr val="000000"/>
+                        </a:solidFill>
+                        <a:effectLst/>
+                        <a:latin typeface="맑은 고딕" panose="020B0503020000020004" pitchFamily="50" charset="-127"/>
+                        <a:ea typeface="맑은 고딕" panose="020B0503020000020004" pitchFamily="50" charset="-127"/>
+                      </a:endParaRPr>
+                    </a:p>
+                  </a:txBody>
+                  <a:tcPr marL="4808" marR="4808" marT="4808" marB="0" anchor="b"/>
+                </a:tc>
+                <a:tc>
+                  <a:txBody>
+                    <a:bodyPr/>
+                    <a:lstStyle/>
+                    <a:p>
+                      <a:pPr algn="r" fontAlgn="b"/>
+                      <a:r>
+                        <a:rPr lang="en-US" altLang="ko-KR" sz="1000" u="none" strike="noStrike">
+                          <a:effectLst/>
+                        </a:rPr>
+                        <a:t>12</a:t>
+                      </a:r>
+                      <a:endParaRPr lang="en-US" altLang="ko-KR" sz="1000" b="0" i="0" u="none" strike="noStrike">
+                        <a:solidFill>
+                          <a:srgbClr val="000000"/>
+                        </a:solidFill>
+                        <a:effectLst/>
+                        <a:latin typeface="맑은 고딕" panose="020B0503020000020004" pitchFamily="50" charset="-127"/>
+                        <a:ea typeface="맑은 고딕" panose="020B0503020000020004" pitchFamily="50" charset="-127"/>
+                      </a:endParaRPr>
+                    </a:p>
+                  </a:txBody>
+                  <a:tcPr marL="4808" marR="4808" marT="4808" marB="0" anchor="b"/>
+                </a:tc>
+                <a:extLst>
+                  <a:ext uri="{0D108BD9-81ED-4DB2-BD59-A6C34878D82A}">
+                    <a16:rowId xmlns:a16="http://schemas.microsoft.com/office/drawing/2014/main" val="326542080"/>
+                  </a:ext>
+                </a:extLst>
+              </a:tr>
+              <a:tr h="848978">
+                <a:tc>
+                  <a:txBody>
+                    <a:bodyPr/>
+                    <a:lstStyle/>
+                    <a:p>
+                      <a:pPr algn="l" fontAlgn="b"/>
+                      <a:r>
+                        <a:rPr lang="en-US" sz="1000" u="none" strike="noStrike">
+                          <a:effectLst/>
+                        </a:rPr>
+                        <a:t>Player.Set*()</a:t>
+                      </a:r>
+                      <a:br>
+                        <a:rPr lang="en-US" sz="1000" u="none" strike="noStrike">
+                          <a:effectLst/>
+                        </a:rPr>
+                      </a:br>
+                      <a:r>
+                        <a:rPr lang="en-US" sz="1000" u="none" strike="noStrike">
+                          <a:effectLst/>
+                        </a:rPr>
+                        <a:t>Player.Get*()</a:t>
+                      </a:r>
+                      <a:br>
+                        <a:rPr lang="en-US" sz="1000" u="none" strike="noStrike">
+                          <a:effectLst/>
+                        </a:rPr>
+                      </a:br>
+                      <a:r>
+                        <a:rPr lang="en-US" sz="1000" u="none" strike="noStrike">
+                          <a:effectLst/>
+                        </a:rPr>
+                        <a:t>Player.MakePlayer()</a:t>
+                      </a:r>
+                      <a:endParaRPr lang="en-US" sz="1000" b="0" i="0" u="none" strike="noStrike">
+                        <a:solidFill>
+                          <a:srgbClr val="000000"/>
+                        </a:solidFill>
+                        <a:effectLst/>
+                        <a:latin typeface="맑은 고딕" panose="020B0503020000020004" pitchFamily="50" charset="-127"/>
+                        <a:ea typeface="맑은 고딕" panose="020B0503020000020004" pitchFamily="50" charset="-127"/>
+                      </a:endParaRPr>
+                    </a:p>
+                  </a:txBody>
+                  <a:tcPr marL="4808" marR="4808" marT="4808" marB="0" anchor="b"/>
+                </a:tc>
+                <a:tc>
+                  <a:txBody>
+                    <a:bodyPr/>
+                    <a:lstStyle/>
+                    <a:p>
+                      <a:pPr algn="l" fontAlgn="b"/>
+                      <a:r>
+                        <a:rPr lang="ko-KR" altLang="en-US" sz="1000" u="none" strike="noStrike" dirty="0">
+                          <a:effectLst/>
+                        </a:rPr>
+                        <a:t>　</a:t>
+                      </a:r>
+                      <a:endParaRPr lang="ko-KR" altLang="en-US" sz="1000" b="0" i="0" u="none" strike="noStrike" dirty="0">
+                        <a:solidFill>
+                          <a:srgbClr val="000000"/>
+                        </a:solidFill>
+                        <a:effectLst/>
+                        <a:latin typeface="맑은 고딕" panose="020B0503020000020004" pitchFamily="50" charset="-127"/>
+                        <a:ea typeface="맑은 고딕" panose="020B0503020000020004" pitchFamily="50" charset="-127"/>
+                      </a:endParaRPr>
+                    </a:p>
+                  </a:txBody>
+                  <a:tcPr marL="4808" marR="4808" marT="4808" marB="0" anchor="b"/>
+                </a:tc>
+                <a:tc>
+                  <a:txBody>
+                    <a:bodyPr/>
+                    <a:lstStyle/>
+                    <a:p>
+                      <a:pPr algn="l" fontAlgn="b"/>
+                      <a:r>
+                        <a:rPr lang="en-US" sz="1000" u="none" strike="noStrike" dirty="0" err="1">
+                          <a:effectLst/>
+                        </a:rPr>
+                        <a:t>Player.Render</a:t>
+                      </a:r>
+                      <a:r>
+                        <a:rPr lang="en-US" sz="1000" u="none" strike="noStrike" dirty="0">
+                          <a:effectLst/>
+                        </a:rPr>
+                        <a:t>()</a:t>
+                      </a:r>
+                      <a:endParaRPr lang="en-US" sz="1000" b="0" i="0" u="none" strike="noStrike" dirty="0">
+                        <a:solidFill>
+                          <a:srgbClr val="000000"/>
+                        </a:solidFill>
+                        <a:effectLst/>
+                        <a:latin typeface="맑은 고딕" panose="020B0503020000020004" pitchFamily="50" charset="-127"/>
+                        <a:ea typeface="맑은 고딕" panose="020B0503020000020004" pitchFamily="50" charset="-127"/>
+                      </a:endParaRPr>
+                    </a:p>
+                  </a:txBody>
+                  <a:tcPr marL="4808" marR="4808" marT="4808" marB="0" anchor="b"/>
+                </a:tc>
+                <a:tc>
+                  <a:txBody>
+                    <a:bodyPr/>
+                    <a:lstStyle/>
+                    <a:p>
+                      <a:pPr algn="l" fontAlgn="b"/>
+                      <a:r>
+                        <a:rPr lang="en-US" sz="1000" u="none" strike="noStrike">
+                          <a:effectLst/>
+                        </a:rPr>
+                        <a:t>class Game</a:t>
+                      </a:r>
+                      <a:br>
+                        <a:rPr lang="en-US" sz="1000" u="none" strike="noStrike">
+                          <a:effectLst/>
+                        </a:rPr>
+                      </a:br>
+                      <a:r>
+                        <a:rPr lang="en-US" sz="1000" u="none" strike="noStrike">
+                          <a:effectLst/>
+                        </a:rPr>
+                        <a:t>class GameObjectManager</a:t>
+                      </a:r>
+                      <a:endParaRPr lang="en-US" sz="1000" b="0" i="0" u="none" strike="noStrike">
+                        <a:solidFill>
+                          <a:srgbClr val="000000"/>
+                        </a:solidFill>
+                        <a:effectLst/>
+                        <a:latin typeface="맑은 고딕" panose="020B0503020000020004" pitchFamily="50" charset="-127"/>
+                        <a:ea typeface="맑은 고딕" panose="020B0503020000020004" pitchFamily="50" charset="-127"/>
+                      </a:endParaRPr>
+                    </a:p>
+                  </a:txBody>
+                  <a:tcPr marL="4808" marR="4808" marT="4808" marB="0" anchor="b"/>
+                </a:tc>
+                <a:tc>
+                  <a:txBody>
+                    <a:bodyPr/>
+                    <a:lstStyle/>
+                    <a:p>
+                      <a:pPr algn="l" fontAlgn="b"/>
+                      <a:r>
+                        <a:rPr lang="ko-KR" altLang="en-US" sz="1000" u="none" strike="noStrike" dirty="0">
+                          <a:effectLst/>
+                        </a:rPr>
+                        <a:t>　</a:t>
+                      </a:r>
+                      <a:endParaRPr lang="ko-KR" altLang="en-US" sz="1000" b="0" i="0" u="none" strike="noStrike" dirty="0">
+                        <a:solidFill>
+                          <a:srgbClr val="000000"/>
+                        </a:solidFill>
+                        <a:effectLst/>
+                        <a:latin typeface="맑은 고딕" panose="020B0503020000020004" pitchFamily="50" charset="-127"/>
+                        <a:ea typeface="맑은 고딕" panose="020B0503020000020004" pitchFamily="50" charset="-127"/>
+                      </a:endParaRPr>
+                    </a:p>
+                  </a:txBody>
+                  <a:tcPr marL="4808" marR="4808" marT="4808" marB="0" anchor="b"/>
+                </a:tc>
+                <a:tc>
+                  <a:txBody>
+                    <a:bodyPr/>
+                    <a:lstStyle/>
+                    <a:p>
+                      <a:pPr algn="l" fontAlgn="b"/>
+                      <a:r>
+                        <a:rPr lang="ko-KR" altLang="en-US" sz="1000" u="none" strike="noStrike">
+                          <a:effectLst/>
+                        </a:rPr>
+                        <a:t>　</a:t>
+                      </a:r>
+                      <a:endParaRPr lang="ko-KR" altLang="en-US" sz="1000" b="0" i="0" u="none" strike="noStrike">
+                        <a:solidFill>
+                          <a:srgbClr val="000000"/>
+                        </a:solidFill>
+                        <a:effectLst/>
+                        <a:latin typeface="맑은 고딕" panose="020B0503020000020004" pitchFamily="50" charset="-127"/>
+                        <a:ea typeface="맑은 고딕" panose="020B0503020000020004" pitchFamily="50" charset="-127"/>
+                      </a:endParaRPr>
+                    </a:p>
+                  </a:txBody>
+                  <a:tcPr marL="4808" marR="4808" marT="4808" marB="0" anchor="b"/>
+                </a:tc>
+                <a:tc>
+                  <a:txBody>
+                    <a:bodyPr/>
+                    <a:lstStyle/>
+                    <a:p>
+                      <a:pPr algn="l" fontAlgn="b"/>
+                      <a:r>
+                        <a:rPr lang="en-US" sz="1000" u="none" strike="noStrike">
+                          <a:effectLst/>
+                        </a:rPr>
+                        <a:t>GameObjectManager.Render()</a:t>
+                      </a:r>
+                      <a:endParaRPr lang="en-US" sz="1000" b="0" i="0" u="none" strike="noStrike">
+                        <a:solidFill>
+                          <a:srgbClr val="000000"/>
+                        </a:solidFill>
+                        <a:effectLst/>
+                        <a:latin typeface="맑은 고딕" panose="020B0503020000020004" pitchFamily="50" charset="-127"/>
+                        <a:ea typeface="맑은 고딕" panose="020B0503020000020004" pitchFamily="50" charset="-127"/>
+                      </a:endParaRPr>
+                    </a:p>
+                  </a:txBody>
+                  <a:tcPr marL="4808" marR="4808" marT="4808" marB="0" anchor="b"/>
+                </a:tc>
+                <a:extLst>
+                  <a:ext uri="{0D108BD9-81ED-4DB2-BD59-A6C34878D82A}">
+                    <a16:rowId xmlns:a16="http://schemas.microsoft.com/office/drawing/2014/main" val="16533028"/>
+                  </a:ext>
+                </a:extLst>
+              </a:tr>
+              <a:tr h="141496">
+                <a:tc>
+                  <a:txBody>
+                    <a:bodyPr/>
+                    <a:lstStyle/>
+                    <a:p>
+                      <a:pPr algn="r" fontAlgn="b"/>
+                      <a:r>
+                        <a:rPr lang="en-US" altLang="ko-KR" sz="1000" u="none" strike="noStrike">
+                          <a:effectLst/>
+                        </a:rPr>
+                        <a:t>13</a:t>
+                      </a:r>
+                      <a:endParaRPr lang="en-US" altLang="ko-KR" sz="1000" b="0" i="0" u="none" strike="noStrike">
+                        <a:solidFill>
+                          <a:srgbClr val="000000"/>
+                        </a:solidFill>
+                        <a:effectLst/>
+                        <a:latin typeface="맑은 고딕" panose="020B0503020000020004" pitchFamily="50" charset="-127"/>
+                        <a:ea typeface="맑은 고딕" panose="020B0503020000020004" pitchFamily="50" charset="-127"/>
+                      </a:endParaRPr>
+                    </a:p>
+                  </a:txBody>
+                  <a:tcPr marL="4808" marR="4808" marT="4808" marB="0" anchor="b"/>
+                </a:tc>
+                <a:tc>
+                  <a:txBody>
+                    <a:bodyPr/>
+                    <a:lstStyle/>
+                    <a:p>
+                      <a:pPr algn="r" fontAlgn="b"/>
+                      <a:r>
+                        <a:rPr lang="en-US" altLang="ko-KR" sz="1000" u="none" strike="noStrike">
+                          <a:effectLst/>
+                        </a:rPr>
+                        <a:t>14</a:t>
+                      </a:r>
+                      <a:endParaRPr lang="en-US" altLang="ko-KR" sz="1000" b="0" i="0" u="none" strike="noStrike">
+                        <a:solidFill>
+                          <a:srgbClr val="000000"/>
+                        </a:solidFill>
+                        <a:effectLst/>
+                        <a:latin typeface="맑은 고딕" panose="020B0503020000020004" pitchFamily="50" charset="-127"/>
+                        <a:ea typeface="맑은 고딕" panose="020B0503020000020004" pitchFamily="50" charset="-127"/>
+                      </a:endParaRPr>
+                    </a:p>
+                  </a:txBody>
+                  <a:tcPr marL="4808" marR="4808" marT="4808" marB="0" anchor="b"/>
+                </a:tc>
+                <a:tc>
+                  <a:txBody>
+                    <a:bodyPr/>
+                    <a:lstStyle/>
+                    <a:p>
+                      <a:pPr algn="r" fontAlgn="b"/>
+                      <a:r>
+                        <a:rPr lang="en-US" altLang="ko-KR" sz="1000" u="none" strike="noStrike">
+                          <a:effectLst/>
+                        </a:rPr>
+                        <a:t>15</a:t>
+                      </a:r>
+                      <a:endParaRPr lang="en-US" altLang="ko-KR" sz="1000" b="0" i="0" u="none" strike="noStrike">
+                        <a:solidFill>
+                          <a:srgbClr val="000000"/>
+                        </a:solidFill>
+                        <a:effectLst/>
+                        <a:latin typeface="맑은 고딕" panose="020B0503020000020004" pitchFamily="50" charset="-127"/>
+                        <a:ea typeface="맑은 고딕" panose="020B0503020000020004" pitchFamily="50" charset="-127"/>
+                      </a:endParaRPr>
+                    </a:p>
+                  </a:txBody>
+                  <a:tcPr marL="4808" marR="4808" marT="4808" marB="0" anchor="b"/>
+                </a:tc>
+                <a:tc>
+                  <a:txBody>
+                    <a:bodyPr/>
+                    <a:lstStyle/>
+                    <a:p>
+                      <a:pPr algn="r" fontAlgn="b"/>
+                      <a:r>
+                        <a:rPr lang="en-US" altLang="ko-KR" sz="1000" u="none" strike="noStrike">
+                          <a:effectLst/>
+                        </a:rPr>
+                        <a:t>16</a:t>
+                      </a:r>
+                      <a:endParaRPr lang="en-US" altLang="ko-KR" sz="1000" b="0" i="0" u="none" strike="noStrike">
+                        <a:solidFill>
+                          <a:srgbClr val="000000"/>
+                        </a:solidFill>
+                        <a:effectLst/>
+                        <a:latin typeface="맑은 고딕" panose="020B0503020000020004" pitchFamily="50" charset="-127"/>
+                        <a:ea typeface="맑은 고딕" panose="020B0503020000020004" pitchFamily="50" charset="-127"/>
+                      </a:endParaRPr>
+                    </a:p>
+                  </a:txBody>
+                  <a:tcPr marL="4808" marR="4808" marT="4808" marB="0" anchor="b"/>
+                </a:tc>
+                <a:tc>
+                  <a:txBody>
+                    <a:bodyPr/>
+                    <a:lstStyle/>
+                    <a:p>
+                      <a:pPr algn="r" fontAlgn="b"/>
+                      <a:r>
+                        <a:rPr lang="en-US" altLang="ko-KR" sz="1000" u="none" strike="noStrike">
+                          <a:effectLst/>
+                        </a:rPr>
+                        <a:t>17</a:t>
+                      </a:r>
+                      <a:endParaRPr lang="en-US" altLang="ko-KR" sz="1000" b="0" i="0" u="none" strike="noStrike">
+                        <a:solidFill>
+                          <a:srgbClr val="000000"/>
+                        </a:solidFill>
+                        <a:effectLst/>
+                        <a:latin typeface="맑은 고딕" panose="020B0503020000020004" pitchFamily="50" charset="-127"/>
+                        <a:ea typeface="맑은 고딕" panose="020B0503020000020004" pitchFamily="50" charset="-127"/>
+                      </a:endParaRPr>
+                    </a:p>
+                  </a:txBody>
+                  <a:tcPr marL="4808" marR="4808" marT="4808" marB="0" anchor="b"/>
+                </a:tc>
+                <a:tc>
+                  <a:txBody>
+                    <a:bodyPr/>
+                    <a:lstStyle/>
+                    <a:p>
+                      <a:pPr algn="r" fontAlgn="b"/>
+                      <a:r>
+                        <a:rPr lang="en-US" altLang="ko-KR" sz="1000" u="none" strike="noStrike">
+                          <a:effectLst/>
+                        </a:rPr>
+                        <a:t>18</a:t>
+                      </a:r>
+                      <a:endParaRPr lang="en-US" altLang="ko-KR" sz="1000" b="0" i="0" u="none" strike="noStrike">
+                        <a:solidFill>
+                          <a:srgbClr val="000000"/>
+                        </a:solidFill>
+                        <a:effectLst/>
+                        <a:latin typeface="맑은 고딕" panose="020B0503020000020004" pitchFamily="50" charset="-127"/>
+                        <a:ea typeface="맑은 고딕" panose="020B0503020000020004" pitchFamily="50" charset="-127"/>
+                      </a:endParaRPr>
+                    </a:p>
+                  </a:txBody>
+                  <a:tcPr marL="4808" marR="4808" marT="4808" marB="0" anchor="b"/>
+                </a:tc>
+                <a:tc>
+                  <a:txBody>
+                    <a:bodyPr/>
+                    <a:lstStyle/>
+                    <a:p>
+                      <a:pPr algn="r" fontAlgn="b"/>
+                      <a:r>
+                        <a:rPr lang="en-US" altLang="ko-KR" sz="1000" u="none" strike="noStrike">
+                          <a:effectLst/>
+                        </a:rPr>
+                        <a:t>19</a:t>
+                      </a:r>
+                      <a:endParaRPr lang="en-US" altLang="ko-KR" sz="1000" b="0" i="0" u="none" strike="noStrike">
+                        <a:solidFill>
+                          <a:srgbClr val="000000"/>
+                        </a:solidFill>
+                        <a:effectLst/>
+                        <a:latin typeface="맑은 고딕" panose="020B0503020000020004" pitchFamily="50" charset="-127"/>
+                        <a:ea typeface="맑은 고딕" panose="020B0503020000020004" pitchFamily="50" charset="-127"/>
+                      </a:endParaRPr>
+                    </a:p>
+                  </a:txBody>
+                  <a:tcPr marL="4808" marR="4808" marT="4808" marB="0" anchor="b"/>
+                </a:tc>
+                <a:extLst>
+                  <a:ext uri="{0D108BD9-81ED-4DB2-BD59-A6C34878D82A}">
+                    <a16:rowId xmlns:a16="http://schemas.microsoft.com/office/drawing/2014/main" val="2774082365"/>
+                  </a:ext>
+                </a:extLst>
+              </a:tr>
+              <a:tr h="1131971">
+                <a:tc>
+                  <a:txBody>
+                    <a:bodyPr/>
+                    <a:lstStyle/>
+                    <a:p>
+                      <a:pPr algn="l" fontAlgn="b"/>
+                      <a:r>
+                        <a:rPr lang="en-US" sz="1000" u="none" strike="noStrike">
+                          <a:effectLst/>
+                        </a:rPr>
+                        <a:t>class MapObject</a:t>
+                      </a:r>
+                      <a:br>
+                        <a:rPr lang="en-US" sz="1000" u="none" strike="noStrike">
+                          <a:effectLst/>
+                        </a:rPr>
+                      </a:br>
+                      <a:r>
+                        <a:rPr lang="en-US" sz="1000" u="none" strike="noStrike">
+                          <a:effectLst/>
+                        </a:rPr>
+                        <a:t>class Brick declaration</a:t>
+                      </a:r>
+                      <a:br>
+                        <a:rPr lang="en-US" sz="1000" u="none" strike="noStrike">
+                          <a:effectLst/>
+                        </a:rPr>
+                      </a:br>
+                      <a:r>
+                        <a:rPr lang="en-US" sz="1000" u="none" strike="noStrike">
+                          <a:effectLst/>
+                        </a:rPr>
+                        <a:t>class BackGround declaration</a:t>
+                      </a:r>
+                      <a:endParaRPr lang="en-US" sz="1000" b="0" i="0" u="none" strike="noStrike">
+                        <a:solidFill>
+                          <a:srgbClr val="000000"/>
+                        </a:solidFill>
+                        <a:effectLst/>
+                        <a:latin typeface="맑은 고딕" panose="020B0503020000020004" pitchFamily="50" charset="-127"/>
+                        <a:ea typeface="맑은 고딕" panose="020B0503020000020004" pitchFamily="50" charset="-127"/>
+                      </a:endParaRPr>
+                    </a:p>
+                  </a:txBody>
+                  <a:tcPr marL="4808" marR="4808" marT="4808" marB="0" anchor="b"/>
+                </a:tc>
+                <a:tc>
+                  <a:txBody>
+                    <a:bodyPr/>
+                    <a:lstStyle/>
+                    <a:p>
+                      <a:pPr algn="l" fontAlgn="b"/>
+                      <a:r>
+                        <a:rPr lang="ko-KR" altLang="en-US" sz="1000" u="none" strike="noStrike" dirty="0">
+                          <a:effectLst/>
+                        </a:rPr>
+                        <a:t>　</a:t>
+                      </a:r>
+                      <a:endParaRPr lang="ko-KR" altLang="en-US" sz="1000" b="0" i="0" u="none" strike="noStrike" dirty="0">
+                        <a:solidFill>
+                          <a:srgbClr val="000000"/>
+                        </a:solidFill>
+                        <a:effectLst/>
+                        <a:latin typeface="맑은 고딕" panose="020B0503020000020004" pitchFamily="50" charset="-127"/>
+                        <a:ea typeface="맑은 고딕" panose="020B0503020000020004" pitchFamily="50" charset="-127"/>
+                      </a:endParaRPr>
+                    </a:p>
+                  </a:txBody>
+                  <a:tcPr marL="4808" marR="4808" marT="4808" marB="0" anchor="b"/>
+                </a:tc>
+                <a:tc>
+                  <a:txBody>
+                    <a:bodyPr/>
+                    <a:lstStyle/>
+                    <a:p>
+                      <a:pPr algn="l" fontAlgn="b"/>
+                      <a:r>
+                        <a:rPr lang="en-US" sz="1000" u="none" strike="noStrike">
+                          <a:effectLst/>
+                        </a:rPr>
+                        <a:t>Brick.Render()</a:t>
+                      </a:r>
+                      <a:br>
+                        <a:rPr lang="en-US" sz="1000" u="none" strike="noStrike">
+                          <a:effectLst/>
+                        </a:rPr>
+                      </a:br>
+                      <a:r>
+                        <a:rPr lang="en-US" sz="1000" u="none" strike="noStrike">
+                          <a:effectLst/>
+                        </a:rPr>
+                        <a:t>Brick.Update()</a:t>
+                      </a:r>
+                      <a:br>
+                        <a:rPr lang="en-US" sz="1000" u="none" strike="noStrike">
+                          <a:effectLst/>
+                        </a:rPr>
+                      </a:br>
+                      <a:r>
+                        <a:rPr lang="en-US" sz="1000" u="none" strike="noStrike">
+                          <a:effectLst/>
+                        </a:rPr>
+                        <a:t>Brick.Encode()</a:t>
+                      </a:r>
+                      <a:br>
+                        <a:rPr lang="en-US" sz="1000" u="none" strike="noStrike">
+                          <a:effectLst/>
+                        </a:rPr>
+                      </a:br>
+                      <a:r>
+                        <a:rPr lang="en-US" sz="1000" u="none" strike="noStrike">
+                          <a:effectLst/>
+                        </a:rPr>
+                        <a:t>Brick.Decode()</a:t>
+                      </a:r>
+                      <a:endParaRPr lang="en-US" sz="1000" b="0" i="0" u="none" strike="noStrike">
+                        <a:solidFill>
+                          <a:srgbClr val="000000"/>
+                        </a:solidFill>
+                        <a:effectLst/>
+                        <a:latin typeface="맑은 고딕" panose="020B0503020000020004" pitchFamily="50" charset="-127"/>
+                        <a:ea typeface="맑은 고딕" panose="020B0503020000020004" pitchFamily="50" charset="-127"/>
+                      </a:endParaRPr>
+                    </a:p>
+                  </a:txBody>
+                  <a:tcPr marL="4808" marR="4808" marT="4808" marB="0" anchor="b"/>
+                </a:tc>
+                <a:tc>
+                  <a:txBody>
+                    <a:bodyPr/>
+                    <a:lstStyle/>
+                    <a:p>
+                      <a:pPr algn="l" fontAlgn="b"/>
+                      <a:r>
+                        <a:rPr lang="ko-KR" altLang="en-US" sz="1000" u="none" strike="noStrike" dirty="0">
+                          <a:effectLst/>
+                        </a:rPr>
+                        <a:t>　</a:t>
+                      </a:r>
+                      <a:endParaRPr lang="ko-KR" altLang="en-US" sz="1000" b="0" i="0" u="none" strike="noStrike" dirty="0">
+                        <a:solidFill>
+                          <a:srgbClr val="000000"/>
+                        </a:solidFill>
+                        <a:effectLst/>
+                        <a:latin typeface="맑은 고딕" panose="020B0503020000020004" pitchFamily="50" charset="-127"/>
+                        <a:ea typeface="맑은 고딕" panose="020B0503020000020004" pitchFamily="50" charset="-127"/>
+                      </a:endParaRPr>
+                    </a:p>
+                  </a:txBody>
+                  <a:tcPr marL="4808" marR="4808" marT="4808" marB="0" anchor="b"/>
+                </a:tc>
+                <a:tc>
+                  <a:txBody>
+                    <a:bodyPr/>
+                    <a:lstStyle/>
+                    <a:p>
+                      <a:pPr algn="l" fontAlgn="b"/>
+                      <a:r>
+                        <a:rPr lang="en-US" sz="1000" u="none" strike="noStrike" dirty="0" err="1">
+                          <a:effectLst/>
+                        </a:rPr>
+                        <a:t>BackGround.Render</a:t>
+                      </a:r>
+                      <a:r>
+                        <a:rPr lang="en-US" sz="1000" u="none" strike="noStrike" dirty="0">
+                          <a:effectLst/>
+                        </a:rPr>
+                        <a:t>()</a:t>
+                      </a:r>
+                      <a:br>
+                        <a:rPr lang="en-US" sz="1000" u="none" strike="noStrike" dirty="0">
+                          <a:effectLst/>
+                        </a:rPr>
+                      </a:br>
+                      <a:r>
+                        <a:rPr lang="en-US" sz="1000" u="none" strike="noStrike" dirty="0" err="1">
+                          <a:effectLst/>
+                        </a:rPr>
+                        <a:t>BackGround.Update</a:t>
+                      </a:r>
+                      <a:r>
+                        <a:rPr lang="en-US" sz="1000" u="none" strike="noStrike" dirty="0">
+                          <a:effectLst/>
+                        </a:rPr>
+                        <a:t>()</a:t>
+                      </a:r>
+                      <a:br>
+                        <a:rPr lang="en-US" sz="1000" u="none" strike="noStrike" dirty="0">
+                          <a:effectLst/>
+                        </a:rPr>
+                      </a:br>
+                      <a:r>
+                        <a:rPr lang="en-US" sz="1000" u="none" strike="noStrike" dirty="0" err="1">
+                          <a:effectLst/>
+                        </a:rPr>
+                        <a:t>BackGround.Encode</a:t>
+                      </a:r>
+                      <a:r>
+                        <a:rPr lang="en-US" sz="1000" u="none" strike="noStrike" dirty="0">
+                          <a:effectLst/>
+                        </a:rPr>
+                        <a:t>()</a:t>
+                      </a:r>
+                      <a:br>
+                        <a:rPr lang="en-US" sz="1000" u="none" strike="noStrike" dirty="0">
+                          <a:effectLst/>
+                        </a:rPr>
+                      </a:br>
+                      <a:r>
+                        <a:rPr lang="en-US" sz="1000" u="none" strike="noStrike" dirty="0" err="1">
+                          <a:effectLst/>
+                        </a:rPr>
+                        <a:t>BackGround.Decode</a:t>
+                      </a:r>
+                      <a:r>
+                        <a:rPr lang="en-US" sz="1000" u="none" strike="noStrike" dirty="0">
+                          <a:effectLst/>
+                        </a:rPr>
+                        <a:t>()</a:t>
+                      </a:r>
+                      <a:endParaRPr lang="en-US" sz="1000" b="0" i="0" u="none" strike="noStrike" dirty="0">
+                        <a:solidFill>
+                          <a:srgbClr val="000000"/>
+                        </a:solidFill>
+                        <a:effectLst/>
+                        <a:latin typeface="맑은 고딕" panose="020B0503020000020004" pitchFamily="50" charset="-127"/>
+                        <a:ea typeface="맑은 고딕" panose="020B0503020000020004" pitchFamily="50" charset="-127"/>
+                      </a:endParaRPr>
+                    </a:p>
+                  </a:txBody>
+                  <a:tcPr marL="4808" marR="4808" marT="4808" marB="0" anchor="b"/>
+                </a:tc>
+                <a:tc>
+                  <a:txBody>
+                    <a:bodyPr/>
+                    <a:lstStyle/>
+                    <a:p>
+                      <a:pPr algn="l" fontAlgn="b"/>
+                      <a:r>
+                        <a:rPr lang="ko-KR" altLang="en-US" sz="1000" u="none" strike="noStrike">
+                          <a:effectLst/>
+                        </a:rPr>
+                        <a:t>　</a:t>
+                      </a:r>
+                      <a:endParaRPr lang="ko-KR" altLang="en-US" sz="1000" b="0" i="0" u="none" strike="noStrike">
+                        <a:solidFill>
+                          <a:srgbClr val="000000"/>
+                        </a:solidFill>
+                        <a:effectLst/>
+                        <a:latin typeface="맑은 고딕" panose="020B0503020000020004" pitchFamily="50" charset="-127"/>
+                        <a:ea typeface="맑은 고딕" panose="020B0503020000020004" pitchFamily="50" charset="-127"/>
+                      </a:endParaRPr>
+                    </a:p>
+                  </a:txBody>
+                  <a:tcPr marL="4808" marR="4808" marT="4808" marB="0" anchor="b"/>
+                </a:tc>
+                <a:tc>
+                  <a:txBody>
+                    <a:bodyPr/>
+                    <a:lstStyle/>
+                    <a:p>
+                      <a:pPr algn="l" fontAlgn="b"/>
+                      <a:r>
+                        <a:rPr lang="en-US" sz="1000" u="none" strike="noStrike" dirty="0" err="1">
+                          <a:effectLst/>
+                        </a:rPr>
+                        <a:t>Player.Move</a:t>
+                      </a:r>
+                      <a:r>
+                        <a:rPr lang="en-US" sz="1000" u="none" strike="noStrike" dirty="0">
+                          <a:effectLst/>
+                        </a:rPr>
+                        <a:t>()</a:t>
+                      </a:r>
+                      <a:br>
+                        <a:rPr lang="en-US" sz="1000" u="none" strike="noStrike" dirty="0">
+                          <a:effectLst/>
+                        </a:rPr>
+                      </a:br>
+                      <a:r>
+                        <a:rPr lang="en-US" sz="1000" u="none" strike="noStrike" dirty="0" err="1">
+                          <a:effectLst/>
+                        </a:rPr>
+                        <a:t>Player.Dash</a:t>
+                      </a:r>
+                      <a:r>
+                        <a:rPr lang="en-US" sz="1000" u="none" strike="noStrike" dirty="0">
+                          <a:effectLst/>
+                        </a:rPr>
+                        <a:t>()</a:t>
+                      </a:r>
+                      <a:endParaRPr lang="en-US" sz="1000" b="0" i="0" u="none" strike="noStrike" dirty="0">
+                        <a:solidFill>
+                          <a:srgbClr val="000000"/>
+                        </a:solidFill>
+                        <a:effectLst/>
+                        <a:latin typeface="맑은 고딕" panose="020B0503020000020004" pitchFamily="50" charset="-127"/>
+                        <a:ea typeface="맑은 고딕" panose="020B0503020000020004" pitchFamily="50" charset="-127"/>
+                      </a:endParaRPr>
+                    </a:p>
+                  </a:txBody>
+                  <a:tcPr marL="4808" marR="4808" marT="4808" marB="0" anchor="b"/>
+                </a:tc>
+                <a:extLst>
+                  <a:ext uri="{0D108BD9-81ED-4DB2-BD59-A6C34878D82A}">
+                    <a16:rowId xmlns:a16="http://schemas.microsoft.com/office/drawing/2014/main" val="4112452851"/>
+                  </a:ext>
+                </a:extLst>
+              </a:tr>
+              <a:tr h="141496">
+                <a:tc>
+                  <a:txBody>
+                    <a:bodyPr/>
+                    <a:lstStyle/>
+                    <a:p>
+                      <a:pPr algn="r" fontAlgn="b"/>
+                      <a:r>
+                        <a:rPr lang="en-US" altLang="ko-KR" sz="1000" u="none" strike="noStrike">
+                          <a:effectLst/>
+                        </a:rPr>
+                        <a:t>20</a:t>
+                      </a:r>
+                      <a:endParaRPr lang="en-US" altLang="ko-KR" sz="1000" b="0" i="0" u="none" strike="noStrike">
+                        <a:solidFill>
+                          <a:srgbClr val="000000"/>
+                        </a:solidFill>
+                        <a:effectLst/>
+                        <a:latin typeface="맑은 고딕" panose="020B0503020000020004" pitchFamily="50" charset="-127"/>
+                        <a:ea typeface="맑은 고딕" panose="020B0503020000020004" pitchFamily="50" charset="-127"/>
+                      </a:endParaRPr>
+                    </a:p>
+                  </a:txBody>
+                  <a:tcPr marL="4808" marR="4808" marT="4808" marB="0" anchor="b"/>
+                </a:tc>
+                <a:tc>
+                  <a:txBody>
+                    <a:bodyPr/>
+                    <a:lstStyle/>
+                    <a:p>
+                      <a:pPr algn="r" fontAlgn="b"/>
+                      <a:r>
+                        <a:rPr lang="en-US" altLang="ko-KR" sz="1000" u="none" strike="noStrike">
+                          <a:effectLst/>
+                        </a:rPr>
+                        <a:t>21</a:t>
+                      </a:r>
+                      <a:endParaRPr lang="en-US" altLang="ko-KR" sz="1000" b="0" i="0" u="none" strike="noStrike">
+                        <a:solidFill>
+                          <a:srgbClr val="000000"/>
+                        </a:solidFill>
+                        <a:effectLst/>
+                        <a:latin typeface="맑은 고딕" panose="020B0503020000020004" pitchFamily="50" charset="-127"/>
+                        <a:ea typeface="맑은 고딕" panose="020B0503020000020004" pitchFamily="50" charset="-127"/>
+                      </a:endParaRPr>
+                    </a:p>
+                  </a:txBody>
+                  <a:tcPr marL="4808" marR="4808" marT="4808" marB="0" anchor="b"/>
+                </a:tc>
+                <a:tc>
+                  <a:txBody>
+                    <a:bodyPr/>
+                    <a:lstStyle/>
+                    <a:p>
+                      <a:pPr algn="r" fontAlgn="b"/>
+                      <a:r>
+                        <a:rPr lang="en-US" altLang="ko-KR" sz="1000" u="none" strike="noStrike">
+                          <a:effectLst/>
+                        </a:rPr>
+                        <a:t>22</a:t>
+                      </a:r>
+                      <a:endParaRPr lang="en-US" altLang="ko-KR" sz="1000" b="0" i="0" u="none" strike="noStrike">
+                        <a:solidFill>
+                          <a:srgbClr val="000000"/>
+                        </a:solidFill>
+                        <a:effectLst/>
+                        <a:latin typeface="맑은 고딕" panose="020B0503020000020004" pitchFamily="50" charset="-127"/>
+                        <a:ea typeface="맑은 고딕" panose="020B0503020000020004" pitchFamily="50" charset="-127"/>
+                      </a:endParaRPr>
+                    </a:p>
+                  </a:txBody>
+                  <a:tcPr marL="4808" marR="4808" marT="4808" marB="0" anchor="b"/>
+                </a:tc>
+                <a:tc>
+                  <a:txBody>
+                    <a:bodyPr/>
+                    <a:lstStyle/>
+                    <a:p>
+                      <a:pPr algn="r" fontAlgn="b"/>
+                      <a:r>
+                        <a:rPr lang="en-US" altLang="ko-KR" sz="1000" u="none" strike="noStrike">
+                          <a:effectLst/>
+                        </a:rPr>
+                        <a:t>23</a:t>
+                      </a:r>
+                      <a:endParaRPr lang="en-US" altLang="ko-KR" sz="1000" b="0" i="0" u="none" strike="noStrike">
+                        <a:solidFill>
+                          <a:srgbClr val="000000"/>
+                        </a:solidFill>
+                        <a:effectLst/>
+                        <a:latin typeface="맑은 고딕" panose="020B0503020000020004" pitchFamily="50" charset="-127"/>
+                        <a:ea typeface="맑은 고딕" panose="020B0503020000020004" pitchFamily="50" charset="-127"/>
+                      </a:endParaRPr>
+                    </a:p>
+                  </a:txBody>
+                  <a:tcPr marL="4808" marR="4808" marT="4808" marB="0" anchor="b"/>
+                </a:tc>
+                <a:tc>
+                  <a:txBody>
+                    <a:bodyPr/>
+                    <a:lstStyle/>
+                    <a:p>
+                      <a:pPr algn="r" fontAlgn="b"/>
+                      <a:r>
+                        <a:rPr lang="en-US" altLang="ko-KR" sz="1000" u="none" strike="noStrike">
+                          <a:effectLst/>
+                        </a:rPr>
+                        <a:t>24</a:t>
+                      </a:r>
+                      <a:endParaRPr lang="en-US" altLang="ko-KR" sz="1000" b="0" i="0" u="none" strike="noStrike">
+                        <a:solidFill>
+                          <a:srgbClr val="000000"/>
+                        </a:solidFill>
+                        <a:effectLst/>
+                        <a:latin typeface="맑은 고딕" panose="020B0503020000020004" pitchFamily="50" charset="-127"/>
+                        <a:ea typeface="맑은 고딕" panose="020B0503020000020004" pitchFamily="50" charset="-127"/>
+                      </a:endParaRPr>
+                    </a:p>
+                  </a:txBody>
+                  <a:tcPr marL="4808" marR="4808" marT="4808" marB="0" anchor="b"/>
+                </a:tc>
+                <a:tc>
+                  <a:txBody>
+                    <a:bodyPr/>
+                    <a:lstStyle/>
+                    <a:p>
+                      <a:pPr algn="r" fontAlgn="b"/>
+                      <a:r>
+                        <a:rPr lang="en-US" altLang="ko-KR" sz="1000" u="none" strike="noStrike">
+                          <a:effectLst/>
+                        </a:rPr>
+                        <a:t>25</a:t>
+                      </a:r>
+                      <a:endParaRPr lang="en-US" altLang="ko-KR" sz="1000" b="0" i="0" u="none" strike="noStrike">
+                        <a:solidFill>
+                          <a:srgbClr val="000000"/>
+                        </a:solidFill>
+                        <a:effectLst/>
+                        <a:latin typeface="맑은 고딕" panose="020B0503020000020004" pitchFamily="50" charset="-127"/>
+                        <a:ea typeface="맑은 고딕" panose="020B0503020000020004" pitchFamily="50" charset="-127"/>
+                      </a:endParaRPr>
+                    </a:p>
+                  </a:txBody>
+                  <a:tcPr marL="4808" marR="4808" marT="4808" marB="0" anchor="b"/>
+                </a:tc>
+                <a:tc>
+                  <a:txBody>
+                    <a:bodyPr/>
+                    <a:lstStyle/>
+                    <a:p>
+                      <a:pPr algn="r" fontAlgn="b"/>
+                      <a:r>
+                        <a:rPr lang="en-US" altLang="ko-KR" sz="1000" u="none" strike="noStrike">
+                          <a:effectLst/>
+                        </a:rPr>
+                        <a:t>26</a:t>
+                      </a:r>
+                      <a:endParaRPr lang="en-US" altLang="ko-KR" sz="1000" b="0" i="0" u="none" strike="noStrike">
+                        <a:solidFill>
+                          <a:srgbClr val="000000"/>
+                        </a:solidFill>
+                        <a:effectLst/>
+                        <a:latin typeface="맑은 고딕" panose="020B0503020000020004" pitchFamily="50" charset="-127"/>
+                        <a:ea typeface="맑은 고딕" panose="020B0503020000020004" pitchFamily="50" charset="-127"/>
+                      </a:endParaRPr>
+                    </a:p>
+                  </a:txBody>
+                  <a:tcPr marL="4808" marR="4808" marT="4808" marB="0" anchor="b"/>
+                </a:tc>
+                <a:extLst>
+                  <a:ext uri="{0D108BD9-81ED-4DB2-BD59-A6C34878D82A}">
+                    <a16:rowId xmlns:a16="http://schemas.microsoft.com/office/drawing/2014/main" val="2611677998"/>
+                  </a:ext>
+                </a:extLst>
+              </a:tr>
+              <a:tr h="990475">
+                <a:tc>
+                  <a:txBody>
+                    <a:bodyPr/>
+                    <a:lstStyle/>
+                    <a:p>
+                      <a:pPr algn="l" fontAlgn="b"/>
+                      <a:r>
+                        <a:rPr lang="en-US" sz="1000" u="none" strike="noStrike">
+                          <a:effectLst/>
+                        </a:rPr>
+                        <a:t>Player.Collision()</a:t>
+                      </a:r>
+                      <a:br>
+                        <a:rPr lang="en-US" sz="1000" u="none" strike="noStrike">
+                          <a:effectLst/>
+                        </a:rPr>
+                      </a:br>
+                      <a:r>
+                        <a:rPr lang="en-US" sz="1000" u="none" strike="noStrike">
+                          <a:effectLst/>
+                        </a:rPr>
+                        <a:t>Player.UseSkill()</a:t>
+                      </a:r>
+                      <a:endParaRPr lang="en-US" sz="1000" b="0" i="0" u="none" strike="noStrike">
+                        <a:solidFill>
+                          <a:srgbClr val="000000"/>
+                        </a:solidFill>
+                        <a:effectLst/>
+                        <a:latin typeface="맑은 고딕" panose="020B0503020000020004" pitchFamily="50" charset="-127"/>
+                        <a:ea typeface="맑은 고딕" panose="020B0503020000020004" pitchFamily="50" charset="-127"/>
+                      </a:endParaRPr>
+                    </a:p>
+                  </a:txBody>
+                  <a:tcPr marL="4808" marR="4808" marT="4808" marB="0" anchor="b"/>
+                </a:tc>
+                <a:tc>
+                  <a:txBody>
+                    <a:bodyPr/>
+                    <a:lstStyle/>
+                    <a:p>
+                      <a:pPr algn="l" fontAlgn="b"/>
+                      <a:r>
+                        <a:rPr lang="ko-KR" altLang="en-US" sz="1000" u="none" strike="noStrike" dirty="0">
+                          <a:effectLst/>
+                        </a:rPr>
+                        <a:t>　</a:t>
+                      </a:r>
+                      <a:endParaRPr lang="ko-KR" altLang="en-US" sz="1000" b="0" i="0" u="none" strike="noStrike" dirty="0">
+                        <a:solidFill>
+                          <a:srgbClr val="000000"/>
+                        </a:solidFill>
+                        <a:effectLst/>
+                        <a:latin typeface="맑은 고딕" panose="020B0503020000020004" pitchFamily="50" charset="-127"/>
+                        <a:ea typeface="맑은 고딕" panose="020B0503020000020004" pitchFamily="50" charset="-127"/>
+                      </a:endParaRPr>
+                    </a:p>
+                  </a:txBody>
+                  <a:tcPr marL="4808" marR="4808" marT="4808" marB="0" anchor="b"/>
+                </a:tc>
+                <a:tc>
+                  <a:txBody>
+                    <a:bodyPr/>
+                    <a:lstStyle/>
+                    <a:p>
+                      <a:pPr algn="l" fontAlgn="b"/>
+                      <a:r>
+                        <a:rPr lang="en-US" sz="1000" u="none" strike="noStrike">
+                          <a:effectLst/>
+                        </a:rPr>
+                        <a:t>class KeyBoardManager</a:t>
+                      </a:r>
+                      <a:br>
+                        <a:rPr lang="en-US" sz="1000" u="none" strike="noStrike">
+                          <a:effectLst/>
+                        </a:rPr>
+                      </a:br>
+                      <a:r>
+                        <a:rPr lang="en-US" sz="1000" u="none" strike="noStrike">
+                          <a:effectLst/>
+                        </a:rPr>
+                        <a:t>Player.Update()</a:t>
+                      </a:r>
+                      <a:endParaRPr lang="en-US" sz="1000" b="0" i="0" u="none" strike="noStrike">
+                        <a:solidFill>
+                          <a:srgbClr val="000000"/>
+                        </a:solidFill>
+                        <a:effectLst/>
+                        <a:latin typeface="맑은 고딕" panose="020B0503020000020004" pitchFamily="50" charset="-127"/>
+                        <a:ea typeface="맑은 고딕" panose="020B0503020000020004" pitchFamily="50" charset="-127"/>
+                      </a:endParaRPr>
+                    </a:p>
+                  </a:txBody>
+                  <a:tcPr marL="4808" marR="4808" marT="4808" marB="0" anchor="b"/>
+                </a:tc>
+                <a:tc>
+                  <a:txBody>
+                    <a:bodyPr/>
+                    <a:lstStyle/>
+                    <a:p>
+                      <a:pPr algn="l" fontAlgn="b"/>
+                      <a:r>
+                        <a:rPr lang="en-US" sz="1000" u="none" strike="noStrike">
+                          <a:effectLst/>
+                        </a:rPr>
+                        <a:t>Player.Encode()</a:t>
+                      </a:r>
+                      <a:br>
+                        <a:rPr lang="en-US" sz="1000" u="none" strike="noStrike">
+                          <a:effectLst/>
+                        </a:rPr>
+                      </a:br>
+                      <a:r>
+                        <a:rPr lang="en-US" sz="1000" u="none" strike="noStrike">
+                          <a:effectLst/>
+                        </a:rPr>
+                        <a:t>Player.Decode()</a:t>
+                      </a:r>
+                      <a:endParaRPr lang="en-US" sz="1000" b="0" i="0" u="none" strike="noStrike">
+                        <a:solidFill>
+                          <a:srgbClr val="000000"/>
+                        </a:solidFill>
+                        <a:effectLst/>
+                        <a:latin typeface="맑은 고딕" panose="020B0503020000020004" pitchFamily="50" charset="-127"/>
+                        <a:ea typeface="맑은 고딕" panose="020B0503020000020004" pitchFamily="50" charset="-127"/>
+                      </a:endParaRPr>
+                    </a:p>
+                  </a:txBody>
+                  <a:tcPr marL="4808" marR="4808" marT="4808" marB="0" anchor="b"/>
+                </a:tc>
+                <a:tc>
+                  <a:txBody>
+                    <a:bodyPr/>
+                    <a:lstStyle/>
+                    <a:p>
+                      <a:pPr algn="l" fontAlgn="b"/>
+                      <a:r>
+                        <a:rPr lang="en-US" sz="1000" u="none" strike="noStrike">
+                          <a:effectLst/>
+                        </a:rPr>
+                        <a:t>GameObjectManager.Encode()</a:t>
+                      </a:r>
+                      <a:endParaRPr lang="en-US" sz="1000" b="0" i="0" u="none" strike="noStrike">
+                        <a:solidFill>
+                          <a:srgbClr val="000000"/>
+                        </a:solidFill>
+                        <a:effectLst/>
+                        <a:latin typeface="맑은 고딕" panose="020B0503020000020004" pitchFamily="50" charset="-127"/>
+                        <a:ea typeface="맑은 고딕" panose="020B0503020000020004" pitchFamily="50" charset="-127"/>
+                      </a:endParaRPr>
+                    </a:p>
+                  </a:txBody>
+                  <a:tcPr marL="4808" marR="4808" marT="4808" marB="0" anchor="b"/>
+                </a:tc>
+                <a:tc>
+                  <a:txBody>
+                    <a:bodyPr/>
+                    <a:lstStyle/>
+                    <a:p>
+                      <a:pPr algn="l" fontAlgn="b"/>
+                      <a:r>
+                        <a:rPr lang="en-US" sz="1000" u="none" strike="noStrike">
+                          <a:effectLst/>
+                        </a:rPr>
+                        <a:t>DataSender()</a:t>
+                      </a:r>
+                      <a:br>
+                        <a:rPr lang="en-US" sz="1000" u="none" strike="noStrike">
+                          <a:effectLst/>
+                        </a:rPr>
+                      </a:br>
+                      <a:r>
+                        <a:rPr lang="en-US" sz="1000" u="none" strike="noStrike">
+                          <a:effectLst/>
+                        </a:rPr>
+                        <a:t>Encode()</a:t>
+                      </a:r>
+                      <a:br>
+                        <a:rPr lang="en-US" sz="1000" u="none" strike="noStrike">
+                          <a:effectLst/>
+                        </a:rPr>
+                      </a:br>
+                      <a:r>
+                        <a:rPr lang="en-US" sz="1000" u="none" strike="noStrike">
+                          <a:effectLst/>
+                        </a:rPr>
+                        <a:t>Game.DataEncode()</a:t>
+                      </a:r>
+                      <a:br>
+                        <a:rPr lang="en-US" sz="1000" u="none" strike="noStrike">
+                          <a:effectLst/>
+                        </a:rPr>
+                      </a:br>
+                      <a:r>
+                        <a:rPr lang="en-US" sz="1000" u="none" strike="noStrike">
+                          <a:effectLst/>
+                        </a:rPr>
+                        <a:t>Game.DataSender()</a:t>
+                      </a:r>
+                      <a:endParaRPr lang="en-US" sz="1000" b="0" i="0" u="none" strike="noStrike">
+                        <a:solidFill>
+                          <a:srgbClr val="000000"/>
+                        </a:solidFill>
+                        <a:effectLst/>
+                        <a:latin typeface="맑은 고딕" panose="020B0503020000020004" pitchFamily="50" charset="-127"/>
+                        <a:ea typeface="맑은 고딕" panose="020B0503020000020004" pitchFamily="50" charset="-127"/>
+                      </a:endParaRPr>
+                    </a:p>
+                  </a:txBody>
+                  <a:tcPr marL="4808" marR="4808" marT="4808" marB="0" anchor="b"/>
+                </a:tc>
+                <a:tc>
+                  <a:txBody>
+                    <a:bodyPr/>
+                    <a:lstStyle/>
+                    <a:p>
+                      <a:pPr algn="l" fontAlgn="b"/>
+                      <a:r>
+                        <a:rPr lang="en-US" sz="1000" u="none" strike="noStrike">
+                          <a:effectLst/>
+                        </a:rPr>
+                        <a:t>DataReceiver()</a:t>
+                      </a:r>
+                      <a:br>
+                        <a:rPr lang="en-US" sz="1000" u="none" strike="noStrike">
+                          <a:effectLst/>
+                        </a:rPr>
+                      </a:br>
+                      <a:r>
+                        <a:rPr lang="en-US" sz="1000" u="none" strike="noStrike">
+                          <a:effectLst/>
+                        </a:rPr>
+                        <a:t>Game.DataReceiver()</a:t>
+                      </a:r>
+                      <a:endParaRPr lang="en-US" sz="1000" b="0" i="0" u="none" strike="noStrike">
+                        <a:solidFill>
+                          <a:srgbClr val="000000"/>
+                        </a:solidFill>
+                        <a:effectLst/>
+                        <a:latin typeface="맑은 고딕" panose="020B0503020000020004" pitchFamily="50" charset="-127"/>
+                        <a:ea typeface="맑은 고딕" panose="020B0503020000020004" pitchFamily="50" charset="-127"/>
+                      </a:endParaRPr>
+                    </a:p>
+                  </a:txBody>
+                  <a:tcPr marL="4808" marR="4808" marT="4808" marB="0" anchor="b"/>
+                </a:tc>
+                <a:extLst>
+                  <a:ext uri="{0D108BD9-81ED-4DB2-BD59-A6C34878D82A}">
+                    <a16:rowId xmlns:a16="http://schemas.microsoft.com/office/drawing/2014/main" val="229535179"/>
+                  </a:ext>
+                </a:extLst>
+              </a:tr>
+              <a:tr h="141496">
+                <a:tc>
+                  <a:txBody>
+                    <a:bodyPr/>
+                    <a:lstStyle/>
+                    <a:p>
+                      <a:pPr algn="r" fontAlgn="b"/>
+                      <a:r>
+                        <a:rPr lang="en-US" altLang="ko-KR" sz="1000" u="none" strike="noStrike">
+                          <a:effectLst/>
+                        </a:rPr>
+                        <a:t>27</a:t>
+                      </a:r>
+                      <a:endParaRPr lang="en-US" altLang="ko-KR" sz="1000" b="0" i="0" u="none" strike="noStrike">
+                        <a:solidFill>
+                          <a:srgbClr val="000000"/>
+                        </a:solidFill>
+                        <a:effectLst/>
+                        <a:latin typeface="맑은 고딕" panose="020B0503020000020004" pitchFamily="50" charset="-127"/>
+                        <a:ea typeface="맑은 고딕" panose="020B0503020000020004" pitchFamily="50" charset="-127"/>
+                      </a:endParaRPr>
+                    </a:p>
+                  </a:txBody>
+                  <a:tcPr marL="4808" marR="4808" marT="4808" marB="0" anchor="b"/>
+                </a:tc>
+                <a:tc>
+                  <a:txBody>
+                    <a:bodyPr/>
+                    <a:lstStyle/>
+                    <a:p>
+                      <a:pPr algn="r" fontAlgn="b"/>
+                      <a:r>
+                        <a:rPr lang="en-US" altLang="ko-KR" sz="1000" u="none" strike="noStrike">
+                          <a:effectLst/>
+                        </a:rPr>
+                        <a:t>28</a:t>
+                      </a:r>
+                      <a:endParaRPr lang="en-US" altLang="ko-KR" sz="1000" b="0" i="0" u="none" strike="noStrike">
+                        <a:solidFill>
+                          <a:srgbClr val="000000"/>
+                        </a:solidFill>
+                        <a:effectLst/>
+                        <a:latin typeface="맑은 고딕" panose="020B0503020000020004" pitchFamily="50" charset="-127"/>
+                        <a:ea typeface="맑은 고딕" panose="020B0503020000020004" pitchFamily="50" charset="-127"/>
+                      </a:endParaRPr>
+                    </a:p>
+                  </a:txBody>
+                  <a:tcPr marL="4808" marR="4808" marT="4808" marB="0" anchor="b"/>
+                </a:tc>
+                <a:tc>
+                  <a:txBody>
+                    <a:bodyPr/>
+                    <a:lstStyle/>
+                    <a:p>
+                      <a:pPr algn="r" fontAlgn="b"/>
+                      <a:r>
+                        <a:rPr lang="en-US" altLang="ko-KR" sz="1000" u="none" strike="noStrike">
+                          <a:effectLst/>
+                        </a:rPr>
+                        <a:t>29</a:t>
+                      </a:r>
+                      <a:endParaRPr lang="en-US" altLang="ko-KR" sz="1000" b="0" i="0" u="none" strike="noStrike">
+                        <a:solidFill>
+                          <a:srgbClr val="000000"/>
+                        </a:solidFill>
+                        <a:effectLst/>
+                        <a:latin typeface="맑은 고딕" panose="020B0503020000020004" pitchFamily="50" charset="-127"/>
+                        <a:ea typeface="맑은 고딕" panose="020B0503020000020004" pitchFamily="50" charset="-127"/>
+                      </a:endParaRPr>
+                    </a:p>
+                  </a:txBody>
+                  <a:tcPr marL="4808" marR="4808" marT="4808" marB="0" anchor="b"/>
+                </a:tc>
+                <a:tc>
+                  <a:txBody>
+                    <a:bodyPr/>
+                    <a:lstStyle/>
+                    <a:p>
+                      <a:pPr algn="r" fontAlgn="b"/>
+                      <a:r>
+                        <a:rPr lang="en-US" altLang="ko-KR" sz="1000" u="none" strike="noStrike">
+                          <a:effectLst/>
+                        </a:rPr>
+                        <a:t>30</a:t>
+                      </a:r>
+                      <a:endParaRPr lang="en-US" altLang="ko-KR" sz="1000" b="0" i="0" u="none" strike="noStrike">
+                        <a:solidFill>
+                          <a:srgbClr val="000000"/>
+                        </a:solidFill>
+                        <a:effectLst/>
+                        <a:latin typeface="맑은 고딕" panose="020B0503020000020004" pitchFamily="50" charset="-127"/>
+                        <a:ea typeface="맑은 고딕" panose="020B0503020000020004" pitchFamily="50" charset="-127"/>
+                      </a:endParaRPr>
+                    </a:p>
+                  </a:txBody>
+                  <a:tcPr marL="4808" marR="4808" marT="4808" marB="0" anchor="b"/>
+                </a:tc>
+                <a:tc>
+                  <a:txBody>
+                    <a:bodyPr/>
+                    <a:lstStyle/>
+                    <a:p>
+                      <a:pPr algn="r" fontAlgn="b"/>
+                      <a:r>
+                        <a:rPr lang="en-US" altLang="ko-KR" sz="1000" u="none" strike="noStrike">
+                          <a:effectLst/>
+                        </a:rPr>
+                        <a:t>1</a:t>
+                      </a:r>
+                      <a:endParaRPr lang="en-US" altLang="ko-KR" sz="1000" b="0" i="0" u="none" strike="noStrike">
+                        <a:solidFill>
+                          <a:srgbClr val="000000"/>
+                        </a:solidFill>
+                        <a:effectLst/>
+                        <a:latin typeface="맑은 고딕" panose="020B0503020000020004" pitchFamily="50" charset="-127"/>
+                        <a:ea typeface="맑은 고딕" panose="020B0503020000020004" pitchFamily="50" charset="-127"/>
+                      </a:endParaRPr>
+                    </a:p>
+                  </a:txBody>
+                  <a:tcPr marL="4808" marR="4808" marT="4808" marB="0" anchor="b"/>
+                </a:tc>
+                <a:tc>
+                  <a:txBody>
+                    <a:bodyPr/>
+                    <a:lstStyle/>
+                    <a:p>
+                      <a:pPr algn="r" fontAlgn="b"/>
+                      <a:r>
+                        <a:rPr lang="en-US" altLang="ko-KR" sz="1000" u="none" strike="noStrike">
+                          <a:effectLst/>
+                        </a:rPr>
+                        <a:t>2</a:t>
+                      </a:r>
+                      <a:endParaRPr lang="en-US" altLang="ko-KR" sz="1000" b="0" i="0" u="none" strike="noStrike">
+                        <a:solidFill>
+                          <a:srgbClr val="000000"/>
+                        </a:solidFill>
+                        <a:effectLst/>
+                        <a:latin typeface="맑은 고딕" panose="020B0503020000020004" pitchFamily="50" charset="-127"/>
+                        <a:ea typeface="맑은 고딕" panose="020B0503020000020004" pitchFamily="50" charset="-127"/>
+                      </a:endParaRPr>
+                    </a:p>
+                  </a:txBody>
+                  <a:tcPr marL="4808" marR="4808" marT="4808" marB="0" anchor="b"/>
+                </a:tc>
+                <a:tc>
+                  <a:txBody>
+                    <a:bodyPr/>
+                    <a:lstStyle/>
+                    <a:p>
+                      <a:pPr algn="r" fontAlgn="b"/>
+                      <a:r>
+                        <a:rPr lang="en-US" altLang="ko-KR" sz="1000" u="none" strike="noStrike">
+                          <a:effectLst/>
+                        </a:rPr>
+                        <a:t>3</a:t>
+                      </a:r>
+                      <a:endParaRPr lang="en-US" altLang="ko-KR" sz="1000" b="0" i="0" u="none" strike="noStrike">
+                        <a:solidFill>
+                          <a:srgbClr val="000000"/>
+                        </a:solidFill>
+                        <a:effectLst/>
+                        <a:latin typeface="맑은 고딕" panose="020B0503020000020004" pitchFamily="50" charset="-127"/>
+                        <a:ea typeface="맑은 고딕" panose="020B0503020000020004" pitchFamily="50" charset="-127"/>
+                      </a:endParaRPr>
+                    </a:p>
+                  </a:txBody>
+                  <a:tcPr marL="4808" marR="4808" marT="4808" marB="0" anchor="b"/>
+                </a:tc>
+                <a:extLst>
+                  <a:ext uri="{0D108BD9-81ED-4DB2-BD59-A6C34878D82A}">
+                    <a16:rowId xmlns:a16="http://schemas.microsoft.com/office/drawing/2014/main" val="2216265785"/>
+                  </a:ext>
+                </a:extLst>
+              </a:tr>
+              <a:tr h="565986">
+                <a:tc>
+                  <a:txBody>
+                    <a:bodyPr/>
+                    <a:lstStyle/>
+                    <a:p>
+                      <a:pPr algn="l" fontAlgn="b"/>
+                      <a:r>
+                        <a:rPr lang="en-US" sz="1000" u="none" strike="noStrike">
+                          <a:effectLst/>
+                        </a:rPr>
+                        <a:t>Decoder()</a:t>
+                      </a:r>
+                      <a:br>
+                        <a:rPr lang="en-US" sz="1000" u="none" strike="noStrike">
+                          <a:effectLst/>
+                        </a:rPr>
+                      </a:br>
+                      <a:r>
+                        <a:rPr lang="en-US" sz="1000" u="none" strike="noStrike">
+                          <a:effectLst/>
+                        </a:rPr>
+                        <a:t>GameObjectManager.Decode()</a:t>
+                      </a:r>
+                      <a:endParaRPr lang="en-US" sz="1000" b="0" i="0" u="none" strike="noStrike">
+                        <a:solidFill>
+                          <a:srgbClr val="000000"/>
+                        </a:solidFill>
+                        <a:effectLst/>
+                        <a:latin typeface="맑은 고딕" panose="020B0503020000020004" pitchFamily="50" charset="-127"/>
+                        <a:ea typeface="맑은 고딕" panose="020B0503020000020004" pitchFamily="50" charset="-127"/>
+                      </a:endParaRPr>
+                    </a:p>
+                  </a:txBody>
+                  <a:tcPr marL="4808" marR="4808" marT="4808" marB="0" anchor="b"/>
+                </a:tc>
+                <a:tc>
+                  <a:txBody>
+                    <a:bodyPr/>
+                    <a:lstStyle/>
+                    <a:p>
+                      <a:pPr algn="l" fontAlgn="b"/>
+                      <a:r>
+                        <a:rPr lang="ko-KR" altLang="en-US" sz="1000" u="none" strike="noStrike">
+                          <a:effectLst/>
+                        </a:rPr>
+                        <a:t>　</a:t>
+                      </a:r>
+                      <a:endParaRPr lang="ko-KR" altLang="en-US" sz="1000" b="0" i="0" u="none" strike="noStrike">
+                        <a:solidFill>
+                          <a:srgbClr val="000000"/>
+                        </a:solidFill>
+                        <a:effectLst/>
+                        <a:latin typeface="맑은 고딕" panose="020B0503020000020004" pitchFamily="50" charset="-127"/>
+                        <a:ea typeface="맑은 고딕" panose="020B0503020000020004" pitchFamily="50" charset="-127"/>
+                      </a:endParaRPr>
+                    </a:p>
+                  </a:txBody>
+                  <a:tcPr marL="4808" marR="4808" marT="4808" marB="0" anchor="b"/>
+                </a:tc>
+                <a:tc>
+                  <a:txBody>
+                    <a:bodyPr/>
+                    <a:lstStyle/>
+                    <a:p>
+                      <a:pPr algn="l" fontAlgn="b"/>
+                      <a:r>
+                        <a:rPr lang="en-US" sz="1000" u="none" strike="noStrike">
+                          <a:effectLst/>
+                        </a:rPr>
+                        <a:t>GameObjectManager.SwapDataBuffer()</a:t>
+                      </a:r>
+                      <a:endParaRPr lang="en-US" sz="1000" b="0" i="0" u="none" strike="noStrike">
+                        <a:solidFill>
+                          <a:srgbClr val="000000"/>
+                        </a:solidFill>
+                        <a:effectLst/>
+                        <a:latin typeface="맑은 고딕" panose="020B0503020000020004" pitchFamily="50" charset="-127"/>
+                        <a:ea typeface="맑은 고딕" panose="020B0503020000020004" pitchFamily="50" charset="-127"/>
+                      </a:endParaRPr>
+                    </a:p>
+                  </a:txBody>
+                  <a:tcPr marL="4808" marR="4808" marT="4808" marB="0" anchor="b"/>
+                </a:tc>
+                <a:tc>
+                  <a:txBody>
+                    <a:bodyPr/>
+                    <a:lstStyle/>
+                    <a:p>
+                      <a:pPr algn="l" fontAlgn="b"/>
+                      <a:r>
+                        <a:rPr lang="en-US" sz="1000" u="none" strike="noStrike">
+                          <a:effectLst/>
+                        </a:rPr>
+                        <a:t>SetObjectData()</a:t>
+                      </a:r>
+                      <a:endParaRPr lang="en-US" sz="1000" b="0" i="0" u="none" strike="noStrike">
+                        <a:solidFill>
+                          <a:srgbClr val="000000"/>
+                        </a:solidFill>
+                        <a:effectLst/>
+                        <a:latin typeface="맑은 고딕" panose="020B0503020000020004" pitchFamily="50" charset="-127"/>
+                        <a:ea typeface="맑은 고딕" panose="020B0503020000020004" pitchFamily="50" charset="-127"/>
+                      </a:endParaRPr>
+                    </a:p>
+                  </a:txBody>
+                  <a:tcPr marL="4808" marR="4808" marT="4808" marB="0" anchor="b"/>
+                </a:tc>
+                <a:tc>
+                  <a:txBody>
+                    <a:bodyPr/>
+                    <a:lstStyle/>
+                    <a:p>
+                      <a:pPr algn="l" fontAlgn="b"/>
+                      <a:r>
+                        <a:rPr lang="ko-KR" altLang="en-US" sz="1000" u="none" strike="noStrike">
+                          <a:effectLst/>
+                        </a:rPr>
+                        <a:t>　</a:t>
+                      </a:r>
+                      <a:endParaRPr lang="ko-KR" altLang="en-US" sz="1000" b="0" i="0" u="none" strike="noStrike">
+                        <a:solidFill>
+                          <a:srgbClr val="000000"/>
+                        </a:solidFill>
+                        <a:effectLst/>
+                        <a:latin typeface="맑은 고딕" panose="020B0503020000020004" pitchFamily="50" charset="-127"/>
+                        <a:ea typeface="맑은 고딕" panose="020B0503020000020004" pitchFamily="50" charset="-127"/>
+                      </a:endParaRPr>
+                    </a:p>
+                  </a:txBody>
+                  <a:tcPr marL="4808" marR="4808" marT="4808" marB="0" anchor="b"/>
+                </a:tc>
+                <a:tc>
+                  <a:txBody>
+                    <a:bodyPr/>
+                    <a:lstStyle/>
+                    <a:p>
+                      <a:pPr algn="l" fontAlgn="b"/>
+                      <a:r>
+                        <a:rPr lang="ko-KR" altLang="en-US" sz="1000" u="none" strike="noStrike">
+                          <a:effectLst/>
+                        </a:rPr>
+                        <a:t>　</a:t>
+                      </a:r>
+                      <a:endParaRPr lang="ko-KR" altLang="en-US" sz="1000" b="0" i="0" u="none" strike="noStrike">
+                        <a:solidFill>
+                          <a:srgbClr val="000000"/>
+                        </a:solidFill>
+                        <a:effectLst/>
+                        <a:latin typeface="맑은 고딕" panose="020B0503020000020004" pitchFamily="50" charset="-127"/>
+                        <a:ea typeface="맑은 고딕" panose="020B0503020000020004" pitchFamily="50" charset="-127"/>
+                      </a:endParaRPr>
+                    </a:p>
+                  </a:txBody>
+                  <a:tcPr marL="4808" marR="4808" marT="4808" marB="0" anchor="b"/>
+                </a:tc>
+                <a:tc>
+                  <a:txBody>
+                    <a:bodyPr/>
+                    <a:lstStyle/>
+                    <a:p>
+                      <a:pPr algn="l" fontAlgn="b"/>
+                      <a:r>
+                        <a:rPr lang="en-US" sz="1000" u="none" strike="noStrike">
+                          <a:effectLst/>
+                        </a:rPr>
+                        <a:t>GameObjectManager Management</a:t>
+                      </a:r>
+                      <a:endParaRPr lang="en-US" sz="1000" b="0" i="0" u="none" strike="noStrike">
+                        <a:solidFill>
+                          <a:srgbClr val="000000"/>
+                        </a:solidFill>
+                        <a:effectLst/>
+                        <a:latin typeface="맑은 고딕" panose="020B0503020000020004" pitchFamily="50" charset="-127"/>
+                        <a:ea typeface="맑은 고딕" panose="020B0503020000020004" pitchFamily="50" charset="-127"/>
+                      </a:endParaRPr>
+                    </a:p>
+                  </a:txBody>
+                  <a:tcPr marL="4808" marR="4808" marT="4808" marB="0" anchor="b"/>
+                </a:tc>
+                <a:extLst>
+                  <a:ext uri="{0D108BD9-81ED-4DB2-BD59-A6C34878D82A}">
+                    <a16:rowId xmlns:a16="http://schemas.microsoft.com/office/drawing/2014/main" val="2539458868"/>
+                  </a:ext>
+                </a:extLst>
+              </a:tr>
+              <a:tr h="141496">
+                <a:tc>
+                  <a:txBody>
+                    <a:bodyPr/>
+                    <a:lstStyle/>
+                    <a:p>
+                      <a:pPr algn="r" fontAlgn="b"/>
+                      <a:r>
+                        <a:rPr lang="en-US" altLang="ko-KR" sz="1000" u="none" strike="noStrike">
+                          <a:effectLst/>
+                        </a:rPr>
+                        <a:t>4</a:t>
+                      </a:r>
+                      <a:endParaRPr lang="en-US" altLang="ko-KR" sz="1000" b="0" i="0" u="none" strike="noStrike">
+                        <a:solidFill>
+                          <a:srgbClr val="000000"/>
+                        </a:solidFill>
+                        <a:effectLst/>
+                        <a:latin typeface="맑은 고딕" panose="020B0503020000020004" pitchFamily="50" charset="-127"/>
+                        <a:ea typeface="맑은 고딕" panose="020B0503020000020004" pitchFamily="50" charset="-127"/>
+                      </a:endParaRPr>
+                    </a:p>
+                  </a:txBody>
+                  <a:tcPr marL="4808" marR="4808" marT="4808" marB="0" anchor="b"/>
+                </a:tc>
+                <a:tc>
+                  <a:txBody>
+                    <a:bodyPr/>
+                    <a:lstStyle/>
+                    <a:p>
+                      <a:pPr algn="r" fontAlgn="b"/>
+                      <a:r>
+                        <a:rPr lang="en-US" altLang="ko-KR" sz="1000" u="none" strike="noStrike">
+                          <a:effectLst/>
+                        </a:rPr>
+                        <a:t>5</a:t>
+                      </a:r>
+                      <a:endParaRPr lang="en-US" altLang="ko-KR" sz="1000" b="0" i="0" u="none" strike="noStrike">
+                        <a:solidFill>
+                          <a:srgbClr val="000000"/>
+                        </a:solidFill>
+                        <a:effectLst/>
+                        <a:latin typeface="맑은 고딕" panose="020B0503020000020004" pitchFamily="50" charset="-127"/>
+                        <a:ea typeface="맑은 고딕" panose="020B0503020000020004" pitchFamily="50" charset="-127"/>
+                      </a:endParaRPr>
+                    </a:p>
+                  </a:txBody>
+                  <a:tcPr marL="4808" marR="4808" marT="4808" marB="0" anchor="b"/>
+                </a:tc>
+                <a:tc>
+                  <a:txBody>
+                    <a:bodyPr/>
+                    <a:lstStyle/>
+                    <a:p>
+                      <a:pPr algn="r" fontAlgn="b"/>
+                      <a:r>
+                        <a:rPr lang="en-US" altLang="ko-KR" sz="1000" u="none" strike="noStrike">
+                          <a:effectLst/>
+                        </a:rPr>
+                        <a:t>6</a:t>
+                      </a:r>
+                      <a:endParaRPr lang="en-US" altLang="ko-KR" sz="1000" b="0" i="0" u="none" strike="noStrike">
+                        <a:solidFill>
+                          <a:srgbClr val="000000"/>
+                        </a:solidFill>
+                        <a:effectLst/>
+                        <a:latin typeface="맑은 고딕" panose="020B0503020000020004" pitchFamily="50" charset="-127"/>
+                        <a:ea typeface="맑은 고딕" panose="020B0503020000020004" pitchFamily="50" charset="-127"/>
+                      </a:endParaRPr>
+                    </a:p>
+                  </a:txBody>
+                  <a:tcPr marL="4808" marR="4808" marT="4808" marB="0" anchor="b"/>
+                </a:tc>
+                <a:tc>
+                  <a:txBody>
+                    <a:bodyPr/>
+                    <a:lstStyle/>
+                    <a:p>
+                      <a:pPr algn="r" fontAlgn="b"/>
+                      <a:r>
+                        <a:rPr lang="en-US" altLang="ko-KR" sz="1000" u="none" strike="noStrike">
+                          <a:effectLst/>
+                        </a:rPr>
+                        <a:t>7</a:t>
+                      </a:r>
+                      <a:endParaRPr lang="en-US" altLang="ko-KR" sz="1000" b="0" i="0" u="none" strike="noStrike">
+                        <a:solidFill>
+                          <a:srgbClr val="000000"/>
+                        </a:solidFill>
+                        <a:effectLst/>
+                        <a:latin typeface="맑은 고딕" panose="020B0503020000020004" pitchFamily="50" charset="-127"/>
+                        <a:ea typeface="맑은 고딕" panose="020B0503020000020004" pitchFamily="50" charset="-127"/>
+                      </a:endParaRPr>
+                    </a:p>
+                  </a:txBody>
+                  <a:tcPr marL="4808" marR="4808" marT="4808" marB="0" anchor="b"/>
+                </a:tc>
+                <a:tc>
+                  <a:txBody>
+                    <a:bodyPr/>
+                    <a:lstStyle/>
+                    <a:p>
+                      <a:pPr algn="r" fontAlgn="b"/>
+                      <a:r>
+                        <a:rPr lang="en-US" altLang="ko-KR" sz="1000" u="none" strike="noStrike">
+                          <a:effectLst/>
+                        </a:rPr>
+                        <a:t>8</a:t>
+                      </a:r>
+                      <a:endParaRPr lang="en-US" altLang="ko-KR" sz="1000" b="0" i="0" u="none" strike="noStrike">
+                        <a:solidFill>
+                          <a:srgbClr val="000000"/>
+                        </a:solidFill>
+                        <a:effectLst/>
+                        <a:latin typeface="맑은 고딕" panose="020B0503020000020004" pitchFamily="50" charset="-127"/>
+                        <a:ea typeface="맑은 고딕" panose="020B0503020000020004" pitchFamily="50" charset="-127"/>
+                      </a:endParaRPr>
+                    </a:p>
+                  </a:txBody>
+                  <a:tcPr marL="4808" marR="4808" marT="4808" marB="0" anchor="b"/>
+                </a:tc>
+                <a:tc>
+                  <a:txBody>
+                    <a:bodyPr/>
+                    <a:lstStyle/>
+                    <a:p>
+                      <a:pPr algn="r" fontAlgn="b"/>
+                      <a:r>
+                        <a:rPr lang="en-US" altLang="ko-KR" sz="1000" u="none" strike="noStrike">
+                          <a:effectLst/>
+                        </a:rPr>
+                        <a:t>9</a:t>
+                      </a:r>
+                      <a:endParaRPr lang="en-US" altLang="ko-KR" sz="1000" b="0" i="0" u="none" strike="noStrike">
+                        <a:solidFill>
+                          <a:srgbClr val="000000"/>
+                        </a:solidFill>
+                        <a:effectLst/>
+                        <a:latin typeface="맑은 고딕" panose="020B0503020000020004" pitchFamily="50" charset="-127"/>
+                        <a:ea typeface="맑은 고딕" panose="020B0503020000020004" pitchFamily="50" charset="-127"/>
+                      </a:endParaRPr>
+                    </a:p>
+                  </a:txBody>
+                  <a:tcPr marL="4808" marR="4808" marT="4808" marB="0" anchor="b"/>
+                </a:tc>
+                <a:tc>
+                  <a:txBody>
+                    <a:bodyPr/>
+                    <a:lstStyle/>
+                    <a:p>
+                      <a:pPr algn="r" fontAlgn="b"/>
+                      <a:r>
+                        <a:rPr lang="en-US" altLang="ko-KR" sz="1000" u="none" strike="noStrike">
+                          <a:effectLst/>
+                        </a:rPr>
+                        <a:t>10</a:t>
+                      </a:r>
+                      <a:endParaRPr lang="en-US" altLang="ko-KR" sz="1000" b="0" i="0" u="none" strike="noStrike">
+                        <a:solidFill>
+                          <a:srgbClr val="000000"/>
+                        </a:solidFill>
+                        <a:effectLst/>
+                        <a:latin typeface="맑은 고딕" panose="020B0503020000020004" pitchFamily="50" charset="-127"/>
+                        <a:ea typeface="맑은 고딕" panose="020B0503020000020004" pitchFamily="50" charset="-127"/>
+                      </a:endParaRPr>
+                    </a:p>
+                  </a:txBody>
+                  <a:tcPr marL="4808" marR="4808" marT="4808" marB="0" anchor="b"/>
+                </a:tc>
+                <a:extLst>
+                  <a:ext uri="{0D108BD9-81ED-4DB2-BD59-A6C34878D82A}">
+                    <a16:rowId xmlns:a16="http://schemas.microsoft.com/office/drawing/2014/main" val="2228870917"/>
+                  </a:ext>
+                </a:extLst>
+              </a:tr>
+              <a:tr h="141496">
+                <a:tc>
+                  <a:txBody>
+                    <a:bodyPr/>
+                    <a:lstStyle/>
+                    <a:p>
+                      <a:pPr algn="l" fontAlgn="b"/>
+                      <a:r>
+                        <a:rPr lang="ko-KR" altLang="en-US" sz="1000" u="none" strike="noStrike">
+                          <a:effectLst/>
+                        </a:rPr>
+                        <a:t>　</a:t>
+                      </a:r>
+                      <a:endParaRPr lang="ko-KR" altLang="en-US" sz="1000" b="0" i="0" u="none" strike="noStrike">
+                        <a:solidFill>
+                          <a:srgbClr val="000000"/>
+                        </a:solidFill>
+                        <a:effectLst/>
+                        <a:latin typeface="맑은 고딕" panose="020B0503020000020004" pitchFamily="50" charset="-127"/>
+                        <a:ea typeface="맑은 고딕" panose="020B0503020000020004" pitchFamily="50" charset="-127"/>
+                      </a:endParaRPr>
+                    </a:p>
+                  </a:txBody>
+                  <a:tcPr marL="4808" marR="4808" marT="4808" marB="0" anchor="b"/>
+                </a:tc>
+                <a:tc>
+                  <a:txBody>
+                    <a:bodyPr/>
+                    <a:lstStyle/>
+                    <a:p>
+                      <a:pPr algn="l" fontAlgn="b"/>
+                      <a:r>
+                        <a:rPr lang="ko-KR" altLang="en-US" sz="1000" u="none" strike="noStrike">
+                          <a:effectLst/>
+                        </a:rPr>
+                        <a:t>　</a:t>
+                      </a:r>
+                      <a:endParaRPr lang="ko-KR" altLang="en-US" sz="1000" b="0" i="0" u="none" strike="noStrike">
+                        <a:solidFill>
+                          <a:srgbClr val="000000"/>
+                        </a:solidFill>
+                        <a:effectLst/>
+                        <a:latin typeface="맑은 고딕" panose="020B0503020000020004" pitchFamily="50" charset="-127"/>
+                        <a:ea typeface="맑은 고딕" panose="020B0503020000020004" pitchFamily="50" charset="-127"/>
+                      </a:endParaRPr>
+                    </a:p>
+                  </a:txBody>
+                  <a:tcPr marL="4808" marR="4808" marT="4808" marB="0" anchor="b"/>
+                </a:tc>
+                <a:tc>
+                  <a:txBody>
+                    <a:bodyPr/>
+                    <a:lstStyle/>
+                    <a:p>
+                      <a:pPr algn="l" fontAlgn="b"/>
+                      <a:r>
+                        <a:rPr lang="ko-KR" altLang="en-US" sz="1000" u="none" strike="noStrike">
+                          <a:effectLst/>
+                        </a:rPr>
+                        <a:t>　</a:t>
+                      </a:r>
+                      <a:endParaRPr lang="ko-KR" altLang="en-US" sz="1000" b="0" i="0" u="none" strike="noStrike">
+                        <a:solidFill>
+                          <a:srgbClr val="000000"/>
+                        </a:solidFill>
+                        <a:effectLst/>
+                        <a:latin typeface="맑은 고딕" panose="020B0503020000020004" pitchFamily="50" charset="-127"/>
+                        <a:ea typeface="맑은 고딕" panose="020B0503020000020004" pitchFamily="50" charset="-127"/>
+                      </a:endParaRPr>
+                    </a:p>
+                  </a:txBody>
+                  <a:tcPr marL="4808" marR="4808" marT="4808" marB="0" anchor="b"/>
+                </a:tc>
+                <a:tc>
+                  <a:txBody>
+                    <a:bodyPr/>
+                    <a:lstStyle/>
+                    <a:p>
+                      <a:pPr algn="l" fontAlgn="b"/>
+                      <a:r>
+                        <a:rPr lang="ko-KR" altLang="en-US" sz="1000" u="none" strike="noStrike">
+                          <a:effectLst/>
+                        </a:rPr>
+                        <a:t>　</a:t>
+                      </a:r>
+                      <a:endParaRPr lang="ko-KR" altLang="en-US" sz="1000" b="0" i="0" u="none" strike="noStrike">
+                        <a:solidFill>
+                          <a:srgbClr val="000000"/>
+                        </a:solidFill>
+                        <a:effectLst/>
+                        <a:latin typeface="맑은 고딕" panose="020B0503020000020004" pitchFamily="50" charset="-127"/>
+                        <a:ea typeface="맑은 고딕" panose="020B0503020000020004" pitchFamily="50" charset="-127"/>
+                      </a:endParaRPr>
+                    </a:p>
+                  </a:txBody>
+                  <a:tcPr marL="4808" marR="4808" marT="4808" marB="0" anchor="b"/>
+                </a:tc>
+                <a:tc>
+                  <a:txBody>
+                    <a:bodyPr/>
+                    <a:lstStyle/>
+                    <a:p>
+                      <a:pPr algn="l" fontAlgn="b"/>
+                      <a:r>
+                        <a:rPr lang="en-US" sz="1000" u="none" strike="noStrike">
+                          <a:effectLst/>
+                        </a:rPr>
+                        <a:t>Final Check Week</a:t>
+                      </a:r>
+                      <a:endParaRPr lang="en-US" sz="1000" b="0" i="0" u="none" strike="noStrike">
+                        <a:solidFill>
+                          <a:srgbClr val="000000"/>
+                        </a:solidFill>
+                        <a:effectLst/>
+                        <a:latin typeface="맑은 고딕" panose="020B0503020000020004" pitchFamily="50" charset="-127"/>
+                        <a:ea typeface="맑은 고딕" panose="020B0503020000020004" pitchFamily="50" charset="-127"/>
+                      </a:endParaRPr>
+                    </a:p>
+                  </a:txBody>
+                  <a:tcPr marL="4808" marR="4808" marT="4808" marB="0" anchor="b"/>
+                </a:tc>
+                <a:tc>
+                  <a:txBody>
+                    <a:bodyPr/>
+                    <a:lstStyle/>
+                    <a:p>
+                      <a:pPr algn="l" fontAlgn="b"/>
+                      <a:r>
+                        <a:rPr lang="ko-KR" altLang="en-US" sz="1000" u="none" strike="noStrike">
+                          <a:effectLst/>
+                        </a:rPr>
+                        <a:t>　</a:t>
+                      </a:r>
+                      <a:endParaRPr lang="ko-KR" altLang="en-US" sz="1000" b="0" i="0" u="none" strike="noStrike">
+                        <a:solidFill>
+                          <a:srgbClr val="000000"/>
+                        </a:solidFill>
+                        <a:effectLst/>
+                        <a:latin typeface="맑은 고딕" panose="020B0503020000020004" pitchFamily="50" charset="-127"/>
+                        <a:ea typeface="맑은 고딕" panose="020B0503020000020004" pitchFamily="50" charset="-127"/>
+                      </a:endParaRPr>
+                    </a:p>
+                  </a:txBody>
+                  <a:tcPr marL="4808" marR="4808" marT="4808" marB="0" anchor="b"/>
+                </a:tc>
+                <a:tc>
+                  <a:txBody>
+                    <a:bodyPr/>
+                    <a:lstStyle/>
+                    <a:p>
+                      <a:pPr algn="l" fontAlgn="b"/>
+                      <a:r>
+                        <a:rPr lang="ko-KR" altLang="en-US" sz="1000" u="none" strike="noStrike">
+                          <a:effectLst/>
+                        </a:rPr>
+                        <a:t>　</a:t>
+                      </a:r>
+                      <a:endParaRPr lang="ko-KR" altLang="en-US" sz="1000" b="0" i="0" u="none" strike="noStrike">
+                        <a:solidFill>
+                          <a:srgbClr val="000000"/>
+                        </a:solidFill>
+                        <a:effectLst/>
+                        <a:latin typeface="맑은 고딕" panose="020B0503020000020004" pitchFamily="50" charset="-127"/>
+                        <a:ea typeface="맑은 고딕" panose="020B0503020000020004" pitchFamily="50" charset="-127"/>
+                      </a:endParaRPr>
+                    </a:p>
+                  </a:txBody>
+                  <a:tcPr marL="4808" marR="4808" marT="4808" marB="0" anchor="b"/>
+                </a:tc>
+                <a:extLst>
+                  <a:ext uri="{0D108BD9-81ED-4DB2-BD59-A6C34878D82A}">
+                    <a16:rowId xmlns:a16="http://schemas.microsoft.com/office/drawing/2014/main" val="3362240141"/>
+                  </a:ext>
+                </a:extLst>
+              </a:tr>
+              <a:tr h="141496">
+                <a:tc>
+                  <a:txBody>
+                    <a:bodyPr/>
+                    <a:lstStyle/>
+                    <a:p>
+                      <a:pPr algn="r" fontAlgn="b"/>
+                      <a:r>
+                        <a:rPr lang="en-US" altLang="ko-KR" sz="1000" u="none" strike="noStrike">
+                          <a:effectLst/>
+                        </a:rPr>
+                        <a:t>11</a:t>
+                      </a:r>
+                      <a:endParaRPr lang="en-US" altLang="ko-KR" sz="1000" b="0" i="0" u="none" strike="noStrike">
+                        <a:solidFill>
+                          <a:srgbClr val="000000"/>
+                        </a:solidFill>
+                        <a:effectLst/>
+                        <a:latin typeface="맑은 고딕" panose="020B0503020000020004" pitchFamily="50" charset="-127"/>
+                        <a:ea typeface="맑은 고딕" panose="020B0503020000020004" pitchFamily="50" charset="-127"/>
+                      </a:endParaRPr>
+                    </a:p>
+                  </a:txBody>
+                  <a:tcPr marL="4808" marR="4808" marT="4808" marB="0" anchor="b"/>
+                </a:tc>
+                <a:tc>
+                  <a:txBody>
+                    <a:bodyPr/>
+                    <a:lstStyle/>
+                    <a:p>
+                      <a:pPr algn="r" fontAlgn="b"/>
+                      <a:r>
+                        <a:rPr lang="en-US" altLang="ko-KR" sz="1000" u="none" strike="noStrike">
+                          <a:effectLst/>
+                        </a:rPr>
+                        <a:t>12</a:t>
+                      </a:r>
+                      <a:endParaRPr lang="en-US" altLang="ko-KR" sz="1000" b="0" i="0" u="none" strike="noStrike">
+                        <a:solidFill>
+                          <a:srgbClr val="000000"/>
+                        </a:solidFill>
+                        <a:effectLst/>
+                        <a:latin typeface="맑은 고딕" panose="020B0503020000020004" pitchFamily="50" charset="-127"/>
+                        <a:ea typeface="맑은 고딕" panose="020B0503020000020004" pitchFamily="50" charset="-127"/>
+                      </a:endParaRPr>
+                    </a:p>
+                  </a:txBody>
+                  <a:tcPr marL="4808" marR="4808" marT="4808" marB="0" anchor="b"/>
+                </a:tc>
+                <a:tc>
+                  <a:txBody>
+                    <a:bodyPr/>
+                    <a:lstStyle/>
+                    <a:p>
+                      <a:pPr algn="r" fontAlgn="b"/>
+                      <a:r>
+                        <a:rPr lang="en-US" altLang="ko-KR" sz="1000" u="none" strike="noStrike">
+                          <a:effectLst/>
+                        </a:rPr>
+                        <a:t>13</a:t>
+                      </a:r>
+                      <a:endParaRPr lang="en-US" altLang="ko-KR" sz="1000" b="0" i="0" u="none" strike="noStrike">
+                        <a:solidFill>
+                          <a:srgbClr val="000000"/>
+                        </a:solidFill>
+                        <a:effectLst/>
+                        <a:latin typeface="맑은 고딕" panose="020B0503020000020004" pitchFamily="50" charset="-127"/>
+                        <a:ea typeface="맑은 고딕" panose="020B0503020000020004" pitchFamily="50" charset="-127"/>
+                      </a:endParaRPr>
+                    </a:p>
+                  </a:txBody>
+                  <a:tcPr marL="4808" marR="4808" marT="4808" marB="0" anchor="b"/>
+                </a:tc>
+                <a:tc>
+                  <a:txBody>
+                    <a:bodyPr/>
+                    <a:lstStyle/>
+                    <a:p>
+                      <a:pPr algn="r" fontAlgn="b"/>
+                      <a:r>
+                        <a:rPr lang="en-US" altLang="ko-KR" sz="1000" u="none" strike="noStrike">
+                          <a:effectLst/>
+                        </a:rPr>
+                        <a:t>14</a:t>
+                      </a:r>
+                      <a:endParaRPr lang="en-US" altLang="ko-KR" sz="1000" b="0" i="0" u="none" strike="noStrike">
+                        <a:solidFill>
+                          <a:srgbClr val="000000"/>
+                        </a:solidFill>
+                        <a:effectLst/>
+                        <a:latin typeface="맑은 고딕" panose="020B0503020000020004" pitchFamily="50" charset="-127"/>
+                        <a:ea typeface="맑은 고딕" panose="020B0503020000020004" pitchFamily="50" charset="-127"/>
+                      </a:endParaRPr>
+                    </a:p>
+                  </a:txBody>
+                  <a:tcPr marL="4808" marR="4808" marT="4808" marB="0" anchor="b"/>
+                </a:tc>
+                <a:tc>
+                  <a:txBody>
+                    <a:bodyPr/>
+                    <a:lstStyle/>
+                    <a:p>
+                      <a:pPr algn="r" fontAlgn="b"/>
+                      <a:r>
+                        <a:rPr lang="en-US" altLang="ko-KR" sz="1000" u="none" strike="noStrike">
+                          <a:effectLst/>
+                        </a:rPr>
+                        <a:t>15</a:t>
+                      </a:r>
+                      <a:endParaRPr lang="en-US" altLang="ko-KR" sz="1000" b="0" i="0" u="none" strike="noStrike">
+                        <a:solidFill>
+                          <a:srgbClr val="000000"/>
+                        </a:solidFill>
+                        <a:effectLst/>
+                        <a:latin typeface="맑은 고딕" panose="020B0503020000020004" pitchFamily="50" charset="-127"/>
+                        <a:ea typeface="맑은 고딕" panose="020B0503020000020004" pitchFamily="50" charset="-127"/>
+                      </a:endParaRPr>
+                    </a:p>
+                  </a:txBody>
+                  <a:tcPr marL="4808" marR="4808" marT="4808" marB="0" anchor="b"/>
+                </a:tc>
+                <a:tc>
+                  <a:txBody>
+                    <a:bodyPr/>
+                    <a:lstStyle/>
+                    <a:p>
+                      <a:pPr algn="r" fontAlgn="b"/>
+                      <a:r>
+                        <a:rPr lang="en-US" altLang="ko-KR" sz="1000" u="none" strike="noStrike">
+                          <a:effectLst/>
+                        </a:rPr>
+                        <a:t>16</a:t>
+                      </a:r>
+                      <a:endParaRPr lang="en-US" altLang="ko-KR" sz="1000" b="0" i="0" u="none" strike="noStrike">
+                        <a:solidFill>
+                          <a:srgbClr val="000000"/>
+                        </a:solidFill>
+                        <a:effectLst/>
+                        <a:latin typeface="맑은 고딕" panose="020B0503020000020004" pitchFamily="50" charset="-127"/>
+                        <a:ea typeface="맑은 고딕" panose="020B0503020000020004" pitchFamily="50" charset="-127"/>
+                      </a:endParaRPr>
+                    </a:p>
+                  </a:txBody>
+                  <a:tcPr marL="4808" marR="4808" marT="4808" marB="0" anchor="b"/>
+                </a:tc>
+                <a:tc>
+                  <a:txBody>
+                    <a:bodyPr/>
+                    <a:lstStyle/>
+                    <a:p>
+                      <a:pPr algn="r" fontAlgn="b"/>
+                      <a:r>
+                        <a:rPr lang="en-US" altLang="ko-KR" sz="1000" u="none" strike="noStrike">
+                          <a:effectLst/>
+                        </a:rPr>
+                        <a:t>17</a:t>
+                      </a:r>
+                      <a:endParaRPr lang="en-US" altLang="ko-KR" sz="1000" b="0" i="0" u="none" strike="noStrike">
+                        <a:solidFill>
+                          <a:srgbClr val="000000"/>
+                        </a:solidFill>
+                        <a:effectLst/>
+                        <a:latin typeface="맑은 고딕" panose="020B0503020000020004" pitchFamily="50" charset="-127"/>
+                        <a:ea typeface="맑은 고딕" panose="020B0503020000020004" pitchFamily="50" charset="-127"/>
+                      </a:endParaRPr>
+                    </a:p>
+                  </a:txBody>
+                  <a:tcPr marL="4808" marR="4808" marT="4808" marB="0" anchor="b"/>
+                </a:tc>
+                <a:extLst>
+                  <a:ext uri="{0D108BD9-81ED-4DB2-BD59-A6C34878D82A}">
+                    <a16:rowId xmlns:a16="http://schemas.microsoft.com/office/drawing/2014/main" val="283901734"/>
+                  </a:ext>
+                </a:extLst>
+              </a:tr>
+              <a:tr h="147927">
+                <a:tc>
+                  <a:txBody>
+                    <a:bodyPr/>
+                    <a:lstStyle/>
+                    <a:p>
+                      <a:pPr algn="l" fontAlgn="b"/>
+                      <a:r>
+                        <a:rPr lang="ko-KR" altLang="en-US" sz="1000" u="none" strike="noStrike" dirty="0">
+                          <a:effectLst/>
+                        </a:rPr>
+                        <a:t>　</a:t>
+                      </a:r>
+                      <a:endParaRPr lang="ko-KR" altLang="en-US" sz="1000" b="0" i="0" u="none" strike="noStrike" dirty="0">
+                        <a:solidFill>
+                          <a:srgbClr val="000000"/>
+                        </a:solidFill>
+                        <a:effectLst/>
+                        <a:latin typeface="맑은 고딕" panose="020B0503020000020004" pitchFamily="50" charset="-127"/>
+                        <a:ea typeface="맑은 고딕" panose="020B0503020000020004" pitchFamily="50" charset="-127"/>
+                      </a:endParaRPr>
+                    </a:p>
+                  </a:txBody>
+                  <a:tcPr marL="4808" marR="4808" marT="4808" marB="0" anchor="b"/>
+                </a:tc>
+                <a:tc>
+                  <a:txBody>
+                    <a:bodyPr/>
+                    <a:lstStyle/>
+                    <a:p>
+                      <a:pPr algn="l" fontAlgn="b"/>
+                      <a:r>
+                        <a:rPr lang="ko-KR" altLang="en-US" sz="1000" u="none" strike="noStrike">
+                          <a:effectLst/>
+                        </a:rPr>
+                        <a:t>　</a:t>
+                      </a:r>
+                      <a:endParaRPr lang="ko-KR" altLang="en-US" sz="1000" b="0" i="0" u="none" strike="noStrike">
+                        <a:solidFill>
+                          <a:srgbClr val="000000"/>
+                        </a:solidFill>
+                        <a:effectLst/>
+                        <a:latin typeface="맑은 고딕" panose="020B0503020000020004" pitchFamily="50" charset="-127"/>
+                        <a:ea typeface="맑은 고딕" panose="020B0503020000020004" pitchFamily="50" charset="-127"/>
+                      </a:endParaRPr>
+                    </a:p>
+                  </a:txBody>
+                  <a:tcPr marL="4808" marR="4808" marT="4808" marB="0" anchor="b"/>
+                </a:tc>
+                <a:tc>
+                  <a:txBody>
+                    <a:bodyPr/>
+                    <a:lstStyle/>
+                    <a:p>
+                      <a:pPr algn="l" fontAlgn="b"/>
+                      <a:r>
+                        <a:rPr lang="ko-KR" altLang="en-US" sz="1000" u="none" strike="noStrike">
+                          <a:effectLst/>
+                        </a:rPr>
+                        <a:t>　</a:t>
+                      </a:r>
+                      <a:endParaRPr lang="ko-KR" altLang="en-US" sz="1000" b="0" i="0" u="none" strike="noStrike">
+                        <a:solidFill>
+                          <a:srgbClr val="000000"/>
+                        </a:solidFill>
+                        <a:effectLst/>
+                        <a:latin typeface="맑은 고딕" panose="020B0503020000020004" pitchFamily="50" charset="-127"/>
+                        <a:ea typeface="맑은 고딕" panose="020B0503020000020004" pitchFamily="50" charset="-127"/>
+                      </a:endParaRPr>
+                    </a:p>
+                  </a:txBody>
+                  <a:tcPr marL="4808" marR="4808" marT="4808" marB="0" anchor="b"/>
+                </a:tc>
+                <a:tc>
+                  <a:txBody>
+                    <a:bodyPr/>
+                    <a:lstStyle/>
+                    <a:p>
+                      <a:pPr algn="l" fontAlgn="b"/>
+                      <a:r>
+                        <a:rPr lang="ko-KR" altLang="en-US" sz="1000" u="none" strike="noStrike">
+                          <a:effectLst/>
+                        </a:rPr>
+                        <a:t>　</a:t>
+                      </a:r>
+                      <a:endParaRPr lang="ko-KR" altLang="en-US" sz="1000" b="0" i="0" u="none" strike="noStrike">
+                        <a:solidFill>
+                          <a:srgbClr val="000000"/>
+                        </a:solidFill>
+                        <a:effectLst/>
+                        <a:latin typeface="맑은 고딕" panose="020B0503020000020004" pitchFamily="50" charset="-127"/>
+                        <a:ea typeface="맑은 고딕" panose="020B0503020000020004" pitchFamily="50" charset="-127"/>
+                      </a:endParaRPr>
+                    </a:p>
+                  </a:txBody>
+                  <a:tcPr marL="4808" marR="4808" marT="4808" marB="0" anchor="b"/>
+                </a:tc>
+                <a:tc>
+                  <a:txBody>
+                    <a:bodyPr/>
+                    <a:lstStyle/>
+                    <a:p>
+                      <a:pPr algn="l" fontAlgn="b"/>
+                      <a:r>
+                        <a:rPr lang="ko-KR" altLang="en-US" sz="1000" u="none" strike="noStrike">
+                          <a:effectLst/>
+                        </a:rPr>
+                        <a:t>　</a:t>
+                      </a:r>
+                      <a:endParaRPr lang="ko-KR" altLang="en-US" sz="1000" b="0" i="0" u="none" strike="noStrike">
+                        <a:solidFill>
+                          <a:srgbClr val="000000"/>
+                        </a:solidFill>
+                        <a:effectLst/>
+                        <a:latin typeface="맑은 고딕" panose="020B0503020000020004" pitchFamily="50" charset="-127"/>
+                        <a:ea typeface="맑은 고딕" panose="020B0503020000020004" pitchFamily="50" charset="-127"/>
+                      </a:endParaRPr>
+                    </a:p>
+                  </a:txBody>
+                  <a:tcPr marL="4808" marR="4808" marT="4808" marB="0" anchor="b"/>
+                </a:tc>
+                <a:tc>
+                  <a:txBody>
+                    <a:bodyPr/>
+                    <a:lstStyle/>
+                    <a:p>
+                      <a:pPr algn="l" fontAlgn="b"/>
+                      <a:r>
+                        <a:rPr lang="ko-KR" altLang="en-US" sz="1000" u="none" strike="noStrike" dirty="0">
+                          <a:effectLst/>
+                        </a:rPr>
+                        <a:t>　</a:t>
+                      </a:r>
+                      <a:endParaRPr lang="ko-KR" altLang="en-US" sz="1000" b="0" i="0" u="none" strike="noStrike" dirty="0">
+                        <a:solidFill>
+                          <a:srgbClr val="000000"/>
+                        </a:solidFill>
+                        <a:effectLst/>
+                        <a:latin typeface="맑은 고딕" panose="020B0503020000020004" pitchFamily="50" charset="-127"/>
+                        <a:ea typeface="맑은 고딕" panose="020B0503020000020004" pitchFamily="50" charset="-127"/>
+                      </a:endParaRPr>
+                    </a:p>
+                  </a:txBody>
+                  <a:tcPr marL="4808" marR="4808" marT="4808" marB="0" anchor="b"/>
+                </a:tc>
+                <a:tc>
+                  <a:txBody>
+                    <a:bodyPr/>
+                    <a:lstStyle/>
+                    <a:p>
+                      <a:pPr algn="l" fontAlgn="b"/>
+                      <a:r>
+                        <a:rPr lang="ko-KR" altLang="en-US" sz="1000" u="none" strike="noStrike" dirty="0">
+                          <a:effectLst/>
+                        </a:rPr>
+                        <a:t>　</a:t>
+                      </a:r>
+                      <a:endParaRPr lang="ko-KR" altLang="en-US" sz="1000" b="0" i="0" u="none" strike="noStrike" dirty="0">
+                        <a:solidFill>
+                          <a:srgbClr val="000000"/>
+                        </a:solidFill>
+                        <a:effectLst/>
+                        <a:latin typeface="맑은 고딕" panose="020B0503020000020004" pitchFamily="50" charset="-127"/>
+                        <a:ea typeface="맑은 고딕" panose="020B0503020000020004" pitchFamily="50" charset="-127"/>
+                      </a:endParaRPr>
+                    </a:p>
+                  </a:txBody>
+                  <a:tcPr marL="4808" marR="4808" marT="4808" marB="0" anchor="b"/>
+                </a:tc>
+                <a:extLst>
+                  <a:ext uri="{0D108BD9-81ED-4DB2-BD59-A6C34878D82A}">
+                    <a16:rowId xmlns:a16="http://schemas.microsoft.com/office/drawing/2014/main" val="2023094993"/>
+                  </a:ext>
+                </a:extLst>
+              </a:tr>
+            </a:tbl>
+          </a:graphicData>
+        </a:graphic>
+      </p:graphicFrame>
     </p:spTree>
     <p:extLst>
       <p:ext uri="{BB962C8B-B14F-4D97-AF65-F5344CB8AC3E}">
         <p14:creationId xmlns:p14="http://schemas.microsoft.com/office/powerpoint/2010/main" val="2814066124"/>
+      </p:ext>
+    </p:extLst>
+  </p:cSld>
+  <p:clrMapOvr>
+    <a:masterClrMapping/>
+  </p:clrMapOvr>
+</p:sld>
+</file>
+
+<file path=ppt/slides/slide24.xml><?xml version="1.0" encoding="utf-8"?>
+<p:sld xmlns:a="http://schemas.openxmlformats.org/drawingml/2006/main" xmlns:r="http://schemas.openxmlformats.org/officeDocument/2006/relationships" xmlns:p="http://schemas.openxmlformats.org/presentationml/2006/main">
+  <p:cSld>
+    <p:spTree>
+      <p:nvGrpSpPr>
+        <p:cNvPr id="1" name=""/>
+        <p:cNvGrpSpPr/>
+        <p:nvPr/>
+      </p:nvGrpSpPr>
+      <p:grpSpPr>
+        <a:xfrm>
+          <a:off x="0" y="0"/>
+          <a:ext cx="0" cy="0"/>
+          <a:chOff x="0" y="0"/>
+          <a:chExt cx="0" cy="0"/>
+        </a:xfrm>
+      </p:grpSpPr>
+      <p:sp>
+        <p:nvSpPr>
+          <p:cNvPr id="2" name="제목 1">
+            <a:extLst>
+              <a:ext uri="{FF2B5EF4-FFF2-40B4-BE49-F238E27FC236}">
+                <a16:creationId xmlns:a16="http://schemas.microsoft.com/office/drawing/2014/main" id="{D8277C97-48DF-7F22-C21A-0883DEBFD964}"/>
+              </a:ext>
+            </a:extLst>
+          </p:cNvPr>
+          <p:cNvSpPr>
+            <a:spLocks noGrp="1"/>
+          </p:cNvSpPr>
+          <p:nvPr>
+            <p:ph type="title"/>
+          </p:nvPr>
+        </p:nvSpPr>
+        <p:spPr/>
+        <p:txBody>
+          <a:bodyPr/>
+          <a:lstStyle/>
+          <a:p>
+            <a:r>
+              <a:rPr lang="ko-KR" altLang="en-US" dirty="0"/>
+              <a:t>개발일정</a:t>
+            </a:r>
+          </a:p>
+        </p:txBody>
+      </p:sp>
+      <p:sp>
+        <p:nvSpPr>
+          <p:cNvPr id="4" name="슬라이드 번호 개체 틀 3">
+            <a:extLst>
+              <a:ext uri="{FF2B5EF4-FFF2-40B4-BE49-F238E27FC236}">
+                <a16:creationId xmlns:a16="http://schemas.microsoft.com/office/drawing/2014/main" id="{66602499-85B0-38C0-5BD3-B0F1D2B14B8F}"/>
+              </a:ext>
+            </a:extLst>
+          </p:cNvPr>
+          <p:cNvSpPr>
+            <a:spLocks noGrp="1"/>
+          </p:cNvSpPr>
+          <p:nvPr>
+            <p:ph type="sldNum" sz="quarter" idx="12"/>
+          </p:nvPr>
+        </p:nvSpPr>
+        <p:spPr>
+          <a:xfrm>
+            <a:off x="8610600" y="6356350"/>
+            <a:ext cx="2743200" cy="365125"/>
+          </a:xfrm>
+        </p:spPr>
+        <p:txBody>
+          <a:bodyPr/>
+          <a:lstStyle/>
+          <a:p>
+            <a:fld id="{2F7F2206-C3AA-4D7A-AC99-58940E523BC8}" type="slidenum">
+              <a:rPr lang="ko-KR" altLang="en-US" smtClean="0"/>
+              <a:t>24</a:t>
+            </a:fld>
+            <a:endParaRPr lang="ko-KR" altLang="en-US"/>
+          </a:p>
+        </p:txBody>
+      </p:sp>
+      <p:graphicFrame>
+        <p:nvGraphicFramePr>
+          <p:cNvPr id="3" name="표 2">
+            <a:extLst>
+              <a:ext uri="{FF2B5EF4-FFF2-40B4-BE49-F238E27FC236}">
+                <a16:creationId xmlns:a16="http://schemas.microsoft.com/office/drawing/2014/main" id="{6E8D435B-851F-8E45-D136-F8F03A7D8184}"/>
+              </a:ext>
+            </a:extLst>
+          </p:cNvPr>
+          <p:cNvGraphicFramePr>
+            <a:graphicFrameLocks noGrp="1"/>
+          </p:cNvGraphicFramePr>
+          <p:nvPr>
+            <p:extLst>
+              <p:ext uri="{D42A27DB-BD31-4B8C-83A1-F6EECF244321}">
+                <p14:modId xmlns:p14="http://schemas.microsoft.com/office/powerpoint/2010/main" val="1921261898"/>
+              </p:ext>
+            </p:extLst>
+          </p:nvPr>
+        </p:nvGraphicFramePr>
+        <p:xfrm>
+          <a:off x="3581401" y="365125"/>
+          <a:ext cx="7273704" cy="6127748"/>
+        </p:xfrm>
+        <a:graphic>
+          <a:graphicData uri="http://schemas.openxmlformats.org/drawingml/2006/table">
+            <a:tbl>
+              <a:tblPr>
+                <a:tableStyleId>{5C22544A-7EE6-4342-B048-85BDC9FD1C3A}</a:tableStyleId>
+              </a:tblPr>
+              <a:tblGrid>
+                <a:gridCol w="1066477">
+                  <a:extLst>
+                    <a:ext uri="{9D8B030D-6E8A-4147-A177-3AD203B41FA5}">
+                      <a16:colId xmlns:a16="http://schemas.microsoft.com/office/drawing/2014/main" val="3433164086"/>
+                    </a:ext>
+                  </a:extLst>
+                </a:gridCol>
+                <a:gridCol w="1724693">
+                  <a:extLst>
+                    <a:ext uri="{9D8B030D-6E8A-4147-A177-3AD203B41FA5}">
+                      <a16:colId xmlns:a16="http://schemas.microsoft.com/office/drawing/2014/main" val="3386655771"/>
+                    </a:ext>
+                  </a:extLst>
+                </a:gridCol>
+                <a:gridCol w="174969">
+                  <a:extLst>
+                    <a:ext uri="{9D8B030D-6E8A-4147-A177-3AD203B41FA5}">
+                      <a16:colId xmlns:a16="http://schemas.microsoft.com/office/drawing/2014/main" val="1895731043"/>
+                    </a:ext>
+                  </a:extLst>
+                </a:gridCol>
+                <a:gridCol w="1091471">
+                  <a:extLst>
+                    <a:ext uri="{9D8B030D-6E8A-4147-A177-3AD203B41FA5}">
+                      <a16:colId xmlns:a16="http://schemas.microsoft.com/office/drawing/2014/main" val="1821490004"/>
+                    </a:ext>
+                  </a:extLst>
+                </a:gridCol>
+                <a:gridCol w="1074809">
+                  <a:extLst>
+                    <a:ext uri="{9D8B030D-6E8A-4147-A177-3AD203B41FA5}">
+                      <a16:colId xmlns:a16="http://schemas.microsoft.com/office/drawing/2014/main" val="3261134365"/>
+                    </a:ext>
+                  </a:extLst>
+                </a:gridCol>
+                <a:gridCol w="1874665">
+                  <a:extLst>
+                    <a:ext uri="{9D8B030D-6E8A-4147-A177-3AD203B41FA5}">
+                      <a16:colId xmlns:a16="http://schemas.microsoft.com/office/drawing/2014/main" val="2187366134"/>
+                    </a:ext>
+                  </a:extLst>
+                </a:gridCol>
+                <a:gridCol w="266620">
+                  <a:extLst>
+                    <a:ext uri="{9D8B030D-6E8A-4147-A177-3AD203B41FA5}">
+                      <a16:colId xmlns:a16="http://schemas.microsoft.com/office/drawing/2014/main" val="1400143698"/>
+                    </a:ext>
+                  </a:extLst>
+                </a:gridCol>
+              </a:tblGrid>
+              <a:tr h="159657">
+                <a:tc>
+                  <a:txBody>
+                    <a:bodyPr/>
+                    <a:lstStyle/>
+                    <a:p>
+                      <a:pPr algn="l" fontAlgn="b"/>
+                      <a:r>
+                        <a:rPr lang="ko-KR" altLang="en-US" sz="1000" u="none" strike="noStrike">
+                          <a:effectLst/>
+                        </a:rPr>
+                        <a:t>류연우</a:t>
+                      </a:r>
+                      <a:endParaRPr lang="ko-KR" altLang="en-US" sz="1000" b="0" i="0" u="none" strike="noStrike">
+                        <a:solidFill>
+                          <a:srgbClr val="000000"/>
+                        </a:solidFill>
+                        <a:effectLst/>
+                        <a:latin typeface="맑은 고딕" panose="020B0503020000020004" pitchFamily="50" charset="-127"/>
+                        <a:ea typeface="맑은 고딕" panose="020B0503020000020004" pitchFamily="50" charset="-127"/>
+                      </a:endParaRPr>
+                    </a:p>
+                  </a:txBody>
+                  <a:tcPr marL="4808" marR="4808" marT="4808" marB="0" anchor="b"/>
+                </a:tc>
+                <a:tc>
+                  <a:txBody>
+                    <a:bodyPr/>
+                    <a:lstStyle/>
+                    <a:p>
+                      <a:pPr algn="l" fontAlgn="b"/>
+                      <a:r>
+                        <a:rPr lang="ko-KR" altLang="en-US" sz="1000" u="none" strike="noStrike" dirty="0">
+                          <a:effectLst/>
+                        </a:rPr>
+                        <a:t>　</a:t>
+                      </a:r>
+                      <a:endParaRPr lang="ko-KR" altLang="en-US" sz="1000" b="0" i="0" u="none" strike="noStrike" dirty="0">
+                        <a:solidFill>
+                          <a:srgbClr val="000000"/>
+                        </a:solidFill>
+                        <a:effectLst/>
+                        <a:latin typeface="맑은 고딕" panose="020B0503020000020004" pitchFamily="50" charset="-127"/>
+                        <a:ea typeface="맑은 고딕" panose="020B0503020000020004" pitchFamily="50" charset="-127"/>
+                      </a:endParaRPr>
+                    </a:p>
+                  </a:txBody>
+                  <a:tcPr marL="4808" marR="4808" marT="4808" marB="0" anchor="b"/>
+                </a:tc>
+                <a:tc>
+                  <a:txBody>
+                    <a:bodyPr/>
+                    <a:lstStyle/>
+                    <a:p>
+                      <a:pPr algn="l" fontAlgn="b"/>
+                      <a:r>
+                        <a:rPr lang="ko-KR" altLang="en-US" sz="1000" u="none" strike="noStrike">
+                          <a:effectLst/>
+                        </a:rPr>
+                        <a:t>　</a:t>
+                      </a:r>
+                      <a:endParaRPr lang="ko-KR" altLang="en-US" sz="1000" b="0" i="0" u="none" strike="noStrike">
+                        <a:solidFill>
+                          <a:srgbClr val="000000"/>
+                        </a:solidFill>
+                        <a:effectLst/>
+                        <a:latin typeface="맑은 고딕" panose="020B0503020000020004" pitchFamily="50" charset="-127"/>
+                        <a:ea typeface="맑은 고딕" panose="020B0503020000020004" pitchFamily="50" charset="-127"/>
+                      </a:endParaRPr>
+                    </a:p>
+                  </a:txBody>
+                  <a:tcPr marL="4808" marR="4808" marT="4808" marB="0" anchor="b"/>
+                </a:tc>
+                <a:tc>
+                  <a:txBody>
+                    <a:bodyPr/>
+                    <a:lstStyle/>
+                    <a:p>
+                      <a:pPr algn="l" fontAlgn="b"/>
+                      <a:r>
+                        <a:rPr lang="ko-KR" altLang="en-US" sz="1000" u="none" strike="noStrike">
+                          <a:effectLst/>
+                        </a:rPr>
+                        <a:t>　</a:t>
+                      </a:r>
+                      <a:endParaRPr lang="ko-KR" altLang="en-US" sz="1000" b="0" i="0" u="none" strike="noStrike">
+                        <a:solidFill>
+                          <a:srgbClr val="000000"/>
+                        </a:solidFill>
+                        <a:effectLst/>
+                        <a:latin typeface="맑은 고딕" panose="020B0503020000020004" pitchFamily="50" charset="-127"/>
+                        <a:ea typeface="맑은 고딕" panose="020B0503020000020004" pitchFamily="50" charset="-127"/>
+                      </a:endParaRPr>
+                    </a:p>
+                  </a:txBody>
+                  <a:tcPr marL="4808" marR="4808" marT="4808" marB="0" anchor="b"/>
+                </a:tc>
+                <a:tc>
+                  <a:txBody>
+                    <a:bodyPr/>
+                    <a:lstStyle/>
+                    <a:p>
+                      <a:pPr algn="l" fontAlgn="b"/>
+                      <a:r>
+                        <a:rPr lang="ko-KR" altLang="en-US" sz="1000" u="none" strike="noStrike">
+                          <a:effectLst/>
+                        </a:rPr>
+                        <a:t>　</a:t>
+                      </a:r>
+                      <a:endParaRPr lang="ko-KR" altLang="en-US" sz="1000" b="0" i="0" u="none" strike="noStrike">
+                        <a:solidFill>
+                          <a:srgbClr val="000000"/>
+                        </a:solidFill>
+                        <a:effectLst/>
+                        <a:latin typeface="맑은 고딕" panose="020B0503020000020004" pitchFamily="50" charset="-127"/>
+                        <a:ea typeface="맑은 고딕" panose="020B0503020000020004" pitchFamily="50" charset="-127"/>
+                      </a:endParaRPr>
+                    </a:p>
+                  </a:txBody>
+                  <a:tcPr marL="4808" marR="4808" marT="4808" marB="0" anchor="b"/>
+                </a:tc>
+                <a:tc>
+                  <a:txBody>
+                    <a:bodyPr/>
+                    <a:lstStyle/>
+                    <a:p>
+                      <a:pPr algn="l" fontAlgn="b"/>
+                      <a:r>
+                        <a:rPr lang="ko-KR" altLang="en-US" sz="1000" u="none" strike="noStrike">
+                          <a:effectLst/>
+                        </a:rPr>
+                        <a:t>　</a:t>
+                      </a:r>
+                      <a:endParaRPr lang="ko-KR" altLang="en-US" sz="1000" b="0" i="0" u="none" strike="noStrike">
+                        <a:solidFill>
+                          <a:srgbClr val="000000"/>
+                        </a:solidFill>
+                        <a:effectLst/>
+                        <a:latin typeface="맑은 고딕" panose="020B0503020000020004" pitchFamily="50" charset="-127"/>
+                        <a:ea typeface="맑은 고딕" panose="020B0503020000020004" pitchFamily="50" charset="-127"/>
+                      </a:endParaRPr>
+                    </a:p>
+                  </a:txBody>
+                  <a:tcPr marL="4808" marR="4808" marT="4808" marB="0" anchor="b"/>
+                </a:tc>
+                <a:tc>
+                  <a:txBody>
+                    <a:bodyPr/>
+                    <a:lstStyle/>
+                    <a:p>
+                      <a:pPr algn="l" fontAlgn="b"/>
+                      <a:r>
+                        <a:rPr lang="ko-KR" altLang="en-US" sz="1000" u="none" strike="noStrike">
+                          <a:effectLst/>
+                        </a:rPr>
+                        <a:t>　</a:t>
+                      </a:r>
+                      <a:endParaRPr lang="ko-KR" altLang="en-US" sz="1000" b="0" i="0" u="none" strike="noStrike">
+                        <a:solidFill>
+                          <a:srgbClr val="000000"/>
+                        </a:solidFill>
+                        <a:effectLst/>
+                        <a:latin typeface="맑은 고딕" panose="020B0503020000020004" pitchFamily="50" charset="-127"/>
+                        <a:ea typeface="맑은 고딕" panose="020B0503020000020004" pitchFamily="50" charset="-127"/>
+                      </a:endParaRPr>
+                    </a:p>
+                  </a:txBody>
+                  <a:tcPr marL="4808" marR="4808" marT="4808" marB="0" anchor="b"/>
+                </a:tc>
+                <a:extLst>
+                  <a:ext uri="{0D108BD9-81ED-4DB2-BD59-A6C34878D82A}">
+                    <a16:rowId xmlns:a16="http://schemas.microsoft.com/office/drawing/2014/main" val="3533756209"/>
+                  </a:ext>
+                </a:extLst>
+              </a:tr>
+              <a:tr h="159657">
+                <a:tc>
+                  <a:txBody>
+                    <a:bodyPr/>
+                    <a:lstStyle/>
+                    <a:p>
+                      <a:pPr algn="l" fontAlgn="b"/>
+                      <a:r>
+                        <a:rPr lang="ko-KR" altLang="en-US" sz="1000" u="none" strike="noStrike">
+                          <a:effectLst/>
+                        </a:rPr>
+                        <a:t>일</a:t>
+                      </a:r>
+                      <a:endParaRPr lang="ko-KR" altLang="en-US" sz="1000" b="1" i="0" u="none" strike="noStrike">
+                        <a:solidFill>
+                          <a:srgbClr val="000000"/>
+                        </a:solidFill>
+                        <a:effectLst/>
+                        <a:latin typeface="맑은 고딕" panose="020B0503020000020004" pitchFamily="50" charset="-127"/>
+                        <a:ea typeface="맑은 고딕" panose="020B0503020000020004" pitchFamily="50" charset="-127"/>
+                      </a:endParaRPr>
+                    </a:p>
+                  </a:txBody>
+                  <a:tcPr marL="4808" marR="4808" marT="4808" marB="0" anchor="b"/>
+                </a:tc>
+                <a:tc>
+                  <a:txBody>
+                    <a:bodyPr/>
+                    <a:lstStyle/>
+                    <a:p>
+                      <a:pPr algn="l" fontAlgn="b"/>
+                      <a:r>
+                        <a:rPr lang="ko-KR" altLang="en-US" sz="1000" u="none" strike="noStrike">
+                          <a:effectLst/>
+                        </a:rPr>
+                        <a:t>월</a:t>
+                      </a:r>
+                      <a:endParaRPr lang="ko-KR" altLang="en-US" sz="1000" b="1" i="0" u="none" strike="noStrike">
+                        <a:solidFill>
+                          <a:srgbClr val="000000"/>
+                        </a:solidFill>
+                        <a:effectLst/>
+                        <a:latin typeface="맑은 고딕" panose="020B0503020000020004" pitchFamily="50" charset="-127"/>
+                        <a:ea typeface="맑은 고딕" panose="020B0503020000020004" pitchFamily="50" charset="-127"/>
+                      </a:endParaRPr>
+                    </a:p>
+                  </a:txBody>
+                  <a:tcPr marL="4808" marR="4808" marT="4808" marB="0" anchor="b"/>
+                </a:tc>
+                <a:tc>
+                  <a:txBody>
+                    <a:bodyPr/>
+                    <a:lstStyle/>
+                    <a:p>
+                      <a:pPr algn="l" fontAlgn="b"/>
+                      <a:r>
+                        <a:rPr lang="ko-KR" altLang="en-US" sz="1000" u="none" strike="noStrike">
+                          <a:effectLst/>
+                        </a:rPr>
+                        <a:t>화</a:t>
+                      </a:r>
+                      <a:endParaRPr lang="ko-KR" altLang="en-US" sz="1000" b="1" i="0" u="none" strike="noStrike">
+                        <a:solidFill>
+                          <a:srgbClr val="000000"/>
+                        </a:solidFill>
+                        <a:effectLst/>
+                        <a:latin typeface="맑은 고딕" panose="020B0503020000020004" pitchFamily="50" charset="-127"/>
+                        <a:ea typeface="맑은 고딕" panose="020B0503020000020004" pitchFamily="50" charset="-127"/>
+                      </a:endParaRPr>
+                    </a:p>
+                  </a:txBody>
+                  <a:tcPr marL="4808" marR="4808" marT="4808" marB="0" anchor="b"/>
+                </a:tc>
+                <a:tc>
+                  <a:txBody>
+                    <a:bodyPr/>
+                    <a:lstStyle/>
+                    <a:p>
+                      <a:pPr algn="l" fontAlgn="b"/>
+                      <a:r>
+                        <a:rPr lang="ko-KR" altLang="en-US" sz="1000" u="none" strike="noStrike">
+                          <a:effectLst/>
+                        </a:rPr>
+                        <a:t>수</a:t>
+                      </a:r>
+                      <a:endParaRPr lang="ko-KR" altLang="en-US" sz="1000" b="1" i="0" u="none" strike="noStrike">
+                        <a:solidFill>
+                          <a:srgbClr val="000000"/>
+                        </a:solidFill>
+                        <a:effectLst/>
+                        <a:latin typeface="맑은 고딕" panose="020B0503020000020004" pitchFamily="50" charset="-127"/>
+                        <a:ea typeface="맑은 고딕" panose="020B0503020000020004" pitchFamily="50" charset="-127"/>
+                      </a:endParaRPr>
+                    </a:p>
+                  </a:txBody>
+                  <a:tcPr marL="4808" marR="4808" marT="4808" marB="0" anchor="b"/>
+                </a:tc>
+                <a:tc>
+                  <a:txBody>
+                    <a:bodyPr/>
+                    <a:lstStyle/>
+                    <a:p>
+                      <a:pPr algn="l" fontAlgn="b"/>
+                      <a:r>
+                        <a:rPr lang="ko-KR" altLang="en-US" sz="1000" u="none" strike="noStrike">
+                          <a:effectLst/>
+                        </a:rPr>
+                        <a:t>목</a:t>
+                      </a:r>
+                      <a:endParaRPr lang="ko-KR" altLang="en-US" sz="1000" b="1" i="0" u="none" strike="noStrike">
+                        <a:solidFill>
+                          <a:srgbClr val="000000"/>
+                        </a:solidFill>
+                        <a:effectLst/>
+                        <a:latin typeface="맑은 고딕" panose="020B0503020000020004" pitchFamily="50" charset="-127"/>
+                        <a:ea typeface="맑은 고딕" panose="020B0503020000020004" pitchFamily="50" charset="-127"/>
+                      </a:endParaRPr>
+                    </a:p>
+                  </a:txBody>
+                  <a:tcPr marL="4808" marR="4808" marT="4808" marB="0" anchor="b"/>
+                </a:tc>
+                <a:tc>
+                  <a:txBody>
+                    <a:bodyPr/>
+                    <a:lstStyle/>
+                    <a:p>
+                      <a:pPr algn="l" fontAlgn="b"/>
+                      <a:r>
+                        <a:rPr lang="ko-KR" altLang="en-US" sz="1000" u="none" strike="noStrike">
+                          <a:effectLst/>
+                        </a:rPr>
+                        <a:t>금</a:t>
+                      </a:r>
+                      <a:endParaRPr lang="ko-KR" altLang="en-US" sz="1000" b="1" i="0" u="none" strike="noStrike">
+                        <a:solidFill>
+                          <a:srgbClr val="000000"/>
+                        </a:solidFill>
+                        <a:effectLst/>
+                        <a:latin typeface="맑은 고딕" panose="020B0503020000020004" pitchFamily="50" charset="-127"/>
+                        <a:ea typeface="맑은 고딕" panose="020B0503020000020004" pitchFamily="50" charset="-127"/>
+                      </a:endParaRPr>
+                    </a:p>
+                  </a:txBody>
+                  <a:tcPr marL="4808" marR="4808" marT="4808" marB="0" anchor="b"/>
+                </a:tc>
+                <a:tc>
+                  <a:txBody>
+                    <a:bodyPr/>
+                    <a:lstStyle/>
+                    <a:p>
+                      <a:pPr algn="l" fontAlgn="b"/>
+                      <a:r>
+                        <a:rPr lang="ko-KR" altLang="en-US" sz="1000" u="none" strike="noStrike">
+                          <a:effectLst/>
+                        </a:rPr>
+                        <a:t>토</a:t>
+                      </a:r>
+                      <a:endParaRPr lang="ko-KR" altLang="en-US" sz="1000" b="1" i="0" u="none" strike="noStrike">
+                        <a:solidFill>
+                          <a:srgbClr val="000000"/>
+                        </a:solidFill>
+                        <a:effectLst/>
+                        <a:latin typeface="맑은 고딕" panose="020B0503020000020004" pitchFamily="50" charset="-127"/>
+                        <a:ea typeface="맑은 고딕" panose="020B0503020000020004" pitchFamily="50" charset="-127"/>
+                      </a:endParaRPr>
+                    </a:p>
+                  </a:txBody>
+                  <a:tcPr marL="4808" marR="4808" marT="4808" marB="0" anchor="b"/>
+                </a:tc>
+                <a:extLst>
+                  <a:ext uri="{0D108BD9-81ED-4DB2-BD59-A6C34878D82A}">
+                    <a16:rowId xmlns:a16="http://schemas.microsoft.com/office/drawing/2014/main" val="1427926760"/>
+                  </a:ext>
+                </a:extLst>
+              </a:tr>
+              <a:tr h="159657">
+                <a:tc>
+                  <a:txBody>
+                    <a:bodyPr/>
+                    <a:lstStyle/>
+                    <a:p>
+                      <a:pPr algn="l" fontAlgn="b"/>
+                      <a:r>
+                        <a:rPr lang="ko-KR" altLang="en-US" sz="1000" u="none" strike="noStrike">
+                          <a:effectLst/>
+                        </a:rPr>
+                        <a:t>　</a:t>
+                      </a:r>
+                      <a:endParaRPr lang="ko-KR" altLang="en-US" sz="1000" b="0" i="0" u="none" strike="noStrike">
+                        <a:solidFill>
+                          <a:srgbClr val="000000"/>
+                        </a:solidFill>
+                        <a:effectLst/>
+                        <a:latin typeface="맑은 고딕" panose="020B0503020000020004" pitchFamily="50" charset="-127"/>
+                        <a:ea typeface="맑은 고딕" panose="020B0503020000020004" pitchFamily="50" charset="-127"/>
+                      </a:endParaRPr>
+                    </a:p>
+                  </a:txBody>
+                  <a:tcPr marL="4808" marR="4808" marT="4808" marB="0" anchor="b"/>
+                </a:tc>
+                <a:tc>
+                  <a:txBody>
+                    <a:bodyPr/>
+                    <a:lstStyle/>
+                    <a:p>
+                      <a:pPr algn="l" fontAlgn="b"/>
+                      <a:r>
+                        <a:rPr lang="ko-KR" altLang="en-US" sz="1000" u="none" strike="noStrike">
+                          <a:effectLst/>
+                        </a:rPr>
+                        <a:t>　</a:t>
+                      </a:r>
+                      <a:endParaRPr lang="ko-KR" altLang="en-US" sz="1000" b="0" i="0" u="none" strike="noStrike">
+                        <a:solidFill>
+                          <a:srgbClr val="000000"/>
+                        </a:solidFill>
+                        <a:effectLst/>
+                        <a:latin typeface="맑은 고딕" panose="020B0503020000020004" pitchFamily="50" charset="-127"/>
+                        <a:ea typeface="맑은 고딕" panose="020B0503020000020004" pitchFamily="50" charset="-127"/>
+                      </a:endParaRPr>
+                    </a:p>
+                  </a:txBody>
+                  <a:tcPr marL="4808" marR="4808" marT="4808" marB="0" anchor="b"/>
+                </a:tc>
+                <a:tc>
+                  <a:txBody>
+                    <a:bodyPr/>
+                    <a:lstStyle/>
+                    <a:p>
+                      <a:pPr algn="r" fontAlgn="b"/>
+                      <a:r>
+                        <a:rPr lang="en-US" altLang="ko-KR" sz="1000" u="none" strike="noStrike">
+                          <a:effectLst/>
+                        </a:rPr>
+                        <a:t>1</a:t>
+                      </a:r>
+                      <a:endParaRPr lang="en-US" altLang="ko-KR" sz="1000" b="1" i="0" u="none" strike="noStrike">
+                        <a:solidFill>
+                          <a:srgbClr val="000000"/>
+                        </a:solidFill>
+                        <a:effectLst/>
+                        <a:latin typeface="맑은 고딕" panose="020B0503020000020004" pitchFamily="50" charset="-127"/>
+                        <a:ea typeface="맑은 고딕" panose="020B0503020000020004" pitchFamily="50" charset="-127"/>
+                      </a:endParaRPr>
+                    </a:p>
+                  </a:txBody>
+                  <a:tcPr marL="4808" marR="4808" marT="4808" marB="0" anchor="b"/>
+                </a:tc>
+                <a:tc>
+                  <a:txBody>
+                    <a:bodyPr/>
+                    <a:lstStyle/>
+                    <a:p>
+                      <a:pPr algn="r" fontAlgn="b"/>
+                      <a:r>
+                        <a:rPr lang="en-US" altLang="ko-KR" sz="1000" u="none" strike="noStrike">
+                          <a:effectLst/>
+                        </a:rPr>
+                        <a:t>2</a:t>
+                      </a:r>
+                      <a:endParaRPr lang="en-US" altLang="ko-KR" sz="1000" b="1" i="0" u="none" strike="noStrike">
+                        <a:solidFill>
+                          <a:srgbClr val="000000"/>
+                        </a:solidFill>
+                        <a:effectLst/>
+                        <a:latin typeface="맑은 고딕" panose="020B0503020000020004" pitchFamily="50" charset="-127"/>
+                        <a:ea typeface="맑은 고딕" panose="020B0503020000020004" pitchFamily="50" charset="-127"/>
+                      </a:endParaRPr>
+                    </a:p>
+                  </a:txBody>
+                  <a:tcPr marL="4808" marR="4808" marT="4808" marB="0" anchor="b"/>
+                </a:tc>
+                <a:tc>
+                  <a:txBody>
+                    <a:bodyPr/>
+                    <a:lstStyle/>
+                    <a:p>
+                      <a:pPr algn="r" fontAlgn="b"/>
+                      <a:r>
+                        <a:rPr lang="en-US" altLang="ko-KR" sz="1000" u="none" strike="noStrike">
+                          <a:effectLst/>
+                        </a:rPr>
+                        <a:t>3</a:t>
+                      </a:r>
+                      <a:endParaRPr lang="en-US" altLang="ko-KR" sz="1000" b="1" i="0" u="none" strike="noStrike">
+                        <a:solidFill>
+                          <a:srgbClr val="000000"/>
+                        </a:solidFill>
+                        <a:effectLst/>
+                        <a:latin typeface="맑은 고딕" panose="020B0503020000020004" pitchFamily="50" charset="-127"/>
+                        <a:ea typeface="맑은 고딕" panose="020B0503020000020004" pitchFamily="50" charset="-127"/>
+                      </a:endParaRPr>
+                    </a:p>
+                  </a:txBody>
+                  <a:tcPr marL="4808" marR="4808" marT="4808" marB="0" anchor="b"/>
+                </a:tc>
+                <a:tc>
+                  <a:txBody>
+                    <a:bodyPr/>
+                    <a:lstStyle/>
+                    <a:p>
+                      <a:pPr algn="r" fontAlgn="b"/>
+                      <a:r>
+                        <a:rPr lang="en-US" altLang="ko-KR" sz="1000" u="none" strike="noStrike">
+                          <a:effectLst/>
+                        </a:rPr>
+                        <a:t>4</a:t>
+                      </a:r>
+                      <a:endParaRPr lang="en-US" altLang="ko-KR" sz="1000" b="1" i="0" u="none" strike="noStrike">
+                        <a:solidFill>
+                          <a:srgbClr val="000000"/>
+                        </a:solidFill>
+                        <a:effectLst/>
+                        <a:latin typeface="맑은 고딕" panose="020B0503020000020004" pitchFamily="50" charset="-127"/>
+                        <a:ea typeface="맑은 고딕" panose="020B0503020000020004" pitchFamily="50" charset="-127"/>
+                      </a:endParaRPr>
+                    </a:p>
+                  </a:txBody>
+                  <a:tcPr marL="4808" marR="4808" marT="4808" marB="0" anchor="b"/>
+                </a:tc>
+                <a:tc>
+                  <a:txBody>
+                    <a:bodyPr/>
+                    <a:lstStyle/>
+                    <a:p>
+                      <a:pPr algn="r" fontAlgn="b"/>
+                      <a:r>
+                        <a:rPr lang="en-US" altLang="ko-KR" sz="1000" u="none" strike="noStrike">
+                          <a:effectLst/>
+                        </a:rPr>
+                        <a:t>5</a:t>
+                      </a:r>
+                      <a:endParaRPr lang="en-US" altLang="ko-KR" sz="1000" b="1" i="0" u="none" strike="noStrike">
+                        <a:solidFill>
+                          <a:srgbClr val="000000"/>
+                        </a:solidFill>
+                        <a:effectLst/>
+                        <a:latin typeface="맑은 고딕" panose="020B0503020000020004" pitchFamily="50" charset="-127"/>
+                        <a:ea typeface="맑은 고딕" panose="020B0503020000020004" pitchFamily="50" charset="-127"/>
+                      </a:endParaRPr>
+                    </a:p>
+                  </a:txBody>
+                  <a:tcPr marL="4808" marR="4808" marT="4808" marB="0" anchor="b"/>
+                </a:tc>
+                <a:extLst>
+                  <a:ext uri="{0D108BD9-81ED-4DB2-BD59-A6C34878D82A}">
+                    <a16:rowId xmlns:a16="http://schemas.microsoft.com/office/drawing/2014/main" val="3607365003"/>
+                  </a:ext>
+                </a:extLst>
+              </a:tr>
+              <a:tr h="702791">
+                <a:tc>
+                  <a:txBody>
+                    <a:bodyPr/>
+                    <a:lstStyle/>
+                    <a:p>
+                      <a:pPr algn="l" fontAlgn="b"/>
+                      <a:r>
+                        <a:rPr lang="ko-KR" altLang="en-US" sz="1000" u="none" strike="noStrike">
+                          <a:effectLst/>
+                        </a:rPr>
+                        <a:t>　</a:t>
+                      </a:r>
+                      <a:endParaRPr lang="ko-KR" altLang="en-US" sz="1000" b="0" i="0" u="none" strike="noStrike">
+                        <a:solidFill>
+                          <a:srgbClr val="000000"/>
+                        </a:solidFill>
+                        <a:effectLst/>
+                        <a:latin typeface="맑은 고딕" panose="020B0503020000020004" pitchFamily="50" charset="-127"/>
+                        <a:ea typeface="맑은 고딕" panose="020B0503020000020004" pitchFamily="50" charset="-127"/>
+                      </a:endParaRPr>
+                    </a:p>
+                  </a:txBody>
+                  <a:tcPr marL="4808" marR="4808" marT="4808" marB="0" anchor="b"/>
+                </a:tc>
+                <a:tc>
+                  <a:txBody>
+                    <a:bodyPr/>
+                    <a:lstStyle/>
+                    <a:p>
+                      <a:pPr algn="l" fontAlgn="b"/>
+                      <a:r>
+                        <a:rPr lang="ko-KR" altLang="en-US" sz="1000" u="none" strike="noStrike" dirty="0">
+                          <a:effectLst/>
+                        </a:rPr>
+                        <a:t>　</a:t>
+                      </a:r>
+                      <a:endParaRPr lang="ko-KR" altLang="en-US" sz="1000" b="0" i="0" u="none" strike="noStrike" dirty="0">
+                        <a:solidFill>
+                          <a:srgbClr val="000000"/>
+                        </a:solidFill>
+                        <a:effectLst/>
+                        <a:latin typeface="맑은 고딕" panose="020B0503020000020004" pitchFamily="50" charset="-127"/>
+                        <a:ea typeface="맑은 고딕" panose="020B0503020000020004" pitchFamily="50" charset="-127"/>
+                      </a:endParaRPr>
+                    </a:p>
+                  </a:txBody>
+                  <a:tcPr marL="4808" marR="4808" marT="4808" marB="0" anchor="b"/>
+                </a:tc>
+                <a:tc>
+                  <a:txBody>
+                    <a:bodyPr/>
+                    <a:lstStyle/>
+                    <a:p>
+                      <a:pPr algn="l" fontAlgn="b"/>
+                      <a:r>
+                        <a:rPr lang="ko-KR" altLang="en-US" sz="1000" u="none" strike="noStrike">
+                          <a:effectLst/>
+                        </a:rPr>
+                        <a:t>　</a:t>
+                      </a:r>
+                      <a:endParaRPr lang="ko-KR" altLang="en-US" sz="1000" b="0" i="0" u="none" strike="noStrike">
+                        <a:solidFill>
+                          <a:srgbClr val="000000"/>
+                        </a:solidFill>
+                        <a:effectLst/>
+                        <a:latin typeface="맑은 고딕" panose="020B0503020000020004" pitchFamily="50" charset="-127"/>
+                        <a:ea typeface="맑은 고딕" panose="020B0503020000020004" pitchFamily="50" charset="-127"/>
+                      </a:endParaRPr>
+                    </a:p>
+                  </a:txBody>
+                  <a:tcPr marL="4808" marR="4808" marT="4808" marB="0" anchor="b"/>
+                </a:tc>
+                <a:tc>
+                  <a:txBody>
+                    <a:bodyPr/>
+                    <a:lstStyle/>
+                    <a:p>
+                      <a:pPr algn="l" fontAlgn="b"/>
+                      <a:r>
+                        <a:rPr lang="ko-KR" altLang="en-US" sz="1000" u="none" strike="noStrike">
+                          <a:effectLst/>
+                        </a:rPr>
+                        <a:t>　</a:t>
+                      </a:r>
+                      <a:endParaRPr lang="ko-KR" altLang="en-US" sz="1000" b="0" i="0" u="none" strike="noStrike">
+                        <a:solidFill>
+                          <a:srgbClr val="000000"/>
+                        </a:solidFill>
+                        <a:effectLst/>
+                        <a:latin typeface="맑은 고딕" panose="020B0503020000020004" pitchFamily="50" charset="-127"/>
+                        <a:ea typeface="맑은 고딕" panose="020B0503020000020004" pitchFamily="50" charset="-127"/>
+                      </a:endParaRPr>
+                    </a:p>
+                  </a:txBody>
+                  <a:tcPr marL="4808" marR="4808" marT="4808" marB="0" anchor="b"/>
+                </a:tc>
+                <a:tc>
+                  <a:txBody>
+                    <a:bodyPr/>
+                    <a:lstStyle/>
+                    <a:p>
+                      <a:pPr algn="l" fontAlgn="b"/>
+                      <a:r>
+                        <a:rPr lang="ko-KR" altLang="en-US" sz="1000" u="none" strike="noStrike">
+                          <a:effectLst/>
+                        </a:rPr>
+                        <a:t>　</a:t>
+                      </a:r>
+                      <a:endParaRPr lang="ko-KR" altLang="en-US" sz="1000" b="0" i="0" u="none" strike="noStrike">
+                        <a:solidFill>
+                          <a:srgbClr val="000000"/>
+                        </a:solidFill>
+                        <a:effectLst/>
+                        <a:latin typeface="맑은 고딕" panose="020B0503020000020004" pitchFamily="50" charset="-127"/>
+                        <a:ea typeface="맑은 고딕" panose="020B0503020000020004" pitchFamily="50" charset="-127"/>
+                      </a:endParaRPr>
+                    </a:p>
+                  </a:txBody>
+                  <a:tcPr marL="4808" marR="4808" marT="4808" marB="0" anchor="b"/>
+                </a:tc>
+                <a:tc>
+                  <a:txBody>
+                    <a:bodyPr/>
+                    <a:lstStyle/>
+                    <a:p>
+                      <a:pPr algn="l" fontAlgn="b"/>
+                      <a:r>
+                        <a:rPr lang="ko-KR" altLang="en-US" sz="1000" u="none" strike="noStrike">
+                          <a:effectLst/>
+                        </a:rPr>
+                        <a:t>　</a:t>
+                      </a:r>
+                      <a:endParaRPr lang="ko-KR" altLang="en-US" sz="1000" b="0" i="0" u="none" strike="noStrike">
+                        <a:solidFill>
+                          <a:srgbClr val="000000"/>
+                        </a:solidFill>
+                        <a:effectLst/>
+                        <a:latin typeface="맑은 고딕" panose="020B0503020000020004" pitchFamily="50" charset="-127"/>
+                        <a:ea typeface="맑은 고딕" panose="020B0503020000020004" pitchFamily="50" charset="-127"/>
+                      </a:endParaRPr>
+                    </a:p>
+                  </a:txBody>
+                  <a:tcPr marL="4808" marR="4808" marT="4808" marB="0" anchor="b"/>
+                </a:tc>
+                <a:tc>
+                  <a:txBody>
+                    <a:bodyPr/>
+                    <a:lstStyle/>
+                    <a:p>
+                      <a:pPr algn="l" fontAlgn="b"/>
+                      <a:r>
+                        <a:rPr lang="ko-KR" altLang="en-US" sz="1000" u="none" strike="noStrike">
+                          <a:effectLst/>
+                        </a:rPr>
+                        <a:t>알바</a:t>
+                      </a:r>
+                      <a:endParaRPr lang="ko-KR" altLang="en-US" sz="1000" b="0" i="0" u="none" strike="noStrike">
+                        <a:solidFill>
+                          <a:srgbClr val="000000"/>
+                        </a:solidFill>
+                        <a:effectLst/>
+                        <a:latin typeface="맑은 고딕" panose="020B0503020000020004" pitchFamily="50" charset="-127"/>
+                        <a:ea typeface="맑은 고딕" panose="020B0503020000020004" pitchFamily="50" charset="-127"/>
+                      </a:endParaRPr>
+                    </a:p>
+                  </a:txBody>
+                  <a:tcPr marL="4808" marR="4808" marT="4808" marB="0" anchor="b"/>
+                </a:tc>
+                <a:extLst>
+                  <a:ext uri="{0D108BD9-81ED-4DB2-BD59-A6C34878D82A}">
+                    <a16:rowId xmlns:a16="http://schemas.microsoft.com/office/drawing/2014/main" val="207147890"/>
+                  </a:ext>
+                </a:extLst>
+              </a:tr>
+              <a:tr h="159657">
+                <a:tc>
+                  <a:txBody>
+                    <a:bodyPr/>
+                    <a:lstStyle/>
+                    <a:p>
+                      <a:pPr algn="r" fontAlgn="b"/>
+                      <a:r>
+                        <a:rPr lang="en-US" altLang="ko-KR" sz="1000" u="none" strike="noStrike">
+                          <a:effectLst/>
+                        </a:rPr>
+                        <a:t>6</a:t>
+                      </a:r>
+                      <a:endParaRPr lang="en-US" altLang="ko-KR" sz="1000" b="1" i="0" u="none" strike="noStrike">
+                        <a:solidFill>
+                          <a:srgbClr val="000000"/>
+                        </a:solidFill>
+                        <a:effectLst/>
+                        <a:latin typeface="맑은 고딕" panose="020B0503020000020004" pitchFamily="50" charset="-127"/>
+                        <a:ea typeface="맑은 고딕" panose="020B0503020000020004" pitchFamily="50" charset="-127"/>
+                      </a:endParaRPr>
+                    </a:p>
+                  </a:txBody>
+                  <a:tcPr marL="4808" marR="4808" marT="4808" marB="0" anchor="b"/>
+                </a:tc>
+                <a:tc>
+                  <a:txBody>
+                    <a:bodyPr/>
+                    <a:lstStyle/>
+                    <a:p>
+                      <a:pPr algn="r" fontAlgn="b"/>
+                      <a:r>
+                        <a:rPr lang="en-US" altLang="ko-KR" sz="1000" u="none" strike="noStrike">
+                          <a:effectLst/>
+                        </a:rPr>
+                        <a:t>7</a:t>
+                      </a:r>
+                      <a:endParaRPr lang="en-US" altLang="ko-KR" sz="1000" b="1" i="0" u="none" strike="noStrike">
+                        <a:solidFill>
+                          <a:srgbClr val="000000"/>
+                        </a:solidFill>
+                        <a:effectLst/>
+                        <a:latin typeface="맑은 고딕" panose="020B0503020000020004" pitchFamily="50" charset="-127"/>
+                        <a:ea typeface="맑은 고딕" panose="020B0503020000020004" pitchFamily="50" charset="-127"/>
+                      </a:endParaRPr>
+                    </a:p>
+                  </a:txBody>
+                  <a:tcPr marL="4808" marR="4808" marT="4808" marB="0" anchor="b"/>
+                </a:tc>
+                <a:tc>
+                  <a:txBody>
+                    <a:bodyPr/>
+                    <a:lstStyle/>
+                    <a:p>
+                      <a:pPr algn="r" fontAlgn="b"/>
+                      <a:r>
+                        <a:rPr lang="en-US" altLang="ko-KR" sz="1000" u="none" strike="noStrike">
+                          <a:effectLst/>
+                        </a:rPr>
+                        <a:t>8</a:t>
+                      </a:r>
+                      <a:endParaRPr lang="en-US" altLang="ko-KR" sz="1000" b="1" i="0" u="none" strike="noStrike">
+                        <a:solidFill>
+                          <a:srgbClr val="000000"/>
+                        </a:solidFill>
+                        <a:effectLst/>
+                        <a:latin typeface="맑은 고딕" panose="020B0503020000020004" pitchFamily="50" charset="-127"/>
+                        <a:ea typeface="맑은 고딕" panose="020B0503020000020004" pitchFamily="50" charset="-127"/>
+                      </a:endParaRPr>
+                    </a:p>
+                  </a:txBody>
+                  <a:tcPr marL="4808" marR="4808" marT="4808" marB="0" anchor="b"/>
+                </a:tc>
+                <a:tc>
+                  <a:txBody>
+                    <a:bodyPr/>
+                    <a:lstStyle/>
+                    <a:p>
+                      <a:pPr algn="r" fontAlgn="b"/>
+                      <a:r>
+                        <a:rPr lang="en-US" altLang="ko-KR" sz="1000" u="none" strike="noStrike">
+                          <a:effectLst/>
+                        </a:rPr>
+                        <a:t>9</a:t>
+                      </a:r>
+                      <a:endParaRPr lang="en-US" altLang="ko-KR" sz="1000" b="1" i="0" u="none" strike="noStrike">
+                        <a:solidFill>
+                          <a:srgbClr val="000000"/>
+                        </a:solidFill>
+                        <a:effectLst/>
+                        <a:latin typeface="맑은 고딕" panose="020B0503020000020004" pitchFamily="50" charset="-127"/>
+                        <a:ea typeface="맑은 고딕" panose="020B0503020000020004" pitchFamily="50" charset="-127"/>
+                      </a:endParaRPr>
+                    </a:p>
+                  </a:txBody>
+                  <a:tcPr marL="4808" marR="4808" marT="4808" marB="0" anchor="b"/>
+                </a:tc>
+                <a:tc>
+                  <a:txBody>
+                    <a:bodyPr/>
+                    <a:lstStyle/>
+                    <a:p>
+                      <a:pPr algn="r" fontAlgn="b"/>
+                      <a:r>
+                        <a:rPr lang="en-US" altLang="ko-KR" sz="1000" u="none" strike="noStrike">
+                          <a:effectLst/>
+                        </a:rPr>
+                        <a:t>10</a:t>
+                      </a:r>
+                      <a:endParaRPr lang="en-US" altLang="ko-KR" sz="1000" b="1" i="0" u="none" strike="noStrike">
+                        <a:solidFill>
+                          <a:srgbClr val="000000"/>
+                        </a:solidFill>
+                        <a:effectLst/>
+                        <a:latin typeface="맑은 고딕" panose="020B0503020000020004" pitchFamily="50" charset="-127"/>
+                        <a:ea typeface="맑은 고딕" panose="020B0503020000020004" pitchFamily="50" charset="-127"/>
+                      </a:endParaRPr>
+                    </a:p>
+                  </a:txBody>
+                  <a:tcPr marL="4808" marR="4808" marT="4808" marB="0" anchor="b"/>
+                </a:tc>
+                <a:tc>
+                  <a:txBody>
+                    <a:bodyPr/>
+                    <a:lstStyle/>
+                    <a:p>
+                      <a:pPr algn="r" fontAlgn="b"/>
+                      <a:r>
+                        <a:rPr lang="en-US" altLang="ko-KR" sz="1000" u="none" strike="noStrike">
+                          <a:effectLst/>
+                        </a:rPr>
+                        <a:t>11</a:t>
+                      </a:r>
+                      <a:endParaRPr lang="en-US" altLang="ko-KR" sz="1000" b="1" i="0" u="none" strike="noStrike">
+                        <a:solidFill>
+                          <a:srgbClr val="000000"/>
+                        </a:solidFill>
+                        <a:effectLst/>
+                        <a:latin typeface="맑은 고딕" panose="020B0503020000020004" pitchFamily="50" charset="-127"/>
+                        <a:ea typeface="맑은 고딕" panose="020B0503020000020004" pitchFamily="50" charset="-127"/>
+                      </a:endParaRPr>
+                    </a:p>
+                  </a:txBody>
+                  <a:tcPr marL="4808" marR="4808" marT="4808" marB="0" anchor="b"/>
+                </a:tc>
+                <a:tc>
+                  <a:txBody>
+                    <a:bodyPr/>
+                    <a:lstStyle/>
+                    <a:p>
+                      <a:pPr algn="r" fontAlgn="b"/>
+                      <a:r>
+                        <a:rPr lang="en-US" altLang="ko-KR" sz="1000" u="none" strike="noStrike">
+                          <a:effectLst/>
+                        </a:rPr>
+                        <a:t>12</a:t>
+                      </a:r>
+                      <a:endParaRPr lang="en-US" altLang="ko-KR" sz="1000" b="1" i="0" u="none" strike="noStrike">
+                        <a:solidFill>
+                          <a:srgbClr val="000000"/>
+                        </a:solidFill>
+                        <a:effectLst/>
+                        <a:latin typeface="맑은 고딕" panose="020B0503020000020004" pitchFamily="50" charset="-127"/>
+                        <a:ea typeface="맑은 고딕" panose="020B0503020000020004" pitchFamily="50" charset="-127"/>
+                      </a:endParaRPr>
+                    </a:p>
+                  </a:txBody>
+                  <a:tcPr marL="4808" marR="4808" marT="4808" marB="0" anchor="b"/>
+                </a:tc>
+                <a:extLst>
+                  <a:ext uri="{0D108BD9-81ED-4DB2-BD59-A6C34878D82A}">
+                    <a16:rowId xmlns:a16="http://schemas.microsoft.com/office/drawing/2014/main" val="4237014247"/>
+                  </a:ext>
+                </a:extLst>
+              </a:tr>
+              <a:tr h="843349">
+                <a:tc>
+                  <a:txBody>
+                    <a:bodyPr/>
+                    <a:lstStyle/>
+                    <a:p>
+                      <a:pPr algn="l" fontAlgn="b"/>
+                      <a:r>
+                        <a:rPr lang="en-US" sz="1000" u="none" strike="noStrike">
+                          <a:effectLst/>
+                        </a:rPr>
+                        <a:t>Enemy.Render</a:t>
+                      </a:r>
+                      <a:endParaRPr lang="en-US" sz="1000" b="0" i="0" u="none" strike="noStrike">
+                        <a:solidFill>
+                          <a:srgbClr val="000000"/>
+                        </a:solidFill>
+                        <a:effectLst/>
+                        <a:latin typeface="맑은 고딕" panose="020B0503020000020004" pitchFamily="50" charset="-127"/>
+                        <a:ea typeface="맑은 고딕" panose="020B0503020000020004" pitchFamily="50" charset="-127"/>
+                      </a:endParaRPr>
+                    </a:p>
+                  </a:txBody>
+                  <a:tcPr marL="4808" marR="4808" marT="4808" marB="0" anchor="b"/>
+                </a:tc>
+                <a:tc>
+                  <a:txBody>
+                    <a:bodyPr/>
+                    <a:lstStyle/>
+                    <a:p>
+                      <a:pPr algn="l" fontAlgn="b"/>
+                      <a:r>
+                        <a:rPr lang="en-US" sz="1000" u="none" strike="noStrike" dirty="0" err="1">
+                          <a:effectLst/>
+                        </a:rPr>
+                        <a:t>Enemy.Decode</a:t>
+                      </a:r>
+                      <a:endParaRPr lang="en-US" sz="1000" b="0" i="0" u="none" strike="noStrike" dirty="0">
+                        <a:solidFill>
+                          <a:srgbClr val="000000"/>
+                        </a:solidFill>
+                        <a:effectLst/>
+                        <a:latin typeface="맑은 고딕" panose="020B0503020000020004" pitchFamily="50" charset="-127"/>
+                        <a:ea typeface="맑은 고딕" panose="020B0503020000020004" pitchFamily="50" charset="-127"/>
+                      </a:endParaRPr>
+                    </a:p>
+                  </a:txBody>
+                  <a:tcPr marL="4808" marR="4808" marT="4808" marB="0" anchor="b"/>
+                </a:tc>
+                <a:tc>
+                  <a:txBody>
+                    <a:bodyPr/>
+                    <a:lstStyle/>
+                    <a:p>
+                      <a:pPr algn="l" fontAlgn="b"/>
+                      <a:r>
+                        <a:rPr lang="ko-KR" altLang="en-US" sz="1000" u="none" strike="noStrike">
+                          <a:effectLst/>
+                        </a:rPr>
+                        <a:t>　</a:t>
+                      </a:r>
+                      <a:endParaRPr lang="ko-KR" altLang="en-US" sz="1000" b="0" i="0" u="none" strike="noStrike">
+                        <a:solidFill>
+                          <a:srgbClr val="000000"/>
+                        </a:solidFill>
+                        <a:effectLst/>
+                        <a:latin typeface="맑은 고딕" panose="020B0503020000020004" pitchFamily="50" charset="-127"/>
+                        <a:ea typeface="맑은 고딕" panose="020B0503020000020004" pitchFamily="50" charset="-127"/>
+                      </a:endParaRPr>
+                    </a:p>
+                  </a:txBody>
+                  <a:tcPr marL="4808" marR="4808" marT="4808" marB="0" anchor="b"/>
+                </a:tc>
+                <a:tc>
+                  <a:txBody>
+                    <a:bodyPr/>
+                    <a:lstStyle/>
+                    <a:p>
+                      <a:pPr algn="l" fontAlgn="b"/>
+                      <a:r>
+                        <a:rPr lang="en-US" sz="1000" u="none" strike="noStrike">
+                          <a:effectLst/>
+                        </a:rPr>
+                        <a:t>Base:Enemy.Update</a:t>
+                      </a:r>
+                      <a:br>
+                        <a:rPr lang="en-US" sz="1000" u="none" strike="noStrike">
+                          <a:effectLst/>
+                        </a:rPr>
+                      </a:br>
+                      <a:r>
+                        <a:rPr lang="en-US" sz="1000" u="none" strike="noStrike">
+                          <a:effectLst/>
+                        </a:rPr>
+                        <a:t>Bird:Enemy.Update</a:t>
+                      </a:r>
+                      <a:endParaRPr lang="en-US" sz="1000" b="0" i="0" u="none" strike="noStrike">
+                        <a:solidFill>
+                          <a:srgbClr val="000000"/>
+                        </a:solidFill>
+                        <a:effectLst/>
+                        <a:latin typeface="맑은 고딕" panose="020B0503020000020004" pitchFamily="50" charset="-127"/>
+                        <a:ea typeface="맑은 고딕" panose="020B0503020000020004" pitchFamily="50" charset="-127"/>
+                      </a:endParaRPr>
+                    </a:p>
+                  </a:txBody>
+                  <a:tcPr marL="4808" marR="4808" marT="4808" marB="0" anchor="b"/>
+                </a:tc>
+                <a:tc>
+                  <a:txBody>
+                    <a:bodyPr/>
+                    <a:lstStyle/>
+                    <a:p>
+                      <a:pPr algn="l" fontAlgn="b"/>
+                      <a:r>
+                        <a:rPr lang="en-US" sz="1000" u="none" strike="noStrike">
+                          <a:effectLst/>
+                        </a:rPr>
+                        <a:t>Wolf:Enemy.Update</a:t>
+                      </a:r>
+                      <a:br>
+                        <a:rPr lang="en-US" sz="1000" u="none" strike="noStrike">
+                          <a:effectLst/>
+                        </a:rPr>
+                      </a:br>
+                      <a:r>
+                        <a:rPr lang="en-US" sz="1000" u="none" strike="noStrike">
+                          <a:effectLst/>
+                        </a:rPr>
+                        <a:t>Plant:Enemy.Update</a:t>
+                      </a:r>
+                      <a:endParaRPr lang="en-US" sz="1000" b="0" i="0" u="none" strike="noStrike">
+                        <a:solidFill>
+                          <a:srgbClr val="000000"/>
+                        </a:solidFill>
+                        <a:effectLst/>
+                        <a:latin typeface="맑은 고딕" panose="020B0503020000020004" pitchFamily="50" charset="-127"/>
+                        <a:ea typeface="맑은 고딕" panose="020B0503020000020004" pitchFamily="50" charset="-127"/>
+                      </a:endParaRPr>
+                    </a:p>
+                  </a:txBody>
+                  <a:tcPr marL="4808" marR="4808" marT="4808" marB="0" anchor="b"/>
+                </a:tc>
+                <a:tc>
+                  <a:txBody>
+                    <a:bodyPr/>
+                    <a:lstStyle/>
+                    <a:p>
+                      <a:pPr algn="l" fontAlgn="b"/>
+                      <a:r>
+                        <a:rPr lang="en-US" sz="1000" u="none" strike="noStrike">
+                          <a:effectLst/>
+                        </a:rPr>
+                        <a:t>Enamy.Encode</a:t>
+                      </a:r>
+                      <a:endParaRPr lang="en-US" sz="1000" b="0" i="0" u="none" strike="noStrike">
+                        <a:solidFill>
+                          <a:srgbClr val="000000"/>
+                        </a:solidFill>
+                        <a:effectLst/>
+                        <a:latin typeface="맑은 고딕" panose="020B0503020000020004" pitchFamily="50" charset="-127"/>
+                        <a:ea typeface="맑은 고딕" panose="020B0503020000020004" pitchFamily="50" charset="-127"/>
+                      </a:endParaRPr>
+                    </a:p>
+                  </a:txBody>
+                  <a:tcPr marL="4808" marR="4808" marT="4808" marB="0" anchor="b"/>
+                </a:tc>
+                <a:tc>
+                  <a:txBody>
+                    <a:bodyPr/>
+                    <a:lstStyle/>
+                    <a:p>
+                      <a:pPr algn="l" fontAlgn="b"/>
+                      <a:r>
+                        <a:rPr lang="ko-KR" altLang="en-US" sz="1000" u="none" strike="noStrike">
+                          <a:effectLst/>
+                        </a:rPr>
+                        <a:t>알바</a:t>
+                      </a:r>
+                      <a:endParaRPr lang="ko-KR" altLang="en-US" sz="1000" b="0" i="0" u="none" strike="noStrike">
+                        <a:solidFill>
+                          <a:srgbClr val="000000"/>
+                        </a:solidFill>
+                        <a:effectLst/>
+                        <a:latin typeface="맑은 고딕" panose="020B0503020000020004" pitchFamily="50" charset="-127"/>
+                        <a:ea typeface="맑은 고딕" panose="020B0503020000020004" pitchFamily="50" charset="-127"/>
+                      </a:endParaRPr>
+                    </a:p>
+                  </a:txBody>
+                  <a:tcPr marL="4808" marR="4808" marT="4808" marB="0" anchor="b"/>
+                </a:tc>
+                <a:extLst>
+                  <a:ext uri="{0D108BD9-81ED-4DB2-BD59-A6C34878D82A}">
+                    <a16:rowId xmlns:a16="http://schemas.microsoft.com/office/drawing/2014/main" val="186204496"/>
+                  </a:ext>
+                </a:extLst>
+              </a:tr>
+              <a:tr h="159657">
+                <a:tc>
+                  <a:txBody>
+                    <a:bodyPr/>
+                    <a:lstStyle/>
+                    <a:p>
+                      <a:pPr algn="r" fontAlgn="b"/>
+                      <a:r>
+                        <a:rPr lang="en-US" altLang="ko-KR" sz="1000" u="none" strike="noStrike">
+                          <a:effectLst/>
+                        </a:rPr>
+                        <a:t>13</a:t>
+                      </a:r>
+                      <a:endParaRPr lang="en-US" altLang="ko-KR" sz="1000" b="1" i="0" u="none" strike="noStrike">
+                        <a:solidFill>
+                          <a:srgbClr val="000000"/>
+                        </a:solidFill>
+                        <a:effectLst/>
+                        <a:latin typeface="맑은 고딕" panose="020B0503020000020004" pitchFamily="50" charset="-127"/>
+                        <a:ea typeface="맑은 고딕" panose="020B0503020000020004" pitchFamily="50" charset="-127"/>
+                      </a:endParaRPr>
+                    </a:p>
+                  </a:txBody>
+                  <a:tcPr marL="4808" marR="4808" marT="4808" marB="0" anchor="b"/>
+                </a:tc>
+                <a:tc>
+                  <a:txBody>
+                    <a:bodyPr/>
+                    <a:lstStyle/>
+                    <a:p>
+                      <a:pPr algn="r" fontAlgn="b"/>
+                      <a:r>
+                        <a:rPr lang="en-US" altLang="ko-KR" sz="1000" u="none" strike="noStrike">
+                          <a:effectLst/>
+                        </a:rPr>
+                        <a:t>14</a:t>
+                      </a:r>
+                      <a:endParaRPr lang="en-US" altLang="ko-KR" sz="1000" b="1" i="0" u="none" strike="noStrike">
+                        <a:solidFill>
+                          <a:srgbClr val="000000"/>
+                        </a:solidFill>
+                        <a:effectLst/>
+                        <a:latin typeface="맑은 고딕" panose="020B0503020000020004" pitchFamily="50" charset="-127"/>
+                        <a:ea typeface="맑은 고딕" panose="020B0503020000020004" pitchFamily="50" charset="-127"/>
+                      </a:endParaRPr>
+                    </a:p>
+                  </a:txBody>
+                  <a:tcPr marL="4808" marR="4808" marT="4808" marB="0" anchor="b"/>
+                </a:tc>
+                <a:tc>
+                  <a:txBody>
+                    <a:bodyPr/>
+                    <a:lstStyle/>
+                    <a:p>
+                      <a:pPr algn="r" fontAlgn="b"/>
+                      <a:r>
+                        <a:rPr lang="en-US" altLang="ko-KR" sz="1000" u="none" strike="noStrike">
+                          <a:effectLst/>
+                        </a:rPr>
+                        <a:t>15</a:t>
+                      </a:r>
+                      <a:endParaRPr lang="en-US" altLang="ko-KR" sz="1000" b="1" i="0" u="none" strike="noStrike">
+                        <a:solidFill>
+                          <a:srgbClr val="000000"/>
+                        </a:solidFill>
+                        <a:effectLst/>
+                        <a:latin typeface="맑은 고딕" panose="020B0503020000020004" pitchFamily="50" charset="-127"/>
+                        <a:ea typeface="맑은 고딕" panose="020B0503020000020004" pitchFamily="50" charset="-127"/>
+                      </a:endParaRPr>
+                    </a:p>
+                  </a:txBody>
+                  <a:tcPr marL="4808" marR="4808" marT="4808" marB="0" anchor="b"/>
+                </a:tc>
+                <a:tc>
+                  <a:txBody>
+                    <a:bodyPr/>
+                    <a:lstStyle/>
+                    <a:p>
+                      <a:pPr algn="r" fontAlgn="b"/>
+                      <a:r>
+                        <a:rPr lang="en-US" altLang="ko-KR" sz="1000" u="none" strike="noStrike">
+                          <a:effectLst/>
+                        </a:rPr>
+                        <a:t>16</a:t>
+                      </a:r>
+                      <a:endParaRPr lang="en-US" altLang="ko-KR" sz="1000" b="1" i="0" u="none" strike="noStrike">
+                        <a:solidFill>
+                          <a:srgbClr val="000000"/>
+                        </a:solidFill>
+                        <a:effectLst/>
+                        <a:latin typeface="맑은 고딕" panose="020B0503020000020004" pitchFamily="50" charset="-127"/>
+                        <a:ea typeface="맑은 고딕" panose="020B0503020000020004" pitchFamily="50" charset="-127"/>
+                      </a:endParaRPr>
+                    </a:p>
+                  </a:txBody>
+                  <a:tcPr marL="4808" marR="4808" marT="4808" marB="0" anchor="b"/>
+                </a:tc>
+                <a:tc>
+                  <a:txBody>
+                    <a:bodyPr/>
+                    <a:lstStyle/>
+                    <a:p>
+                      <a:pPr algn="r" fontAlgn="b"/>
+                      <a:r>
+                        <a:rPr lang="en-US" altLang="ko-KR" sz="1000" u="none" strike="noStrike">
+                          <a:effectLst/>
+                        </a:rPr>
+                        <a:t>17</a:t>
+                      </a:r>
+                      <a:endParaRPr lang="en-US" altLang="ko-KR" sz="1000" b="1" i="0" u="none" strike="noStrike">
+                        <a:solidFill>
+                          <a:srgbClr val="000000"/>
+                        </a:solidFill>
+                        <a:effectLst/>
+                        <a:latin typeface="맑은 고딕" panose="020B0503020000020004" pitchFamily="50" charset="-127"/>
+                        <a:ea typeface="맑은 고딕" panose="020B0503020000020004" pitchFamily="50" charset="-127"/>
+                      </a:endParaRPr>
+                    </a:p>
+                  </a:txBody>
+                  <a:tcPr marL="4808" marR="4808" marT="4808" marB="0" anchor="b"/>
+                </a:tc>
+                <a:tc>
+                  <a:txBody>
+                    <a:bodyPr/>
+                    <a:lstStyle/>
+                    <a:p>
+                      <a:pPr algn="r" fontAlgn="b"/>
+                      <a:r>
+                        <a:rPr lang="en-US" altLang="ko-KR" sz="1000" u="none" strike="noStrike">
+                          <a:effectLst/>
+                        </a:rPr>
+                        <a:t>18</a:t>
+                      </a:r>
+                      <a:endParaRPr lang="en-US" altLang="ko-KR" sz="1000" b="1" i="0" u="none" strike="noStrike">
+                        <a:solidFill>
+                          <a:srgbClr val="000000"/>
+                        </a:solidFill>
+                        <a:effectLst/>
+                        <a:latin typeface="맑은 고딕" panose="020B0503020000020004" pitchFamily="50" charset="-127"/>
+                        <a:ea typeface="맑은 고딕" panose="020B0503020000020004" pitchFamily="50" charset="-127"/>
+                      </a:endParaRPr>
+                    </a:p>
+                  </a:txBody>
+                  <a:tcPr marL="4808" marR="4808" marT="4808" marB="0" anchor="b"/>
+                </a:tc>
+                <a:tc>
+                  <a:txBody>
+                    <a:bodyPr/>
+                    <a:lstStyle/>
+                    <a:p>
+                      <a:pPr algn="r" fontAlgn="b"/>
+                      <a:r>
+                        <a:rPr lang="en-US" altLang="ko-KR" sz="1000" u="none" strike="noStrike">
+                          <a:effectLst/>
+                        </a:rPr>
+                        <a:t>19</a:t>
+                      </a:r>
+                      <a:endParaRPr lang="en-US" altLang="ko-KR" sz="1000" b="1" i="0" u="none" strike="noStrike">
+                        <a:solidFill>
+                          <a:srgbClr val="000000"/>
+                        </a:solidFill>
+                        <a:effectLst/>
+                        <a:latin typeface="맑은 고딕" panose="020B0503020000020004" pitchFamily="50" charset="-127"/>
+                        <a:ea typeface="맑은 고딕" panose="020B0503020000020004" pitchFamily="50" charset="-127"/>
+                      </a:endParaRPr>
+                    </a:p>
+                  </a:txBody>
+                  <a:tcPr marL="4808" marR="4808" marT="4808" marB="0" anchor="b"/>
+                </a:tc>
+                <a:extLst>
+                  <a:ext uri="{0D108BD9-81ED-4DB2-BD59-A6C34878D82A}">
+                    <a16:rowId xmlns:a16="http://schemas.microsoft.com/office/drawing/2014/main" val="3191331269"/>
+                  </a:ext>
+                </a:extLst>
+              </a:tr>
+              <a:tr h="1124465">
+                <a:tc>
+                  <a:txBody>
+                    <a:bodyPr/>
+                    <a:lstStyle/>
+                    <a:p>
+                      <a:pPr algn="l" fontAlgn="b"/>
+                      <a:r>
+                        <a:rPr lang="en-US" sz="1000" u="none" strike="noStrike">
+                          <a:effectLst/>
+                        </a:rPr>
+                        <a:t>PlantProjectile.Render</a:t>
+                      </a:r>
+                      <a:endParaRPr lang="en-US" sz="1000" b="0" i="0" u="none" strike="noStrike">
+                        <a:solidFill>
+                          <a:srgbClr val="000000"/>
+                        </a:solidFill>
+                        <a:effectLst/>
+                        <a:latin typeface="맑은 고딕" panose="020B0503020000020004" pitchFamily="50" charset="-127"/>
+                        <a:ea typeface="맑은 고딕" panose="020B0503020000020004" pitchFamily="50" charset="-127"/>
+                      </a:endParaRPr>
+                    </a:p>
+                  </a:txBody>
+                  <a:tcPr marL="4808" marR="4808" marT="4808" marB="0" anchor="b"/>
+                </a:tc>
+                <a:tc>
+                  <a:txBody>
+                    <a:bodyPr/>
+                    <a:lstStyle/>
+                    <a:p>
+                      <a:pPr algn="l" fontAlgn="b"/>
+                      <a:r>
+                        <a:rPr lang="en-US" sz="1000" u="none" strike="noStrike">
+                          <a:effectLst/>
+                        </a:rPr>
+                        <a:t>PlantProjectile.Decode</a:t>
+                      </a:r>
+                      <a:endParaRPr lang="en-US" sz="1000" b="0" i="0" u="none" strike="noStrike">
+                        <a:solidFill>
+                          <a:srgbClr val="000000"/>
+                        </a:solidFill>
+                        <a:effectLst/>
+                        <a:latin typeface="맑은 고딕" panose="020B0503020000020004" pitchFamily="50" charset="-127"/>
+                        <a:ea typeface="맑은 고딕" panose="020B0503020000020004" pitchFamily="50" charset="-127"/>
+                      </a:endParaRPr>
+                    </a:p>
+                  </a:txBody>
+                  <a:tcPr marL="4808" marR="4808" marT="4808" marB="0" anchor="b"/>
+                </a:tc>
+                <a:tc>
+                  <a:txBody>
+                    <a:bodyPr/>
+                    <a:lstStyle/>
+                    <a:p>
+                      <a:pPr algn="l" fontAlgn="b"/>
+                      <a:r>
+                        <a:rPr lang="ko-KR" altLang="en-US" sz="1000" u="none" strike="noStrike">
+                          <a:effectLst/>
+                        </a:rPr>
+                        <a:t>　</a:t>
+                      </a:r>
+                      <a:endParaRPr lang="ko-KR" altLang="en-US" sz="1000" b="0" i="0" u="none" strike="noStrike">
+                        <a:solidFill>
+                          <a:srgbClr val="000000"/>
+                        </a:solidFill>
+                        <a:effectLst/>
+                        <a:latin typeface="맑은 고딕" panose="020B0503020000020004" pitchFamily="50" charset="-127"/>
+                        <a:ea typeface="맑은 고딕" panose="020B0503020000020004" pitchFamily="50" charset="-127"/>
+                      </a:endParaRPr>
+                    </a:p>
+                  </a:txBody>
+                  <a:tcPr marL="4808" marR="4808" marT="4808" marB="0" anchor="b"/>
+                </a:tc>
+                <a:tc>
+                  <a:txBody>
+                    <a:bodyPr/>
+                    <a:lstStyle/>
+                    <a:p>
+                      <a:pPr algn="l" fontAlgn="b"/>
+                      <a:r>
+                        <a:rPr lang="en-US" sz="1000" u="none" strike="noStrike">
+                          <a:effectLst/>
+                        </a:rPr>
+                        <a:t>PlantProjectile.Update</a:t>
+                      </a:r>
+                      <a:endParaRPr lang="en-US" sz="1000" b="0" i="0" u="none" strike="noStrike">
+                        <a:solidFill>
+                          <a:srgbClr val="000000"/>
+                        </a:solidFill>
+                        <a:effectLst/>
+                        <a:latin typeface="맑은 고딕" panose="020B0503020000020004" pitchFamily="50" charset="-127"/>
+                        <a:ea typeface="맑은 고딕" panose="020B0503020000020004" pitchFamily="50" charset="-127"/>
+                      </a:endParaRPr>
+                    </a:p>
+                  </a:txBody>
+                  <a:tcPr marL="4808" marR="4808" marT="4808" marB="0" anchor="b"/>
+                </a:tc>
+                <a:tc>
+                  <a:txBody>
+                    <a:bodyPr/>
+                    <a:lstStyle/>
+                    <a:p>
+                      <a:pPr algn="l" fontAlgn="b"/>
+                      <a:r>
+                        <a:rPr lang="en-US" sz="1000" u="none" strike="noStrike">
+                          <a:effectLst/>
+                        </a:rPr>
+                        <a:t>PlantProjectile.Encode</a:t>
+                      </a:r>
+                      <a:endParaRPr lang="en-US" sz="1000" b="0" i="0" u="none" strike="noStrike">
+                        <a:solidFill>
+                          <a:srgbClr val="000000"/>
+                        </a:solidFill>
+                        <a:effectLst/>
+                        <a:latin typeface="맑은 고딕" panose="020B0503020000020004" pitchFamily="50" charset="-127"/>
+                        <a:ea typeface="맑은 고딕" panose="020B0503020000020004" pitchFamily="50" charset="-127"/>
+                      </a:endParaRPr>
+                    </a:p>
+                  </a:txBody>
+                  <a:tcPr marL="4808" marR="4808" marT="4808" marB="0" anchor="b"/>
+                </a:tc>
+                <a:tc>
+                  <a:txBody>
+                    <a:bodyPr/>
+                    <a:lstStyle/>
+                    <a:p>
+                      <a:pPr algn="l" fontAlgn="b"/>
+                      <a:r>
+                        <a:rPr lang="en-US" sz="1000" u="none" strike="noStrike">
+                          <a:effectLst/>
+                        </a:rPr>
+                        <a:t>callBackFuncs</a:t>
+                      </a:r>
+                      <a:endParaRPr lang="en-US" sz="1000" b="0" i="0" u="none" strike="noStrike">
+                        <a:solidFill>
+                          <a:srgbClr val="000000"/>
+                        </a:solidFill>
+                        <a:effectLst/>
+                        <a:latin typeface="맑은 고딕" panose="020B0503020000020004" pitchFamily="50" charset="-127"/>
+                        <a:ea typeface="맑은 고딕" panose="020B0503020000020004" pitchFamily="50" charset="-127"/>
+                      </a:endParaRPr>
+                    </a:p>
+                  </a:txBody>
+                  <a:tcPr marL="4808" marR="4808" marT="4808" marB="0" anchor="b"/>
+                </a:tc>
+                <a:tc>
+                  <a:txBody>
+                    <a:bodyPr/>
+                    <a:lstStyle/>
+                    <a:p>
+                      <a:pPr algn="l" fontAlgn="b"/>
+                      <a:r>
+                        <a:rPr lang="ko-KR" altLang="en-US" sz="1000" u="none" strike="noStrike">
+                          <a:effectLst/>
+                        </a:rPr>
+                        <a:t>알바</a:t>
+                      </a:r>
+                      <a:endParaRPr lang="ko-KR" altLang="en-US" sz="1000" b="0" i="0" u="none" strike="noStrike">
+                        <a:solidFill>
+                          <a:srgbClr val="000000"/>
+                        </a:solidFill>
+                        <a:effectLst/>
+                        <a:latin typeface="맑은 고딕" panose="020B0503020000020004" pitchFamily="50" charset="-127"/>
+                        <a:ea typeface="맑은 고딕" panose="020B0503020000020004" pitchFamily="50" charset="-127"/>
+                      </a:endParaRPr>
+                    </a:p>
+                  </a:txBody>
+                  <a:tcPr marL="4808" marR="4808" marT="4808" marB="0" anchor="b"/>
+                </a:tc>
+                <a:extLst>
+                  <a:ext uri="{0D108BD9-81ED-4DB2-BD59-A6C34878D82A}">
+                    <a16:rowId xmlns:a16="http://schemas.microsoft.com/office/drawing/2014/main" val="2748259819"/>
+                  </a:ext>
+                </a:extLst>
+              </a:tr>
+              <a:tr h="159657">
+                <a:tc>
+                  <a:txBody>
+                    <a:bodyPr/>
+                    <a:lstStyle/>
+                    <a:p>
+                      <a:pPr algn="r" fontAlgn="b"/>
+                      <a:r>
+                        <a:rPr lang="en-US" altLang="ko-KR" sz="1000" u="none" strike="noStrike">
+                          <a:effectLst/>
+                        </a:rPr>
+                        <a:t>20</a:t>
+                      </a:r>
+                      <a:endParaRPr lang="en-US" altLang="ko-KR" sz="1000" b="1" i="0" u="none" strike="noStrike">
+                        <a:solidFill>
+                          <a:srgbClr val="000000"/>
+                        </a:solidFill>
+                        <a:effectLst/>
+                        <a:latin typeface="맑은 고딕" panose="020B0503020000020004" pitchFamily="50" charset="-127"/>
+                        <a:ea typeface="맑은 고딕" panose="020B0503020000020004" pitchFamily="50" charset="-127"/>
+                      </a:endParaRPr>
+                    </a:p>
+                  </a:txBody>
+                  <a:tcPr marL="4808" marR="4808" marT="4808" marB="0" anchor="b"/>
+                </a:tc>
+                <a:tc>
+                  <a:txBody>
+                    <a:bodyPr/>
+                    <a:lstStyle/>
+                    <a:p>
+                      <a:pPr algn="r" fontAlgn="b"/>
+                      <a:r>
+                        <a:rPr lang="en-US" altLang="ko-KR" sz="1000" u="none" strike="noStrike">
+                          <a:effectLst/>
+                        </a:rPr>
+                        <a:t>21</a:t>
+                      </a:r>
+                      <a:endParaRPr lang="en-US" altLang="ko-KR" sz="1000" b="1" i="0" u="none" strike="noStrike">
+                        <a:solidFill>
+                          <a:srgbClr val="000000"/>
+                        </a:solidFill>
+                        <a:effectLst/>
+                        <a:latin typeface="맑은 고딕" panose="020B0503020000020004" pitchFamily="50" charset="-127"/>
+                        <a:ea typeface="맑은 고딕" panose="020B0503020000020004" pitchFamily="50" charset="-127"/>
+                      </a:endParaRPr>
+                    </a:p>
+                  </a:txBody>
+                  <a:tcPr marL="4808" marR="4808" marT="4808" marB="0" anchor="b"/>
+                </a:tc>
+                <a:tc>
+                  <a:txBody>
+                    <a:bodyPr/>
+                    <a:lstStyle/>
+                    <a:p>
+                      <a:pPr algn="r" fontAlgn="b"/>
+                      <a:r>
+                        <a:rPr lang="en-US" altLang="ko-KR" sz="1000" u="none" strike="noStrike">
+                          <a:effectLst/>
+                        </a:rPr>
+                        <a:t>22</a:t>
+                      </a:r>
+                      <a:endParaRPr lang="en-US" altLang="ko-KR" sz="1000" b="1" i="0" u="none" strike="noStrike">
+                        <a:solidFill>
+                          <a:srgbClr val="000000"/>
+                        </a:solidFill>
+                        <a:effectLst/>
+                        <a:latin typeface="맑은 고딕" panose="020B0503020000020004" pitchFamily="50" charset="-127"/>
+                        <a:ea typeface="맑은 고딕" panose="020B0503020000020004" pitchFamily="50" charset="-127"/>
+                      </a:endParaRPr>
+                    </a:p>
+                  </a:txBody>
+                  <a:tcPr marL="4808" marR="4808" marT="4808" marB="0" anchor="b"/>
+                </a:tc>
+                <a:tc>
+                  <a:txBody>
+                    <a:bodyPr/>
+                    <a:lstStyle/>
+                    <a:p>
+                      <a:pPr algn="r" fontAlgn="b"/>
+                      <a:r>
+                        <a:rPr lang="en-US" altLang="ko-KR" sz="1000" u="none" strike="noStrike">
+                          <a:effectLst/>
+                        </a:rPr>
+                        <a:t>23</a:t>
+                      </a:r>
+                      <a:endParaRPr lang="en-US" altLang="ko-KR" sz="1000" b="1" i="0" u="none" strike="noStrike">
+                        <a:solidFill>
+                          <a:srgbClr val="000000"/>
+                        </a:solidFill>
+                        <a:effectLst/>
+                        <a:latin typeface="맑은 고딕" panose="020B0503020000020004" pitchFamily="50" charset="-127"/>
+                        <a:ea typeface="맑은 고딕" panose="020B0503020000020004" pitchFamily="50" charset="-127"/>
+                      </a:endParaRPr>
+                    </a:p>
+                  </a:txBody>
+                  <a:tcPr marL="4808" marR="4808" marT="4808" marB="0" anchor="b"/>
+                </a:tc>
+                <a:tc>
+                  <a:txBody>
+                    <a:bodyPr/>
+                    <a:lstStyle/>
+                    <a:p>
+                      <a:pPr algn="r" fontAlgn="b"/>
+                      <a:r>
+                        <a:rPr lang="en-US" altLang="ko-KR" sz="1000" u="none" strike="noStrike">
+                          <a:effectLst/>
+                        </a:rPr>
+                        <a:t>24</a:t>
+                      </a:r>
+                      <a:endParaRPr lang="en-US" altLang="ko-KR" sz="1000" b="1" i="0" u="none" strike="noStrike">
+                        <a:solidFill>
+                          <a:srgbClr val="000000"/>
+                        </a:solidFill>
+                        <a:effectLst/>
+                        <a:latin typeface="맑은 고딕" panose="020B0503020000020004" pitchFamily="50" charset="-127"/>
+                        <a:ea typeface="맑은 고딕" panose="020B0503020000020004" pitchFamily="50" charset="-127"/>
+                      </a:endParaRPr>
+                    </a:p>
+                  </a:txBody>
+                  <a:tcPr marL="4808" marR="4808" marT="4808" marB="0" anchor="b"/>
+                </a:tc>
+                <a:tc>
+                  <a:txBody>
+                    <a:bodyPr/>
+                    <a:lstStyle/>
+                    <a:p>
+                      <a:pPr algn="r" fontAlgn="b"/>
+                      <a:r>
+                        <a:rPr lang="en-US" altLang="ko-KR" sz="1000" u="none" strike="noStrike">
+                          <a:effectLst/>
+                        </a:rPr>
+                        <a:t>25</a:t>
+                      </a:r>
+                      <a:endParaRPr lang="en-US" altLang="ko-KR" sz="1000" b="1" i="0" u="none" strike="noStrike">
+                        <a:solidFill>
+                          <a:srgbClr val="000000"/>
+                        </a:solidFill>
+                        <a:effectLst/>
+                        <a:latin typeface="맑은 고딕" panose="020B0503020000020004" pitchFamily="50" charset="-127"/>
+                        <a:ea typeface="맑은 고딕" panose="020B0503020000020004" pitchFamily="50" charset="-127"/>
+                      </a:endParaRPr>
+                    </a:p>
+                  </a:txBody>
+                  <a:tcPr marL="4808" marR="4808" marT="4808" marB="0" anchor="b"/>
+                </a:tc>
+                <a:tc>
+                  <a:txBody>
+                    <a:bodyPr/>
+                    <a:lstStyle/>
+                    <a:p>
+                      <a:pPr algn="r" fontAlgn="b"/>
+                      <a:r>
+                        <a:rPr lang="en-US" altLang="ko-KR" sz="1000" u="none" strike="noStrike">
+                          <a:effectLst/>
+                        </a:rPr>
+                        <a:t>26</a:t>
+                      </a:r>
+                      <a:endParaRPr lang="en-US" altLang="ko-KR" sz="1000" b="1" i="0" u="none" strike="noStrike">
+                        <a:solidFill>
+                          <a:srgbClr val="000000"/>
+                        </a:solidFill>
+                        <a:effectLst/>
+                        <a:latin typeface="맑은 고딕" panose="020B0503020000020004" pitchFamily="50" charset="-127"/>
+                        <a:ea typeface="맑은 고딕" panose="020B0503020000020004" pitchFamily="50" charset="-127"/>
+                      </a:endParaRPr>
+                    </a:p>
+                  </a:txBody>
+                  <a:tcPr marL="4808" marR="4808" marT="4808" marB="0" anchor="b"/>
+                </a:tc>
+                <a:extLst>
+                  <a:ext uri="{0D108BD9-81ED-4DB2-BD59-A6C34878D82A}">
+                    <a16:rowId xmlns:a16="http://schemas.microsoft.com/office/drawing/2014/main" val="3953920709"/>
+                  </a:ext>
+                </a:extLst>
+              </a:tr>
+              <a:tr h="983908">
+                <a:tc>
+                  <a:txBody>
+                    <a:bodyPr/>
+                    <a:lstStyle/>
+                    <a:p>
+                      <a:pPr algn="l" fontAlgn="b"/>
+                      <a:r>
+                        <a:rPr lang="en-US" sz="1000" u="none" strike="noStrike">
+                          <a:effectLst/>
+                        </a:rPr>
+                        <a:t>PrePareSocket</a:t>
+                      </a:r>
+                      <a:endParaRPr lang="en-US" sz="1000" b="0" i="0" u="none" strike="noStrike">
+                        <a:solidFill>
+                          <a:srgbClr val="000000"/>
+                        </a:solidFill>
+                        <a:effectLst/>
+                        <a:latin typeface="맑은 고딕" panose="020B0503020000020004" pitchFamily="50" charset="-127"/>
+                        <a:ea typeface="맑은 고딕" panose="020B0503020000020004" pitchFamily="50" charset="-127"/>
+                      </a:endParaRPr>
+                    </a:p>
+                  </a:txBody>
+                  <a:tcPr marL="4808" marR="4808" marT="4808" marB="0" anchor="b"/>
+                </a:tc>
+                <a:tc>
+                  <a:txBody>
+                    <a:bodyPr/>
+                    <a:lstStyle/>
+                    <a:p>
+                      <a:pPr algn="l" fontAlgn="b"/>
+                      <a:r>
+                        <a:rPr lang="en-US" sz="1000" u="none" strike="noStrike">
+                          <a:effectLst/>
+                        </a:rPr>
+                        <a:t>PlayerManger</a:t>
+                      </a:r>
+                      <a:endParaRPr lang="en-US" sz="1000" b="0" i="0" u="none" strike="noStrike">
+                        <a:solidFill>
+                          <a:srgbClr val="000000"/>
+                        </a:solidFill>
+                        <a:effectLst/>
+                        <a:latin typeface="맑은 고딕" panose="020B0503020000020004" pitchFamily="50" charset="-127"/>
+                        <a:ea typeface="맑은 고딕" panose="020B0503020000020004" pitchFamily="50" charset="-127"/>
+                      </a:endParaRPr>
+                    </a:p>
+                  </a:txBody>
+                  <a:tcPr marL="4808" marR="4808" marT="4808" marB="0" anchor="b"/>
+                </a:tc>
+                <a:tc>
+                  <a:txBody>
+                    <a:bodyPr/>
+                    <a:lstStyle/>
+                    <a:p>
+                      <a:pPr algn="l" fontAlgn="b"/>
+                      <a:r>
+                        <a:rPr lang="ko-KR" altLang="en-US" sz="1000" u="none" strike="noStrike">
+                          <a:effectLst/>
+                        </a:rPr>
+                        <a:t>　</a:t>
+                      </a:r>
+                      <a:endParaRPr lang="ko-KR" altLang="en-US" sz="1000" b="0" i="0" u="none" strike="noStrike">
+                        <a:solidFill>
+                          <a:srgbClr val="000000"/>
+                        </a:solidFill>
+                        <a:effectLst/>
+                        <a:latin typeface="맑은 고딕" panose="020B0503020000020004" pitchFamily="50" charset="-127"/>
+                        <a:ea typeface="맑은 고딕" panose="020B0503020000020004" pitchFamily="50" charset="-127"/>
+                      </a:endParaRPr>
+                    </a:p>
+                  </a:txBody>
+                  <a:tcPr marL="4808" marR="4808" marT="4808" marB="0" anchor="b"/>
+                </a:tc>
+                <a:tc>
+                  <a:txBody>
+                    <a:bodyPr/>
+                    <a:lstStyle/>
+                    <a:p>
+                      <a:pPr algn="l" fontAlgn="b"/>
+                      <a:r>
+                        <a:rPr lang="en-US" sz="1000" u="none" strike="noStrike">
+                          <a:effectLst/>
+                        </a:rPr>
+                        <a:t>Connecter</a:t>
+                      </a:r>
+                      <a:endParaRPr lang="en-US" sz="1000" b="0" i="0" u="none" strike="noStrike">
+                        <a:solidFill>
+                          <a:srgbClr val="000000"/>
+                        </a:solidFill>
+                        <a:effectLst/>
+                        <a:latin typeface="맑은 고딕" panose="020B0503020000020004" pitchFamily="50" charset="-127"/>
+                        <a:ea typeface="맑은 고딕" panose="020B0503020000020004" pitchFamily="50" charset="-127"/>
+                      </a:endParaRPr>
+                    </a:p>
+                  </a:txBody>
+                  <a:tcPr marL="4808" marR="4808" marT="4808" marB="0" anchor="b"/>
+                </a:tc>
+                <a:tc>
+                  <a:txBody>
+                    <a:bodyPr/>
+                    <a:lstStyle/>
+                    <a:p>
+                      <a:pPr algn="l" fontAlgn="b"/>
+                      <a:r>
+                        <a:rPr lang="en-US" sz="1000" u="none" strike="noStrike">
+                          <a:effectLst/>
+                        </a:rPr>
+                        <a:t>CheckGame</a:t>
+                      </a:r>
+                      <a:endParaRPr lang="en-US" sz="1000" b="0" i="0" u="none" strike="noStrike">
+                        <a:solidFill>
+                          <a:srgbClr val="000000"/>
+                        </a:solidFill>
+                        <a:effectLst/>
+                        <a:latin typeface="맑은 고딕" panose="020B0503020000020004" pitchFamily="50" charset="-127"/>
+                        <a:ea typeface="맑은 고딕" panose="020B0503020000020004" pitchFamily="50" charset="-127"/>
+                      </a:endParaRPr>
+                    </a:p>
+                  </a:txBody>
+                  <a:tcPr marL="4808" marR="4808" marT="4808" marB="0" anchor="b"/>
+                </a:tc>
+                <a:tc>
+                  <a:txBody>
+                    <a:bodyPr/>
+                    <a:lstStyle/>
+                    <a:p>
+                      <a:pPr algn="l" fontAlgn="b"/>
+                      <a:r>
+                        <a:rPr lang="en-US" sz="1000" u="none" strike="noStrike" dirty="0" err="1">
+                          <a:effectLst/>
+                        </a:rPr>
+                        <a:t>MakeGame</a:t>
+                      </a:r>
+                      <a:endParaRPr lang="en-US" sz="1000" b="0" i="0" u="none" strike="noStrike" dirty="0">
+                        <a:solidFill>
+                          <a:srgbClr val="000000"/>
+                        </a:solidFill>
+                        <a:effectLst/>
+                        <a:latin typeface="맑은 고딕" panose="020B0503020000020004" pitchFamily="50" charset="-127"/>
+                        <a:ea typeface="맑은 고딕" panose="020B0503020000020004" pitchFamily="50" charset="-127"/>
+                      </a:endParaRPr>
+                    </a:p>
+                  </a:txBody>
+                  <a:tcPr marL="4808" marR="4808" marT="4808" marB="0" anchor="b"/>
+                </a:tc>
+                <a:tc>
+                  <a:txBody>
+                    <a:bodyPr/>
+                    <a:lstStyle/>
+                    <a:p>
+                      <a:pPr algn="l" fontAlgn="b"/>
+                      <a:r>
+                        <a:rPr lang="ko-KR" altLang="en-US" sz="1000" u="none" strike="noStrike">
+                          <a:effectLst/>
+                        </a:rPr>
+                        <a:t>알바</a:t>
+                      </a:r>
+                      <a:endParaRPr lang="ko-KR" altLang="en-US" sz="1000" b="0" i="0" u="none" strike="noStrike">
+                        <a:solidFill>
+                          <a:srgbClr val="000000"/>
+                        </a:solidFill>
+                        <a:effectLst/>
+                        <a:latin typeface="맑은 고딕" panose="020B0503020000020004" pitchFamily="50" charset="-127"/>
+                        <a:ea typeface="맑은 고딕" panose="020B0503020000020004" pitchFamily="50" charset="-127"/>
+                      </a:endParaRPr>
+                    </a:p>
+                  </a:txBody>
+                  <a:tcPr marL="4808" marR="4808" marT="4808" marB="0" anchor="b"/>
+                </a:tc>
+                <a:extLst>
+                  <a:ext uri="{0D108BD9-81ED-4DB2-BD59-A6C34878D82A}">
+                    <a16:rowId xmlns:a16="http://schemas.microsoft.com/office/drawing/2014/main" val="3046675496"/>
+                  </a:ext>
+                </a:extLst>
+              </a:tr>
+              <a:tr h="159657">
+                <a:tc>
+                  <a:txBody>
+                    <a:bodyPr/>
+                    <a:lstStyle/>
+                    <a:p>
+                      <a:pPr algn="r" fontAlgn="b"/>
+                      <a:r>
+                        <a:rPr lang="en-US" altLang="ko-KR" sz="1000" u="none" strike="noStrike">
+                          <a:effectLst/>
+                        </a:rPr>
+                        <a:t>27</a:t>
+                      </a:r>
+                      <a:endParaRPr lang="en-US" altLang="ko-KR" sz="1000" b="1" i="0" u="none" strike="noStrike">
+                        <a:solidFill>
+                          <a:srgbClr val="000000"/>
+                        </a:solidFill>
+                        <a:effectLst/>
+                        <a:latin typeface="맑은 고딕" panose="020B0503020000020004" pitchFamily="50" charset="-127"/>
+                        <a:ea typeface="맑은 고딕" panose="020B0503020000020004" pitchFamily="50" charset="-127"/>
+                      </a:endParaRPr>
+                    </a:p>
+                  </a:txBody>
+                  <a:tcPr marL="4808" marR="4808" marT="4808" marB="0" anchor="b"/>
+                </a:tc>
+                <a:tc>
+                  <a:txBody>
+                    <a:bodyPr/>
+                    <a:lstStyle/>
+                    <a:p>
+                      <a:pPr algn="r" fontAlgn="b"/>
+                      <a:r>
+                        <a:rPr lang="en-US" altLang="ko-KR" sz="1000" u="none" strike="noStrike">
+                          <a:effectLst/>
+                        </a:rPr>
+                        <a:t>28</a:t>
+                      </a:r>
+                      <a:endParaRPr lang="en-US" altLang="ko-KR" sz="1000" b="1" i="0" u="none" strike="noStrike">
+                        <a:solidFill>
+                          <a:srgbClr val="000000"/>
+                        </a:solidFill>
+                        <a:effectLst/>
+                        <a:latin typeface="맑은 고딕" panose="020B0503020000020004" pitchFamily="50" charset="-127"/>
+                        <a:ea typeface="맑은 고딕" panose="020B0503020000020004" pitchFamily="50" charset="-127"/>
+                      </a:endParaRPr>
+                    </a:p>
+                  </a:txBody>
+                  <a:tcPr marL="4808" marR="4808" marT="4808" marB="0" anchor="b"/>
+                </a:tc>
+                <a:tc>
+                  <a:txBody>
+                    <a:bodyPr/>
+                    <a:lstStyle/>
+                    <a:p>
+                      <a:pPr algn="r" fontAlgn="b"/>
+                      <a:r>
+                        <a:rPr lang="en-US" altLang="ko-KR" sz="1000" u="none" strike="noStrike">
+                          <a:effectLst/>
+                        </a:rPr>
+                        <a:t>29</a:t>
+                      </a:r>
+                      <a:endParaRPr lang="en-US" altLang="ko-KR" sz="1000" b="1" i="0" u="none" strike="noStrike">
+                        <a:solidFill>
+                          <a:srgbClr val="000000"/>
+                        </a:solidFill>
+                        <a:effectLst/>
+                        <a:latin typeface="맑은 고딕" panose="020B0503020000020004" pitchFamily="50" charset="-127"/>
+                        <a:ea typeface="맑은 고딕" panose="020B0503020000020004" pitchFamily="50" charset="-127"/>
+                      </a:endParaRPr>
+                    </a:p>
+                  </a:txBody>
+                  <a:tcPr marL="4808" marR="4808" marT="4808" marB="0" anchor="b"/>
+                </a:tc>
+                <a:tc>
+                  <a:txBody>
+                    <a:bodyPr/>
+                    <a:lstStyle/>
+                    <a:p>
+                      <a:pPr algn="r" fontAlgn="b"/>
+                      <a:r>
+                        <a:rPr lang="en-US" altLang="ko-KR" sz="1000" u="none" strike="noStrike">
+                          <a:effectLst/>
+                        </a:rPr>
+                        <a:t>30</a:t>
+                      </a:r>
+                      <a:endParaRPr lang="en-US" altLang="ko-KR" sz="1000" b="1" i="0" u="none" strike="noStrike">
+                        <a:solidFill>
+                          <a:srgbClr val="000000"/>
+                        </a:solidFill>
+                        <a:effectLst/>
+                        <a:latin typeface="맑은 고딕" panose="020B0503020000020004" pitchFamily="50" charset="-127"/>
+                        <a:ea typeface="맑은 고딕" panose="020B0503020000020004" pitchFamily="50" charset="-127"/>
+                      </a:endParaRPr>
+                    </a:p>
+                  </a:txBody>
+                  <a:tcPr marL="4808" marR="4808" marT="4808" marB="0" anchor="b"/>
+                </a:tc>
+                <a:tc>
+                  <a:txBody>
+                    <a:bodyPr/>
+                    <a:lstStyle/>
+                    <a:p>
+                      <a:pPr algn="r" fontAlgn="b"/>
+                      <a:r>
+                        <a:rPr lang="en-US" altLang="ko-KR" sz="1000" u="none" strike="noStrike">
+                          <a:effectLst/>
+                        </a:rPr>
+                        <a:t>1</a:t>
+                      </a:r>
+                      <a:endParaRPr lang="en-US" altLang="ko-KR" sz="1000" b="1" i="0" u="none" strike="noStrike">
+                        <a:solidFill>
+                          <a:srgbClr val="000000"/>
+                        </a:solidFill>
+                        <a:effectLst/>
+                        <a:latin typeface="맑은 고딕" panose="020B0503020000020004" pitchFamily="50" charset="-127"/>
+                        <a:ea typeface="맑은 고딕" panose="020B0503020000020004" pitchFamily="50" charset="-127"/>
+                      </a:endParaRPr>
+                    </a:p>
+                  </a:txBody>
+                  <a:tcPr marL="4808" marR="4808" marT="4808" marB="0" anchor="b"/>
+                </a:tc>
+                <a:tc>
+                  <a:txBody>
+                    <a:bodyPr/>
+                    <a:lstStyle/>
+                    <a:p>
+                      <a:pPr algn="r" fontAlgn="b"/>
+                      <a:r>
+                        <a:rPr lang="en-US" altLang="ko-KR" sz="1000" u="none" strike="noStrike">
+                          <a:effectLst/>
+                        </a:rPr>
+                        <a:t>2</a:t>
+                      </a:r>
+                      <a:endParaRPr lang="en-US" altLang="ko-KR" sz="1000" b="1" i="0" u="none" strike="noStrike">
+                        <a:solidFill>
+                          <a:srgbClr val="000000"/>
+                        </a:solidFill>
+                        <a:effectLst/>
+                        <a:latin typeface="맑은 고딕" panose="020B0503020000020004" pitchFamily="50" charset="-127"/>
+                        <a:ea typeface="맑은 고딕" panose="020B0503020000020004" pitchFamily="50" charset="-127"/>
+                      </a:endParaRPr>
+                    </a:p>
+                  </a:txBody>
+                  <a:tcPr marL="4808" marR="4808" marT="4808" marB="0" anchor="b"/>
+                </a:tc>
+                <a:tc>
+                  <a:txBody>
+                    <a:bodyPr/>
+                    <a:lstStyle/>
+                    <a:p>
+                      <a:pPr algn="r" fontAlgn="b"/>
+                      <a:r>
+                        <a:rPr lang="en-US" altLang="ko-KR" sz="1000" u="none" strike="noStrike">
+                          <a:effectLst/>
+                        </a:rPr>
+                        <a:t>3</a:t>
+                      </a:r>
+                      <a:endParaRPr lang="en-US" altLang="ko-KR" sz="1000" b="1" i="0" u="none" strike="noStrike">
+                        <a:solidFill>
+                          <a:srgbClr val="000000"/>
+                        </a:solidFill>
+                        <a:effectLst/>
+                        <a:latin typeface="맑은 고딕" panose="020B0503020000020004" pitchFamily="50" charset="-127"/>
+                        <a:ea typeface="맑은 고딕" panose="020B0503020000020004" pitchFamily="50" charset="-127"/>
+                      </a:endParaRPr>
+                    </a:p>
+                  </a:txBody>
+                  <a:tcPr marL="4808" marR="4808" marT="4808" marB="0" anchor="b"/>
+                </a:tc>
+                <a:extLst>
+                  <a:ext uri="{0D108BD9-81ED-4DB2-BD59-A6C34878D82A}">
+                    <a16:rowId xmlns:a16="http://schemas.microsoft.com/office/drawing/2014/main" val="3733825267"/>
+                  </a:ext>
+                </a:extLst>
+              </a:tr>
+              <a:tr h="562234">
+                <a:tc>
+                  <a:txBody>
+                    <a:bodyPr/>
+                    <a:lstStyle/>
+                    <a:p>
+                      <a:pPr algn="l" fontAlgn="b"/>
+                      <a:r>
+                        <a:rPr lang="en-US" sz="1000" u="none" strike="noStrike">
+                          <a:effectLst/>
+                        </a:rPr>
+                        <a:t>MakePlayer</a:t>
+                      </a:r>
+                      <a:endParaRPr lang="en-US" sz="1000" b="0" i="0" u="none" strike="noStrike">
+                        <a:solidFill>
+                          <a:srgbClr val="000000"/>
+                        </a:solidFill>
+                        <a:effectLst/>
+                        <a:latin typeface="맑은 고딕" panose="020B0503020000020004" pitchFamily="50" charset="-127"/>
+                        <a:ea typeface="맑은 고딕" panose="020B0503020000020004" pitchFamily="50" charset="-127"/>
+                      </a:endParaRPr>
+                    </a:p>
+                  </a:txBody>
+                  <a:tcPr marL="4808" marR="4808" marT="4808" marB="0" anchor="b"/>
+                </a:tc>
+                <a:tc>
+                  <a:txBody>
+                    <a:bodyPr/>
+                    <a:lstStyle/>
+                    <a:p>
+                      <a:pPr algn="l" fontAlgn="b"/>
+                      <a:r>
+                        <a:rPr lang="en-US" sz="1000" u="none" strike="noStrike">
+                          <a:effectLst/>
+                        </a:rPr>
+                        <a:t>SendPlayerNum</a:t>
+                      </a:r>
+                      <a:endParaRPr lang="en-US" sz="1000" b="0" i="0" u="none" strike="noStrike">
+                        <a:solidFill>
+                          <a:srgbClr val="000000"/>
+                        </a:solidFill>
+                        <a:effectLst/>
+                        <a:latin typeface="맑은 고딕" panose="020B0503020000020004" pitchFamily="50" charset="-127"/>
+                        <a:ea typeface="맑은 고딕" panose="020B0503020000020004" pitchFamily="50" charset="-127"/>
+                      </a:endParaRPr>
+                    </a:p>
+                  </a:txBody>
+                  <a:tcPr marL="4808" marR="4808" marT="4808" marB="0" anchor="b"/>
+                </a:tc>
+                <a:tc>
+                  <a:txBody>
+                    <a:bodyPr/>
+                    <a:lstStyle/>
+                    <a:p>
+                      <a:pPr algn="l" fontAlgn="b"/>
+                      <a:r>
+                        <a:rPr lang="ko-KR" altLang="en-US" sz="1000" u="none" strike="noStrike">
+                          <a:effectLst/>
+                        </a:rPr>
+                        <a:t>　</a:t>
+                      </a:r>
+                      <a:endParaRPr lang="ko-KR" altLang="en-US" sz="1000" b="0" i="0" u="none" strike="noStrike">
+                        <a:solidFill>
+                          <a:srgbClr val="000000"/>
+                        </a:solidFill>
+                        <a:effectLst/>
+                        <a:latin typeface="맑은 고딕" panose="020B0503020000020004" pitchFamily="50" charset="-127"/>
+                        <a:ea typeface="맑은 고딕" panose="020B0503020000020004" pitchFamily="50" charset="-127"/>
+                      </a:endParaRPr>
+                    </a:p>
+                  </a:txBody>
+                  <a:tcPr marL="4808" marR="4808" marT="4808" marB="0" anchor="b"/>
+                </a:tc>
+                <a:tc>
+                  <a:txBody>
+                    <a:bodyPr/>
+                    <a:lstStyle/>
+                    <a:p>
+                      <a:pPr algn="l" fontAlgn="b"/>
+                      <a:r>
+                        <a:rPr lang="en-US" sz="1000" u="none" strike="noStrike">
+                          <a:effectLst/>
+                        </a:rPr>
+                        <a:t>KeySender</a:t>
+                      </a:r>
+                      <a:endParaRPr lang="en-US" sz="1000" b="0" i="0" u="none" strike="noStrike">
+                        <a:solidFill>
+                          <a:srgbClr val="000000"/>
+                        </a:solidFill>
+                        <a:effectLst/>
+                        <a:latin typeface="맑은 고딕" panose="020B0503020000020004" pitchFamily="50" charset="-127"/>
+                        <a:ea typeface="맑은 고딕" panose="020B0503020000020004" pitchFamily="50" charset="-127"/>
+                      </a:endParaRPr>
+                    </a:p>
+                  </a:txBody>
+                  <a:tcPr marL="4808" marR="4808" marT="4808" marB="0" anchor="b"/>
+                </a:tc>
+                <a:tc>
+                  <a:txBody>
+                    <a:bodyPr/>
+                    <a:lstStyle/>
+                    <a:p>
+                      <a:pPr algn="l" fontAlgn="b"/>
+                      <a:r>
+                        <a:rPr lang="en-US" sz="1000" u="none" strike="noStrike">
+                          <a:effectLst/>
+                        </a:rPr>
+                        <a:t>KeyRecevier</a:t>
+                      </a:r>
+                      <a:endParaRPr lang="en-US" sz="1000" b="0" i="0" u="none" strike="noStrike">
+                        <a:solidFill>
+                          <a:srgbClr val="000000"/>
+                        </a:solidFill>
+                        <a:effectLst/>
+                        <a:latin typeface="맑은 고딕" panose="020B0503020000020004" pitchFamily="50" charset="-127"/>
+                        <a:ea typeface="맑은 고딕" panose="020B0503020000020004" pitchFamily="50" charset="-127"/>
+                      </a:endParaRPr>
+                    </a:p>
+                  </a:txBody>
+                  <a:tcPr marL="4808" marR="4808" marT="4808" marB="0" anchor="b"/>
+                </a:tc>
+                <a:tc>
+                  <a:txBody>
+                    <a:bodyPr/>
+                    <a:lstStyle/>
+                    <a:p>
+                      <a:pPr algn="l" fontAlgn="b"/>
+                      <a:r>
+                        <a:rPr lang="en-US" sz="1000" u="none" strike="noStrike">
+                          <a:effectLst/>
+                        </a:rPr>
+                        <a:t>GameObjectManager.SetKeyBoardData</a:t>
+                      </a:r>
+                      <a:endParaRPr lang="en-US" sz="1000" b="0" i="0" u="none" strike="noStrike">
+                        <a:solidFill>
+                          <a:srgbClr val="000000"/>
+                        </a:solidFill>
+                        <a:effectLst/>
+                        <a:latin typeface="맑은 고딕" panose="020B0503020000020004" pitchFamily="50" charset="-127"/>
+                        <a:ea typeface="맑은 고딕" panose="020B0503020000020004" pitchFamily="50" charset="-127"/>
+                      </a:endParaRPr>
+                    </a:p>
+                  </a:txBody>
+                  <a:tcPr marL="4808" marR="4808" marT="4808" marB="0" anchor="b"/>
+                </a:tc>
+                <a:tc>
+                  <a:txBody>
+                    <a:bodyPr/>
+                    <a:lstStyle/>
+                    <a:p>
+                      <a:pPr algn="l" fontAlgn="b"/>
+                      <a:r>
+                        <a:rPr lang="ko-KR" altLang="en-US" sz="1000" u="none" strike="noStrike">
+                          <a:effectLst/>
+                        </a:rPr>
+                        <a:t>알바</a:t>
+                      </a:r>
+                      <a:endParaRPr lang="ko-KR" altLang="en-US" sz="1000" b="0" i="0" u="none" strike="noStrike">
+                        <a:solidFill>
+                          <a:srgbClr val="000000"/>
+                        </a:solidFill>
+                        <a:effectLst/>
+                        <a:latin typeface="맑은 고딕" panose="020B0503020000020004" pitchFamily="50" charset="-127"/>
+                        <a:ea typeface="맑은 고딕" panose="020B0503020000020004" pitchFamily="50" charset="-127"/>
+                      </a:endParaRPr>
+                    </a:p>
+                  </a:txBody>
+                  <a:tcPr marL="4808" marR="4808" marT="4808" marB="0" anchor="b"/>
+                </a:tc>
+                <a:extLst>
+                  <a:ext uri="{0D108BD9-81ED-4DB2-BD59-A6C34878D82A}">
+                    <a16:rowId xmlns:a16="http://schemas.microsoft.com/office/drawing/2014/main" val="572055563"/>
+                  </a:ext>
+                </a:extLst>
+              </a:tr>
+              <a:tr h="159657">
+                <a:tc>
+                  <a:txBody>
+                    <a:bodyPr/>
+                    <a:lstStyle/>
+                    <a:p>
+                      <a:pPr algn="r" fontAlgn="b"/>
+                      <a:r>
+                        <a:rPr lang="en-US" altLang="ko-KR" sz="1000" u="none" strike="noStrike">
+                          <a:effectLst/>
+                        </a:rPr>
+                        <a:t>4</a:t>
+                      </a:r>
+                      <a:endParaRPr lang="en-US" altLang="ko-KR" sz="1000" b="1" i="0" u="none" strike="noStrike">
+                        <a:solidFill>
+                          <a:srgbClr val="000000"/>
+                        </a:solidFill>
+                        <a:effectLst/>
+                        <a:latin typeface="맑은 고딕" panose="020B0503020000020004" pitchFamily="50" charset="-127"/>
+                        <a:ea typeface="맑은 고딕" panose="020B0503020000020004" pitchFamily="50" charset="-127"/>
+                      </a:endParaRPr>
+                    </a:p>
+                  </a:txBody>
+                  <a:tcPr marL="4808" marR="4808" marT="4808" marB="0" anchor="b"/>
+                </a:tc>
+                <a:tc>
+                  <a:txBody>
+                    <a:bodyPr/>
+                    <a:lstStyle/>
+                    <a:p>
+                      <a:pPr algn="r" fontAlgn="b"/>
+                      <a:r>
+                        <a:rPr lang="en-US" altLang="ko-KR" sz="1000" u="none" strike="noStrike">
+                          <a:effectLst/>
+                        </a:rPr>
+                        <a:t>5</a:t>
+                      </a:r>
+                      <a:endParaRPr lang="en-US" altLang="ko-KR" sz="1000" b="1" i="0" u="none" strike="noStrike">
+                        <a:solidFill>
+                          <a:srgbClr val="000000"/>
+                        </a:solidFill>
+                        <a:effectLst/>
+                        <a:latin typeface="맑은 고딕" panose="020B0503020000020004" pitchFamily="50" charset="-127"/>
+                        <a:ea typeface="맑은 고딕" panose="020B0503020000020004" pitchFamily="50" charset="-127"/>
+                      </a:endParaRPr>
+                    </a:p>
+                  </a:txBody>
+                  <a:tcPr marL="4808" marR="4808" marT="4808" marB="0" anchor="b"/>
+                </a:tc>
+                <a:tc>
+                  <a:txBody>
+                    <a:bodyPr/>
+                    <a:lstStyle/>
+                    <a:p>
+                      <a:pPr algn="r" fontAlgn="b"/>
+                      <a:r>
+                        <a:rPr lang="en-US" altLang="ko-KR" sz="1000" u="none" strike="noStrike">
+                          <a:effectLst/>
+                        </a:rPr>
+                        <a:t>6</a:t>
+                      </a:r>
+                      <a:endParaRPr lang="en-US" altLang="ko-KR" sz="1000" b="1" i="0" u="none" strike="noStrike">
+                        <a:solidFill>
+                          <a:srgbClr val="000000"/>
+                        </a:solidFill>
+                        <a:effectLst/>
+                        <a:latin typeface="맑은 고딕" panose="020B0503020000020004" pitchFamily="50" charset="-127"/>
+                        <a:ea typeface="맑은 고딕" panose="020B0503020000020004" pitchFamily="50" charset="-127"/>
+                      </a:endParaRPr>
+                    </a:p>
+                  </a:txBody>
+                  <a:tcPr marL="4808" marR="4808" marT="4808" marB="0" anchor="b"/>
+                </a:tc>
+                <a:tc>
+                  <a:txBody>
+                    <a:bodyPr/>
+                    <a:lstStyle/>
+                    <a:p>
+                      <a:pPr algn="r" fontAlgn="b"/>
+                      <a:r>
+                        <a:rPr lang="en-US" altLang="ko-KR" sz="1000" u="none" strike="noStrike">
+                          <a:effectLst/>
+                        </a:rPr>
+                        <a:t>7</a:t>
+                      </a:r>
+                      <a:endParaRPr lang="en-US" altLang="ko-KR" sz="1000" b="1" i="0" u="none" strike="noStrike">
+                        <a:solidFill>
+                          <a:srgbClr val="000000"/>
+                        </a:solidFill>
+                        <a:effectLst/>
+                        <a:latin typeface="맑은 고딕" panose="020B0503020000020004" pitchFamily="50" charset="-127"/>
+                        <a:ea typeface="맑은 고딕" panose="020B0503020000020004" pitchFamily="50" charset="-127"/>
+                      </a:endParaRPr>
+                    </a:p>
+                  </a:txBody>
+                  <a:tcPr marL="4808" marR="4808" marT="4808" marB="0" anchor="b"/>
+                </a:tc>
+                <a:tc>
+                  <a:txBody>
+                    <a:bodyPr/>
+                    <a:lstStyle/>
+                    <a:p>
+                      <a:pPr algn="r" fontAlgn="b"/>
+                      <a:r>
+                        <a:rPr lang="en-US" altLang="ko-KR" sz="1000" u="none" strike="noStrike">
+                          <a:effectLst/>
+                        </a:rPr>
+                        <a:t>8</a:t>
+                      </a:r>
+                      <a:endParaRPr lang="en-US" altLang="ko-KR" sz="1000" b="1" i="0" u="none" strike="noStrike">
+                        <a:solidFill>
+                          <a:srgbClr val="000000"/>
+                        </a:solidFill>
+                        <a:effectLst/>
+                        <a:latin typeface="맑은 고딕" panose="020B0503020000020004" pitchFamily="50" charset="-127"/>
+                        <a:ea typeface="맑은 고딕" panose="020B0503020000020004" pitchFamily="50" charset="-127"/>
+                      </a:endParaRPr>
+                    </a:p>
+                  </a:txBody>
+                  <a:tcPr marL="4808" marR="4808" marT="4808" marB="0" anchor="b"/>
+                </a:tc>
+                <a:tc>
+                  <a:txBody>
+                    <a:bodyPr/>
+                    <a:lstStyle/>
+                    <a:p>
+                      <a:pPr algn="r" fontAlgn="b"/>
+                      <a:r>
+                        <a:rPr lang="en-US" altLang="ko-KR" sz="1000" u="none" strike="noStrike" dirty="0">
+                          <a:effectLst/>
+                        </a:rPr>
+                        <a:t>9</a:t>
+                      </a:r>
+                      <a:endParaRPr lang="en-US" altLang="ko-KR" sz="1000" b="1" i="0" u="none" strike="noStrike" dirty="0">
+                        <a:solidFill>
+                          <a:srgbClr val="000000"/>
+                        </a:solidFill>
+                        <a:effectLst/>
+                        <a:latin typeface="맑은 고딕" panose="020B0503020000020004" pitchFamily="50" charset="-127"/>
+                        <a:ea typeface="맑은 고딕" panose="020B0503020000020004" pitchFamily="50" charset="-127"/>
+                      </a:endParaRPr>
+                    </a:p>
+                  </a:txBody>
+                  <a:tcPr marL="4808" marR="4808" marT="4808" marB="0" anchor="b"/>
+                </a:tc>
+                <a:tc>
+                  <a:txBody>
+                    <a:bodyPr/>
+                    <a:lstStyle/>
+                    <a:p>
+                      <a:pPr algn="r" fontAlgn="b"/>
+                      <a:r>
+                        <a:rPr lang="en-US" altLang="ko-KR" sz="1000" u="none" strike="noStrike">
+                          <a:effectLst/>
+                        </a:rPr>
+                        <a:t>10</a:t>
+                      </a:r>
+                      <a:endParaRPr lang="en-US" altLang="ko-KR" sz="1000" b="1" i="0" u="none" strike="noStrike">
+                        <a:solidFill>
+                          <a:srgbClr val="000000"/>
+                        </a:solidFill>
+                        <a:effectLst/>
+                        <a:latin typeface="맑은 고딕" panose="020B0503020000020004" pitchFamily="50" charset="-127"/>
+                        <a:ea typeface="맑은 고딕" panose="020B0503020000020004" pitchFamily="50" charset="-127"/>
+                      </a:endParaRPr>
+                    </a:p>
+                  </a:txBody>
+                  <a:tcPr marL="4808" marR="4808" marT="4808" marB="0" anchor="b"/>
+                </a:tc>
+                <a:extLst>
+                  <a:ext uri="{0D108BD9-81ED-4DB2-BD59-A6C34878D82A}">
+                    <a16:rowId xmlns:a16="http://schemas.microsoft.com/office/drawing/2014/main" val="3622815289"/>
+                  </a:ext>
+                </a:extLst>
+              </a:tr>
+              <a:tr h="314431">
+                <a:tc>
+                  <a:txBody>
+                    <a:bodyPr/>
+                    <a:lstStyle/>
+                    <a:p>
+                      <a:pPr algn="l" fontAlgn="b"/>
+                      <a:r>
+                        <a:rPr lang="en-US" sz="1000" u="none" strike="noStrike">
+                          <a:effectLst/>
+                        </a:rPr>
+                        <a:t>KeyBoardManager</a:t>
+                      </a:r>
+                      <a:endParaRPr lang="en-US" sz="1000" b="0" i="0" u="none" strike="noStrike">
+                        <a:solidFill>
+                          <a:srgbClr val="000000"/>
+                        </a:solidFill>
+                        <a:effectLst/>
+                        <a:latin typeface="맑은 고딕" panose="020B0503020000020004" pitchFamily="50" charset="-127"/>
+                        <a:ea typeface="맑은 고딕" panose="020B0503020000020004" pitchFamily="50" charset="-127"/>
+                      </a:endParaRPr>
+                    </a:p>
+                  </a:txBody>
+                  <a:tcPr marL="4808" marR="4808" marT="4808" marB="0" anchor="b"/>
+                </a:tc>
+                <a:tc>
+                  <a:txBody>
+                    <a:bodyPr/>
+                    <a:lstStyle/>
+                    <a:p>
+                      <a:pPr algn="l" fontAlgn="b"/>
+                      <a:r>
+                        <a:rPr lang="en-US" sz="1000" u="none" strike="noStrike">
+                          <a:effectLst/>
+                        </a:rPr>
+                        <a:t>KeyBoardManager.SetKeyBoardData</a:t>
+                      </a:r>
+                      <a:endParaRPr lang="en-US" sz="1000" b="0" i="0" u="none" strike="noStrike">
+                        <a:solidFill>
+                          <a:srgbClr val="000000"/>
+                        </a:solidFill>
+                        <a:effectLst/>
+                        <a:latin typeface="맑은 고딕" panose="020B0503020000020004" pitchFamily="50" charset="-127"/>
+                        <a:ea typeface="맑은 고딕" panose="020B0503020000020004" pitchFamily="50" charset="-127"/>
+                      </a:endParaRPr>
+                    </a:p>
+                  </a:txBody>
+                  <a:tcPr marL="4808" marR="4808" marT="4808" marB="0" anchor="b"/>
+                </a:tc>
+                <a:tc>
+                  <a:txBody>
+                    <a:bodyPr/>
+                    <a:lstStyle/>
+                    <a:p>
+                      <a:pPr algn="l" fontAlgn="b"/>
+                      <a:r>
+                        <a:rPr lang="ko-KR" altLang="en-US" sz="1000" u="none" strike="noStrike">
+                          <a:effectLst/>
+                        </a:rPr>
+                        <a:t>　</a:t>
+                      </a:r>
+                      <a:endParaRPr lang="ko-KR" altLang="en-US" sz="1000" b="0" i="0" u="none" strike="noStrike">
+                        <a:solidFill>
+                          <a:srgbClr val="000000"/>
+                        </a:solidFill>
+                        <a:effectLst/>
+                        <a:latin typeface="맑은 고딕" panose="020B0503020000020004" pitchFamily="50" charset="-127"/>
+                        <a:ea typeface="맑은 고딕" panose="020B0503020000020004" pitchFamily="50" charset="-127"/>
+                      </a:endParaRPr>
+                    </a:p>
+                  </a:txBody>
+                  <a:tcPr marL="4808" marR="4808" marT="4808" marB="0" anchor="b"/>
+                </a:tc>
+                <a:tc>
+                  <a:txBody>
+                    <a:bodyPr/>
+                    <a:lstStyle/>
+                    <a:p>
+                      <a:pPr algn="l" fontAlgn="b"/>
+                      <a:r>
+                        <a:rPr lang="ko-KR" altLang="en-US" sz="1000" u="none" strike="noStrike">
+                          <a:effectLst/>
+                        </a:rPr>
+                        <a:t>　</a:t>
+                      </a:r>
+                      <a:endParaRPr lang="ko-KR" altLang="en-US" sz="1000" b="0" i="0" u="none" strike="noStrike">
+                        <a:solidFill>
+                          <a:srgbClr val="000000"/>
+                        </a:solidFill>
+                        <a:effectLst/>
+                        <a:latin typeface="맑은 고딕" panose="020B0503020000020004" pitchFamily="50" charset="-127"/>
+                        <a:ea typeface="맑은 고딕" panose="020B0503020000020004" pitchFamily="50" charset="-127"/>
+                      </a:endParaRPr>
+                    </a:p>
+                  </a:txBody>
+                  <a:tcPr marL="4808" marR="4808" marT="4808" marB="0" anchor="b"/>
+                </a:tc>
+                <a:tc>
+                  <a:txBody>
+                    <a:bodyPr/>
+                    <a:lstStyle/>
+                    <a:p>
+                      <a:pPr algn="l" fontAlgn="b"/>
+                      <a:r>
+                        <a:rPr lang="ko-KR" altLang="en-US" sz="1000" u="none" strike="noStrike">
+                          <a:effectLst/>
+                        </a:rPr>
+                        <a:t>　</a:t>
+                      </a:r>
+                      <a:endParaRPr lang="ko-KR" altLang="en-US" sz="1000" b="0" i="0" u="none" strike="noStrike">
+                        <a:solidFill>
+                          <a:srgbClr val="000000"/>
+                        </a:solidFill>
+                        <a:effectLst/>
+                        <a:latin typeface="맑은 고딕" panose="020B0503020000020004" pitchFamily="50" charset="-127"/>
+                        <a:ea typeface="맑은 고딕" panose="020B0503020000020004" pitchFamily="50" charset="-127"/>
+                      </a:endParaRPr>
+                    </a:p>
+                  </a:txBody>
+                  <a:tcPr marL="4808" marR="4808" marT="4808" marB="0" anchor="b"/>
+                </a:tc>
+                <a:tc>
+                  <a:txBody>
+                    <a:bodyPr/>
+                    <a:lstStyle/>
+                    <a:p>
+                      <a:pPr algn="l" fontAlgn="b"/>
+                      <a:r>
+                        <a:rPr lang="ko-KR" altLang="en-US" sz="1000" u="none" strike="noStrike">
+                          <a:effectLst/>
+                        </a:rPr>
+                        <a:t>　</a:t>
+                      </a:r>
+                      <a:endParaRPr lang="ko-KR" altLang="en-US" sz="1000" b="0" i="0" u="none" strike="noStrike">
+                        <a:solidFill>
+                          <a:srgbClr val="000000"/>
+                        </a:solidFill>
+                        <a:effectLst/>
+                        <a:latin typeface="맑은 고딕" panose="020B0503020000020004" pitchFamily="50" charset="-127"/>
+                        <a:ea typeface="맑은 고딕" panose="020B0503020000020004" pitchFamily="50" charset="-127"/>
+                      </a:endParaRPr>
+                    </a:p>
+                  </a:txBody>
+                  <a:tcPr marL="4808" marR="4808" marT="4808" marB="0" anchor="b"/>
+                </a:tc>
+                <a:tc>
+                  <a:txBody>
+                    <a:bodyPr/>
+                    <a:lstStyle/>
+                    <a:p>
+                      <a:pPr algn="l" fontAlgn="b"/>
+                      <a:r>
+                        <a:rPr lang="ko-KR" altLang="en-US" sz="1000" u="none" strike="noStrike">
+                          <a:effectLst/>
+                        </a:rPr>
+                        <a:t>알바</a:t>
+                      </a:r>
+                      <a:endParaRPr lang="ko-KR" altLang="en-US" sz="1000" b="0" i="0" u="none" strike="noStrike">
+                        <a:solidFill>
+                          <a:srgbClr val="000000"/>
+                        </a:solidFill>
+                        <a:effectLst/>
+                        <a:latin typeface="맑은 고딕" panose="020B0503020000020004" pitchFamily="50" charset="-127"/>
+                        <a:ea typeface="맑은 고딕" panose="020B0503020000020004" pitchFamily="50" charset="-127"/>
+                      </a:endParaRPr>
+                    </a:p>
+                  </a:txBody>
+                  <a:tcPr marL="4808" marR="4808" marT="4808" marB="0" anchor="b"/>
+                </a:tc>
+                <a:extLst>
+                  <a:ext uri="{0D108BD9-81ED-4DB2-BD59-A6C34878D82A}">
+                    <a16:rowId xmlns:a16="http://schemas.microsoft.com/office/drawing/2014/main" val="1602759467"/>
+                  </a:ext>
+                </a:extLst>
+              </a:tr>
+              <a:tr h="159657">
+                <a:tc>
+                  <a:txBody>
+                    <a:bodyPr/>
+                    <a:lstStyle/>
+                    <a:p>
+                      <a:pPr algn="r" fontAlgn="b"/>
+                      <a:r>
+                        <a:rPr lang="en-US" altLang="ko-KR" sz="1000" u="none" strike="noStrike">
+                          <a:effectLst/>
+                        </a:rPr>
+                        <a:t>11</a:t>
+                      </a:r>
+                      <a:endParaRPr lang="en-US" altLang="ko-KR" sz="1000" b="1" i="0" u="none" strike="noStrike">
+                        <a:solidFill>
+                          <a:srgbClr val="000000"/>
+                        </a:solidFill>
+                        <a:effectLst/>
+                        <a:latin typeface="맑은 고딕" panose="020B0503020000020004" pitchFamily="50" charset="-127"/>
+                        <a:ea typeface="맑은 고딕" panose="020B0503020000020004" pitchFamily="50" charset="-127"/>
+                      </a:endParaRPr>
+                    </a:p>
+                  </a:txBody>
+                  <a:tcPr marL="4808" marR="4808" marT="4808" marB="0" anchor="b"/>
+                </a:tc>
+                <a:tc>
+                  <a:txBody>
+                    <a:bodyPr/>
+                    <a:lstStyle/>
+                    <a:p>
+                      <a:pPr algn="r" fontAlgn="b"/>
+                      <a:r>
+                        <a:rPr lang="en-US" altLang="ko-KR" sz="1000" u="none" strike="noStrike">
+                          <a:effectLst/>
+                        </a:rPr>
+                        <a:t>12</a:t>
+                      </a:r>
+                      <a:endParaRPr lang="en-US" altLang="ko-KR" sz="1000" b="1" i="0" u="none" strike="noStrike">
+                        <a:solidFill>
+                          <a:srgbClr val="000000"/>
+                        </a:solidFill>
+                        <a:effectLst/>
+                        <a:latin typeface="맑은 고딕" panose="020B0503020000020004" pitchFamily="50" charset="-127"/>
+                        <a:ea typeface="맑은 고딕" panose="020B0503020000020004" pitchFamily="50" charset="-127"/>
+                      </a:endParaRPr>
+                    </a:p>
+                  </a:txBody>
+                  <a:tcPr marL="4808" marR="4808" marT="4808" marB="0" anchor="b"/>
+                </a:tc>
+                <a:tc>
+                  <a:txBody>
+                    <a:bodyPr/>
+                    <a:lstStyle/>
+                    <a:p>
+                      <a:pPr algn="r" fontAlgn="b"/>
+                      <a:r>
+                        <a:rPr lang="en-US" altLang="ko-KR" sz="1000" u="none" strike="noStrike">
+                          <a:effectLst/>
+                        </a:rPr>
+                        <a:t>13</a:t>
+                      </a:r>
+                      <a:endParaRPr lang="en-US" altLang="ko-KR" sz="1000" b="1" i="0" u="none" strike="noStrike">
+                        <a:solidFill>
+                          <a:srgbClr val="000000"/>
+                        </a:solidFill>
+                        <a:effectLst/>
+                        <a:latin typeface="맑은 고딕" panose="020B0503020000020004" pitchFamily="50" charset="-127"/>
+                        <a:ea typeface="맑은 고딕" panose="020B0503020000020004" pitchFamily="50" charset="-127"/>
+                      </a:endParaRPr>
+                    </a:p>
+                  </a:txBody>
+                  <a:tcPr marL="4808" marR="4808" marT="4808" marB="0" anchor="b"/>
+                </a:tc>
+                <a:tc>
+                  <a:txBody>
+                    <a:bodyPr/>
+                    <a:lstStyle/>
+                    <a:p>
+                      <a:pPr algn="r" fontAlgn="b"/>
+                      <a:r>
+                        <a:rPr lang="en-US" altLang="ko-KR" sz="1000" u="none" strike="noStrike">
+                          <a:effectLst/>
+                        </a:rPr>
+                        <a:t>14</a:t>
+                      </a:r>
+                      <a:endParaRPr lang="en-US" altLang="ko-KR" sz="1000" b="1" i="0" u="none" strike="noStrike">
+                        <a:solidFill>
+                          <a:srgbClr val="000000"/>
+                        </a:solidFill>
+                        <a:effectLst/>
+                        <a:latin typeface="맑은 고딕" panose="020B0503020000020004" pitchFamily="50" charset="-127"/>
+                        <a:ea typeface="맑은 고딕" panose="020B0503020000020004" pitchFamily="50" charset="-127"/>
+                      </a:endParaRPr>
+                    </a:p>
+                  </a:txBody>
+                  <a:tcPr marL="4808" marR="4808" marT="4808" marB="0" anchor="b"/>
+                </a:tc>
+                <a:tc>
+                  <a:txBody>
+                    <a:bodyPr/>
+                    <a:lstStyle/>
+                    <a:p>
+                      <a:pPr algn="r" fontAlgn="b"/>
+                      <a:r>
+                        <a:rPr lang="en-US" altLang="ko-KR" sz="1000" u="none" strike="noStrike">
+                          <a:effectLst/>
+                        </a:rPr>
+                        <a:t>15</a:t>
+                      </a:r>
+                      <a:endParaRPr lang="en-US" altLang="ko-KR" sz="1000" b="1" i="0" u="none" strike="noStrike">
+                        <a:solidFill>
+                          <a:srgbClr val="000000"/>
+                        </a:solidFill>
+                        <a:effectLst/>
+                        <a:latin typeface="맑은 고딕" panose="020B0503020000020004" pitchFamily="50" charset="-127"/>
+                        <a:ea typeface="맑은 고딕" panose="020B0503020000020004" pitchFamily="50" charset="-127"/>
+                      </a:endParaRPr>
+                    </a:p>
+                  </a:txBody>
+                  <a:tcPr marL="4808" marR="4808" marT="4808" marB="0" anchor="b"/>
+                </a:tc>
+                <a:tc>
+                  <a:txBody>
+                    <a:bodyPr/>
+                    <a:lstStyle/>
+                    <a:p>
+                      <a:pPr algn="r" fontAlgn="b"/>
+                      <a:r>
+                        <a:rPr lang="en-US" altLang="ko-KR" sz="1000" u="none" strike="noStrike">
+                          <a:effectLst/>
+                        </a:rPr>
+                        <a:t>16</a:t>
+                      </a:r>
+                      <a:endParaRPr lang="en-US" altLang="ko-KR" sz="1000" b="1" i="0" u="none" strike="noStrike">
+                        <a:solidFill>
+                          <a:srgbClr val="000000"/>
+                        </a:solidFill>
+                        <a:effectLst/>
+                        <a:latin typeface="맑은 고딕" panose="020B0503020000020004" pitchFamily="50" charset="-127"/>
+                        <a:ea typeface="맑은 고딕" panose="020B0503020000020004" pitchFamily="50" charset="-127"/>
+                      </a:endParaRPr>
+                    </a:p>
+                  </a:txBody>
+                  <a:tcPr marL="4808" marR="4808" marT="4808" marB="0" anchor="b"/>
+                </a:tc>
+                <a:tc>
+                  <a:txBody>
+                    <a:bodyPr/>
+                    <a:lstStyle/>
+                    <a:p>
+                      <a:pPr algn="r" fontAlgn="b"/>
+                      <a:r>
+                        <a:rPr lang="en-US" altLang="ko-KR" sz="1000" u="none" strike="noStrike">
+                          <a:effectLst/>
+                        </a:rPr>
+                        <a:t>17</a:t>
+                      </a:r>
+                      <a:endParaRPr lang="en-US" altLang="ko-KR" sz="1000" b="1" i="0" u="none" strike="noStrike">
+                        <a:solidFill>
+                          <a:srgbClr val="000000"/>
+                        </a:solidFill>
+                        <a:effectLst/>
+                        <a:latin typeface="맑은 고딕" panose="020B0503020000020004" pitchFamily="50" charset="-127"/>
+                        <a:ea typeface="맑은 고딕" panose="020B0503020000020004" pitchFamily="50" charset="-127"/>
+                      </a:endParaRPr>
+                    </a:p>
+                  </a:txBody>
+                  <a:tcPr marL="4808" marR="4808" marT="4808" marB="0" anchor="b"/>
+                </a:tc>
+                <a:extLst>
+                  <a:ext uri="{0D108BD9-81ED-4DB2-BD59-A6C34878D82A}">
+                    <a16:rowId xmlns:a16="http://schemas.microsoft.com/office/drawing/2014/main" val="2794780738"/>
+                  </a:ext>
+                </a:extLst>
+              </a:tr>
+              <a:tr h="159657">
+                <a:tc>
+                  <a:txBody>
+                    <a:bodyPr/>
+                    <a:lstStyle/>
+                    <a:p>
+                      <a:pPr algn="l" fontAlgn="b"/>
+                      <a:r>
+                        <a:rPr lang="ko-KR" altLang="en-US" sz="1000" u="none" strike="noStrike">
+                          <a:effectLst/>
+                        </a:rPr>
+                        <a:t>　</a:t>
+                      </a:r>
+                      <a:endParaRPr lang="ko-KR" altLang="en-US" sz="1000" b="0" i="0" u="none" strike="noStrike">
+                        <a:solidFill>
+                          <a:srgbClr val="000000"/>
+                        </a:solidFill>
+                        <a:effectLst/>
+                        <a:latin typeface="맑은 고딕" panose="020B0503020000020004" pitchFamily="50" charset="-127"/>
+                        <a:ea typeface="맑은 고딕" panose="020B0503020000020004" pitchFamily="50" charset="-127"/>
+                      </a:endParaRPr>
+                    </a:p>
+                  </a:txBody>
+                  <a:tcPr marL="4808" marR="4808" marT="4808" marB="0" anchor="b"/>
+                </a:tc>
+                <a:tc>
+                  <a:txBody>
+                    <a:bodyPr/>
+                    <a:lstStyle/>
+                    <a:p>
+                      <a:pPr algn="l" fontAlgn="b"/>
+                      <a:r>
+                        <a:rPr lang="ko-KR" altLang="en-US" sz="1000" u="none" strike="noStrike">
+                          <a:effectLst/>
+                        </a:rPr>
+                        <a:t>　</a:t>
+                      </a:r>
+                      <a:endParaRPr lang="ko-KR" altLang="en-US" sz="1000" b="0" i="0" u="none" strike="noStrike">
+                        <a:solidFill>
+                          <a:srgbClr val="000000"/>
+                        </a:solidFill>
+                        <a:effectLst/>
+                        <a:latin typeface="맑은 고딕" panose="020B0503020000020004" pitchFamily="50" charset="-127"/>
+                        <a:ea typeface="맑은 고딕" panose="020B0503020000020004" pitchFamily="50" charset="-127"/>
+                      </a:endParaRPr>
+                    </a:p>
+                  </a:txBody>
+                  <a:tcPr marL="4808" marR="4808" marT="4808" marB="0" anchor="b"/>
+                </a:tc>
+                <a:tc>
+                  <a:txBody>
+                    <a:bodyPr/>
+                    <a:lstStyle/>
+                    <a:p>
+                      <a:pPr algn="l" fontAlgn="b"/>
+                      <a:r>
+                        <a:rPr lang="ko-KR" altLang="en-US" sz="1000" u="none" strike="noStrike">
+                          <a:effectLst/>
+                        </a:rPr>
+                        <a:t>　</a:t>
+                      </a:r>
+                      <a:endParaRPr lang="ko-KR" altLang="en-US" sz="1000" b="0" i="0" u="none" strike="noStrike">
+                        <a:solidFill>
+                          <a:srgbClr val="000000"/>
+                        </a:solidFill>
+                        <a:effectLst/>
+                        <a:latin typeface="맑은 고딕" panose="020B0503020000020004" pitchFamily="50" charset="-127"/>
+                        <a:ea typeface="맑은 고딕" panose="020B0503020000020004" pitchFamily="50" charset="-127"/>
+                      </a:endParaRPr>
+                    </a:p>
+                  </a:txBody>
+                  <a:tcPr marL="4808" marR="4808" marT="4808" marB="0" anchor="b"/>
+                </a:tc>
+                <a:tc>
+                  <a:txBody>
+                    <a:bodyPr/>
+                    <a:lstStyle/>
+                    <a:p>
+                      <a:pPr algn="l" fontAlgn="b"/>
+                      <a:r>
+                        <a:rPr lang="ko-KR" altLang="en-US" sz="1000" u="none" strike="noStrike">
+                          <a:effectLst/>
+                        </a:rPr>
+                        <a:t>　</a:t>
+                      </a:r>
+                      <a:endParaRPr lang="ko-KR" altLang="en-US" sz="1000" b="0" i="0" u="none" strike="noStrike">
+                        <a:solidFill>
+                          <a:srgbClr val="000000"/>
+                        </a:solidFill>
+                        <a:effectLst/>
+                        <a:latin typeface="맑은 고딕" panose="020B0503020000020004" pitchFamily="50" charset="-127"/>
+                        <a:ea typeface="맑은 고딕" panose="020B0503020000020004" pitchFamily="50" charset="-127"/>
+                      </a:endParaRPr>
+                    </a:p>
+                  </a:txBody>
+                  <a:tcPr marL="4808" marR="4808" marT="4808" marB="0" anchor="b"/>
+                </a:tc>
+                <a:tc>
+                  <a:txBody>
+                    <a:bodyPr/>
+                    <a:lstStyle/>
+                    <a:p>
+                      <a:pPr algn="l" fontAlgn="b"/>
+                      <a:r>
+                        <a:rPr lang="ko-KR" altLang="en-US" sz="1000" u="none" strike="noStrike">
+                          <a:effectLst/>
+                        </a:rPr>
+                        <a:t>　</a:t>
+                      </a:r>
+                      <a:endParaRPr lang="ko-KR" altLang="en-US" sz="1000" b="0" i="0" u="none" strike="noStrike">
+                        <a:solidFill>
+                          <a:srgbClr val="000000"/>
+                        </a:solidFill>
+                        <a:effectLst/>
+                        <a:latin typeface="맑은 고딕" panose="020B0503020000020004" pitchFamily="50" charset="-127"/>
+                        <a:ea typeface="맑은 고딕" panose="020B0503020000020004" pitchFamily="50" charset="-127"/>
+                      </a:endParaRPr>
+                    </a:p>
+                  </a:txBody>
+                  <a:tcPr marL="4808" marR="4808" marT="4808" marB="0" anchor="b"/>
+                </a:tc>
+                <a:tc>
+                  <a:txBody>
+                    <a:bodyPr/>
+                    <a:lstStyle/>
+                    <a:p>
+                      <a:pPr algn="l" fontAlgn="b"/>
+                      <a:r>
+                        <a:rPr lang="ko-KR" altLang="en-US" sz="1000" u="none" strike="noStrike">
+                          <a:effectLst/>
+                        </a:rPr>
+                        <a:t>　</a:t>
+                      </a:r>
+                      <a:endParaRPr lang="ko-KR" altLang="en-US" sz="1000" b="0" i="0" u="none" strike="noStrike">
+                        <a:solidFill>
+                          <a:srgbClr val="000000"/>
+                        </a:solidFill>
+                        <a:effectLst/>
+                        <a:latin typeface="맑은 고딕" panose="020B0503020000020004" pitchFamily="50" charset="-127"/>
+                        <a:ea typeface="맑은 고딕" panose="020B0503020000020004" pitchFamily="50" charset="-127"/>
+                      </a:endParaRPr>
+                    </a:p>
+                  </a:txBody>
+                  <a:tcPr marL="4808" marR="4808" marT="4808" marB="0" anchor="b"/>
+                </a:tc>
+                <a:tc>
+                  <a:txBody>
+                    <a:bodyPr/>
+                    <a:lstStyle/>
+                    <a:p>
+                      <a:pPr algn="l" fontAlgn="b"/>
+                      <a:r>
+                        <a:rPr lang="ko-KR" altLang="en-US" sz="1000" u="none" strike="noStrike" dirty="0">
+                          <a:effectLst/>
+                        </a:rPr>
+                        <a:t>　</a:t>
+                      </a:r>
+                      <a:endParaRPr lang="ko-KR" altLang="en-US" sz="1000" b="0" i="0" u="none" strike="noStrike" dirty="0">
+                        <a:solidFill>
+                          <a:srgbClr val="000000"/>
+                        </a:solidFill>
+                        <a:effectLst/>
+                        <a:latin typeface="맑은 고딕" panose="020B0503020000020004" pitchFamily="50" charset="-127"/>
+                        <a:ea typeface="맑은 고딕" panose="020B0503020000020004" pitchFamily="50" charset="-127"/>
+                      </a:endParaRPr>
+                    </a:p>
+                  </a:txBody>
+                  <a:tcPr marL="4808" marR="4808" marT="4808" marB="0" anchor="b"/>
+                </a:tc>
+                <a:extLst>
+                  <a:ext uri="{0D108BD9-81ED-4DB2-BD59-A6C34878D82A}">
+                    <a16:rowId xmlns:a16="http://schemas.microsoft.com/office/drawing/2014/main" val="1202935336"/>
+                  </a:ext>
+                </a:extLst>
+              </a:tr>
+            </a:tbl>
+          </a:graphicData>
+        </a:graphic>
+      </p:graphicFrame>
+    </p:spTree>
+    <p:extLst>
+      <p:ext uri="{BB962C8B-B14F-4D97-AF65-F5344CB8AC3E}">
+        <p14:creationId xmlns:p14="http://schemas.microsoft.com/office/powerpoint/2010/main" val="603282596"/>
       </p:ext>
     </p:extLst>
   </p:cSld>
